--- a/djangoISSSTE/static/ppt/Ficha_Tecnica_Avance.pptx
+++ b/djangoISSSTE/static/ppt/Ficha_Tecnica_Avance.pptx
@@ -3575,2313 +3575,6 @@
           <a:chExt cx="0" cy="0"/>
         </a:xfrm>
       </p:grpSpPr>
-      <p:sp>
-        <p:nvSpPr>
-          <p:cNvPr id="4" name="Rectángulo 3"/>
-          <p:cNvSpPr/>
-          <p:nvPr/>
-        </p:nvSpPr>
-        <p:spPr>
-          <a:xfrm>
-            <a:off x="241738" y="1345323"/>
-            <a:ext cx="11729545" cy="1042221"/>
-          </a:xfrm>
-          <a:prstGeom prst="rect">
-            <a:avLst/>
-          </a:prstGeom>
-          <a:noFill/>
-          <a:ln w="19050">
-            <a:solidFill>
-              <a:schemeClr val="accent6">
-                <a:lumMod val="50000"/>
-              </a:schemeClr>
-            </a:solidFill>
-          </a:ln>
-        </p:spPr>
-        <p:style>
-          <a:lnRef idx="2">
-            <a:schemeClr val="accent1">
-              <a:shade val="50000"/>
-            </a:schemeClr>
-          </a:lnRef>
-          <a:fillRef idx="1">
-            <a:schemeClr val="accent1"/>
-          </a:fillRef>
-          <a:effectRef idx="0">
-            <a:schemeClr val="accent1"/>
-          </a:effectRef>
-          <a:fontRef idx="minor">
-            <a:schemeClr val="lt1"/>
-          </a:fontRef>
-        </p:style>
-        <p:txBody>
-          <a:bodyPr rtlCol="0" anchor="ctr"/>
-          <a:lstStyle/>
-          <a:p>
-            <a:pPr algn="ctr"/>
-            <a:endParaRPr lang="es-ES_tradnl"/>
-          </a:p>
-        </p:txBody>
-      </p:sp>
-      <p:sp>
-        <p:nvSpPr>
-          <p:cNvPr id="5" name="Rectángulo 4"/>
-          <p:cNvSpPr/>
-          <p:nvPr/>
-        </p:nvSpPr>
-        <p:spPr>
-          <a:xfrm>
-            <a:off x="241738" y="2472157"/>
-            <a:ext cx="11729545" cy="3641034"/>
-          </a:xfrm>
-          <a:prstGeom prst="rect">
-            <a:avLst/>
-          </a:prstGeom>
-          <a:noFill/>
-          <a:ln w="19050">
-            <a:solidFill>
-              <a:schemeClr val="accent6">
-                <a:lumMod val="50000"/>
-              </a:schemeClr>
-            </a:solidFill>
-          </a:ln>
-        </p:spPr>
-        <p:style>
-          <a:lnRef idx="2">
-            <a:schemeClr val="accent1">
-              <a:shade val="50000"/>
-            </a:schemeClr>
-          </a:lnRef>
-          <a:fillRef idx="1">
-            <a:schemeClr val="accent1"/>
-          </a:fillRef>
-          <a:effectRef idx="0">
-            <a:schemeClr val="accent1"/>
-          </a:effectRef>
-          <a:fontRef idx="minor">
-            <a:schemeClr val="lt1"/>
-          </a:fontRef>
-        </p:style>
-        <p:txBody>
-          <a:bodyPr rtlCol="0" anchor="ctr"/>
-          <a:lstStyle/>
-          <a:p>
-            <a:pPr algn="ctr"/>
-            <a:endParaRPr lang="es-ES_tradnl"/>
-          </a:p>
-        </p:txBody>
-      </p:sp>
-      <p:graphicFrame>
-        <p:nvGraphicFramePr>
-          <p:cNvPr id="21" name="Tabla 20"/>
-          <p:cNvGraphicFramePr>
-            <a:graphicFrameLocks noGrp="1"/>
-          </p:cNvGraphicFramePr>
-          <p:nvPr>
-            <p:extLst>
-              <p:ext uri="{D42A27DB-BD31-4B8C-83A1-F6EECF244321}">
-                <p14:modId xmlns:p14="http://schemas.microsoft.com/office/powerpoint/2010/main" val="117668424"/>
-              </p:ext>
-            </p:extLst>
-          </p:nvPr>
-        </p:nvGraphicFramePr>
-        <p:xfrm>
-          <a:off x="325815" y="2742457"/>
-          <a:ext cx="11519342" cy="3053814"/>
-        </p:xfrm>
-        <a:graphic>
-          <a:graphicData uri="http://schemas.openxmlformats.org/drawingml/2006/table">
-            <a:tbl>
-              <a:tblPr firstRow="1" bandRow="1">
-                <a:tableStyleId>{F5AB1C69-6EDB-4FF4-983F-18BD219EF322}</a:tableStyleId>
-              </a:tblPr>
-              <a:tblGrid>
-                <a:gridCol w="493992"/>
-                <a:gridCol w="1313793"/>
-                <a:gridCol w="624114"/>
-                <a:gridCol w="580572"/>
-                <a:gridCol w="609600"/>
-                <a:gridCol w="537028"/>
-                <a:gridCol w="537029"/>
-                <a:gridCol w="551543"/>
-                <a:gridCol w="580571"/>
-                <a:gridCol w="609600"/>
-                <a:gridCol w="740229"/>
-                <a:gridCol w="653143"/>
-                <a:gridCol w="711200"/>
-                <a:gridCol w="740228"/>
-                <a:gridCol w="1074057"/>
-                <a:gridCol w="1162643"/>
-              </a:tblGrid>
-              <a:tr h="267917">
-                <a:tc gridSpan="14">
-                  <a:txBody>
-                    <a:bodyPr/>
-                    <a:lstStyle/>
-                    <a:p>
-                      <a:pPr algn="ctr"/>
-                      <a:r>
-                        <a:rPr lang="es-ES_tradnl" sz="1100" b="1" dirty="0" smtClean="0">
-                          <a:latin typeface="Arial" charset="0"/>
-                          <a:ea typeface="Arial" charset="0"/>
-                          <a:cs typeface="Arial" charset="0"/>
-                        </a:rPr>
-                        <a:t>Avances Mensuales</a:t>
-                      </a:r>
-                      <a:endParaRPr lang="es-ES_tradnl" sz="1100" b="1" dirty="0">
-                        <a:latin typeface="Arial" charset="0"/>
-                        <a:ea typeface="Arial" charset="0"/>
-                        <a:cs typeface="Arial" charset="0"/>
-                      </a:endParaRPr>
-                    </a:p>
-                  </a:txBody>
-                  <a:tcPr/>
-                </a:tc>
-                <a:tc hMerge="1">
-                  <a:txBody>
-                    <a:bodyPr/>
-                    <a:lstStyle/>
-                    <a:p>
-                      <a:endParaRPr lang="es-ES_tradnl"/>
-                    </a:p>
-                  </a:txBody>
-                  <a:tcPr/>
-                </a:tc>
-                <a:tc hMerge="1">
-                  <a:txBody>
-                    <a:bodyPr/>
-                    <a:lstStyle/>
-                    <a:p>
-                      <a:endParaRPr lang="es-ES_tradnl"/>
-                    </a:p>
-                  </a:txBody>
-                  <a:tcPr/>
-                </a:tc>
-                <a:tc hMerge="1">
-                  <a:txBody>
-                    <a:bodyPr/>
-                    <a:lstStyle/>
-                    <a:p>
-                      <a:endParaRPr lang="es-ES_tradnl"/>
-                    </a:p>
-                  </a:txBody>
-                  <a:tcPr/>
-                </a:tc>
-                <a:tc hMerge="1">
-                  <a:txBody>
-                    <a:bodyPr/>
-                    <a:lstStyle/>
-                    <a:p>
-                      <a:endParaRPr lang="es-ES_tradnl"/>
-                    </a:p>
-                  </a:txBody>
-                  <a:tcPr/>
-                </a:tc>
-                <a:tc hMerge="1">
-                  <a:txBody>
-                    <a:bodyPr/>
-                    <a:lstStyle/>
-                    <a:p>
-                      <a:endParaRPr lang="es-ES_tradnl"/>
-                    </a:p>
-                  </a:txBody>
-                  <a:tcPr/>
-                </a:tc>
-                <a:tc hMerge="1">
-                  <a:txBody>
-                    <a:bodyPr/>
-                    <a:lstStyle/>
-                    <a:p>
-                      <a:endParaRPr lang="es-ES_tradnl"/>
-                    </a:p>
-                  </a:txBody>
-                  <a:tcPr/>
-                </a:tc>
-                <a:tc hMerge="1">
-                  <a:txBody>
-                    <a:bodyPr/>
-                    <a:lstStyle/>
-                    <a:p>
-                      <a:endParaRPr lang="es-ES_tradnl"/>
-                    </a:p>
-                  </a:txBody>
-                  <a:tcPr/>
-                </a:tc>
-                <a:tc hMerge="1">
-                  <a:txBody>
-                    <a:bodyPr/>
-                    <a:lstStyle/>
-                    <a:p>
-                      <a:endParaRPr lang="es-ES_tradnl"/>
-                    </a:p>
-                  </a:txBody>
-                  <a:tcPr/>
-                </a:tc>
-                <a:tc hMerge="1">
-                  <a:txBody>
-                    <a:bodyPr/>
-                    <a:lstStyle/>
-                    <a:p>
-                      <a:endParaRPr lang="es-ES_tradnl"/>
-                    </a:p>
-                  </a:txBody>
-                  <a:tcPr/>
-                </a:tc>
-                <a:tc hMerge="1">
-                  <a:txBody>
-                    <a:bodyPr/>
-                    <a:lstStyle/>
-                    <a:p>
-                      <a:endParaRPr lang="es-ES_tradnl"/>
-                    </a:p>
-                  </a:txBody>
-                  <a:tcPr/>
-                </a:tc>
-                <a:tc hMerge="1">
-                  <a:txBody>
-                    <a:bodyPr/>
-                    <a:lstStyle/>
-                    <a:p>
-                      <a:endParaRPr lang="es-ES_tradnl"/>
-                    </a:p>
-                  </a:txBody>
-                  <a:tcPr/>
-                </a:tc>
-                <a:tc hMerge="1">
-                  <a:txBody>
-                    <a:bodyPr/>
-                    <a:lstStyle/>
-                    <a:p>
-                      <a:endParaRPr lang="es-ES_tradnl"/>
-                    </a:p>
-                  </a:txBody>
-                  <a:tcPr/>
-                </a:tc>
-                <a:tc hMerge="1">
-                  <a:txBody>
-                    <a:bodyPr/>
-                    <a:lstStyle/>
-                    <a:p>
-                      <a:endParaRPr lang="es-ES_tradnl"/>
-                    </a:p>
-                  </a:txBody>
-                  <a:tcPr/>
-                </a:tc>
-                <a:tc rowSpan="2">
-                  <a:txBody>
-                    <a:bodyPr/>
-                    <a:lstStyle/>
-                    <a:p>
-                      <a:pPr algn="ctr"/>
-                      <a:r>
-                        <a:rPr lang="es-ES_tradnl" sz="1100" dirty="0" smtClean="0">
-                          <a:latin typeface="Arial" charset="0"/>
-                          <a:ea typeface="Arial" charset="0"/>
-                          <a:cs typeface="Arial" charset="0"/>
-                        </a:rPr>
-                        <a:t>Avance Acumulado</a:t>
-                      </a:r>
-                      <a:endParaRPr lang="es-ES_tradnl" sz="1100" dirty="0">
-                        <a:latin typeface="Arial" charset="0"/>
-                        <a:ea typeface="Arial" charset="0"/>
-                        <a:cs typeface="Arial" charset="0"/>
-                      </a:endParaRPr>
-                    </a:p>
-                  </a:txBody>
-                  <a:tcPr/>
-                </a:tc>
-                <a:tc rowSpan="2">
-                  <a:txBody>
-                    <a:bodyPr/>
-                    <a:lstStyle/>
-                    <a:p>
-                      <a:pPr algn="ctr"/>
-                      <a:r>
-                        <a:rPr lang="es-ES_tradnl" sz="1100" dirty="0" err="1" smtClean="0">
-                          <a:latin typeface="Arial" charset="0"/>
-                          <a:ea typeface="Arial" charset="0"/>
-                          <a:cs typeface="Arial" charset="0"/>
-                        </a:rPr>
-                        <a:t>Inversi</a:t>
-                      </a:r>
-                      <a:r>
-                        <a:rPr lang="es-ES" sz="1100" dirty="0" err="1" smtClean="0">
-                          <a:latin typeface="Arial" charset="0"/>
-                          <a:ea typeface="Arial" charset="0"/>
-                          <a:cs typeface="Arial" charset="0"/>
-                        </a:rPr>
-                        <a:t>ón</a:t>
-                      </a:r>
-                      <a:r>
-                        <a:rPr lang="es-ES" sz="1100" dirty="0" smtClean="0">
-                          <a:latin typeface="Arial" charset="0"/>
-                          <a:ea typeface="Arial" charset="0"/>
-                          <a:cs typeface="Arial" charset="0"/>
-                        </a:rPr>
-                        <a:t> aproximada acumulada</a:t>
-                      </a:r>
-                      <a:endParaRPr lang="es-ES_tradnl" sz="1100" dirty="0">
-                        <a:latin typeface="Arial" charset="0"/>
-                        <a:ea typeface="Arial" charset="0"/>
-                        <a:cs typeface="Arial" charset="0"/>
-                      </a:endParaRPr>
-                    </a:p>
-                  </a:txBody>
-                  <a:tcPr/>
-                </a:tc>
-              </a:tr>
-              <a:tr h="346717">
-                <a:tc>
-                  <a:txBody>
-                    <a:bodyPr/>
-                    <a:lstStyle/>
-                    <a:p>
-                      <a:pPr algn="ctr"/>
-                      <a:r>
-                        <a:rPr lang="es-ES_tradnl" sz="1100" b="1" dirty="0" smtClean="0">
-                          <a:latin typeface="Arial" charset="0"/>
-                          <a:ea typeface="Arial" charset="0"/>
-                          <a:cs typeface="Arial" charset="0"/>
-                        </a:rPr>
-                        <a:t>No.</a:t>
-                      </a:r>
-                      <a:endParaRPr lang="es-ES_tradnl" sz="1100" b="1" dirty="0">
-                        <a:latin typeface="Arial" charset="0"/>
-                        <a:ea typeface="Arial" charset="0"/>
-                        <a:cs typeface="Arial" charset="0"/>
-                      </a:endParaRPr>
-                    </a:p>
-                  </a:txBody>
-                  <a:tcPr/>
-                </a:tc>
-                <a:tc>
-                  <a:txBody>
-                    <a:bodyPr/>
-                    <a:lstStyle/>
-                    <a:p>
-                      <a:pPr algn="ctr"/>
-                      <a:r>
-                        <a:rPr lang="es-ES_tradnl" sz="1100" b="1" dirty="0" smtClean="0">
-                          <a:latin typeface="Arial" charset="0"/>
-                          <a:ea typeface="Arial" charset="0"/>
-                          <a:cs typeface="Arial" charset="0"/>
-                        </a:rPr>
-                        <a:t>Municipio</a:t>
-                      </a:r>
-                      <a:endParaRPr lang="es-ES_tradnl" sz="1100" b="1" dirty="0">
-                        <a:latin typeface="Arial" charset="0"/>
-                        <a:ea typeface="Arial" charset="0"/>
-                        <a:cs typeface="Arial" charset="0"/>
-                      </a:endParaRPr>
-                    </a:p>
-                  </a:txBody>
-                  <a:tcPr/>
-                </a:tc>
-                <a:tc>
-                  <a:txBody>
-                    <a:bodyPr/>
-                    <a:lstStyle/>
-                    <a:p>
-                      <a:pPr algn="ctr"/>
-                      <a:r>
-                        <a:rPr lang="es-ES_tradnl" sz="1100" b="1" dirty="0" smtClean="0">
-                          <a:latin typeface="Arial" charset="0"/>
-                          <a:ea typeface="Arial" charset="0"/>
-                          <a:cs typeface="Arial" charset="0"/>
-                        </a:rPr>
-                        <a:t>ENE</a:t>
-                      </a:r>
-                      <a:endParaRPr lang="es-ES_tradnl" sz="1100" b="1" dirty="0">
-                        <a:latin typeface="Arial" charset="0"/>
-                        <a:ea typeface="Arial" charset="0"/>
-                        <a:cs typeface="Arial" charset="0"/>
-                      </a:endParaRPr>
-                    </a:p>
-                  </a:txBody>
-                  <a:tcPr/>
-                </a:tc>
-                <a:tc>
-                  <a:txBody>
-                    <a:bodyPr/>
-                    <a:lstStyle/>
-                    <a:p>
-                      <a:pPr algn="ctr"/>
-                      <a:r>
-                        <a:rPr lang="es-ES_tradnl" sz="1100" b="1" dirty="0" smtClean="0">
-                          <a:latin typeface="Arial" charset="0"/>
-                          <a:ea typeface="Arial" charset="0"/>
-                          <a:cs typeface="Arial" charset="0"/>
-                        </a:rPr>
-                        <a:t>FEB</a:t>
-                      </a:r>
-                      <a:endParaRPr lang="es-ES_tradnl" sz="1100" b="1" dirty="0">
-                        <a:latin typeface="Arial" charset="0"/>
-                        <a:ea typeface="Arial" charset="0"/>
-                        <a:cs typeface="Arial" charset="0"/>
-                      </a:endParaRPr>
-                    </a:p>
-                  </a:txBody>
-                  <a:tcPr/>
-                </a:tc>
-                <a:tc>
-                  <a:txBody>
-                    <a:bodyPr/>
-                    <a:lstStyle/>
-                    <a:p>
-                      <a:pPr algn="ctr"/>
-                      <a:r>
-                        <a:rPr lang="es-ES_tradnl" sz="1100" b="1" dirty="0" smtClean="0">
-                          <a:latin typeface="Arial" charset="0"/>
-                          <a:ea typeface="Arial" charset="0"/>
-                          <a:cs typeface="Arial" charset="0"/>
-                        </a:rPr>
-                        <a:t>MAR</a:t>
-                      </a:r>
-                      <a:endParaRPr lang="es-ES_tradnl" sz="1100" b="1" dirty="0">
-                        <a:latin typeface="Arial" charset="0"/>
-                        <a:ea typeface="Arial" charset="0"/>
-                        <a:cs typeface="Arial" charset="0"/>
-                      </a:endParaRPr>
-                    </a:p>
-                  </a:txBody>
-                  <a:tcPr/>
-                </a:tc>
-                <a:tc>
-                  <a:txBody>
-                    <a:bodyPr/>
-                    <a:lstStyle/>
-                    <a:p>
-                      <a:pPr algn="ctr"/>
-                      <a:r>
-                        <a:rPr lang="es-ES_tradnl" sz="1100" b="1" dirty="0" smtClean="0">
-                          <a:latin typeface="Arial" charset="0"/>
-                          <a:ea typeface="Arial" charset="0"/>
-                          <a:cs typeface="Arial" charset="0"/>
-                        </a:rPr>
-                        <a:t>ABR</a:t>
-                      </a:r>
-                      <a:endParaRPr lang="es-ES_tradnl" sz="1100" b="1" dirty="0">
-                        <a:latin typeface="Arial" charset="0"/>
-                        <a:ea typeface="Arial" charset="0"/>
-                        <a:cs typeface="Arial" charset="0"/>
-                      </a:endParaRPr>
-                    </a:p>
-                  </a:txBody>
-                  <a:tcPr/>
-                </a:tc>
-                <a:tc>
-                  <a:txBody>
-                    <a:bodyPr/>
-                    <a:lstStyle/>
-                    <a:p>
-                      <a:pPr algn="ctr"/>
-                      <a:r>
-                        <a:rPr lang="es-ES_tradnl" sz="1100" b="1" dirty="0" smtClean="0">
-                          <a:latin typeface="Arial" charset="0"/>
-                          <a:ea typeface="Arial" charset="0"/>
-                          <a:cs typeface="Arial" charset="0"/>
-                        </a:rPr>
-                        <a:t>MAY</a:t>
-                      </a:r>
-                      <a:endParaRPr lang="es-ES_tradnl" sz="1100" b="1" dirty="0">
-                        <a:latin typeface="Arial" charset="0"/>
-                        <a:ea typeface="Arial" charset="0"/>
-                        <a:cs typeface="Arial" charset="0"/>
-                      </a:endParaRPr>
-                    </a:p>
-                  </a:txBody>
-                  <a:tcPr/>
-                </a:tc>
-                <a:tc>
-                  <a:txBody>
-                    <a:bodyPr/>
-                    <a:lstStyle/>
-                    <a:p>
-                      <a:pPr algn="ctr"/>
-                      <a:r>
-                        <a:rPr lang="es-ES_tradnl" sz="1100" b="1" dirty="0" smtClean="0">
-                          <a:latin typeface="Arial" charset="0"/>
-                          <a:ea typeface="Arial" charset="0"/>
-                          <a:cs typeface="Arial" charset="0"/>
-                        </a:rPr>
-                        <a:t>JUN</a:t>
-                      </a:r>
-                      <a:endParaRPr lang="es-ES_tradnl" sz="1100" b="1" dirty="0">
-                        <a:latin typeface="Arial" charset="0"/>
-                        <a:ea typeface="Arial" charset="0"/>
-                        <a:cs typeface="Arial" charset="0"/>
-                      </a:endParaRPr>
-                    </a:p>
-                  </a:txBody>
-                  <a:tcPr/>
-                </a:tc>
-                <a:tc>
-                  <a:txBody>
-                    <a:bodyPr/>
-                    <a:lstStyle/>
-                    <a:p>
-                      <a:pPr algn="ctr"/>
-                      <a:r>
-                        <a:rPr lang="es-ES_tradnl" sz="1100" b="1" dirty="0" smtClean="0">
-                          <a:latin typeface="Arial" charset="0"/>
-                          <a:ea typeface="Arial" charset="0"/>
-                          <a:cs typeface="Arial" charset="0"/>
-                        </a:rPr>
-                        <a:t>JUL</a:t>
-                      </a:r>
-                      <a:endParaRPr lang="es-ES_tradnl" sz="1100" b="1" dirty="0">
-                        <a:latin typeface="Arial" charset="0"/>
-                        <a:ea typeface="Arial" charset="0"/>
-                        <a:cs typeface="Arial" charset="0"/>
-                      </a:endParaRPr>
-                    </a:p>
-                  </a:txBody>
-                  <a:tcPr/>
-                </a:tc>
-                <a:tc>
-                  <a:txBody>
-                    <a:bodyPr/>
-                    <a:lstStyle/>
-                    <a:p>
-                      <a:pPr algn="ctr"/>
-                      <a:r>
-                        <a:rPr lang="es-ES_tradnl" sz="1100" b="1" dirty="0" smtClean="0">
-                          <a:latin typeface="Arial" charset="0"/>
-                          <a:ea typeface="Arial" charset="0"/>
-                          <a:cs typeface="Arial" charset="0"/>
-                        </a:rPr>
-                        <a:t>AGO</a:t>
-                      </a:r>
-                      <a:endParaRPr lang="es-ES_tradnl" sz="1100" b="1" dirty="0">
-                        <a:latin typeface="Arial" charset="0"/>
-                        <a:ea typeface="Arial" charset="0"/>
-                        <a:cs typeface="Arial" charset="0"/>
-                      </a:endParaRPr>
-                    </a:p>
-                  </a:txBody>
-                  <a:tcPr/>
-                </a:tc>
-                <a:tc>
-                  <a:txBody>
-                    <a:bodyPr/>
-                    <a:lstStyle/>
-                    <a:p>
-                      <a:pPr algn="ctr"/>
-                      <a:r>
-                        <a:rPr lang="es-ES_tradnl" sz="1100" b="1" dirty="0" smtClean="0">
-                          <a:latin typeface="Arial" charset="0"/>
-                          <a:ea typeface="Arial" charset="0"/>
-                          <a:cs typeface="Arial" charset="0"/>
-                        </a:rPr>
-                        <a:t>SEP</a:t>
-                      </a:r>
-                      <a:endParaRPr lang="es-ES_tradnl" sz="1100" b="1" dirty="0">
-                        <a:latin typeface="Arial" charset="0"/>
-                        <a:ea typeface="Arial" charset="0"/>
-                        <a:cs typeface="Arial" charset="0"/>
-                      </a:endParaRPr>
-                    </a:p>
-                  </a:txBody>
-                  <a:tcPr/>
-                </a:tc>
-                <a:tc>
-                  <a:txBody>
-                    <a:bodyPr/>
-                    <a:lstStyle/>
-                    <a:p>
-                      <a:pPr algn="ctr"/>
-                      <a:r>
-                        <a:rPr lang="es-ES_tradnl" sz="1100" b="1" dirty="0" smtClean="0">
-                          <a:latin typeface="Arial" charset="0"/>
-                          <a:ea typeface="Arial" charset="0"/>
-                          <a:cs typeface="Arial" charset="0"/>
-                        </a:rPr>
-                        <a:t>OCT</a:t>
-                      </a:r>
-                      <a:endParaRPr lang="es-ES_tradnl" sz="1100" b="1" dirty="0">
-                        <a:latin typeface="Arial" charset="0"/>
-                        <a:ea typeface="Arial" charset="0"/>
-                        <a:cs typeface="Arial" charset="0"/>
-                      </a:endParaRPr>
-                    </a:p>
-                  </a:txBody>
-                  <a:tcPr/>
-                </a:tc>
-                <a:tc>
-                  <a:txBody>
-                    <a:bodyPr/>
-                    <a:lstStyle/>
-                    <a:p>
-                      <a:pPr algn="ctr"/>
-                      <a:r>
-                        <a:rPr lang="es-ES_tradnl" sz="1100" b="1" dirty="0" smtClean="0">
-                          <a:latin typeface="Arial" charset="0"/>
-                          <a:ea typeface="Arial" charset="0"/>
-                          <a:cs typeface="Arial" charset="0"/>
-                        </a:rPr>
-                        <a:t>NOV</a:t>
-                      </a:r>
-                      <a:endParaRPr lang="es-ES_tradnl" sz="1100" b="1" dirty="0">
-                        <a:latin typeface="Arial" charset="0"/>
-                        <a:ea typeface="Arial" charset="0"/>
-                        <a:cs typeface="Arial" charset="0"/>
-                      </a:endParaRPr>
-                    </a:p>
-                  </a:txBody>
-                  <a:tcPr/>
-                </a:tc>
-                <a:tc>
-                  <a:txBody>
-                    <a:bodyPr/>
-                    <a:lstStyle/>
-                    <a:p>
-                      <a:pPr algn="ctr"/>
-                      <a:r>
-                        <a:rPr lang="es-ES_tradnl" sz="1100" b="1" dirty="0" smtClean="0">
-                          <a:latin typeface="Arial" charset="0"/>
-                          <a:ea typeface="Arial" charset="0"/>
-                          <a:cs typeface="Arial" charset="0"/>
-                        </a:rPr>
-                        <a:t>DIC</a:t>
-                      </a:r>
-                      <a:endParaRPr lang="es-ES_tradnl" sz="1100" b="1" dirty="0">
-                        <a:latin typeface="Arial" charset="0"/>
-                        <a:ea typeface="Arial" charset="0"/>
-                        <a:cs typeface="Arial" charset="0"/>
-                      </a:endParaRPr>
-                    </a:p>
-                  </a:txBody>
-                  <a:tcPr/>
-                </a:tc>
-                <a:tc vMerge="1">
-                  <a:txBody>
-                    <a:bodyPr/>
-                    <a:lstStyle/>
-                    <a:p>
-                      <a:endParaRPr lang="es-ES_tradnl"/>
-                    </a:p>
-                  </a:txBody>
-                  <a:tcPr/>
-                </a:tc>
-                <a:tc vMerge="1">
-                  <a:txBody>
-                    <a:bodyPr/>
-                    <a:lstStyle/>
-                    <a:p>
-                      <a:endParaRPr lang="es-ES_tradnl"/>
-                    </a:p>
-                  </a:txBody>
-                  <a:tcPr/>
-                </a:tc>
-              </a:tr>
-              <a:tr h="406530">
-                <a:tc>
-                  <a:txBody>
-                    <a:bodyPr/>
-                    <a:lstStyle/>
-                    <a:p>
-                      <a:endParaRPr lang="es-ES_tradnl" sz="1100" dirty="0">
-                        <a:latin typeface="Arial" charset="0"/>
-                        <a:ea typeface="Arial" charset="0"/>
-                        <a:cs typeface="Arial" charset="0"/>
-                      </a:endParaRPr>
-                    </a:p>
-                  </a:txBody>
-                  <a:tcPr/>
-                </a:tc>
-                <a:tc>
-                  <a:txBody>
-                    <a:bodyPr/>
-                    <a:lstStyle/>
-                    <a:p>
-                      <a:endParaRPr lang="es-ES_tradnl" sz="1100" dirty="0">
-                        <a:latin typeface="Arial" charset="0"/>
-                        <a:ea typeface="Arial" charset="0"/>
-                        <a:cs typeface="Arial" charset="0"/>
-                      </a:endParaRPr>
-                    </a:p>
-                  </a:txBody>
-                  <a:tcPr/>
-                </a:tc>
-                <a:tc>
-                  <a:txBody>
-                    <a:bodyPr/>
-                    <a:lstStyle/>
-                    <a:p>
-                      <a:endParaRPr lang="es-ES_tradnl" sz="1100" dirty="0">
-                        <a:latin typeface="Arial" charset="0"/>
-                        <a:ea typeface="Arial" charset="0"/>
-                        <a:cs typeface="Arial" charset="0"/>
-                      </a:endParaRPr>
-                    </a:p>
-                  </a:txBody>
-                  <a:tcPr/>
-                </a:tc>
-                <a:tc>
-                  <a:txBody>
-                    <a:bodyPr/>
-                    <a:lstStyle/>
-                    <a:p>
-                      <a:endParaRPr lang="es-ES_tradnl" sz="1100" dirty="0">
-                        <a:latin typeface="Arial" charset="0"/>
-                        <a:ea typeface="Arial" charset="0"/>
-                        <a:cs typeface="Arial" charset="0"/>
-                      </a:endParaRPr>
-                    </a:p>
-                  </a:txBody>
-                  <a:tcPr/>
-                </a:tc>
-                <a:tc>
-                  <a:txBody>
-                    <a:bodyPr/>
-                    <a:lstStyle/>
-                    <a:p>
-                      <a:endParaRPr lang="es-ES_tradnl" sz="1100" dirty="0">
-                        <a:latin typeface="Arial" charset="0"/>
-                        <a:ea typeface="Arial" charset="0"/>
-                        <a:cs typeface="Arial" charset="0"/>
-                      </a:endParaRPr>
-                    </a:p>
-                  </a:txBody>
-                  <a:tcPr/>
-                </a:tc>
-                <a:tc>
-                  <a:txBody>
-                    <a:bodyPr/>
-                    <a:lstStyle/>
-                    <a:p>
-                      <a:endParaRPr lang="es-ES_tradnl" sz="1100" dirty="0">
-                        <a:latin typeface="Arial" charset="0"/>
-                        <a:ea typeface="Arial" charset="0"/>
-                        <a:cs typeface="Arial" charset="0"/>
-                      </a:endParaRPr>
-                    </a:p>
-                  </a:txBody>
-                  <a:tcPr/>
-                </a:tc>
-                <a:tc>
-                  <a:txBody>
-                    <a:bodyPr/>
-                    <a:lstStyle/>
-                    <a:p>
-                      <a:endParaRPr lang="es-ES_tradnl" sz="1100">
-                        <a:latin typeface="Arial" charset="0"/>
-                        <a:ea typeface="Arial" charset="0"/>
-                        <a:cs typeface="Arial" charset="0"/>
-                      </a:endParaRPr>
-                    </a:p>
-                  </a:txBody>
-                  <a:tcPr/>
-                </a:tc>
-                <a:tc>
-                  <a:txBody>
-                    <a:bodyPr/>
-                    <a:lstStyle/>
-                    <a:p>
-                      <a:endParaRPr lang="es-ES_tradnl" sz="1100">
-                        <a:latin typeface="Arial" charset="0"/>
-                        <a:ea typeface="Arial" charset="0"/>
-                        <a:cs typeface="Arial" charset="0"/>
-                      </a:endParaRPr>
-                    </a:p>
-                  </a:txBody>
-                  <a:tcPr/>
-                </a:tc>
-                <a:tc>
-                  <a:txBody>
-                    <a:bodyPr/>
-                    <a:lstStyle/>
-                    <a:p>
-                      <a:endParaRPr lang="es-ES_tradnl" sz="1100">
-                        <a:latin typeface="Arial" charset="0"/>
-                        <a:ea typeface="Arial" charset="0"/>
-                        <a:cs typeface="Arial" charset="0"/>
-                      </a:endParaRPr>
-                    </a:p>
-                  </a:txBody>
-                  <a:tcPr/>
-                </a:tc>
-                <a:tc>
-                  <a:txBody>
-                    <a:bodyPr/>
-                    <a:lstStyle/>
-                    <a:p>
-                      <a:endParaRPr lang="es-ES_tradnl" sz="1100">
-                        <a:latin typeface="Arial" charset="0"/>
-                        <a:ea typeface="Arial" charset="0"/>
-                        <a:cs typeface="Arial" charset="0"/>
-                      </a:endParaRPr>
-                    </a:p>
-                  </a:txBody>
-                  <a:tcPr/>
-                </a:tc>
-                <a:tc>
-                  <a:txBody>
-                    <a:bodyPr/>
-                    <a:lstStyle/>
-                    <a:p>
-                      <a:endParaRPr lang="es-ES_tradnl" sz="1100">
-                        <a:latin typeface="Arial" charset="0"/>
-                        <a:ea typeface="Arial" charset="0"/>
-                        <a:cs typeface="Arial" charset="0"/>
-                      </a:endParaRPr>
-                    </a:p>
-                  </a:txBody>
-                  <a:tcPr/>
-                </a:tc>
-                <a:tc>
-                  <a:txBody>
-                    <a:bodyPr/>
-                    <a:lstStyle/>
-                    <a:p>
-                      <a:endParaRPr lang="es-ES_tradnl" sz="1100">
-                        <a:latin typeface="Arial" charset="0"/>
-                        <a:ea typeface="Arial" charset="0"/>
-                        <a:cs typeface="Arial" charset="0"/>
-                      </a:endParaRPr>
-                    </a:p>
-                  </a:txBody>
-                  <a:tcPr/>
-                </a:tc>
-                <a:tc>
-                  <a:txBody>
-                    <a:bodyPr/>
-                    <a:lstStyle/>
-                    <a:p>
-                      <a:endParaRPr lang="es-ES_tradnl" sz="1100">
-                        <a:latin typeface="Arial" charset="0"/>
-                        <a:ea typeface="Arial" charset="0"/>
-                        <a:cs typeface="Arial" charset="0"/>
-                      </a:endParaRPr>
-                    </a:p>
-                  </a:txBody>
-                  <a:tcPr/>
-                </a:tc>
-                <a:tc>
-                  <a:txBody>
-                    <a:bodyPr/>
-                    <a:lstStyle/>
-                    <a:p>
-                      <a:endParaRPr lang="es-ES_tradnl" sz="1100" dirty="0">
-                        <a:latin typeface="Arial" charset="0"/>
-                        <a:ea typeface="Arial" charset="0"/>
-                        <a:cs typeface="Arial" charset="0"/>
-                      </a:endParaRPr>
-                    </a:p>
-                  </a:txBody>
-                  <a:tcPr/>
-                </a:tc>
-                <a:tc>
-                  <a:txBody>
-                    <a:bodyPr/>
-                    <a:lstStyle/>
-                    <a:p>
-                      <a:endParaRPr lang="es-ES_tradnl" sz="1100" dirty="0">
-                        <a:latin typeface="Arial" charset="0"/>
-                        <a:ea typeface="Arial" charset="0"/>
-                        <a:cs typeface="Arial" charset="0"/>
-                      </a:endParaRPr>
-                    </a:p>
-                  </a:txBody>
-                  <a:tcPr/>
-                </a:tc>
-                <a:tc>
-                  <a:txBody>
-                    <a:bodyPr/>
-                    <a:lstStyle/>
-                    <a:p>
-                      <a:pPr marL="0" algn="l" defTabSz="914400" rtl="0" eaLnBrk="1" latinLnBrk="0" hangingPunct="1"/>
-                      <a:endParaRPr lang="es-ES_tradnl" sz="1100" kern="1200" dirty="0">
-                        <a:solidFill>
-                          <a:schemeClr val="dk1"/>
-                        </a:solidFill>
-                        <a:latin typeface="Arial" charset="0"/>
-                        <a:ea typeface="Arial" charset="0"/>
-                        <a:cs typeface="Arial" charset="0"/>
-                      </a:endParaRPr>
-                    </a:p>
-                  </a:txBody>
-                  <a:tcPr/>
-                </a:tc>
-              </a:tr>
-              <a:tr h="406530">
-                <a:tc>
-                  <a:txBody>
-                    <a:bodyPr/>
-                    <a:lstStyle/>
-                    <a:p>
-                      <a:endParaRPr lang="es-ES_tradnl" sz="1100" dirty="0">
-                        <a:latin typeface="Arial" charset="0"/>
-                        <a:ea typeface="Arial" charset="0"/>
-                        <a:cs typeface="Arial" charset="0"/>
-                      </a:endParaRPr>
-                    </a:p>
-                  </a:txBody>
-                  <a:tcPr/>
-                </a:tc>
-                <a:tc>
-                  <a:txBody>
-                    <a:bodyPr/>
-                    <a:lstStyle/>
-                    <a:p>
-                      <a:endParaRPr lang="es-ES_tradnl" sz="1100" dirty="0">
-                        <a:latin typeface="Arial" charset="0"/>
-                        <a:ea typeface="Arial" charset="0"/>
-                        <a:cs typeface="Arial" charset="0"/>
-                      </a:endParaRPr>
-                    </a:p>
-                  </a:txBody>
-                  <a:tcPr/>
-                </a:tc>
-                <a:tc>
-                  <a:txBody>
-                    <a:bodyPr/>
-                    <a:lstStyle/>
-                    <a:p>
-                      <a:endParaRPr lang="es-ES_tradnl" sz="1100">
-                        <a:latin typeface="Arial" charset="0"/>
-                        <a:ea typeface="Arial" charset="0"/>
-                        <a:cs typeface="Arial" charset="0"/>
-                      </a:endParaRPr>
-                    </a:p>
-                  </a:txBody>
-                  <a:tcPr/>
-                </a:tc>
-                <a:tc>
-                  <a:txBody>
-                    <a:bodyPr/>
-                    <a:lstStyle/>
-                    <a:p>
-                      <a:endParaRPr lang="es-ES_tradnl" sz="1100">
-                        <a:latin typeface="Arial" charset="0"/>
-                        <a:ea typeface="Arial" charset="0"/>
-                        <a:cs typeface="Arial" charset="0"/>
-                      </a:endParaRPr>
-                    </a:p>
-                  </a:txBody>
-                  <a:tcPr/>
-                </a:tc>
-                <a:tc>
-                  <a:txBody>
-                    <a:bodyPr/>
-                    <a:lstStyle/>
-                    <a:p>
-                      <a:endParaRPr lang="es-ES_tradnl" sz="1100">
-                        <a:latin typeface="Arial" charset="0"/>
-                        <a:ea typeface="Arial" charset="0"/>
-                        <a:cs typeface="Arial" charset="0"/>
-                      </a:endParaRPr>
-                    </a:p>
-                  </a:txBody>
-                  <a:tcPr/>
-                </a:tc>
-                <a:tc>
-                  <a:txBody>
-                    <a:bodyPr/>
-                    <a:lstStyle/>
-                    <a:p>
-                      <a:endParaRPr lang="es-ES_tradnl" sz="1100" dirty="0">
-                        <a:latin typeface="Arial" charset="0"/>
-                        <a:ea typeface="Arial" charset="0"/>
-                        <a:cs typeface="Arial" charset="0"/>
-                      </a:endParaRPr>
-                    </a:p>
-                  </a:txBody>
-                  <a:tcPr/>
-                </a:tc>
-                <a:tc>
-                  <a:txBody>
-                    <a:bodyPr/>
-                    <a:lstStyle/>
-                    <a:p>
-                      <a:endParaRPr lang="es-ES_tradnl" sz="1100">
-                        <a:latin typeface="Arial" charset="0"/>
-                        <a:ea typeface="Arial" charset="0"/>
-                        <a:cs typeface="Arial" charset="0"/>
-                      </a:endParaRPr>
-                    </a:p>
-                  </a:txBody>
-                  <a:tcPr/>
-                </a:tc>
-                <a:tc>
-                  <a:txBody>
-                    <a:bodyPr/>
-                    <a:lstStyle/>
-                    <a:p>
-                      <a:endParaRPr lang="es-ES_tradnl" sz="1100">
-                        <a:latin typeface="Arial" charset="0"/>
-                        <a:ea typeface="Arial" charset="0"/>
-                        <a:cs typeface="Arial" charset="0"/>
-                      </a:endParaRPr>
-                    </a:p>
-                  </a:txBody>
-                  <a:tcPr/>
-                </a:tc>
-                <a:tc>
-                  <a:txBody>
-                    <a:bodyPr/>
-                    <a:lstStyle/>
-                    <a:p>
-                      <a:endParaRPr lang="es-ES_tradnl" sz="1100">
-                        <a:latin typeface="Arial" charset="0"/>
-                        <a:ea typeface="Arial" charset="0"/>
-                        <a:cs typeface="Arial" charset="0"/>
-                      </a:endParaRPr>
-                    </a:p>
-                  </a:txBody>
-                  <a:tcPr/>
-                </a:tc>
-                <a:tc>
-                  <a:txBody>
-                    <a:bodyPr/>
-                    <a:lstStyle/>
-                    <a:p>
-                      <a:endParaRPr lang="es-ES_tradnl" sz="1100">
-                        <a:latin typeface="Arial" charset="0"/>
-                        <a:ea typeface="Arial" charset="0"/>
-                        <a:cs typeface="Arial" charset="0"/>
-                      </a:endParaRPr>
-                    </a:p>
-                  </a:txBody>
-                  <a:tcPr/>
-                </a:tc>
-                <a:tc>
-                  <a:txBody>
-                    <a:bodyPr/>
-                    <a:lstStyle/>
-                    <a:p>
-                      <a:endParaRPr lang="es-ES_tradnl" sz="1100">
-                        <a:latin typeface="Arial" charset="0"/>
-                        <a:ea typeface="Arial" charset="0"/>
-                        <a:cs typeface="Arial" charset="0"/>
-                      </a:endParaRPr>
-                    </a:p>
-                  </a:txBody>
-                  <a:tcPr/>
-                </a:tc>
-                <a:tc>
-                  <a:txBody>
-                    <a:bodyPr/>
-                    <a:lstStyle/>
-                    <a:p>
-                      <a:endParaRPr lang="es-ES_tradnl" sz="1100">
-                        <a:latin typeface="Arial" charset="0"/>
-                        <a:ea typeface="Arial" charset="0"/>
-                        <a:cs typeface="Arial" charset="0"/>
-                      </a:endParaRPr>
-                    </a:p>
-                  </a:txBody>
-                  <a:tcPr/>
-                </a:tc>
-                <a:tc>
-                  <a:txBody>
-                    <a:bodyPr/>
-                    <a:lstStyle/>
-                    <a:p>
-                      <a:endParaRPr lang="es-ES_tradnl" sz="1100">
-                        <a:latin typeface="Arial" charset="0"/>
-                        <a:ea typeface="Arial" charset="0"/>
-                        <a:cs typeface="Arial" charset="0"/>
-                      </a:endParaRPr>
-                    </a:p>
-                  </a:txBody>
-                  <a:tcPr/>
-                </a:tc>
-                <a:tc>
-                  <a:txBody>
-                    <a:bodyPr/>
-                    <a:lstStyle/>
-                    <a:p>
-                      <a:endParaRPr lang="es-ES_tradnl" sz="1100" dirty="0">
-                        <a:latin typeface="Arial" charset="0"/>
-                        <a:ea typeface="Arial" charset="0"/>
-                        <a:cs typeface="Arial" charset="0"/>
-                      </a:endParaRPr>
-                    </a:p>
-                  </a:txBody>
-                  <a:tcPr/>
-                </a:tc>
-                <a:tc>
-                  <a:txBody>
-                    <a:bodyPr/>
-                    <a:lstStyle/>
-                    <a:p>
-                      <a:endParaRPr lang="es-ES_tradnl" sz="1100">
-                        <a:latin typeface="Arial" charset="0"/>
-                        <a:ea typeface="Arial" charset="0"/>
-                        <a:cs typeface="Arial" charset="0"/>
-                      </a:endParaRPr>
-                    </a:p>
-                  </a:txBody>
-                  <a:tcPr/>
-                </a:tc>
-                <a:tc>
-                  <a:txBody>
-                    <a:bodyPr/>
-                    <a:lstStyle/>
-                    <a:p>
-                      <a:endParaRPr lang="es-ES_tradnl" sz="1100">
-                        <a:latin typeface="Arial" charset="0"/>
-                        <a:ea typeface="Arial" charset="0"/>
-                        <a:cs typeface="Arial" charset="0"/>
-                      </a:endParaRPr>
-                    </a:p>
-                  </a:txBody>
-                  <a:tcPr/>
-                </a:tc>
-              </a:tr>
-              <a:tr h="406530">
-                <a:tc>
-                  <a:txBody>
-                    <a:bodyPr/>
-                    <a:lstStyle/>
-                    <a:p>
-                      <a:endParaRPr lang="es-ES_tradnl" sz="1100" dirty="0">
-                        <a:latin typeface="Arial" charset="0"/>
-                        <a:ea typeface="Arial" charset="0"/>
-                        <a:cs typeface="Arial" charset="0"/>
-                      </a:endParaRPr>
-                    </a:p>
-                  </a:txBody>
-                  <a:tcPr/>
-                </a:tc>
-                <a:tc>
-                  <a:txBody>
-                    <a:bodyPr/>
-                    <a:lstStyle/>
-                    <a:p>
-                      <a:endParaRPr lang="es-ES_tradnl" sz="1100">
-                        <a:latin typeface="Arial" charset="0"/>
-                        <a:ea typeface="Arial" charset="0"/>
-                        <a:cs typeface="Arial" charset="0"/>
-                      </a:endParaRPr>
-                    </a:p>
-                  </a:txBody>
-                  <a:tcPr/>
-                </a:tc>
-                <a:tc>
-                  <a:txBody>
-                    <a:bodyPr/>
-                    <a:lstStyle/>
-                    <a:p>
-                      <a:endParaRPr lang="es-ES_tradnl" sz="1100">
-                        <a:latin typeface="Arial" charset="0"/>
-                        <a:ea typeface="Arial" charset="0"/>
-                        <a:cs typeface="Arial" charset="0"/>
-                      </a:endParaRPr>
-                    </a:p>
-                  </a:txBody>
-                  <a:tcPr/>
-                </a:tc>
-                <a:tc>
-                  <a:txBody>
-                    <a:bodyPr/>
-                    <a:lstStyle/>
-                    <a:p>
-                      <a:endParaRPr lang="es-ES_tradnl" sz="1100">
-                        <a:latin typeface="Arial" charset="0"/>
-                        <a:ea typeface="Arial" charset="0"/>
-                        <a:cs typeface="Arial" charset="0"/>
-                      </a:endParaRPr>
-                    </a:p>
-                  </a:txBody>
-                  <a:tcPr/>
-                </a:tc>
-                <a:tc>
-                  <a:txBody>
-                    <a:bodyPr/>
-                    <a:lstStyle/>
-                    <a:p>
-                      <a:endParaRPr lang="es-ES_tradnl" sz="1100">
-                        <a:latin typeface="Arial" charset="0"/>
-                        <a:ea typeface="Arial" charset="0"/>
-                        <a:cs typeface="Arial" charset="0"/>
-                      </a:endParaRPr>
-                    </a:p>
-                  </a:txBody>
-                  <a:tcPr/>
-                </a:tc>
-                <a:tc>
-                  <a:txBody>
-                    <a:bodyPr/>
-                    <a:lstStyle/>
-                    <a:p>
-                      <a:endParaRPr lang="es-ES_tradnl" sz="1100">
-                        <a:latin typeface="Arial" charset="0"/>
-                        <a:ea typeface="Arial" charset="0"/>
-                        <a:cs typeface="Arial" charset="0"/>
-                      </a:endParaRPr>
-                    </a:p>
-                  </a:txBody>
-                  <a:tcPr/>
-                </a:tc>
-                <a:tc>
-                  <a:txBody>
-                    <a:bodyPr/>
-                    <a:lstStyle/>
-                    <a:p>
-                      <a:endParaRPr lang="es-ES_tradnl" sz="1100" dirty="0">
-                        <a:latin typeface="Arial" charset="0"/>
-                        <a:ea typeface="Arial" charset="0"/>
-                        <a:cs typeface="Arial" charset="0"/>
-                      </a:endParaRPr>
-                    </a:p>
-                  </a:txBody>
-                  <a:tcPr/>
-                </a:tc>
-                <a:tc>
-                  <a:txBody>
-                    <a:bodyPr/>
-                    <a:lstStyle/>
-                    <a:p>
-                      <a:endParaRPr lang="es-ES_tradnl" sz="1100">
-                        <a:latin typeface="Arial" charset="0"/>
-                        <a:ea typeface="Arial" charset="0"/>
-                        <a:cs typeface="Arial" charset="0"/>
-                      </a:endParaRPr>
-                    </a:p>
-                  </a:txBody>
-                  <a:tcPr/>
-                </a:tc>
-                <a:tc>
-                  <a:txBody>
-                    <a:bodyPr/>
-                    <a:lstStyle/>
-                    <a:p>
-                      <a:endParaRPr lang="es-ES_tradnl" sz="1100" dirty="0">
-                        <a:latin typeface="Arial" charset="0"/>
-                        <a:ea typeface="Arial" charset="0"/>
-                        <a:cs typeface="Arial" charset="0"/>
-                      </a:endParaRPr>
-                    </a:p>
-                  </a:txBody>
-                  <a:tcPr/>
-                </a:tc>
-                <a:tc>
-                  <a:txBody>
-                    <a:bodyPr/>
-                    <a:lstStyle/>
-                    <a:p>
-                      <a:endParaRPr lang="es-ES_tradnl" sz="1100">
-                        <a:latin typeface="Arial" charset="0"/>
-                        <a:ea typeface="Arial" charset="0"/>
-                        <a:cs typeface="Arial" charset="0"/>
-                      </a:endParaRPr>
-                    </a:p>
-                  </a:txBody>
-                  <a:tcPr/>
-                </a:tc>
-                <a:tc>
-                  <a:txBody>
-                    <a:bodyPr/>
-                    <a:lstStyle/>
-                    <a:p>
-                      <a:endParaRPr lang="es-ES_tradnl" sz="1100">
-                        <a:latin typeface="Arial" charset="0"/>
-                        <a:ea typeface="Arial" charset="0"/>
-                        <a:cs typeface="Arial" charset="0"/>
-                      </a:endParaRPr>
-                    </a:p>
-                  </a:txBody>
-                  <a:tcPr/>
-                </a:tc>
-                <a:tc>
-                  <a:txBody>
-                    <a:bodyPr/>
-                    <a:lstStyle/>
-                    <a:p>
-                      <a:endParaRPr lang="es-ES_tradnl" sz="1100">
-                        <a:latin typeface="Arial" charset="0"/>
-                        <a:ea typeface="Arial" charset="0"/>
-                        <a:cs typeface="Arial" charset="0"/>
-                      </a:endParaRPr>
-                    </a:p>
-                  </a:txBody>
-                  <a:tcPr/>
-                </a:tc>
-                <a:tc>
-                  <a:txBody>
-                    <a:bodyPr/>
-                    <a:lstStyle/>
-                    <a:p>
-                      <a:endParaRPr lang="es-ES_tradnl" sz="1100">
-                        <a:latin typeface="Arial" charset="0"/>
-                        <a:ea typeface="Arial" charset="0"/>
-                        <a:cs typeface="Arial" charset="0"/>
-                      </a:endParaRPr>
-                    </a:p>
-                  </a:txBody>
-                  <a:tcPr/>
-                </a:tc>
-                <a:tc>
-                  <a:txBody>
-                    <a:bodyPr/>
-                    <a:lstStyle/>
-                    <a:p>
-                      <a:endParaRPr lang="es-ES_tradnl" sz="1100" dirty="0">
-                        <a:latin typeface="Arial" charset="0"/>
-                        <a:ea typeface="Arial" charset="0"/>
-                        <a:cs typeface="Arial" charset="0"/>
-                      </a:endParaRPr>
-                    </a:p>
-                  </a:txBody>
-                  <a:tcPr/>
-                </a:tc>
-                <a:tc>
-                  <a:txBody>
-                    <a:bodyPr/>
-                    <a:lstStyle/>
-                    <a:p>
-                      <a:endParaRPr lang="es-ES_tradnl" sz="1100" dirty="0">
-                        <a:latin typeface="Arial" charset="0"/>
-                        <a:ea typeface="Arial" charset="0"/>
-                        <a:cs typeface="Arial" charset="0"/>
-                      </a:endParaRPr>
-                    </a:p>
-                  </a:txBody>
-                  <a:tcPr/>
-                </a:tc>
-                <a:tc>
-                  <a:txBody>
-                    <a:bodyPr/>
-                    <a:lstStyle/>
-                    <a:p>
-                      <a:endParaRPr lang="es-ES_tradnl" sz="1100">
-                        <a:latin typeface="Arial" charset="0"/>
-                        <a:ea typeface="Arial" charset="0"/>
-                        <a:cs typeface="Arial" charset="0"/>
-                      </a:endParaRPr>
-                    </a:p>
-                  </a:txBody>
-                  <a:tcPr/>
-                </a:tc>
-              </a:tr>
-              <a:tr h="406530">
-                <a:tc>
-                  <a:txBody>
-                    <a:bodyPr/>
-                    <a:lstStyle/>
-                    <a:p>
-                      <a:endParaRPr lang="es-ES_tradnl" sz="1100" dirty="0">
-                        <a:latin typeface="Arial" charset="0"/>
-                        <a:ea typeface="Arial" charset="0"/>
-                        <a:cs typeface="Arial" charset="0"/>
-                      </a:endParaRPr>
-                    </a:p>
-                  </a:txBody>
-                  <a:tcPr/>
-                </a:tc>
-                <a:tc>
-                  <a:txBody>
-                    <a:bodyPr/>
-                    <a:lstStyle/>
-                    <a:p>
-                      <a:endParaRPr lang="es-ES_tradnl" sz="1100">
-                        <a:latin typeface="Arial" charset="0"/>
-                        <a:ea typeface="Arial" charset="0"/>
-                        <a:cs typeface="Arial" charset="0"/>
-                      </a:endParaRPr>
-                    </a:p>
-                  </a:txBody>
-                  <a:tcPr/>
-                </a:tc>
-                <a:tc>
-                  <a:txBody>
-                    <a:bodyPr/>
-                    <a:lstStyle/>
-                    <a:p>
-                      <a:endParaRPr lang="es-ES_tradnl" sz="1100">
-                        <a:latin typeface="Arial" charset="0"/>
-                        <a:ea typeface="Arial" charset="0"/>
-                        <a:cs typeface="Arial" charset="0"/>
-                      </a:endParaRPr>
-                    </a:p>
-                  </a:txBody>
-                  <a:tcPr/>
-                </a:tc>
-                <a:tc>
-                  <a:txBody>
-                    <a:bodyPr/>
-                    <a:lstStyle/>
-                    <a:p>
-                      <a:endParaRPr lang="es-ES_tradnl" sz="1100">
-                        <a:latin typeface="Arial" charset="0"/>
-                        <a:ea typeface="Arial" charset="0"/>
-                        <a:cs typeface="Arial" charset="0"/>
-                      </a:endParaRPr>
-                    </a:p>
-                  </a:txBody>
-                  <a:tcPr/>
-                </a:tc>
-                <a:tc>
-                  <a:txBody>
-                    <a:bodyPr/>
-                    <a:lstStyle/>
-                    <a:p>
-                      <a:endParaRPr lang="es-ES_tradnl" sz="1100">
-                        <a:latin typeface="Arial" charset="0"/>
-                        <a:ea typeface="Arial" charset="0"/>
-                        <a:cs typeface="Arial" charset="0"/>
-                      </a:endParaRPr>
-                    </a:p>
-                  </a:txBody>
-                  <a:tcPr/>
-                </a:tc>
-                <a:tc>
-                  <a:txBody>
-                    <a:bodyPr/>
-                    <a:lstStyle/>
-                    <a:p>
-                      <a:endParaRPr lang="es-ES_tradnl" sz="1100">
-                        <a:latin typeface="Arial" charset="0"/>
-                        <a:ea typeface="Arial" charset="0"/>
-                        <a:cs typeface="Arial" charset="0"/>
-                      </a:endParaRPr>
-                    </a:p>
-                  </a:txBody>
-                  <a:tcPr/>
-                </a:tc>
-                <a:tc>
-                  <a:txBody>
-                    <a:bodyPr/>
-                    <a:lstStyle/>
-                    <a:p>
-                      <a:endParaRPr lang="es-ES_tradnl" sz="1100">
-                        <a:latin typeface="Arial" charset="0"/>
-                        <a:ea typeface="Arial" charset="0"/>
-                        <a:cs typeface="Arial" charset="0"/>
-                      </a:endParaRPr>
-                    </a:p>
-                  </a:txBody>
-                  <a:tcPr/>
-                </a:tc>
-                <a:tc>
-                  <a:txBody>
-                    <a:bodyPr/>
-                    <a:lstStyle/>
-                    <a:p>
-                      <a:endParaRPr lang="es-ES_tradnl" sz="1100" dirty="0">
-                        <a:latin typeface="Arial" charset="0"/>
-                        <a:ea typeface="Arial" charset="0"/>
-                        <a:cs typeface="Arial" charset="0"/>
-                      </a:endParaRPr>
-                    </a:p>
-                  </a:txBody>
-                  <a:tcPr/>
-                </a:tc>
-                <a:tc>
-                  <a:txBody>
-                    <a:bodyPr/>
-                    <a:lstStyle/>
-                    <a:p>
-                      <a:endParaRPr lang="es-ES_tradnl" sz="1100">
-                        <a:latin typeface="Arial" charset="0"/>
-                        <a:ea typeface="Arial" charset="0"/>
-                        <a:cs typeface="Arial" charset="0"/>
-                      </a:endParaRPr>
-                    </a:p>
-                  </a:txBody>
-                  <a:tcPr/>
-                </a:tc>
-                <a:tc>
-                  <a:txBody>
-                    <a:bodyPr/>
-                    <a:lstStyle/>
-                    <a:p>
-                      <a:endParaRPr lang="es-ES_tradnl" sz="1100">
-                        <a:latin typeface="Arial" charset="0"/>
-                        <a:ea typeface="Arial" charset="0"/>
-                        <a:cs typeface="Arial" charset="0"/>
-                      </a:endParaRPr>
-                    </a:p>
-                  </a:txBody>
-                  <a:tcPr/>
-                </a:tc>
-                <a:tc>
-                  <a:txBody>
-                    <a:bodyPr/>
-                    <a:lstStyle/>
-                    <a:p>
-                      <a:endParaRPr lang="es-ES_tradnl" sz="1100">
-                        <a:latin typeface="Arial" charset="0"/>
-                        <a:ea typeface="Arial" charset="0"/>
-                        <a:cs typeface="Arial" charset="0"/>
-                      </a:endParaRPr>
-                    </a:p>
-                  </a:txBody>
-                  <a:tcPr/>
-                </a:tc>
-                <a:tc>
-                  <a:txBody>
-                    <a:bodyPr/>
-                    <a:lstStyle/>
-                    <a:p>
-                      <a:endParaRPr lang="es-ES_tradnl" sz="1100">
-                        <a:latin typeface="Arial" charset="0"/>
-                        <a:ea typeface="Arial" charset="0"/>
-                        <a:cs typeface="Arial" charset="0"/>
-                      </a:endParaRPr>
-                    </a:p>
-                  </a:txBody>
-                  <a:tcPr/>
-                </a:tc>
-                <a:tc>
-                  <a:txBody>
-                    <a:bodyPr/>
-                    <a:lstStyle/>
-                    <a:p>
-                      <a:endParaRPr lang="es-ES_tradnl" sz="1100">
-                        <a:latin typeface="Arial" charset="0"/>
-                        <a:ea typeface="Arial" charset="0"/>
-                        <a:cs typeface="Arial" charset="0"/>
-                      </a:endParaRPr>
-                    </a:p>
-                  </a:txBody>
-                  <a:tcPr/>
-                </a:tc>
-                <a:tc>
-                  <a:txBody>
-                    <a:bodyPr/>
-                    <a:lstStyle/>
-                    <a:p>
-                      <a:endParaRPr lang="es-ES_tradnl" sz="1100" dirty="0">
-                        <a:latin typeface="Arial" charset="0"/>
-                        <a:ea typeface="Arial" charset="0"/>
-                        <a:cs typeface="Arial" charset="0"/>
-                      </a:endParaRPr>
-                    </a:p>
-                  </a:txBody>
-                  <a:tcPr/>
-                </a:tc>
-                <a:tc>
-                  <a:txBody>
-                    <a:bodyPr/>
-                    <a:lstStyle/>
-                    <a:p>
-                      <a:endParaRPr lang="es-ES_tradnl" sz="1100">
-                        <a:latin typeface="Arial" charset="0"/>
-                        <a:ea typeface="Arial" charset="0"/>
-                        <a:cs typeface="Arial" charset="0"/>
-                      </a:endParaRPr>
-                    </a:p>
-                  </a:txBody>
-                  <a:tcPr/>
-                </a:tc>
-                <a:tc>
-                  <a:txBody>
-                    <a:bodyPr/>
-                    <a:lstStyle/>
-                    <a:p>
-                      <a:endParaRPr lang="es-ES_tradnl" sz="1100">
-                        <a:latin typeface="Arial" charset="0"/>
-                        <a:ea typeface="Arial" charset="0"/>
-                        <a:cs typeface="Arial" charset="0"/>
-                      </a:endParaRPr>
-                    </a:p>
-                  </a:txBody>
-                  <a:tcPr/>
-                </a:tc>
-              </a:tr>
-              <a:tr h="406530">
-                <a:tc>
-                  <a:txBody>
-                    <a:bodyPr/>
-                    <a:lstStyle/>
-                    <a:p>
-                      <a:endParaRPr lang="es-ES_tradnl" sz="1100" dirty="0">
-                        <a:latin typeface="Arial" charset="0"/>
-                        <a:ea typeface="Arial" charset="0"/>
-                        <a:cs typeface="Arial" charset="0"/>
-                      </a:endParaRPr>
-                    </a:p>
-                  </a:txBody>
-                  <a:tcPr/>
-                </a:tc>
-                <a:tc>
-                  <a:txBody>
-                    <a:bodyPr/>
-                    <a:lstStyle/>
-                    <a:p>
-                      <a:endParaRPr lang="es-ES_tradnl" sz="1100">
-                        <a:latin typeface="Arial" charset="0"/>
-                        <a:ea typeface="Arial" charset="0"/>
-                        <a:cs typeface="Arial" charset="0"/>
-                      </a:endParaRPr>
-                    </a:p>
-                  </a:txBody>
-                  <a:tcPr/>
-                </a:tc>
-                <a:tc>
-                  <a:txBody>
-                    <a:bodyPr/>
-                    <a:lstStyle/>
-                    <a:p>
-                      <a:endParaRPr lang="es-ES_tradnl" sz="1100">
-                        <a:latin typeface="Arial" charset="0"/>
-                        <a:ea typeface="Arial" charset="0"/>
-                        <a:cs typeface="Arial" charset="0"/>
-                      </a:endParaRPr>
-                    </a:p>
-                  </a:txBody>
-                  <a:tcPr/>
-                </a:tc>
-                <a:tc>
-                  <a:txBody>
-                    <a:bodyPr/>
-                    <a:lstStyle/>
-                    <a:p>
-                      <a:endParaRPr lang="es-ES_tradnl" sz="1100">
-                        <a:latin typeface="Arial" charset="0"/>
-                        <a:ea typeface="Arial" charset="0"/>
-                        <a:cs typeface="Arial" charset="0"/>
-                      </a:endParaRPr>
-                    </a:p>
-                  </a:txBody>
-                  <a:tcPr/>
-                </a:tc>
-                <a:tc>
-                  <a:txBody>
-                    <a:bodyPr/>
-                    <a:lstStyle/>
-                    <a:p>
-                      <a:endParaRPr lang="es-ES_tradnl" sz="1100">
-                        <a:latin typeface="Arial" charset="0"/>
-                        <a:ea typeface="Arial" charset="0"/>
-                        <a:cs typeface="Arial" charset="0"/>
-                      </a:endParaRPr>
-                    </a:p>
-                  </a:txBody>
-                  <a:tcPr/>
-                </a:tc>
-                <a:tc>
-                  <a:txBody>
-                    <a:bodyPr/>
-                    <a:lstStyle/>
-                    <a:p>
-                      <a:endParaRPr lang="es-ES_tradnl" sz="1100">
-                        <a:latin typeface="Arial" charset="0"/>
-                        <a:ea typeface="Arial" charset="0"/>
-                        <a:cs typeface="Arial" charset="0"/>
-                      </a:endParaRPr>
-                    </a:p>
-                  </a:txBody>
-                  <a:tcPr/>
-                </a:tc>
-                <a:tc>
-                  <a:txBody>
-                    <a:bodyPr/>
-                    <a:lstStyle/>
-                    <a:p>
-                      <a:endParaRPr lang="es-ES_tradnl" sz="1100">
-                        <a:latin typeface="Arial" charset="0"/>
-                        <a:ea typeface="Arial" charset="0"/>
-                        <a:cs typeface="Arial" charset="0"/>
-                      </a:endParaRPr>
-                    </a:p>
-                  </a:txBody>
-                  <a:tcPr/>
-                </a:tc>
-                <a:tc>
-                  <a:txBody>
-                    <a:bodyPr/>
-                    <a:lstStyle/>
-                    <a:p>
-                      <a:endParaRPr lang="es-ES_tradnl" sz="1100">
-                        <a:latin typeface="Arial" charset="0"/>
-                        <a:ea typeface="Arial" charset="0"/>
-                        <a:cs typeface="Arial" charset="0"/>
-                      </a:endParaRPr>
-                    </a:p>
-                  </a:txBody>
-                  <a:tcPr/>
-                </a:tc>
-                <a:tc>
-                  <a:txBody>
-                    <a:bodyPr/>
-                    <a:lstStyle/>
-                    <a:p>
-                      <a:endParaRPr lang="es-ES_tradnl" sz="1100" dirty="0">
-                        <a:latin typeface="Arial" charset="0"/>
-                        <a:ea typeface="Arial" charset="0"/>
-                        <a:cs typeface="Arial" charset="0"/>
-                      </a:endParaRPr>
-                    </a:p>
-                  </a:txBody>
-                  <a:tcPr/>
-                </a:tc>
-                <a:tc>
-                  <a:txBody>
-                    <a:bodyPr/>
-                    <a:lstStyle/>
-                    <a:p>
-                      <a:endParaRPr lang="es-ES_tradnl" sz="1100">
-                        <a:latin typeface="Arial" charset="0"/>
-                        <a:ea typeface="Arial" charset="0"/>
-                        <a:cs typeface="Arial" charset="0"/>
-                      </a:endParaRPr>
-                    </a:p>
-                  </a:txBody>
-                  <a:tcPr/>
-                </a:tc>
-                <a:tc>
-                  <a:txBody>
-                    <a:bodyPr/>
-                    <a:lstStyle/>
-                    <a:p>
-                      <a:endParaRPr lang="es-ES_tradnl" sz="1100">
-                        <a:latin typeface="Arial" charset="0"/>
-                        <a:ea typeface="Arial" charset="0"/>
-                        <a:cs typeface="Arial" charset="0"/>
-                      </a:endParaRPr>
-                    </a:p>
-                  </a:txBody>
-                  <a:tcPr/>
-                </a:tc>
-                <a:tc>
-                  <a:txBody>
-                    <a:bodyPr/>
-                    <a:lstStyle/>
-                    <a:p>
-                      <a:endParaRPr lang="es-ES_tradnl" sz="1100" dirty="0">
-                        <a:latin typeface="Arial" charset="0"/>
-                        <a:ea typeface="Arial" charset="0"/>
-                        <a:cs typeface="Arial" charset="0"/>
-                      </a:endParaRPr>
-                    </a:p>
-                  </a:txBody>
-                  <a:tcPr/>
-                </a:tc>
-                <a:tc>
-                  <a:txBody>
-                    <a:bodyPr/>
-                    <a:lstStyle/>
-                    <a:p>
-                      <a:endParaRPr lang="es-ES_tradnl" sz="1100" dirty="0">
-                        <a:latin typeface="Arial" charset="0"/>
-                        <a:ea typeface="Arial" charset="0"/>
-                        <a:cs typeface="Arial" charset="0"/>
-                      </a:endParaRPr>
-                    </a:p>
-                  </a:txBody>
-                  <a:tcPr/>
-                </a:tc>
-                <a:tc>
-                  <a:txBody>
-                    <a:bodyPr/>
-                    <a:lstStyle/>
-                    <a:p>
-                      <a:endParaRPr lang="es-ES_tradnl" sz="1100" dirty="0">
-                        <a:latin typeface="Arial" charset="0"/>
-                        <a:ea typeface="Arial" charset="0"/>
-                        <a:cs typeface="Arial" charset="0"/>
-                      </a:endParaRPr>
-                    </a:p>
-                  </a:txBody>
-                  <a:tcPr/>
-                </a:tc>
-                <a:tc>
-                  <a:txBody>
-                    <a:bodyPr/>
-                    <a:lstStyle/>
-                    <a:p>
-                      <a:endParaRPr lang="es-ES_tradnl" sz="1100">
-                        <a:latin typeface="Arial" charset="0"/>
-                        <a:ea typeface="Arial" charset="0"/>
-                        <a:cs typeface="Arial" charset="0"/>
-                      </a:endParaRPr>
-                    </a:p>
-                  </a:txBody>
-                  <a:tcPr/>
-                </a:tc>
-                <a:tc>
-                  <a:txBody>
-                    <a:bodyPr/>
-                    <a:lstStyle/>
-                    <a:p>
-                      <a:endParaRPr lang="es-ES_tradnl" sz="1100">
-                        <a:latin typeface="Arial" charset="0"/>
-                        <a:ea typeface="Arial" charset="0"/>
-                        <a:cs typeface="Arial" charset="0"/>
-                      </a:endParaRPr>
-                    </a:p>
-                  </a:txBody>
-                  <a:tcPr/>
-                </a:tc>
-              </a:tr>
-              <a:tr h="406530">
-                <a:tc>
-                  <a:txBody>
-                    <a:bodyPr/>
-                    <a:lstStyle/>
-                    <a:p>
-                      <a:endParaRPr lang="es-ES_tradnl" sz="1100" dirty="0">
-                        <a:latin typeface="Arial" charset="0"/>
-                        <a:ea typeface="Arial" charset="0"/>
-                        <a:cs typeface="Arial" charset="0"/>
-                      </a:endParaRPr>
-                    </a:p>
-                  </a:txBody>
-                  <a:tcPr/>
-                </a:tc>
-                <a:tc>
-                  <a:txBody>
-                    <a:bodyPr/>
-                    <a:lstStyle/>
-                    <a:p>
-                      <a:endParaRPr lang="es-ES_tradnl" sz="1100">
-                        <a:latin typeface="Arial" charset="0"/>
-                        <a:ea typeface="Arial" charset="0"/>
-                        <a:cs typeface="Arial" charset="0"/>
-                      </a:endParaRPr>
-                    </a:p>
-                  </a:txBody>
-                  <a:tcPr/>
-                </a:tc>
-                <a:tc>
-                  <a:txBody>
-                    <a:bodyPr/>
-                    <a:lstStyle/>
-                    <a:p>
-                      <a:endParaRPr lang="es-ES_tradnl" sz="1100">
-                        <a:latin typeface="Arial" charset="0"/>
-                        <a:ea typeface="Arial" charset="0"/>
-                        <a:cs typeface="Arial" charset="0"/>
-                      </a:endParaRPr>
-                    </a:p>
-                  </a:txBody>
-                  <a:tcPr/>
-                </a:tc>
-                <a:tc>
-                  <a:txBody>
-                    <a:bodyPr/>
-                    <a:lstStyle/>
-                    <a:p>
-                      <a:endParaRPr lang="es-ES_tradnl" sz="1100">
-                        <a:latin typeface="Arial" charset="0"/>
-                        <a:ea typeface="Arial" charset="0"/>
-                        <a:cs typeface="Arial" charset="0"/>
-                      </a:endParaRPr>
-                    </a:p>
-                  </a:txBody>
-                  <a:tcPr/>
-                </a:tc>
-                <a:tc>
-                  <a:txBody>
-                    <a:bodyPr/>
-                    <a:lstStyle/>
-                    <a:p>
-                      <a:endParaRPr lang="es-ES_tradnl" sz="1100">
-                        <a:latin typeface="Arial" charset="0"/>
-                        <a:ea typeface="Arial" charset="0"/>
-                        <a:cs typeface="Arial" charset="0"/>
-                      </a:endParaRPr>
-                    </a:p>
-                  </a:txBody>
-                  <a:tcPr/>
-                </a:tc>
-                <a:tc>
-                  <a:txBody>
-                    <a:bodyPr/>
-                    <a:lstStyle/>
-                    <a:p>
-                      <a:endParaRPr lang="es-ES_tradnl" sz="1100">
-                        <a:latin typeface="Arial" charset="0"/>
-                        <a:ea typeface="Arial" charset="0"/>
-                        <a:cs typeface="Arial" charset="0"/>
-                      </a:endParaRPr>
-                    </a:p>
-                  </a:txBody>
-                  <a:tcPr/>
-                </a:tc>
-                <a:tc>
-                  <a:txBody>
-                    <a:bodyPr/>
-                    <a:lstStyle/>
-                    <a:p>
-                      <a:endParaRPr lang="es-ES_tradnl" sz="1100">
-                        <a:latin typeface="Arial" charset="0"/>
-                        <a:ea typeface="Arial" charset="0"/>
-                        <a:cs typeface="Arial" charset="0"/>
-                      </a:endParaRPr>
-                    </a:p>
-                  </a:txBody>
-                  <a:tcPr/>
-                </a:tc>
-                <a:tc>
-                  <a:txBody>
-                    <a:bodyPr/>
-                    <a:lstStyle/>
-                    <a:p>
-                      <a:endParaRPr lang="es-ES_tradnl" sz="1100">
-                        <a:latin typeface="Arial" charset="0"/>
-                        <a:ea typeface="Arial" charset="0"/>
-                        <a:cs typeface="Arial" charset="0"/>
-                      </a:endParaRPr>
-                    </a:p>
-                  </a:txBody>
-                  <a:tcPr/>
-                </a:tc>
-                <a:tc>
-                  <a:txBody>
-                    <a:bodyPr/>
-                    <a:lstStyle/>
-                    <a:p>
-                      <a:endParaRPr lang="es-ES_tradnl" sz="1100">
-                        <a:latin typeface="Arial" charset="0"/>
-                        <a:ea typeface="Arial" charset="0"/>
-                        <a:cs typeface="Arial" charset="0"/>
-                      </a:endParaRPr>
-                    </a:p>
-                  </a:txBody>
-                  <a:tcPr/>
-                </a:tc>
-                <a:tc>
-                  <a:txBody>
-                    <a:bodyPr/>
-                    <a:lstStyle/>
-                    <a:p>
-                      <a:endParaRPr lang="es-ES_tradnl" sz="1100" dirty="0">
-                        <a:latin typeface="Arial" charset="0"/>
-                        <a:ea typeface="Arial" charset="0"/>
-                        <a:cs typeface="Arial" charset="0"/>
-                      </a:endParaRPr>
-                    </a:p>
-                  </a:txBody>
-                  <a:tcPr/>
-                </a:tc>
-                <a:tc>
-                  <a:txBody>
-                    <a:bodyPr/>
-                    <a:lstStyle/>
-                    <a:p>
-                      <a:endParaRPr lang="es-ES_tradnl" sz="1100" dirty="0">
-                        <a:latin typeface="Arial" charset="0"/>
-                        <a:ea typeface="Arial" charset="0"/>
-                        <a:cs typeface="Arial" charset="0"/>
-                      </a:endParaRPr>
-                    </a:p>
-                  </a:txBody>
-                  <a:tcPr/>
-                </a:tc>
-                <a:tc>
-                  <a:txBody>
-                    <a:bodyPr/>
-                    <a:lstStyle/>
-                    <a:p>
-                      <a:endParaRPr lang="es-ES_tradnl" sz="1100" dirty="0">
-                        <a:latin typeface="Arial" charset="0"/>
-                        <a:ea typeface="Arial" charset="0"/>
-                        <a:cs typeface="Arial" charset="0"/>
-                      </a:endParaRPr>
-                    </a:p>
-                  </a:txBody>
-                  <a:tcPr/>
-                </a:tc>
-                <a:tc>
-                  <a:txBody>
-                    <a:bodyPr/>
-                    <a:lstStyle/>
-                    <a:p>
-                      <a:endParaRPr lang="es-ES_tradnl" sz="1100">
-                        <a:latin typeface="Arial" charset="0"/>
-                        <a:ea typeface="Arial" charset="0"/>
-                        <a:cs typeface="Arial" charset="0"/>
-                      </a:endParaRPr>
-                    </a:p>
-                  </a:txBody>
-                  <a:tcPr/>
-                </a:tc>
-                <a:tc>
-                  <a:txBody>
-                    <a:bodyPr/>
-                    <a:lstStyle/>
-                    <a:p>
-                      <a:endParaRPr lang="es-ES_tradnl" sz="1100" dirty="0">
-                        <a:latin typeface="Arial" charset="0"/>
-                        <a:ea typeface="Arial" charset="0"/>
-                        <a:cs typeface="Arial" charset="0"/>
-                      </a:endParaRPr>
-                    </a:p>
-                  </a:txBody>
-                  <a:tcPr/>
-                </a:tc>
-                <a:tc>
-                  <a:txBody>
-                    <a:bodyPr/>
-                    <a:lstStyle/>
-                    <a:p>
-                      <a:endParaRPr lang="es-ES_tradnl" sz="1100">
-                        <a:latin typeface="Arial" charset="0"/>
-                        <a:ea typeface="Arial" charset="0"/>
-                        <a:cs typeface="Arial" charset="0"/>
-                      </a:endParaRPr>
-                    </a:p>
-                  </a:txBody>
-                  <a:tcPr/>
-                </a:tc>
-                <a:tc>
-                  <a:txBody>
-                    <a:bodyPr/>
-                    <a:lstStyle/>
-                    <a:p>
-                      <a:endParaRPr lang="es-ES_tradnl" sz="1100" dirty="0">
-                        <a:latin typeface="Arial" charset="0"/>
-                        <a:ea typeface="Arial" charset="0"/>
-                        <a:cs typeface="Arial" charset="0"/>
-                      </a:endParaRPr>
-                    </a:p>
-                  </a:txBody>
-                  <a:tcPr/>
-                </a:tc>
-              </a:tr>
-            </a:tbl>
-          </a:graphicData>
-        </a:graphic>
-      </p:graphicFrame>
-      <p:sp>
-        <p:nvSpPr>
-          <p:cNvPr id="6" name="CuadroTexto 5"/>
-          <p:cNvSpPr txBox="1"/>
-          <p:nvPr/>
-        </p:nvSpPr>
-        <p:spPr>
-          <a:xfrm>
-            <a:off x="430925" y="978792"/>
-            <a:ext cx="1397875" cy="261610"/>
-          </a:xfrm>
-          <a:prstGeom prst="rect">
-            <a:avLst/>
-          </a:prstGeom>
-          <a:noFill/>
-        </p:spPr>
-        <p:txBody>
-          <a:bodyPr wrap="square" rtlCol="0">
-            <a:spAutoFit/>
-          </a:bodyPr>
-          <a:lstStyle/>
-          <a:p>
-            <a:r>
-              <a:rPr lang="es-ES" sz="1100" dirty="0" smtClean="0">
-                <a:solidFill>
-                  <a:schemeClr val="tx1">
-                    <a:lumMod val="75000"/>
-                    <a:lumOff val="25000"/>
-                  </a:schemeClr>
-                </a:solidFill>
-                <a:latin typeface="Arial" charset="0"/>
-                <a:ea typeface="Arial" charset="0"/>
-                <a:cs typeface="Arial" charset="0"/>
-              </a:rPr>
-              <a:t>Fecha de reporte:</a:t>
-            </a:r>
-            <a:endParaRPr lang="es-ES_tradnl" sz="1100" dirty="0">
-              <a:solidFill>
-                <a:schemeClr val="tx1">
-                  <a:lumMod val="75000"/>
-                  <a:lumOff val="25000"/>
-                </a:schemeClr>
-              </a:solidFill>
-              <a:latin typeface="Arial" charset="0"/>
-              <a:ea typeface="Arial" charset="0"/>
-              <a:cs typeface="Arial" charset="0"/>
-            </a:endParaRPr>
-          </a:p>
-        </p:txBody>
-      </p:sp>
-      <p:sp>
-        <p:nvSpPr>
-          <p:cNvPr id="8" name="CuadroTexto 7"/>
-          <p:cNvSpPr txBox="1"/>
-          <p:nvPr/>
-        </p:nvSpPr>
-        <p:spPr>
-          <a:xfrm>
-            <a:off x="4871545" y="972212"/>
-            <a:ext cx="3394841" cy="323165"/>
-          </a:xfrm>
-          <a:prstGeom prst="rect">
-            <a:avLst/>
-          </a:prstGeom>
-          <a:noFill/>
-        </p:spPr>
-        <p:txBody>
-          <a:bodyPr wrap="square" rtlCol="0">
-            <a:spAutoFit/>
-          </a:bodyPr>
-          <a:lstStyle/>
-          <a:p>
-            <a:pPr algn="ctr"/>
-            <a:r>
-              <a:rPr lang="es-ES_tradnl" sz="1500" b="1" i="1" dirty="0" smtClean="0">
-                <a:solidFill>
-                  <a:schemeClr val="tx1">
-                    <a:lumMod val="75000"/>
-                    <a:lumOff val="25000"/>
-                  </a:schemeClr>
-                </a:solidFill>
-                <a:latin typeface="Arial" charset="0"/>
-                <a:ea typeface="Arial" charset="0"/>
-                <a:cs typeface="Arial" charset="0"/>
-              </a:rPr>
-              <a:t>Ficha T</a:t>
-            </a:r>
-            <a:r>
-              <a:rPr lang="es-ES" sz="1500" b="1" i="1" dirty="0" err="1" smtClean="0">
-                <a:solidFill>
-                  <a:schemeClr val="tx1">
-                    <a:lumMod val="75000"/>
-                    <a:lumOff val="25000"/>
-                  </a:schemeClr>
-                </a:solidFill>
-                <a:latin typeface="Arial" charset="0"/>
-                <a:ea typeface="Arial" charset="0"/>
-                <a:cs typeface="Arial" charset="0"/>
-              </a:rPr>
-              <a:t>écnica</a:t>
-            </a:r>
-            <a:endParaRPr lang="es-ES_tradnl" sz="1500" b="1" i="1" dirty="0">
-              <a:solidFill>
-                <a:schemeClr val="tx1">
-                  <a:lumMod val="75000"/>
-                  <a:lumOff val="25000"/>
-                </a:schemeClr>
-              </a:solidFill>
-              <a:latin typeface="Arial" charset="0"/>
-              <a:ea typeface="Arial" charset="0"/>
-              <a:cs typeface="Arial" charset="0"/>
-            </a:endParaRPr>
-          </a:p>
-        </p:txBody>
-      </p:sp>
-      <p:sp>
-        <p:nvSpPr>
-          <p:cNvPr id="9" name="CuadroTexto 8"/>
-          <p:cNvSpPr txBox="1"/>
-          <p:nvPr/>
-        </p:nvSpPr>
-        <p:spPr>
-          <a:xfrm>
-            <a:off x="1566049" y="993425"/>
-            <a:ext cx="1397875" cy="261610"/>
-          </a:xfrm>
-          <a:prstGeom prst="rect">
-            <a:avLst/>
-          </a:prstGeom>
-          <a:noFill/>
-        </p:spPr>
-        <p:txBody>
-          <a:bodyPr wrap="square" rtlCol="0">
-            <a:spAutoFit/>
-          </a:bodyPr>
-          <a:lstStyle/>
-          <a:p>
-            <a:r>
-              <a:rPr lang="es-ES" sz="1100" b="1" dirty="0" smtClean="0">
-                <a:solidFill>
-                  <a:schemeClr val="tx1">
-                    <a:lumMod val="75000"/>
-                    <a:lumOff val="25000"/>
-                  </a:schemeClr>
-                </a:solidFill>
-                <a:latin typeface="Arial" charset="0"/>
-                <a:ea typeface="Arial" charset="0"/>
-                <a:cs typeface="Arial" charset="0"/>
-              </a:rPr>
-              <a:t>11</a:t>
-            </a:r>
-            <a:r>
-              <a:rPr lang="es-ES" sz="1100" b="1" dirty="0" smtClean="0">
-                <a:solidFill>
-                  <a:schemeClr val="tx1">
-                    <a:lumMod val="75000"/>
-                    <a:lumOff val="25000"/>
-                  </a:schemeClr>
-                </a:solidFill>
-                <a:latin typeface="Arial" charset="0"/>
-                <a:ea typeface="Arial" charset="0"/>
-                <a:cs typeface="Arial" charset="0"/>
-              </a:rPr>
-              <a:t> </a:t>
-            </a:r>
-            <a:r>
-              <a:rPr lang="es-ES" sz="1100" b="1" dirty="0" smtClean="0">
-                <a:solidFill>
-                  <a:schemeClr val="tx1">
-                    <a:lumMod val="75000"/>
-                    <a:lumOff val="25000"/>
-                  </a:schemeClr>
-                </a:solidFill>
-                <a:latin typeface="Arial" charset="0"/>
-                <a:ea typeface="Arial" charset="0"/>
-                <a:cs typeface="Arial" charset="0"/>
-              </a:rPr>
-              <a:t>– Mayo- 2016</a:t>
-            </a:r>
-            <a:endParaRPr lang="es-ES_tradnl" sz="1100" b="1" dirty="0">
-              <a:solidFill>
-                <a:schemeClr val="tx1">
-                  <a:lumMod val="75000"/>
-                  <a:lumOff val="25000"/>
-                </a:schemeClr>
-              </a:solidFill>
-              <a:latin typeface="Arial" charset="0"/>
-              <a:ea typeface="Arial" charset="0"/>
-              <a:cs typeface="Arial" charset="0"/>
-            </a:endParaRPr>
-          </a:p>
-        </p:txBody>
-      </p:sp>
-      <p:sp>
-        <p:nvSpPr>
-          <p:cNvPr id="10" name="CuadroTexto 9"/>
-          <p:cNvSpPr txBox="1"/>
-          <p:nvPr/>
-        </p:nvSpPr>
-        <p:spPr>
-          <a:xfrm>
-            <a:off x="220725" y="1317916"/>
-            <a:ext cx="1492468" cy="292388"/>
-          </a:xfrm>
-          <a:prstGeom prst="rect">
-            <a:avLst/>
-          </a:prstGeom>
-          <a:noFill/>
-        </p:spPr>
-        <p:txBody>
-          <a:bodyPr wrap="square" rtlCol="0">
-            <a:spAutoFit/>
-          </a:bodyPr>
-          <a:lstStyle/>
-          <a:p>
-            <a:pPr algn="ctr"/>
-            <a:r>
-              <a:rPr lang="es-ES" sz="1300" b="1" i="1" smtClean="0">
-                <a:solidFill>
-                  <a:schemeClr val="tx1">
-                    <a:lumMod val="75000"/>
-                    <a:lumOff val="25000"/>
-                  </a:schemeClr>
-                </a:solidFill>
-                <a:latin typeface="Arial" charset="0"/>
-                <a:ea typeface="Arial" charset="0"/>
-                <a:cs typeface="Arial" charset="0"/>
-              </a:rPr>
-              <a:t>Datos Generales</a:t>
-            </a:r>
-            <a:endParaRPr lang="es-ES_tradnl" sz="1300" b="1" i="1" dirty="0">
-              <a:solidFill>
-                <a:schemeClr val="tx1">
-                  <a:lumMod val="75000"/>
-                  <a:lumOff val="25000"/>
-                </a:schemeClr>
-              </a:solidFill>
-              <a:latin typeface="Arial" charset="0"/>
-              <a:ea typeface="Arial" charset="0"/>
-              <a:cs typeface="Arial" charset="0"/>
-            </a:endParaRPr>
-          </a:p>
-        </p:txBody>
-      </p:sp>
       <p:graphicFrame>
         <p:nvGraphicFramePr>
           <p:cNvPr id="13" name="Tabla 12"/>
@@ -5891,7 +3584,7 @@
           <p:nvPr>
             <p:extLst>
               <p:ext uri="{D42A27DB-BD31-4B8C-83A1-F6EECF244321}">
-                <p14:modId xmlns:p14="http://schemas.microsoft.com/office/powerpoint/2010/main" val="663759778"/>
+                <p14:modId xmlns:p14="http://schemas.microsoft.com/office/powerpoint/2010/main" val="1254186601"/>
               </p:ext>
             </p:extLst>
           </p:nvPr>
@@ -6256,156 +3949,6 @@
           </a:graphicData>
         </a:graphic>
       </p:graphicFrame>
-      <p:sp>
-        <p:nvSpPr>
-          <p:cNvPr id="14" name="CuadroTexto 13"/>
-          <p:cNvSpPr txBox="1"/>
-          <p:nvPr/>
-        </p:nvSpPr>
-        <p:spPr>
-          <a:xfrm>
-            <a:off x="1713193" y="1574356"/>
-            <a:ext cx="4078014" cy="261610"/>
-          </a:xfrm>
-          <a:prstGeom prst="rect">
-            <a:avLst/>
-          </a:prstGeom>
-          <a:noFill/>
-        </p:spPr>
-        <p:txBody>
-          <a:bodyPr wrap="square" rtlCol="0">
-            <a:spAutoFit/>
-          </a:bodyPr>
-          <a:lstStyle/>
-          <a:p>
-            <a:r>
-              <a:rPr lang="es-ES" sz="1100" b="1" dirty="0" smtClean="0">
-                <a:solidFill>
-                  <a:schemeClr val="tx1">
-                    <a:lumMod val="75000"/>
-                    <a:lumOff val="25000"/>
-                  </a:schemeClr>
-                </a:solidFill>
-                <a:latin typeface="Arial" charset="0"/>
-                <a:ea typeface="Arial" charset="0"/>
-                <a:cs typeface="Arial" charset="0"/>
-              </a:rPr>
-              <a:t>x</a:t>
-            </a:r>
-            <a:endParaRPr lang="es-ES_tradnl" sz="1100" b="1" dirty="0">
-              <a:solidFill>
-                <a:schemeClr val="tx1">
-                  <a:lumMod val="75000"/>
-                  <a:lumOff val="25000"/>
-                </a:schemeClr>
-              </a:solidFill>
-              <a:latin typeface="Arial" charset="0"/>
-              <a:ea typeface="Arial" charset="0"/>
-              <a:cs typeface="Arial" charset="0"/>
-            </a:endParaRPr>
-          </a:p>
-        </p:txBody>
-      </p:sp>
-      <p:sp>
-        <p:nvSpPr>
-          <p:cNvPr id="15" name="CuadroTexto 14"/>
-          <p:cNvSpPr txBox="1"/>
-          <p:nvPr/>
-        </p:nvSpPr>
-        <p:spPr>
-          <a:xfrm>
-            <a:off x="1713193" y="1854903"/>
-            <a:ext cx="4078014" cy="261610"/>
-          </a:xfrm>
-          <a:prstGeom prst="rect">
-            <a:avLst/>
-          </a:prstGeom>
-          <a:noFill/>
-        </p:spPr>
-        <p:txBody>
-          <a:bodyPr wrap="square" rtlCol="0">
-            <a:spAutoFit/>
-          </a:bodyPr>
-          <a:lstStyle/>
-          <a:p>
-            <a:r>
-              <a:rPr lang="es-ES" sz="1100" b="1" dirty="0" smtClean="0">
-                <a:solidFill>
-                  <a:schemeClr val="tx1">
-                    <a:lumMod val="75000"/>
-                    <a:lumOff val="25000"/>
-                  </a:schemeClr>
-                </a:solidFill>
-                <a:latin typeface="Arial" charset="0"/>
-                <a:ea typeface="Arial" charset="0"/>
-                <a:cs typeface="Arial" charset="0"/>
-              </a:rPr>
-              <a:t>x</a:t>
-            </a:r>
-            <a:endParaRPr lang="es-ES_tradnl" sz="1100" b="1" dirty="0">
-              <a:solidFill>
-                <a:schemeClr val="tx1">
-                  <a:lumMod val="75000"/>
-                  <a:lumOff val="25000"/>
-                </a:schemeClr>
-              </a:solidFill>
-              <a:latin typeface="Arial" charset="0"/>
-              <a:ea typeface="Arial" charset="0"/>
-              <a:cs typeface="Arial" charset="0"/>
-            </a:endParaRPr>
-          </a:p>
-        </p:txBody>
-      </p:sp>
-      <p:sp>
-        <p:nvSpPr>
-          <p:cNvPr id="16" name="CuadroTexto 15"/>
-          <p:cNvSpPr txBox="1"/>
-          <p:nvPr/>
-        </p:nvSpPr>
-        <p:spPr>
-          <a:xfrm>
-            <a:off x="1713193" y="2100947"/>
-            <a:ext cx="4078014" cy="261610"/>
-          </a:xfrm>
-          <a:prstGeom prst="rect">
-            <a:avLst/>
-          </a:prstGeom>
-          <a:noFill/>
-        </p:spPr>
-        <p:txBody>
-          <a:bodyPr wrap="square" rtlCol="0">
-            <a:spAutoFit/>
-          </a:bodyPr>
-          <a:lstStyle/>
-          <a:p>
-            <a:r>
-              <a:rPr lang="es-ES" sz="1100" b="1" dirty="0">
-                <a:solidFill>
-                  <a:schemeClr val="tx1">
-                    <a:lumMod val="75000"/>
-                    <a:lumOff val="25000"/>
-                  </a:schemeClr>
-                </a:solidFill>
-                <a:latin typeface="Arial" charset="0"/>
-                <a:ea typeface="Arial" charset="0"/>
-                <a:cs typeface="Arial" charset="0"/>
-              </a:rPr>
-              <a:t>x</a:t>
-            </a:r>
-            <a:endParaRPr lang="es-ES_tradnl" sz="1100" b="1" dirty="0">
-              <a:solidFill>
-                <a:schemeClr val="tx1">
-                  <a:lumMod val="75000"/>
-                  <a:lumOff val="25000"/>
-                </a:schemeClr>
-              </a:solidFill>
-              <a:latin typeface="Arial" charset="0"/>
-              <a:ea typeface="Arial" charset="0"/>
-              <a:cs typeface="Arial" charset="0"/>
-            </a:endParaRPr>
-          </a:p>
-        </p:txBody>
-      </p:sp>
       <p:graphicFrame>
         <p:nvGraphicFramePr>
           <p:cNvPr id="17" name="Tabla 16"/>
@@ -6415,7 +3958,7 @@
           <p:nvPr>
             <p:extLst>
               <p:ext uri="{D42A27DB-BD31-4B8C-83A1-F6EECF244321}">
-                <p14:modId xmlns:p14="http://schemas.microsoft.com/office/powerpoint/2010/main" val="1259715756"/>
+                <p14:modId xmlns:p14="http://schemas.microsoft.com/office/powerpoint/2010/main" val="1880011330"/>
               </p:ext>
             </p:extLst>
           </p:nvPr>
@@ -6852,16 +4395,2757 @@
           </a:graphicData>
         </a:graphic>
       </p:graphicFrame>
+      <p:graphicFrame>
+        <p:nvGraphicFramePr>
+          <p:cNvPr id="21" name="Tabla 20"/>
+          <p:cNvGraphicFramePr>
+            <a:graphicFrameLocks noGrp="1"/>
+          </p:cNvGraphicFramePr>
+          <p:nvPr>
+            <p:extLst>
+              <p:ext uri="{D42A27DB-BD31-4B8C-83A1-F6EECF244321}">
+                <p14:modId xmlns:p14="http://schemas.microsoft.com/office/powerpoint/2010/main" val="976215853"/>
+              </p:ext>
+            </p:extLst>
+          </p:nvPr>
+        </p:nvGraphicFramePr>
+        <p:xfrm>
+          <a:off x="325815" y="2706200"/>
+          <a:ext cx="11519342" cy="3223807"/>
+        </p:xfrm>
+        <a:graphic>
+          <a:graphicData uri="http://schemas.openxmlformats.org/drawingml/2006/table">
+            <a:tbl>
+              <a:tblPr firstRow="1" bandRow="1">
+                <a:tableStyleId>{F5AB1C69-6EDB-4FF4-983F-18BD219EF322}</a:tableStyleId>
+              </a:tblPr>
+              <a:tblGrid>
+                <a:gridCol w="493992"/>
+                <a:gridCol w="1313793"/>
+                <a:gridCol w="624114"/>
+                <a:gridCol w="580572"/>
+                <a:gridCol w="609600"/>
+                <a:gridCol w="537028"/>
+                <a:gridCol w="537029"/>
+                <a:gridCol w="551543"/>
+                <a:gridCol w="580571"/>
+                <a:gridCol w="609600"/>
+                <a:gridCol w="740229"/>
+                <a:gridCol w="653143"/>
+                <a:gridCol w="711200"/>
+                <a:gridCol w="740228"/>
+                <a:gridCol w="1074057"/>
+                <a:gridCol w="1162643"/>
+              </a:tblGrid>
+              <a:tr h="267917">
+                <a:tc gridSpan="14">
+                  <a:txBody>
+                    <a:bodyPr/>
+                    <a:lstStyle/>
+                    <a:p>
+                      <a:pPr algn="ctr"/>
+                      <a:r>
+                        <a:rPr lang="es-ES_tradnl" sz="1100" b="1" dirty="0" smtClean="0">
+                          <a:latin typeface="Arial" charset="0"/>
+                          <a:ea typeface="Arial" charset="0"/>
+                          <a:cs typeface="Arial" charset="0"/>
+                        </a:rPr>
+                        <a:t>Avances Mensuales</a:t>
+                      </a:r>
+                      <a:endParaRPr lang="es-ES_tradnl" sz="1100" b="1" dirty="0">
+                        <a:latin typeface="Arial" charset="0"/>
+                        <a:ea typeface="Arial" charset="0"/>
+                        <a:cs typeface="Arial" charset="0"/>
+                      </a:endParaRPr>
+                    </a:p>
+                  </a:txBody>
+                  <a:tcPr/>
+                </a:tc>
+                <a:tc hMerge="1">
+                  <a:txBody>
+                    <a:bodyPr/>
+                    <a:lstStyle/>
+                    <a:p>
+                      <a:endParaRPr lang="es-ES_tradnl"/>
+                    </a:p>
+                  </a:txBody>
+                  <a:tcPr/>
+                </a:tc>
+                <a:tc hMerge="1">
+                  <a:txBody>
+                    <a:bodyPr/>
+                    <a:lstStyle/>
+                    <a:p>
+                      <a:endParaRPr lang="es-ES_tradnl"/>
+                    </a:p>
+                  </a:txBody>
+                  <a:tcPr/>
+                </a:tc>
+                <a:tc hMerge="1">
+                  <a:txBody>
+                    <a:bodyPr/>
+                    <a:lstStyle/>
+                    <a:p>
+                      <a:endParaRPr lang="es-ES_tradnl"/>
+                    </a:p>
+                  </a:txBody>
+                  <a:tcPr/>
+                </a:tc>
+                <a:tc hMerge="1">
+                  <a:txBody>
+                    <a:bodyPr/>
+                    <a:lstStyle/>
+                    <a:p>
+                      <a:endParaRPr lang="es-ES_tradnl"/>
+                    </a:p>
+                  </a:txBody>
+                  <a:tcPr/>
+                </a:tc>
+                <a:tc hMerge="1">
+                  <a:txBody>
+                    <a:bodyPr/>
+                    <a:lstStyle/>
+                    <a:p>
+                      <a:endParaRPr lang="es-ES_tradnl"/>
+                    </a:p>
+                  </a:txBody>
+                  <a:tcPr/>
+                </a:tc>
+                <a:tc hMerge="1">
+                  <a:txBody>
+                    <a:bodyPr/>
+                    <a:lstStyle/>
+                    <a:p>
+                      <a:endParaRPr lang="es-ES_tradnl"/>
+                    </a:p>
+                  </a:txBody>
+                  <a:tcPr/>
+                </a:tc>
+                <a:tc hMerge="1">
+                  <a:txBody>
+                    <a:bodyPr/>
+                    <a:lstStyle/>
+                    <a:p>
+                      <a:endParaRPr lang="es-ES_tradnl"/>
+                    </a:p>
+                  </a:txBody>
+                  <a:tcPr/>
+                </a:tc>
+                <a:tc hMerge="1">
+                  <a:txBody>
+                    <a:bodyPr/>
+                    <a:lstStyle/>
+                    <a:p>
+                      <a:endParaRPr lang="es-ES_tradnl"/>
+                    </a:p>
+                  </a:txBody>
+                  <a:tcPr/>
+                </a:tc>
+                <a:tc hMerge="1">
+                  <a:txBody>
+                    <a:bodyPr/>
+                    <a:lstStyle/>
+                    <a:p>
+                      <a:endParaRPr lang="es-ES_tradnl"/>
+                    </a:p>
+                  </a:txBody>
+                  <a:tcPr/>
+                </a:tc>
+                <a:tc hMerge="1">
+                  <a:txBody>
+                    <a:bodyPr/>
+                    <a:lstStyle/>
+                    <a:p>
+                      <a:endParaRPr lang="es-ES_tradnl"/>
+                    </a:p>
+                  </a:txBody>
+                  <a:tcPr/>
+                </a:tc>
+                <a:tc hMerge="1">
+                  <a:txBody>
+                    <a:bodyPr/>
+                    <a:lstStyle/>
+                    <a:p>
+                      <a:endParaRPr lang="es-ES_tradnl"/>
+                    </a:p>
+                  </a:txBody>
+                  <a:tcPr/>
+                </a:tc>
+                <a:tc hMerge="1">
+                  <a:txBody>
+                    <a:bodyPr/>
+                    <a:lstStyle/>
+                    <a:p>
+                      <a:endParaRPr lang="es-ES_tradnl"/>
+                    </a:p>
+                  </a:txBody>
+                  <a:tcPr/>
+                </a:tc>
+                <a:tc hMerge="1">
+                  <a:txBody>
+                    <a:bodyPr/>
+                    <a:lstStyle/>
+                    <a:p>
+                      <a:endParaRPr lang="es-ES_tradnl"/>
+                    </a:p>
+                  </a:txBody>
+                  <a:tcPr/>
+                </a:tc>
+                <a:tc rowSpan="2">
+                  <a:txBody>
+                    <a:bodyPr/>
+                    <a:lstStyle/>
+                    <a:p>
+                      <a:pPr algn="ctr"/>
+                      <a:r>
+                        <a:rPr lang="es-ES_tradnl" sz="1100" dirty="0" smtClean="0">
+                          <a:latin typeface="Arial" charset="0"/>
+                          <a:ea typeface="Arial" charset="0"/>
+                          <a:cs typeface="Arial" charset="0"/>
+                        </a:rPr>
+                        <a:t>Avance Acumulado</a:t>
+                      </a:r>
+                      <a:endParaRPr lang="es-ES_tradnl" sz="1100" dirty="0">
+                        <a:latin typeface="Arial" charset="0"/>
+                        <a:ea typeface="Arial" charset="0"/>
+                        <a:cs typeface="Arial" charset="0"/>
+                      </a:endParaRPr>
+                    </a:p>
+                  </a:txBody>
+                  <a:tcPr/>
+                </a:tc>
+                <a:tc rowSpan="2">
+                  <a:txBody>
+                    <a:bodyPr/>
+                    <a:lstStyle/>
+                    <a:p>
+                      <a:pPr algn="ctr"/>
+                      <a:r>
+                        <a:rPr lang="es-ES_tradnl" sz="1100" dirty="0" err="1" smtClean="0">
+                          <a:latin typeface="Arial" charset="0"/>
+                          <a:ea typeface="Arial" charset="0"/>
+                          <a:cs typeface="Arial" charset="0"/>
+                        </a:rPr>
+                        <a:t>Inversi</a:t>
+                      </a:r>
+                      <a:r>
+                        <a:rPr lang="es-ES" sz="1100" dirty="0" err="1" smtClean="0">
+                          <a:latin typeface="Arial" charset="0"/>
+                          <a:ea typeface="Arial" charset="0"/>
+                          <a:cs typeface="Arial" charset="0"/>
+                        </a:rPr>
+                        <a:t>ón</a:t>
+                      </a:r>
+                      <a:r>
+                        <a:rPr lang="es-ES" sz="1100" dirty="0" smtClean="0">
+                          <a:latin typeface="Arial" charset="0"/>
+                          <a:ea typeface="Arial" charset="0"/>
+                          <a:cs typeface="Arial" charset="0"/>
+                        </a:rPr>
+                        <a:t> aproximada acumulada</a:t>
+                      </a:r>
+                      <a:endParaRPr lang="es-ES_tradnl" sz="1100" dirty="0">
+                        <a:latin typeface="Arial" charset="0"/>
+                        <a:ea typeface="Arial" charset="0"/>
+                        <a:cs typeface="Arial" charset="0"/>
+                      </a:endParaRPr>
+                    </a:p>
+                  </a:txBody>
+                  <a:tcPr/>
+                </a:tc>
+              </a:tr>
+              <a:tr h="261464">
+                <a:tc>
+                  <a:txBody>
+                    <a:bodyPr/>
+                    <a:lstStyle/>
+                    <a:p>
+                      <a:pPr algn="ctr"/>
+                      <a:r>
+                        <a:rPr lang="es-ES_tradnl" sz="1100" b="1" dirty="0" smtClean="0">
+                          <a:latin typeface="Arial" charset="0"/>
+                          <a:ea typeface="Arial" charset="0"/>
+                          <a:cs typeface="Arial" charset="0"/>
+                        </a:rPr>
+                        <a:t>No.</a:t>
+                      </a:r>
+                      <a:endParaRPr lang="es-ES_tradnl" sz="1100" b="1" dirty="0">
+                        <a:latin typeface="Arial" charset="0"/>
+                        <a:ea typeface="Arial" charset="0"/>
+                        <a:cs typeface="Arial" charset="0"/>
+                      </a:endParaRPr>
+                    </a:p>
+                  </a:txBody>
+                  <a:tcPr/>
+                </a:tc>
+                <a:tc>
+                  <a:txBody>
+                    <a:bodyPr/>
+                    <a:lstStyle/>
+                    <a:p>
+                      <a:pPr algn="ctr"/>
+                      <a:r>
+                        <a:rPr lang="es-ES_tradnl" sz="1100" b="1" dirty="0" smtClean="0">
+                          <a:latin typeface="Arial" charset="0"/>
+                          <a:ea typeface="Arial" charset="0"/>
+                          <a:cs typeface="Arial" charset="0"/>
+                        </a:rPr>
+                        <a:t>Municipio</a:t>
+                      </a:r>
+                      <a:endParaRPr lang="es-ES_tradnl" sz="1100" b="1" dirty="0">
+                        <a:latin typeface="Arial" charset="0"/>
+                        <a:ea typeface="Arial" charset="0"/>
+                        <a:cs typeface="Arial" charset="0"/>
+                      </a:endParaRPr>
+                    </a:p>
+                  </a:txBody>
+                  <a:tcPr/>
+                </a:tc>
+                <a:tc>
+                  <a:txBody>
+                    <a:bodyPr/>
+                    <a:lstStyle/>
+                    <a:p>
+                      <a:pPr algn="ctr"/>
+                      <a:r>
+                        <a:rPr lang="es-ES_tradnl" sz="1100" b="1" dirty="0" smtClean="0">
+                          <a:latin typeface="Arial" charset="0"/>
+                          <a:ea typeface="Arial" charset="0"/>
+                          <a:cs typeface="Arial" charset="0"/>
+                        </a:rPr>
+                        <a:t>ENE</a:t>
+                      </a:r>
+                      <a:endParaRPr lang="es-ES_tradnl" sz="1100" b="1" dirty="0">
+                        <a:latin typeface="Arial" charset="0"/>
+                        <a:ea typeface="Arial" charset="0"/>
+                        <a:cs typeface="Arial" charset="0"/>
+                      </a:endParaRPr>
+                    </a:p>
+                  </a:txBody>
+                  <a:tcPr/>
+                </a:tc>
+                <a:tc>
+                  <a:txBody>
+                    <a:bodyPr/>
+                    <a:lstStyle/>
+                    <a:p>
+                      <a:pPr algn="ctr"/>
+                      <a:r>
+                        <a:rPr lang="es-ES_tradnl" sz="1100" b="1" dirty="0" smtClean="0">
+                          <a:latin typeface="Arial" charset="0"/>
+                          <a:ea typeface="Arial" charset="0"/>
+                          <a:cs typeface="Arial" charset="0"/>
+                        </a:rPr>
+                        <a:t>FEB</a:t>
+                      </a:r>
+                      <a:endParaRPr lang="es-ES_tradnl" sz="1100" b="1" dirty="0">
+                        <a:latin typeface="Arial" charset="0"/>
+                        <a:ea typeface="Arial" charset="0"/>
+                        <a:cs typeface="Arial" charset="0"/>
+                      </a:endParaRPr>
+                    </a:p>
+                  </a:txBody>
+                  <a:tcPr/>
+                </a:tc>
+                <a:tc>
+                  <a:txBody>
+                    <a:bodyPr/>
+                    <a:lstStyle/>
+                    <a:p>
+                      <a:pPr algn="ctr"/>
+                      <a:r>
+                        <a:rPr lang="es-ES_tradnl" sz="1100" b="1" dirty="0" smtClean="0">
+                          <a:latin typeface="Arial" charset="0"/>
+                          <a:ea typeface="Arial" charset="0"/>
+                          <a:cs typeface="Arial" charset="0"/>
+                        </a:rPr>
+                        <a:t>MAR</a:t>
+                      </a:r>
+                      <a:endParaRPr lang="es-ES_tradnl" sz="1100" b="1" dirty="0">
+                        <a:latin typeface="Arial" charset="0"/>
+                        <a:ea typeface="Arial" charset="0"/>
+                        <a:cs typeface="Arial" charset="0"/>
+                      </a:endParaRPr>
+                    </a:p>
+                  </a:txBody>
+                  <a:tcPr/>
+                </a:tc>
+                <a:tc>
+                  <a:txBody>
+                    <a:bodyPr/>
+                    <a:lstStyle/>
+                    <a:p>
+                      <a:pPr algn="ctr"/>
+                      <a:r>
+                        <a:rPr lang="es-ES_tradnl" sz="1100" b="1" dirty="0" smtClean="0">
+                          <a:latin typeface="Arial" charset="0"/>
+                          <a:ea typeface="Arial" charset="0"/>
+                          <a:cs typeface="Arial" charset="0"/>
+                        </a:rPr>
+                        <a:t>ABR</a:t>
+                      </a:r>
+                      <a:endParaRPr lang="es-ES_tradnl" sz="1100" b="1" dirty="0">
+                        <a:latin typeface="Arial" charset="0"/>
+                        <a:ea typeface="Arial" charset="0"/>
+                        <a:cs typeface="Arial" charset="0"/>
+                      </a:endParaRPr>
+                    </a:p>
+                  </a:txBody>
+                  <a:tcPr/>
+                </a:tc>
+                <a:tc>
+                  <a:txBody>
+                    <a:bodyPr/>
+                    <a:lstStyle/>
+                    <a:p>
+                      <a:pPr algn="ctr"/>
+                      <a:r>
+                        <a:rPr lang="es-ES_tradnl" sz="1100" b="1" dirty="0" smtClean="0">
+                          <a:latin typeface="Arial" charset="0"/>
+                          <a:ea typeface="Arial" charset="0"/>
+                          <a:cs typeface="Arial" charset="0"/>
+                        </a:rPr>
+                        <a:t>MAY</a:t>
+                      </a:r>
+                      <a:endParaRPr lang="es-ES_tradnl" sz="1100" b="1" dirty="0">
+                        <a:latin typeface="Arial" charset="0"/>
+                        <a:ea typeface="Arial" charset="0"/>
+                        <a:cs typeface="Arial" charset="0"/>
+                      </a:endParaRPr>
+                    </a:p>
+                  </a:txBody>
+                  <a:tcPr/>
+                </a:tc>
+                <a:tc>
+                  <a:txBody>
+                    <a:bodyPr/>
+                    <a:lstStyle/>
+                    <a:p>
+                      <a:pPr algn="ctr"/>
+                      <a:r>
+                        <a:rPr lang="es-ES_tradnl" sz="1100" b="1" dirty="0" smtClean="0">
+                          <a:latin typeface="Arial" charset="0"/>
+                          <a:ea typeface="Arial" charset="0"/>
+                          <a:cs typeface="Arial" charset="0"/>
+                        </a:rPr>
+                        <a:t>JUN</a:t>
+                      </a:r>
+                      <a:endParaRPr lang="es-ES_tradnl" sz="1100" b="1" dirty="0">
+                        <a:latin typeface="Arial" charset="0"/>
+                        <a:ea typeface="Arial" charset="0"/>
+                        <a:cs typeface="Arial" charset="0"/>
+                      </a:endParaRPr>
+                    </a:p>
+                  </a:txBody>
+                  <a:tcPr/>
+                </a:tc>
+                <a:tc>
+                  <a:txBody>
+                    <a:bodyPr/>
+                    <a:lstStyle/>
+                    <a:p>
+                      <a:pPr algn="ctr"/>
+                      <a:r>
+                        <a:rPr lang="es-ES_tradnl" sz="1100" b="1" dirty="0" smtClean="0">
+                          <a:latin typeface="Arial" charset="0"/>
+                          <a:ea typeface="Arial" charset="0"/>
+                          <a:cs typeface="Arial" charset="0"/>
+                        </a:rPr>
+                        <a:t>JUL</a:t>
+                      </a:r>
+                      <a:endParaRPr lang="es-ES_tradnl" sz="1100" b="1" dirty="0">
+                        <a:latin typeface="Arial" charset="0"/>
+                        <a:ea typeface="Arial" charset="0"/>
+                        <a:cs typeface="Arial" charset="0"/>
+                      </a:endParaRPr>
+                    </a:p>
+                  </a:txBody>
+                  <a:tcPr/>
+                </a:tc>
+                <a:tc>
+                  <a:txBody>
+                    <a:bodyPr/>
+                    <a:lstStyle/>
+                    <a:p>
+                      <a:pPr algn="ctr"/>
+                      <a:r>
+                        <a:rPr lang="es-ES_tradnl" sz="1100" b="1" dirty="0" smtClean="0">
+                          <a:latin typeface="Arial" charset="0"/>
+                          <a:ea typeface="Arial" charset="0"/>
+                          <a:cs typeface="Arial" charset="0"/>
+                        </a:rPr>
+                        <a:t>AGO</a:t>
+                      </a:r>
+                      <a:endParaRPr lang="es-ES_tradnl" sz="1100" b="1" dirty="0">
+                        <a:latin typeface="Arial" charset="0"/>
+                        <a:ea typeface="Arial" charset="0"/>
+                        <a:cs typeface="Arial" charset="0"/>
+                      </a:endParaRPr>
+                    </a:p>
+                  </a:txBody>
+                  <a:tcPr/>
+                </a:tc>
+                <a:tc>
+                  <a:txBody>
+                    <a:bodyPr/>
+                    <a:lstStyle/>
+                    <a:p>
+                      <a:pPr algn="ctr"/>
+                      <a:r>
+                        <a:rPr lang="es-ES_tradnl" sz="1100" b="1" dirty="0" smtClean="0">
+                          <a:latin typeface="Arial" charset="0"/>
+                          <a:ea typeface="Arial" charset="0"/>
+                          <a:cs typeface="Arial" charset="0"/>
+                        </a:rPr>
+                        <a:t>SEP</a:t>
+                      </a:r>
+                      <a:endParaRPr lang="es-ES_tradnl" sz="1100" b="1" dirty="0">
+                        <a:latin typeface="Arial" charset="0"/>
+                        <a:ea typeface="Arial" charset="0"/>
+                        <a:cs typeface="Arial" charset="0"/>
+                      </a:endParaRPr>
+                    </a:p>
+                  </a:txBody>
+                  <a:tcPr/>
+                </a:tc>
+                <a:tc>
+                  <a:txBody>
+                    <a:bodyPr/>
+                    <a:lstStyle/>
+                    <a:p>
+                      <a:pPr algn="ctr"/>
+                      <a:r>
+                        <a:rPr lang="es-ES_tradnl" sz="1100" b="1" dirty="0" smtClean="0">
+                          <a:latin typeface="Arial" charset="0"/>
+                          <a:ea typeface="Arial" charset="0"/>
+                          <a:cs typeface="Arial" charset="0"/>
+                        </a:rPr>
+                        <a:t>OCT</a:t>
+                      </a:r>
+                      <a:endParaRPr lang="es-ES_tradnl" sz="1100" b="1" dirty="0">
+                        <a:latin typeface="Arial" charset="0"/>
+                        <a:ea typeface="Arial" charset="0"/>
+                        <a:cs typeface="Arial" charset="0"/>
+                      </a:endParaRPr>
+                    </a:p>
+                  </a:txBody>
+                  <a:tcPr/>
+                </a:tc>
+                <a:tc>
+                  <a:txBody>
+                    <a:bodyPr/>
+                    <a:lstStyle/>
+                    <a:p>
+                      <a:pPr algn="ctr"/>
+                      <a:r>
+                        <a:rPr lang="es-ES_tradnl" sz="1100" b="1" dirty="0" smtClean="0">
+                          <a:latin typeface="Arial" charset="0"/>
+                          <a:ea typeface="Arial" charset="0"/>
+                          <a:cs typeface="Arial" charset="0"/>
+                        </a:rPr>
+                        <a:t>NOV</a:t>
+                      </a:r>
+                      <a:endParaRPr lang="es-ES_tradnl" sz="1100" b="1" dirty="0">
+                        <a:latin typeface="Arial" charset="0"/>
+                        <a:ea typeface="Arial" charset="0"/>
+                        <a:cs typeface="Arial" charset="0"/>
+                      </a:endParaRPr>
+                    </a:p>
+                  </a:txBody>
+                  <a:tcPr/>
+                </a:tc>
+                <a:tc>
+                  <a:txBody>
+                    <a:bodyPr/>
+                    <a:lstStyle/>
+                    <a:p>
+                      <a:pPr algn="ctr"/>
+                      <a:r>
+                        <a:rPr lang="es-ES_tradnl" sz="1100" b="1" dirty="0" smtClean="0">
+                          <a:latin typeface="Arial" charset="0"/>
+                          <a:ea typeface="Arial" charset="0"/>
+                          <a:cs typeface="Arial" charset="0"/>
+                        </a:rPr>
+                        <a:t>DIC</a:t>
+                      </a:r>
+                      <a:endParaRPr lang="es-ES_tradnl" sz="1100" b="1" dirty="0">
+                        <a:latin typeface="Arial" charset="0"/>
+                        <a:ea typeface="Arial" charset="0"/>
+                        <a:cs typeface="Arial" charset="0"/>
+                      </a:endParaRPr>
+                    </a:p>
+                  </a:txBody>
+                  <a:tcPr/>
+                </a:tc>
+                <a:tc vMerge="1">
+                  <a:txBody>
+                    <a:bodyPr/>
+                    <a:lstStyle/>
+                    <a:p>
+                      <a:endParaRPr lang="es-ES_tradnl"/>
+                    </a:p>
+                  </a:txBody>
+                  <a:tcPr/>
+                </a:tc>
+                <a:tc vMerge="1">
+                  <a:txBody>
+                    <a:bodyPr/>
+                    <a:lstStyle/>
+                    <a:p>
+                      <a:endParaRPr lang="es-ES_tradnl"/>
+                    </a:p>
+                  </a:txBody>
+                  <a:tcPr/>
+                </a:tc>
+              </a:tr>
+              <a:tr h="263633">
+                <a:tc>
+                  <a:txBody>
+                    <a:bodyPr/>
+                    <a:lstStyle/>
+                    <a:p>
+                      <a:endParaRPr lang="es-ES_tradnl" sz="1100" dirty="0">
+                        <a:latin typeface="Arial" charset="0"/>
+                        <a:ea typeface="Arial" charset="0"/>
+                        <a:cs typeface="Arial" charset="0"/>
+                      </a:endParaRPr>
+                    </a:p>
+                  </a:txBody>
+                  <a:tcPr marL="36000" marR="36000" marT="36000" marB="36000"/>
+                </a:tc>
+                <a:tc>
+                  <a:txBody>
+                    <a:bodyPr/>
+                    <a:lstStyle/>
+                    <a:p>
+                      <a:endParaRPr lang="es-ES_tradnl" sz="1100" dirty="0">
+                        <a:latin typeface="Arial" charset="0"/>
+                        <a:ea typeface="Arial" charset="0"/>
+                        <a:cs typeface="Arial" charset="0"/>
+                      </a:endParaRPr>
+                    </a:p>
+                  </a:txBody>
+                  <a:tcPr marL="36000" marR="36000" marT="36000" marB="36000"/>
+                </a:tc>
+                <a:tc>
+                  <a:txBody>
+                    <a:bodyPr/>
+                    <a:lstStyle/>
+                    <a:p>
+                      <a:endParaRPr lang="es-ES_tradnl" sz="1100" dirty="0">
+                        <a:latin typeface="Arial" charset="0"/>
+                        <a:ea typeface="Arial" charset="0"/>
+                        <a:cs typeface="Arial" charset="0"/>
+                      </a:endParaRPr>
+                    </a:p>
+                  </a:txBody>
+                  <a:tcPr marL="36000" marR="36000" marT="36000" marB="36000"/>
+                </a:tc>
+                <a:tc>
+                  <a:txBody>
+                    <a:bodyPr/>
+                    <a:lstStyle/>
+                    <a:p>
+                      <a:endParaRPr lang="es-ES_tradnl" sz="1100" dirty="0">
+                        <a:latin typeface="Arial" charset="0"/>
+                        <a:ea typeface="Arial" charset="0"/>
+                        <a:cs typeface="Arial" charset="0"/>
+                      </a:endParaRPr>
+                    </a:p>
+                  </a:txBody>
+                  <a:tcPr marL="36000" marR="36000" marT="36000" marB="36000"/>
+                </a:tc>
+                <a:tc>
+                  <a:txBody>
+                    <a:bodyPr/>
+                    <a:lstStyle/>
+                    <a:p>
+                      <a:endParaRPr lang="es-ES_tradnl" sz="1100" dirty="0">
+                        <a:latin typeface="Arial" charset="0"/>
+                        <a:ea typeface="Arial" charset="0"/>
+                        <a:cs typeface="Arial" charset="0"/>
+                      </a:endParaRPr>
+                    </a:p>
+                  </a:txBody>
+                  <a:tcPr marL="36000" marR="36000" marT="36000" marB="36000"/>
+                </a:tc>
+                <a:tc>
+                  <a:txBody>
+                    <a:bodyPr/>
+                    <a:lstStyle/>
+                    <a:p>
+                      <a:endParaRPr lang="es-ES_tradnl" sz="1100" dirty="0">
+                        <a:latin typeface="Arial" charset="0"/>
+                        <a:ea typeface="Arial" charset="0"/>
+                        <a:cs typeface="Arial" charset="0"/>
+                      </a:endParaRPr>
+                    </a:p>
+                  </a:txBody>
+                  <a:tcPr marL="36000" marR="36000" marT="36000" marB="36000"/>
+                </a:tc>
+                <a:tc>
+                  <a:txBody>
+                    <a:bodyPr/>
+                    <a:lstStyle/>
+                    <a:p>
+                      <a:endParaRPr lang="es-ES_tradnl" sz="1100">
+                        <a:latin typeface="Arial" charset="0"/>
+                        <a:ea typeface="Arial" charset="0"/>
+                        <a:cs typeface="Arial" charset="0"/>
+                      </a:endParaRPr>
+                    </a:p>
+                  </a:txBody>
+                  <a:tcPr marL="36000" marR="36000" marT="36000" marB="36000"/>
+                </a:tc>
+                <a:tc>
+                  <a:txBody>
+                    <a:bodyPr/>
+                    <a:lstStyle/>
+                    <a:p>
+                      <a:endParaRPr lang="es-ES_tradnl" sz="1100">
+                        <a:latin typeface="Arial" charset="0"/>
+                        <a:ea typeface="Arial" charset="0"/>
+                        <a:cs typeface="Arial" charset="0"/>
+                      </a:endParaRPr>
+                    </a:p>
+                  </a:txBody>
+                  <a:tcPr marL="36000" marR="36000" marT="36000" marB="36000"/>
+                </a:tc>
+                <a:tc>
+                  <a:txBody>
+                    <a:bodyPr/>
+                    <a:lstStyle/>
+                    <a:p>
+                      <a:endParaRPr lang="es-ES_tradnl" sz="1100">
+                        <a:latin typeface="Arial" charset="0"/>
+                        <a:ea typeface="Arial" charset="0"/>
+                        <a:cs typeface="Arial" charset="0"/>
+                      </a:endParaRPr>
+                    </a:p>
+                  </a:txBody>
+                  <a:tcPr marL="36000" marR="36000" marT="36000" marB="36000"/>
+                </a:tc>
+                <a:tc>
+                  <a:txBody>
+                    <a:bodyPr/>
+                    <a:lstStyle/>
+                    <a:p>
+                      <a:endParaRPr lang="es-ES_tradnl" sz="1100">
+                        <a:latin typeface="Arial" charset="0"/>
+                        <a:ea typeface="Arial" charset="0"/>
+                        <a:cs typeface="Arial" charset="0"/>
+                      </a:endParaRPr>
+                    </a:p>
+                  </a:txBody>
+                  <a:tcPr marL="36000" marR="36000" marT="36000" marB="36000"/>
+                </a:tc>
+                <a:tc>
+                  <a:txBody>
+                    <a:bodyPr/>
+                    <a:lstStyle/>
+                    <a:p>
+                      <a:endParaRPr lang="es-ES_tradnl" sz="1100">
+                        <a:latin typeface="Arial" charset="0"/>
+                        <a:ea typeface="Arial" charset="0"/>
+                        <a:cs typeface="Arial" charset="0"/>
+                      </a:endParaRPr>
+                    </a:p>
+                  </a:txBody>
+                  <a:tcPr marL="36000" marR="36000" marT="36000" marB="36000"/>
+                </a:tc>
+                <a:tc>
+                  <a:txBody>
+                    <a:bodyPr/>
+                    <a:lstStyle/>
+                    <a:p>
+                      <a:endParaRPr lang="es-ES_tradnl" sz="1100">
+                        <a:latin typeface="Arial" charset="0"/>
+                        <a:ea typeface="Arial" charset="0"/>
+                        <a:cs typeface="Arial" charset="0"/>
+                      </a:endParaRPr>
+                    </a:p>
+                  </a:txBody>
+                  <a:tcPr marL="36000" marR="36000" marT="36000" marB="36000"/>
+                </a:tc>
+                <a:tc>
+                  <a:txBody>
+                    <a:bodyPr/>
+                    <a:lstStyle/>
+                    <a:p>
+                      <a:endParaRPr lang="es-ES_tradnl" sz="1100">
+                        <a:latin typeface="Arial" charset="0"/>
+                        <a:ea typeface="Arial" charset="0"/>
+                        <a:cs typeface="Arial" charset="0"/>
+                      </a:endParaRPr>
+                    </a:p>
+                  </a:txBody>
+                  <a:tcPr marL="36000" marR="36000" marT="36000" marB="36000"/>
+                </a:tc>
+                <a:tc>
+                  <a:txBody>
+                    <a:bodyPr/>
+                    <a:lstStyle/>
+                    <a:p>
+                      <a:endParaRPr lang="es-ES_tradnl" sz="1100" dirty="0">
+                        <a:latin typeface="Arial" charset="0"/>
+                        <a:ea typeface="Arial" charset="0"/>
+                        <a:cs typeface="Arial" charset="0"/>
+                      </a:endParaRPr>
+                    </a:p>
+                  </a:txBody>
+                  <a:tcPr marL="36000" marR="36000" marT="36000" marB="36000"/>
+                </a:tc>
+                <a:tc>
+                  <a:txBody>
+                    <a:bodyPr/>
+                    <a:lstStyle/>
+                    <a:p>
+                      <a:endParaRPr lang="es-ES_tradnl" sz="1100" dirty="0">
+                        <a:latin typeface="Arial" charset="0"/>
+                        <a:ea typeface="Arial" charset="0"/>
+                        <a:cs typeface="Arial" charset="0"/>
+                      </a:endParaRPr>
+                    </a:p>
+                  </a:txBody>
+                  <a:tcPr marL="36000" marR="36000" marT="36000" marB="36000"/>
+                </a:tc>
+                <a:tc>
+                  <a:txBody>
+                    <a:bodyPr/>
+                    <a:lstStyle/>
+                    <a:p>
+                      <a:pPr marL="0" algn="l" defTabSz="914400" rtl="0" eaLnBrk="1" latinLnBrk="0" hangingPunct="1"/>
+                      <a:endParaRPr lang="es-ES_tradnl" sz="1100" kern="1200" dirty="0">
+                        <a:solidFill>
+                          <a:schemeClr val="dk1"/>
+                        </a:solidFill>
+                        <a:latin typeface="Arial" charset="0"/>
+                        <a:ea typeface="Arial" charset="0"/>
+                        <a:cs typeface="Arial" charset="0"/>
+                      </a:endParaRPr>
+                    </a:p>
+                  </a:txBody>
+                  <a:tcPr marL="36000" marR="36000" marT="36000" marB="36000"/>
+                </a:tc>
+              </a:tr>
+              <a:tr h="299746">
+                <a:tc>
+                  <a:txBody>
+                    <a:bodyPr/>
+                    <a:lstStyle/>
+                    <a:p>
+                      <a:endParaRPr lang="es-ES_tradnl" sz="1100" dirty="0">
+                        <a:latin typeface="Arial" charset="0"/>
+                        <a:ea typeface="Arial" charset="0"/>
+                        <a:cs typeface="Arial" charset="0"/>
+                      </a:endParaRPr>
+                    </a:p>
+                  </a:txBody>
+                  <a:tcPr marL="36000" marR="36000" marT="36000" marB="36000"/>
+                </a:tc>
+                <a:tc>
+                  <a:txBody>
+                    <a:bodyPr/>
+                    <a:lstStyle/>
+                    <a:p>
+                      <a:endParaRPr lang="es-ES_tradnl" sz="1100" dirty="0">
+                        <a:latin typeface="Arial" charset="0"/>
+                        <a:ea typeface="Arial" charset="0"/>
+                        <a:cs typeface="Arial" charset="0"/>
+                      </a:endParaRPr>
+                    </a:p>
+                  </a:txBody>
+                  <a:tcPr marL="36000" marR="36000" marT="36000" marB="36000"/>
+                </a:tc>
+                <a:tc>
+                  <a:txBody>
+                    <a:bodyPr/>
+                    <a:lstStyle/>
+                    <a:p>
+                      <a:endParaRPr lang="es-ES_tradnl" sz="1100" dirty="0">
+                        <a:latin typeface="Arial" charset="0"/>
+                        <a:ea typeface="Arial" charset="0"/>
+                        <a:cs typeface="Arial" charset="0"/>
+                      </a:endParaRPr>
+                    </a:p>
+                  </a:txBody>
+                  <a:tcPr marL="36000" marR="36000" marT="36000" marB="36000"/>
+                </a:tc>
+                <a:tc>
+                  <a:txBody>
+                    <a:bodyPr/>
+                    <a:lstStyle/>
+                    <a:p>
+                      <a:endParaRPr lang="es-ES_tradnl" sz="1100">
+                        <a:latin typeface="Arial" charset="0"/>
+                        <a:ea typeface="Arial" charset="0"/>
+                        <a:cs typeface="Arial" charset="0"/>
+                      </a:endParaRPr>
+                    </a:p>
+                  </a:txBody>
+                  <a:tcPr marL="36000" marR="36000" marT="36000" marB="36000"/>
+                </a:tc>
+                <a:tc>
+                  <a:txBody>
+                    <a:bodyPr/>
+                    <a:lstStyle/>
+                    <a:p>
+                      <a:endParaRPr lang="es-ES_tradnl" sz="1100">
+                        <a:latin typeface="Arial" charset="0"/>
+                        <a:ea typeface="Arial" charset="0"/>
+                        <a:cs typeface="Arial" charset="0"/>
+                      </a:endParaRPr>
+                    </a:p>
+                  </a:txBody>
+                  <a:tcPr marL="36000" marR="36000" marT="36000" marB="36000"/>
+                </a:tc>
+                <a:tc>
+                  <a:txBody>
+                    <a:bodyPr/>
+                    <a:lstStyle/>
+                    <a:p>
+                      <a:endParaRPr lang="es-ES_tradnl" sz="1100" dirty="0">
+                        <a:latin typeface="Arial" charset="0"/>
+                        <a:ea typeface="Arial" charset="0"/>
+                        <a:cs typeface="Arial" charset="0"/>
+                      </a:endParaRPr>
+                    </a:p>
+                  </a:txBody>
+                  <a:tcPr marL="36000" marR="36000" marT="36000" marB="36000"/>
+                </a:tc>
+                <a:tc>
+                  <a:txBody>
+                    <a:bodyPr/>
+                    <a:lstStyle/>
+                    <a:p>
+                      <a:endParaRPr lang="es-ES_tradnl" sz="1100">
+                        <a:latin typeface="Arial" charset="0"/>
+                        <a:ea typeface="Arial" charset="0"/>
+                        <a:cs typeface="Arial" charset="0"/>
+                      </a:endParaRPr>
+                    </a:p>
+                  </a:txBody>
+                  <a:tcPr marL="36000" marR="36000" marT="36000" marB="36000"/>
+                </a:tc>
+                <a:tc>
+                  <a:txBody>
+                    <a:bodyPr/>
+                    <a:lstStyle/>
+                    <a:p>
+                      <a:endParaRPr lang="es-ES_tradnl" sz="1100">
+                        <a:latin typeface="Arial" charset="0"/>
+                        <a:ea typeface="Arial" charset="0"/>
+                        <a:cs typeface="Arial" charset="0"/>
+                      </a:endParaRPr>
+                    </a:p>
+                  </a:txBody>
+                  <a:tcPr marL="36000" marR="36000" marT="36000" marB="36000"/>
+                </a:tc>
+                <a:tc>
+                  <a:txBody>
+                    <a:bodyPr/>
+                    <a:lstStyle/>
+                    <a:p>
+                      <a:endParaRPr lang="es-ES_tradnl" sz="1100">
+                        <a:latin typeface="Arial" charset="0"/>
+                        <a:ea typeface="Arial" charset="0"/>
+                        <a:cs typeface="Arial" charset="0"/>
+                      </a:endParaRPr>
+                    </a:p>
+                  </a:txBody>
+                  <a:tcPr marL="36000" marR="36000" marT="36000" marB="36000"/>
+                </a:tc>
+                <a:tc>
+                  <a:txBody>
+                    <a:bodyPr/>
+                    <a:lstStyle/>
+                    <a:p>
+                      <a:endParaRPr lang="es-ES_tradnl" sz="1100">
+                        <a:latin typeface="Arial" charset="0"/>
+                        <a:ea typeface="Arial" charset="0"/>
+                        <a:cs typeface="Arial" charset="0"/>
+                      </a:endParaRPr>
+                    </a:p>
+                  </a:txBody>
+                  <a:tcPr marL="36000" marR="36000" marT="36000" marB="36000"/>
+                </a:tc>
+                <a:tc>
+                  <a:txBody>
+                    <a:bodyPr/>
+                    <a:lstStyle/>
+                    <a:p>
+                      <a:endParaRPr lang="es-ES_tradnl" sz="1100">
+                        <a:latin typeface="Arial" charset="0"/>
+                        <a:ea typeface="Arial" charset="0"/>
+                        <a:cs typeface="Arial" charset="0"/>
+                      </a:endParaRPr>
+                    </a:p>
+                  </a:txBody>
+                  <a:tcPr marL="36000" marR="36000" marT="36000" marB="36000"/>
+                </a:tc>
+                <a:tc>
+                  <a:txBody>
+                    <a:bodyPr/>
+                    <a:lstStyle/>
+                    <a:p>
+                      <a:endParaRPr lang="es-ES_tradnl" sz="1100">
+                        <a:latin typeface="Arial" charset="0"/>
+                        <a:ea typeface="Arial" charset="0"/>
+                        <a:cs typeface="Arial" charset="0"/>
+                      </a:endParaRPr>
+                    </a:p>
+                  </a:txBody>
+                  <a:tcPr marL="36000" marR="36000" marT="36000" marB="36000"/>
+                </a:tc>
+                <a:tc>
+                  <a:txBody>
+                    <a:bodyPr/>
+                    <a:lstStyle/>
+                    <a:p>
+                      <a:endParaRPr lang="es-ES_tradnl" sz="1100">
+                        <a:latin typeface="Arial" charset="0"/>
+                        <a:ea typeface="Arial" charset="0"/>
+                        <a:cs typeface="Arial" charset="0"/>
+                      </a:endParaRPr>
+                    </a:p>
+                  </a:txBody>
+                  <a:tcPr marL="36000" marR="36000" marT="36000" marB="36000"/>
+                </a:tc>
+                <a:tc>
+                  <a:txBody>
+                    <a:bodyPr/>
+                    <a:lstStyle/>
+                    <a:p>
+                      <a:endParaRPr lang="es-ES_tradnl" sz="1100" dirty="0">
+                        <a:latin typeface="Arial" charset="0"/>
+                        <a:ea typeface="Arial" charset="0"/>
+                        <a:cs typeface="Arial" charset="0"/>
+                      </a:endParaRPr>
+                    </a:p>
+                  </a:txBody>
+                  <a:tcPr marL="36000" marR="36000" marT="36000" marB="36000"/>
+                </a:tc>
+                <a:tc>
+                  <a:txBody>
+                    <a:bodyPr/>
+                    <a:lstStyle/>
+                    <a:p>
+                      <a:endParaRPr lang="es-ES_tradnl" sz="1100">
+                        <a:latin typeface="Arial" charset="0"/>
+                        <a:ea typeface="Arial" charset="0"/>
+                        <a:cs typeface="Arial" charset="0"/>
+                      </a:endParaRPr>
+                    </a:p>
+                  </a:txBody>
+                  <a:tcPr marL="36000" marR="36000" marT="36000" marB="36000"/>
+                </a:tc>
+                <a:tc>
+                  <a:txBody>
+                    <a:bodyPr/>
+                    <a:lstStyle/>
+                    <a:p>
+                      <a:endParaRPr lang="es-ES_tradnl" sz="1100">
+                        <a:latin typeface="Arial" charset="0"/>
+                        <a:ea typeface="Arial" charset="0"/>
+                        <a:cs typeface="Arial" charset="0"/>
+                      </a:endParaRPr>
+                    </a:p>
+                  </a:txBody>
+                  <a:tcPr marL="36000" marR="36000" marT="36000" marB="36000"/>
+                </a:tc>
+              </a:tr>
+              <a:tr h="279918">
+                <a:tc>
+                  <a:txBody>
+                    <a:bodyPr/>
+                    <a:lstStyle/>
+                    <a:p>
+                      <a:endParaRPr lang="es-ES_tradnl" sz="1100" dirty="0">
+                        <a:latin typeface="Arial" charset="0"/>
+                        <a:ea typeface="Arial" charset="0"/>
+                        <a:cs typeface="Arial" charset="0"/>
+                      </a:endParaRPr>
+                    </a:p>
+                  </a:txBody>
+                  <a:tcPr marL="36000" marR="36000" marT="36000" marB="36000"/>
+                </a:tc>
+                <a:tc>
+                  <a:txBody>
+                    <a:bodyPr/>
+                    <a:lstStyle/>
+                    <a:p>
+                      <a:endParaRPr lang="es-ES_tradnl" sz="1100">
+                        <a:latin typeface="Arial" charset="0"/>
+                        <a:ea typeface="Arial" charset="0"/>
+                        <a:cs typeface="Arial" charset="0"/>
+                      </a:endParaRPr>
+                    </a:p>
+                  </a:txBody>
+                  <a:tcPr marL="36000" marR="36000" marT="36000" marB="36000"/>
+                </a:tc>
+                <a:tc>
+                  <a:txBody>
+                    <a:bodyPr/>
+                    <a:lstStyle/>
+                    <a:p>
+                      <a:endParaRPr lang="es-ES_tradnl" sz="1100">
+                        <a:latin typeface="Arial" charset="0"/>
+                        <a:ea typeface="Arial" charset="0"/>
+                        <a:cs typeface="Arial" charset="0"/>
+                      </a:endParaRPr>
+                    </a:p>
+                  </a:txBody>
+                  <a:tcPr marL="36000" marR="36000" marT="36000" marB="36000"/>
+                </a:tc>
+                <a:tc>
+                  <a:txBody>
+                    <a:bodyPr/>
+                    <a:lstStyle/>
+                    <a:p>
+                      <a:endParaRPr lang="es-ES_tradnl" sz="1100" dirty="0">
+                        <a:latin typeface="Arial" charset="0"/>
+                        <a:ea typeface="Arial" charset="0"/>
+                        <a:cs typeface="Arial" charset="0"/>
+                      </a:endParaRPr>
+                    </a:p>
+                  </a:txBody>
+                  <a:tcPr marL="36000" marR="36000" marT="36000" marB="36000"/>
+                </a:tc>
+                <a:tc>
+                  <a:txBody>
+                    <a:bodyPr/>
+                    <a:lstStyle/>
+                    <a:p>
+                      <a:endParaRPr lang="es-ES_tradnl" sz="1100">
+                        <a:latin typeface="Arial" charset="0"/>
+                        <a:ea typeface="Arial" charset="0"/>
+                        <a:cs typeface="Arial" charset="0"/>
+                      </a:endParaRPr>
+                    </a:p>
+                  </a:txBody>
+                  <a:tcPr marL="36000" marR="36000" marT="36000" marB="36000"/>
+                </a:tc>
+                <a:tc>
+                  <a:txBody>
+                    <a:bodyPr/>
+                    <a:lstStyle/>
+                    <a:p>
+                      <a:endParaRPr lang="es-ES_tradnl" sz="1100">
+                        <a:latin typeface="Arial" charset="0"/>
+                        <a:ea typeface="Arial" charset="0"/>
+                        <a:cs typeface="Arial" charset="0"/>
+                      </a:endParaRPr>
+                    </a:p>
+                  </a:txBody>
+                  <a:tcPr marL="36000" marR="36000" marT="36000" marB="36000"/>
+                </a:tc>
+                <a:tc>
+                  <a:txBody>
+                    <a:bodyPr/>
+                    <a:lstStyle/>
+                    <a:p>
+                      <a:endParaRPr lang="es-ES_tradnl" sz="1100" dirty="0">
+                        <a:latin typeface="Arial" charset="0"/>
+                        <a:ea typeface="Arial" charset="0"/>
+                        <a:cs typeface="Arial" charset="0"/>
+                      </a:endParaRPr>
+                    </a:p>
+                  </a:txBody>
+                  <a:tcPr marL="36000" marR="36000" marT="36000" marB="36000"/>
+                </a:tc>
+                <a:tc>
+                  <a:txBody>
+                    <a:bodyPr/>
+                    <a:lstStyle/>
+                    <a:p>
+                      <a:endParaRPr lang="es-ES_tradnl" sz="1100">
+                        <a:latin typeface="Arial" charset="0"/>
+                        <a:ea typeface="Arial" charset="0"/>
+                        <a:cs typeface="Arial" charset="0"/>
+                      </a:endParaRPr>
+                    </a:p>
+                  </a:txBody>
+                  <a:tcPr marL="36000" marR="36000" marT="36000" marB="36000"/>
+                </a:tc>
+                <a:tc>
+                  <a:txBody>
+                    <a:bodyPr/>
+                    <a:lstStyle/>
+                    <a:p>
+                      <a:endParaRPr lang="es-ES_tradnl" sz="1100" dirty="0">
+                        <a:latin typeface="Arial" charset="0"/>
+                        <a:ea typeface="Arial" charset="0"/>
+                        <a:cs typeface="Arial" charset="0"/>
+                      </a:endParaRPr>
+                    </a:p>
+                  </a:txBody>
+                  <a:tcPr marL="36000" marR="36000" marT="36000" marB="36000"/>
+                </a:tc>
+                <a:tc>
+                  <a:txBody>
+                    <a:bodyPr/>
+                    <a:lstStyle/>
+                    <a:p>
+                      <a:endParaRPr lang="es-ES_tradnl" sz="1100">
+                        <a:latin typeface="Arial" charset="0"/>
+                        <a:ea typeface="Arial" charset="0"/>
+                        <a:cs typeface="Arial" charset="0"/>
+                      </a:endParaRPr>
+                    </a:p>
+                  </a:txBody>
+                  <a:tcPr marL="36000" marR="36000" marT="36000" marB="36000"/>
+                </a:tc>
+                <a:tc>
+                  <a:txBody>
+                    <a:bodyPr/>
+                    <a:lstStyle/>
+                    <a:p>
+                      <a:endParaRPr lang="es-ES_tradnl" sz="1100">
+                        <a:latin typeface="Arial" charset="0"/>
+                        <a:ea typeface="Arial" charset="0"/>
+                        <a:cs typeface="Arial" charset="0"/>
+                      </a:endParaRPr>
+                    </a:p>
+                  </a:txBody>
+                  <a:tcPr marL="36000" marR="36000" marT="36000" marB="36000"/>
+                </a:tc>
+                <a:tc>
+                  <a:txBody>
+                    <a:bodyPr/>
+                    <a:lstStyle/>
+                    <a:p>
+                      <a:endParaRPr lang="es-ES_tradnl" sz="1100">
+                        <a:latin typeface="Arial" charset="0"/>
+                        <a:ea typeface="Arial" charset="0"/>
+                        <a:cs typeface="Arial" charset="0"/>
+                      </a:endParaRPr>
+                    </a:p>
+                  </a:txBody>
+                  <a:tcPr marL="36000" marR="36000" marT="36000" marB="36000"/>
+                </a:tc>
+                <a:tc>
+                  <a:txBody>
+                    <a:bodyPr/>
+                    <a:lstStyle/>
+                    <a:p>
+                      <a:endParaRPr lang="es-ES_tradnl" sz="1100">
+                        <a:latin typeface="Arial" charset="0"/>
+                        <a:ea typeface="Arial" charset="0"/>
+                        <a:cs typeface="Arial" charset="0"/>
+                      </a:endParaRPr>
+                    </a:p>
+                  </a:txBody>
+                  <a:tcPr marL="36000" marR="36000" marT="36000" marB="36000"/>
+                </a:tc>
+                <a:tc>
+                  <a:txBody>
+                    <a:bodyPr/>
+                    <a:lstStyle/>
+                    <a:p>
+                      <a:endParaRPr lang="es-ES_tradnl" sz="1100" dirty="0">
+                        <a:latin typeface="Arial" charset="0"/>
+                        <a:ea typeface="Arial" charset="0"/>
+                        <a:cs typeface="Arial" charset="0"/>
+                      </a:endParaRPr>
+                    </a:p>
+                  </a:txBody>
+                  <a:tcPr marL="36000" marR="36000" marT="36000" marB="36000"/>
+                </a:tc>
+                <a:tc>
+                  <a:txBody>
+                    <a:bodyPr/>
+                    <a:lstStyle/>
+                    <a:p>
+                      <a:endParaRPr lang="es-ES_tradnl" sz="1100" dirty="0">
+                        <a:latin typeface="Arial" charset="0"/>
+                        <a:ea typeface="Arial" charset="0"/>
+                        <a:cs typeface="Arial" charset="0"/>
+                      </a:endParaRPr>
+                    </a:p>
+                  </a:txBody>
+                  <a:tcPr marL="36000" marR="36000" marT="36000" marB="36000"/>
+                </a:tc>
+                <a:tc>
+                  <a:txBody>
+                    <a:bodyPr/>
+                    <a:lstStyle/>
+                    <a:p>
+                      <a:endParaRPr lang="es-ES_tradnl" sz="1100">
+                        <a:latin typeface="Arial" charset="0"/>
+                        <a:ea typeface="Arial" charset="0"/>
+                        <a:cs typeface="Arial" charset="0"/>
+                      </a:endParaRPr>
+                    </a:p>
+                  </a:txBody>
+                  <a:tcPr marL="36000" marR="36000" marT="36000" marB="36000"/>
+                </a:tc>
+              </a:tr>
+              <a:tr h="317241">
+                <a:tc>
+                  <a:txBody>
+                    <a:bodyPr/>
+                    <a:lstStyle/>
+                    <a:p>
+                      <a:endParaRPr lang="es-ES_tradnl" sz="1100" dirty="0">
+                        <a:latin typeface="Arial" charset="0"/>
+                        <a:ea typeface="Arial" charset="0"/>
+                        <a:cs typeface="Arial" charset="0"/>
+                      </a:endParaRPr>
+                    </a:p>
+                  </a:txBody>
+                  <a:tcPr marL="36000" marR="36000" marT="36000" marB="36000"/>
+                </a:tc>
+                <a:tc>
+                  <a:txBody>
+                    <a:bodyPr/>
+                    <a:lstStyle/>
+                    <a:p>
+                      <a:endParaRPr lang="es-ES_tradnl" sz="1100">
+                        <a:latin typeface="Arial" charset="0"/>
+                        <a:ea typeface="Arial" charset="0"/>
+                        <a:cs typeface="Arial" charset="0"/>
+                      </a:endParaRPr>
+                    </a:p>
+                  </a:txBody>
+                  <a:tcPr marL="36000" marR="36000" marT="36000" marB="36000"/>
+                </a:tc>
+                <a:tc>
+                  <a:txBody>
+                    <a:bodyPr/>
+                    <a:lstStyle/>
+                    <a:p>
+                      <a:endParaRPr lang="es-ES_tradnl" sz="1100">
+                        <a:latin typeface="Arial" charset="0"/>
+                        <a:ea typeface="Arial" charset="0"/>
+                        <a:cs typeface="Arial" charset="0"/>
+                      </a:endParaRPr>
+                    </a:p>
+                  </a:txBody>
+                  <a:tcPr marL="36000" marR="36000" marT="36000" marB="36000"/>
+                </a:tc>
+                <a:tc>
+                  <a:txBody>
+                    <a:bodyPr/>
+                    <a:lstStyle/>
+                    <a:p>
+                      <a:endParaRPr lang="es-ES_tradnl" sz="1100" dirty="0">
+                        <a:latin typeface="Arial" charset="0"/>
+                        <a:ea typeface="Arial" charset="0"/>
+                        <a:cs typeface="Arial" charset="0"/>
+                      </a:endParaRPr>
+                    </a:p>
+                  </a:txBody>
+                  <a:tcPr marL="36000" marR="36000" marT="36000" marB="36000"/>
+                </a:tc>
+                <a:tc>
+                  <a:txBody>
+                    <a:bodyPr/>
+                    <a:lstStyle/>
+                    <a:p>
+                      <a:endParaRPr lang="es-ES_tradnl" sz="1100" dirty="0">
+                        <a:latin typeface="Arial" charset="0"/>
+                        <a:ea typeface="Arial" charset="0"/>
+                        <a:cs typeface="Arial" charset="0"/>
+                      </a:endParaRPr>
+                    </a:p>
+                  </a:txBody>
+                  <a:tcPr marL="36000" marR="36000" marT="36000" marB="36000"/>
+                </a:tc>
+                <a:tc>
+                  <a:txBody>
+                    <a:bodyPr/>
+                    <a:lstStyle/>
+                    <a:p>
+                      <a:endParaRPr lang="es-ES_tradnl" sz="1100">
+                        <a:latin typeface="Arial" charset="0"/>
+                        <a:ea typeface="Arial" charset="0"/>
+                        <a:cs typeface="Arial" charset="0"/>
+                      </a:endParaRPr>
+                    </a:p>
+                  </a:txBody>
+                  <a:tcPr marL="36000" marR="36000" marT="36000" marB="36000"/>
+                </a:tc>
+                <a:tc>
+                  <a:txBody>
+                    <a:bodyPr/>
+                    <a:lstStyle/>
+                    <a:p>
+                      <a:endParaRPr lang="es-ES_tradnl" sz="1100">
+                        <a:latin typeface="Arial" charset="0"/>
+                        <a:ea typeface="Arial" charset="0"/>
+                        <a:cs typeface="Arial" charset="0"/>
+                      </a:endParaRPr>
+                    </a:p>
+                  </a:txBody>
+                  <a:tcPr marL="36000" marR="36000" marT="36000" marB="36000"/>
+                </a:tc>
+                <a:tc>
+                  <a:txBody>
+                    <a:bodyPr/>
+                    <a:lstStyle/>
+                    <a:p>
+                      <a:endParaRPr lang="es-ES_tradnl" sz="1100" dirty="0">
+                        <a:latin typeface="Arial" charset="0"/>
+                        <a:ea typeface="Arial" charset="0"/>
+                        <a:cs typeface="Arial" charset="0"/>
+                      </a:endParaRPr>
+                    </a:p>
+                  </a:txBody>
+                  <a:tcPr marL="36000" marR="36000" marT="36000" marB="36000"/>
+                </a:tc>
+                <a:tc>
+                  <a:txBody>
+                    <a:bodyPr/>
+                    <a:lstStyle/>
+                    <a:p>
+                      <a:endParaRPr lang="es-ES_tradnl" sz="1100">
+                        <a:latin typeface="Arial" charset="0"/>
+                        <a:ea typeface="Arial" charset="0"/>
+                        <a:cs typeface="Arial" charset="0"/>
+                      </a:endParaRPr>
+                    </a:p>
+                  </a:txBody>
+                  <a:tcPr marL="36000" marR="36000" marT="36000" marB="36000"/>
+                </a:tc>
+                <a:tc>
+                  <a:txBody>
+                    <a:bodyPr/>
+                    <a:lstStyle/>
+                    <a:p>
+                      <a:endParaRPr lang="es-ES_tradnl" sz="1100">
+                        <a:latin typeface="Arial" charset="0"/>
+                        <a:ea typeface="Arial" charset="0"/>
+                        <a:cs typeface="Arial" charset="0"/>
+                      </a:endParaRPr>
+                    </a:p>
+                  </a:txBody>
+                  <a:tcPr marL="36000" marR="36000" marT="36000" marB="36000"/>
+                </a:tc>
+                <a:tc>
+                  <a:txBody>
+                    <a:bodyPr/>
+                    <a:lstStyle/>
+                    <a:p>
+                      <a:endParaRPr lang="es-ES_tradnl" sz="1100">
+                        <a:latin typeface="Arial" charset="0"/>
+                        <a:ea typeface="Arial" charset="0"/>
+                        <a:cs typeface="Arial" charset="0"/>
+                      </a:endParaRPr>
+                    </a:p>
+                  </a:txBody>
+                  <a:tcPr marL="36000" marR="36000" marT="36000" marB="36000"/>
+                </a:tc>
+                <a:tc>
+                  <a:txBody>
+                    <a:bodyPr/>
+                    <a:lstStyle/>
+                    <a:p>
+                      <a:endParaRPr lang="es-ES_tradnl" sz="1100">
+                        <a:latin typeface="Arial" charset="0"/>
+                        <a:ea typeface="Arial" charset="0"/>
+                        <a:cs typeface="Arial" charset="0"/>
+                      </a:endParaRPr>
+                    </a:p>
+                  </a:txBody>
+                  <a:tcPr marL="36000" marR="36000" marT="36000" marB="36000"/>
+                </a:tc>
+                <a:tc>
+                  <a:txBody>
+                    <a:bodyPr/>
+                    <a:lstStyle/>
+                    <a:p>
+                      <a:endParaRPr lang="es-ES_tradnl" sz="1100">
+                        <a:latin typeface="Arial" charset="0"/>
+                        <a:ea typeface="Arial" charset="0"/>
+                        <a:cs typeface="Arial" charset="0"/>
+                      </a:endParaRPr>
+                    </a:p>
+                  </a:txBody>
+                  <a:tcPr marL="36000" marR="36000" marT="36000" marB="36000"/>
+                </a:tc>
+                <a:tc>
+                  <a:txBody>
+                    <a:bodyPr/>
+                    <a:lstStyle/>
+                    <a:p>
+                      <a:endParaRPr lang="es-ES_tradnl" sz="1100" dirty="0">
+                        <a:latin typeface="Arial" charset="0"/>
+                        <a:ea typeface="Arial" charset="0"/>
+                        <a:cs typeface="Arial" charset="0"/>
+                      </a:endParaRPr>
+                    </a:p>
+                  </a:txBody>
+                  <a:tcPr marL="36000" marR="36000" marT="36000" marB="36000"/>
+                </a:tc>
+                <a:tc>
+                  <a:txBody>
+                    <a:bodyPr/>
+                    <a:lstStyle/>
+                    <a:p>
+                      <a:endParaRPr lang="es-ES_tradnl" sz="1100">
+                        <a:latin typeface="Arial" charset="0"/>
+                        <a:ea typeface="Arial" charset="0"/>
+                        <a:cs typeface="Arial" charset="0"/>
+                      </a:endParaRPr>
+                    </a:p>
+                  </a:txBody>
+                  <a:tcPr marL="36000" marR="36000" marT="36000" marB="36000"/>
+                </a:tc>
+                <a:tc>
+                  <a:txBody>
+                    <a:bodyPr/>
+                    <a:lstStyle/>
+                    <a:p>
+                      <a:endParaRPr lang="es-ES_tradnl" sz="1100">
+                        <a:latin typeface="Arial" charset="0"/>
+                        <a:ea typeface="Arial" charset="0"/>
+                        <a:cs typeface="Arial" charset="0"/>
+                      </a:endParaRPr>
+                    </a:p>
+                  </a:txBody>
+                  <a:tcPr marL="36000" marR="36000" marT="36000" marB="36000"/>
+                </a:tc>
+              </a:tr>
+              <a:tr h="278853">
+                <a:tc>
+                  <a:txBody>
+                    <a:bodyPr/>
+                    <a:lstStyle/>
+                    <a:p>
+                      <a:endParaRPr lang="es-ES_tradnl" sz="1100" dirty="0">
+                        <a:latin typeface="Arial" charset="0"/>
+                        <a:ea typeface="Arial" charset="0"/>
+                        <a:cs typeface="Arial" charset="0"/>
+                      </a:endParaRPr>
+                    </a:p>
+                  </a:txBody>
+                  <a:tcPr marL="36000" marR="36000" marT="36000" marB="36000"/>
+                </a:tc>
+                <a:tc>
+                  <a:txBody>
+                    <a:bodyPr/>
+                    <a:lstStyle/>
+                    <a:p>
+                      <a:endParaRPr lang="es-ES_tradnl" sz="1100">
+                        <a:latin typeface="Arial" charset="0"/>
+                        <a:ea typeface="Arial" charset="0"/>
+                        <a:cs typeface="Arial" charset="0"/>
+                      </a:endParaRPr>
+                    </a:p>
+                  </a:txBody>
+                  <a:tcPr marL="36000" marR="36000" marT="36000" marB="36000"/>
+                </a:tc>
+                <a:tc>
+                  <a:txBody>
+                    <a:bodyPr/>
+                    <a:lstStyle/>
+                    <a:p>
+                      <a:endParaRPr lang="es-ES_tradnl" sz="1100">
+                        <a:latin typeface="Arial" charset="0"/>
+                        <a:ea typeface="Arial" charset="0"/>
+                        <a:cs typeface="Arial" charset="0"/>
+                      </a:endParaRPr>
+                    </a:p>
+                  </a:txBody>
+                  <a:tcPr marL="36000" marR="36000" marT="36000" marB="36000"/>
+                </a:tc>
+                <a:tc>
+                  <a:txBody>
+                    <a:bodyPr/>
+                    <a:lstStyle/>
+                    <a:p>
+                      <a:endParaRPr lang="es-ES_tradnl" sz="1100">
+                        <a:latin typeface="Arial" charset="0"/>
+                        <a:ea typeface="Arial" charset="0"/>
+                        <a:cs typeface="Arial" charset="0"/>
+                      </a:endParaRPr>
+                    </a:p>
+                  </a:txBody>
+                  <a:tcPr marL="36000" marR="36000" marT="36000" marB="36000"/>
+                </a:tc>
+                <a:tc>
+                  <a:txBody>
+                    <a:bodyPr/>
+                    <a:lstStyle/>
+                    <a:p>
+                      <a:endParaRPr lang="es-ES_tradnl" sz="1100">
+                        <a:latin typeface="Arial" charset="0"/>
+                        <a:ea typeface="Arial" charset="0"/>
+                        <a:cs typeface="Arial" charset="0"/>
+                      </a:endParaRPr>
+                    </a:p>
+                  </a:txBody>
+                  <a:tcPr marL="36000" marR="36000" marT="36000" marB="36000"/>
+                </a:tc>
+                <a:tc>
+                  <a:txBody>
+                    <a:bodyPr/>
+                    <a:lstStyle/>
+                    <a:p>
+                      <a:endParaRPr lang="es-ES_tradnl" sz="1100" dirty="0">
+                        <a:latin typeface="Arial" charset="0"/>
+                        <a:ea typeface="Arial" charset="0"/>
+                        <a:cs typeface="Arial" charset="0"/>
+                      </a:endParaRPr>
+                    </a:p>
+                  </a:txBody>
+                  <a:tcPr marL="36000" marR="36000" marT="36000" marB="36000"/>
+                </a:tc>
+                <a:tc>
+                  <a:txBody>
+                    <a:bodyPr/>
+                    <a:lstStyle/>
+                    <a:p>
+                      <a:endParaRPr lang="es-ES_tradnl" sz="1100" dirty="0">
+                        <a:latin typeface="Arial" charset="0"/>
+                        <a:ea typeface="Arial" charset="0"/>
+                        <a:cs typeface="Arial" charset="0"/>
+                      </a:endParaRPr>
+                    </a:p>
+                  </a:txBody>
+                  <a:tcPr marL="36000" marR="36000" marT="36000" marB="36000"/>
+                </a:tc>
+                <a:tc>
+                  <a:txBody>
+                    <a:bodyPr/>
+                    <a:lstStyle/>
+                    <a:p>
+                      <a:endParaRPr lang="es-ES_tradnl" sz="1100">
+                        <a:latin typeface="Arial" charset="0"/>
+                        <a:ea typeface="Arial" charset="0"/>
+                        <a:cs typeface="Arial" charset="0"/>
+                      </a:endParaRPr>
+                    </a:p>
+                  </a:txBody>
+                  <a:tcPr marL="36000" marR="36000" marT="36000" marB="36000"/>
+                </a:tc>
+                <a:tc>
+                  <a:txBody>
+                    <a:bodyPr/>
+                    <a:lstStyle/>
+                    <a:p>
+                      <a:endParaRPr lang="es-ES_tradnl" sz="1100" dirty="0">
+                        <a:latin typeface="Arial" charset="0"/>
+                        <a:ea typeface="Arial" charset="0"/>
+                        <a:cs typeface="Arial" charset="0"/>
+                      </a:endParaRPr>
+                    </a:p>
+                  </a:txBody>
+                  <a:tcPr marL="36000" marR="36000" marT="36000" marB="36000"/>
+                </a:tc>
+                <a:tc>
+                  <a:txBody>
+                    <a:bodyPr/>
+                    <a:lstStyle/>
+                    <a:p>
+                      <a:endParaRPr lang="es-ES_tradnl" sz="1100">
+                        <a:latin typeface="Arial" charset="0"/>
+                        <a:ea typeface="Arial" charset="0"/>
+                        <a:cs typeface="Arial" charset="0"/>
+                      </a:endParaRPr>
+                    </a:p>
+                  </a:txBody>
+                  <a:tcPr marL="36000" marR="36000" marT="36000" marB="36000"/>
+                </a:tc>
+                <a:tc>
+                  <a:txBody>
+                    <a:bodyPr/>
+                    <a:lstStyle/>
+                    <a:p>
+                      <a:endParaRPr lang="es-ES_tradnl" sz="1100">
+                        <a:latin typeface="Arial" charset="0"/>
+                        <a:ea typeface="Arial" charset="0"/>
+                        <a:cs typeface="Arial" charset="0"/>
+                      </a:endParaRPr>
+                    </a:p>
+                  </a:txBody>
+                  <a:tcPr marL="36000" marR="36000" marT="36000" marB="36000"/>
+                </a:tc>
+                <a:tc>
+                  <a:txBody>
+                    <a:bodyPr/>
+                    <a:lstStyle/>
+                    <a:p>
+                      <a:endParaRPr lang="es-ES_tradnl" sz="1100" dirty="0">
+                        <a:latin typeface="Arial" charset="0"/>
+                        <a:ea typeface="Arial" charset="0"/>
+                        <a:cs typeface="Arial" charset="0"/>
+                      </a:endParaRPr>
+                    </a:p>
+                  </a:txBody>
+                  <a:tcPr marL="36000" marR="36000" marT="36000" marB="36000"/>
+                </a:tc>
+                <a:tc>
+                  <a:txBody>
+                    <a:bodyPr/>
+                    <a:lstStyle/>
+                    <a:p>
+                      <a:endParaRPr lang="es-ES_tradnl" sz="1100" dirty="0">
+                        <a:latin typeface="Arial" charset="0"/>
+                        <a:ea typeface="Arial" charset="0"/>
+                        <a:cs typeface="Arial" charset="0"/>
+                      </a:endParaRPr>
+                    </a:p>
+                  </a:txBody>
+                  <a:tcPr marL="36000" marR="36000" marT="36000" marB="36000"/>
+                </a:tc>
+                <a:tc>
+                  <a:txBody>
+                    <a:bodyPr/>
+                    <a:lstStyle/>
+                    <a:p>
+                      <a:endParaRPr lang="es-ES_tradnl" sz="1100" dirty="0">
+                        <a:latin typeface="Arial" charset="0"/>
+                        <a:ea typeface="Arial" charset="0"/>
+                        <a:cs typeface="Arial" charset="0"/>
+                      </a:endParaRPr>
+                    </a:p>
+                  </a:txBody>
+                  <a:tcPr marL="36000" marR="36000" marT="36000" marB="36000"/>
+                </a:tc>
+                <a:tc>
+                  <a:txBody>
+                    <a:bodyPr/>
+                    <a:lstStyle/>
+                    <a:p>
+                      <a:endParaRPr lang="es-ES_tradnl" sz="1100" dirty="0">
+                        <a:latin typeface="Arial" charset="0"/>
+                        <a:ea typeface="Arial" charset="0"/>
+                        <a:cs typeface="Arial" charset="0"/>
+                      </a:endParaRPr>
+                    </a:p>
+                  </a:txBody>
+                  <a:tcPr marL="36000" marR="36000" marT="36000" marB="36000"/>
+                </a:tc>
+                <a:tc>
+                  <a:txBody>
+                    <a:bodyPr/>
+                    <a:lstStyle/>
+                    <a:p>
+                      <a:endParaRPr lang="es-ES_tradnl" sz="1100">
+                        <a:latin typeface="Arial" charset="0"/>
+                        <a:ea typeface="Arial" charset="0"/>
+                        <a:cs typeface="Arial" charset="0"/>
+                      </a:endParaRPr>
+                    </a:p>
+                  </a:txBody>
+                  <a:tcPr marL="36000" marR="36000" marT="36000" marB="36000"/>
+                </a:tc>
+              </a:tr>
+              <a:tr h="297514">
+                <a:tc>
+                  <a:txBody>
+                    <a:bodyPr/>
+                    <a:lstStyle/>
+                    <a:p>
+                      <a:endParaRPr lang="es-ES_tradnl" sz="1100" dirty="0">
+                        <a:latin typeface="Arial" charset="0"/>
+                        <a:ea typeface="Arial" charset="0"/>
+                        <a:cs typeface="Arial" charset="0"/>
+                      </a:endParaRPr>
+                    </a:p>
+                  </a:txBody>
+                  <a:tcPr marL="36000" marR="36000" marT="36000" marB="36000"/>
+                </a:tc>
+                <a:tc>
+                  <a:txBody>
+                    <a:bodyPr/>
+                    <a:lstStyle/>
+                    <a:p>
+                      <a:endParaRPr lang="es-ES_tradnl" sz="1100" dirty="0">
+                        <a:latin typeface="Arial" charset="0"/>
+                        <a:ea typeface="Arial" charset="0"/>
+                        <a:cs typeface="Arial" charset="0"/>
+                      </a:endParaRPr>
+                    </a:p>
+                  </a:txBody>
+                  <a:tcPr marL="36000" marR="36000" marT="36000" marB="36000"/>
+                </a:tc>
+                <a:tc>
+                  <a:txBody>
+                    <a:bodyPr/>
+                    <a:lstStyle/>
+                    <a:p>
+                      <a:endParaRPr lang="es-ES_tradnl" sz="1100">
+                        <a:latin typeface="Arial" charset="0"/>
+                        <a:ea typeface="Arial" charset="0"/>
+                        <a:cs typeface="Arial" charset="0"/>
+                      </a:endParaRPr>
+                    </a:p>
+                  </a:txBody>
+                  <a:tcPr marL="36000" marR="36000" marT="36000" marB="36000"/>
+                </a:tc>
+                <a:tc>
+                  <a:txBody>
+                    <a:bodyPr/>
+                    <a:lstStyle/>
+                    <a:p>
+                      <a:endParaRPr lang="es-ES_tradnl" sz="1100" dirty="0">
+                        <a:latin typeface="Arial" charset="0"/>
+                        <a:ea typeface="Arial" charset="0"/>
+                        <a:cs typeface="Arial" charset="0"/>
+                      </a:endParaRPr>
+                    </a:p>
+                  </a:txBody>
+                  <a:tcPr marL="36000" marR="36000" marT="36000" marB="36000"/>
+                </a:tc>
+                <a:tc>
+                  <a:txBody>
+                    <a:bodyPr/>
+                    <a:lstStyle/>
+                    <a:p>
+                      <a:endParaRPr lang="es-ES_tradnl" sz="1100" dirty="0">
+                        <a:latin typeface="Arial" charset="0"/>
+                        <a:ea typeface="Arial" charset="0"/>
+                        <a:cs typeface="Arial" charset="0"/>
+                      </a:endParaRPr>
+                    </a:p>
+                  </a:txBody>
+                  <a:tcPr marL="36000" marR="36000" marT="36000" marB="36000"/>
+                </a:tc>
+                <a:tc>
+                  <a:txBody>
+                    <a:bodyPr/>
+                    <a:lstStyle/>
+                    <a:p>
+                      <a:endParaRPr lang="es-ES_tradnl" sz="1100" dirty="0">
+                        <a:latin typeface="Arial" charset="0"/>
+                        <a:ea typeface="Arial" charset="0"/>
+                        <a:cs typeface="Arial" charset="0"/>
+                      </a:endParaRPr>
+                    </a:p>
+                  </a:txBody>
+                  <a:tcPr marL="36000" marR="36000" marT="36000" marB="36000"/>
+                </a:tc>
+                <a:tc>
+                  <a:txBody>
+                    <a:bodyPr/>
+                    <a:lstStyle/>
+                    <a:p>
+                      <a:endParaRPr lang="es-ES_tradnl" sz="1100" dirty="0">
+                        <a:latin typeface="Arial" charset="0"/>
+                        <a:ea typeface="Arial" charset="0"/>
+                        <a:cs typeface="Arial" charset="0"/>
+                      </a:endParaRPr>
+                    </a:p>
+                  </a:txBody>
+                  <a:tcPr marL="36000" marR="36000" marT="36000" marB="36000"/>
+                </a:tc>
+                <a:tc>
+                  <a:txBody>
+                    <a:bodyPr/>
+                    <a:lstStyle/>
+                    <a:p>
+                      <a:endParaRPr lang="es-ES_tradnl" sz="1100" dirty="0">
+                        <a:latin typeface="Arial" charset="0"/>
+                        <a:ea typeface="Arial" charset="0"/>
+                        <a:cs typeface="Arial" charset="0"/>
+                      </a:endParaRPr>
+                    </a:p>
+                  </a:txBody>
+                  <a:tcPr marL="36000" marR="36000" marT="36000" marB="36000"/>
+                </a:tc>
+                <a:tc>
+                  <a:txBody>
+                    <a:bodyPr/>
+                    <a:lstStyle/>
+                    <a:p>
+                      <a:endParaRPr lang="es-ES_tradnl" sz="1100" dirty="0">
+                        <a:latin typeface="Arial" charset="0"/>
+                        <a:ea typeface="Arial" charset="0"/>
+                        <a:cs typeface="Arial" charset="0"/>
+                      </a:endParaRPr>
+                    </a:p>
+                  </a:txBody>
+                  <a:tcPr marL="36000" marR="36000" marT="36000" marB="36000"/>
+                </a:tc>
+                <a:tc>
+                  <a:txBody>
+                    <a:bodyPr/>
+                    <a:lstStyle/>
+                    <a:p>
+                      <a:endParaRPr lang="es-ES_tradnl" sz="1100" dirty="0">
+                        <a:latin typeface="Arial" charset="0"/>
+                        <a:ea typeface="Arial" charset="0"/>
+                        <a:cs typeface="Arial" charset="0"/>
+                      </a:endParaRPr>
+                    </a:p>
+                  </a:txBody>
+                  <a:tcPr marL="36000" marR="36000" marT="36000" marB="36000"/>
+                </a:tc>
+                <a:tc>
+                  <a:txBody>
+                    <a:bodyPr/>
+                    <a:lstStyle/>
+                    <a:p>
+                      <a:endParaRPr lang="es-ES_tradnl" sz="1100" dirty="0">
+                        <a:latin typeface="Arial" charset="0"/>
+                        <a:ea typeface="Arial" charset="0"/>
+                        <a:cs typeface="Arial" charset="0"/>
+                      </a:endParaRPr>
+                    </a:p>
+                  </a:txBody>
+                  <a:tcPr marL="36000" marR="36000" marT="36000" marB="36000"/>
+                </a:tc>
+                <a:tc>
+                  <a:txBody>
+                    <a:bodyPr/>
+                    <a:lstStyle/>
+                    <a:p>
+                      <a:endParaRPr lang="es-ES_tradnl" sz="1100" dirty="0">
+                        <a:latin typeface="Arial" charset="0"/>
+                        <a:ea typeface="Arial" charset="0"/>
+                        <a:cs typeface="Arial" charset="0"/>
+                      </a:endParaRPr>
+                    </a:p>
+                  </a:txBody>
+                  <a:tcPr marL="36000" marR="36000" marT="36000" marB="36000"/>
+                </a:tc>
+                <a:tc>
+                  <a:txBody>
+                    <a:bodyPr/>
+                    <a:lstStyle/>
+                    <a:p>
+                      <a:endParaRPr lang="es-ES_tradnl" sz="1100" dirty="0">
+                        <a:latin typeface="Arial" charset="0"/>
+                        <a:ea typeface="Arial" charset="0"/>
+                        <a:cs typeface="Arial" charset="0"/>
+                      </a:endParaRPr>
+                    </a:p>
+                  </a:txBody>
+                  <a:tcPr marL="36000" marR="36000" marT="36000" marB="36000"/>
+                </a:tc>
+                <a:tc>
+                  <a:txBody>
+                    <a:bodyPr/>
+                    <a:lstStyle/>
+                    <a:p>
+                      <a:endParaRPr lang="es-ES_tradnl" sz="1100" dirty="0">
+                        <a:latin typeface="Arial" charset="0"/>
+                        <a:ea typeface="Arial" charset="0"/>
+                        <a:cs typeface="Arial" charset="0"/>
+                      </a:endParaRPr>
+                    </a:p>
+                  </a:txBody>
+                  <a:tcPr marL="36000" marR="36000" marT="36000" marB="36000"/>
+                </a:tc>
+                <a:tc>
+                  <a:txBody>
+                    <a:bodyPr/>
+                    <a:lstStyle/>
+                    <a:p>
+                      <a:endParaRPr lang="es-ES_tradnl" sz="1100" dirty="0">
+                        <a:latin typeface="Arial" charset="0"/>
+                        <a:ea typeface="Arial" charset="0"/>
+                        <a:cs typeface="Arial" charset="0"/>
+                      </a:endParaRPr>
+                    </a:p>
+                  </a:txBody>
+                  <a:tcPr marL="36000" marR="36000" marT="36000" marB="36000"/>
+                </a:tc>
+                <a:tc>
+                  <a:txBody>
+                    <a:bodyPr/>
+                    <a:lstStyle/>
+                    <a:p>
+                      <a:endParaRPr lang="es-ES_tradnl" sz="1100" dirty="0">
+                        <a:latin typeface="Arial" charset="0"/>
+                        <a:ea typeface="Arial" charset="0"/>
+                        <a:cs typeface="Arial" charset="0"/>
+                      </a:endParaRPr>
+                    </a:p>
+                  </a:txBody>
+                  <a:tcPr marL="36000" marR="36000" marT="36000" marB="36000"/>
+                </a:tc>
+              </a:tr>
+              <a:tr h="297514">
+                <a:tc>
+                  <a:txBody>
+                    <a:bodyPr/>
+                    <a:lstStyle/>
+                    <a:p>
+                      <a:endParaRPr lang="es-ES_tradnl" sz="1100" dirty="0">
+                        <a:latin typeface="Arial" charset="0"/>
+                        <a:ea typeface="Arial" charset="0"/>
+                        <a:cs typeface="Arial" charset="0"/>
+                      </a:endParaRPr>
+                    </a:p>
+                  </a:txBody>
+                  <a:tcPr marL="36000" marR="36000" marT="36000" marB="36000"/>
+                </a:tc>
+                <a:tc>
+                  <a:txBody>
+                    <a:bodyPr/>
+                    <a:lstStyle/>
+                    <a:p>
+                      <a:endParaRPr lang="es-ES_tradnl" sz="1100" dirty="0">
+                        <a:latin typeface="Arial" charset="0"/>
+                        <a:ea typeface="Arial" charset="0"/>
+                        <a:cs typeface="Arial" charset="0"/>
+                      </a:endParaRPr>
+                    </a:p>
+                  </a:txBody>
+                  <a:tcPr marL="36000" marR="36000" marT="36000" marB="36000"/>
+                </a:tc>
+                <a:tc>
+                  <a:txBody>
+                    <a:bodyPr/>
+                    <a:lstStyle/>
+                    <a:p>
+                      <a:endParaRPr lang="es-ES_tradnl" sz="1100">
+                        <a:latin typeface="Arial" charset="0"/>
+                        <a:ea typeface="Arial" charset="0"/>
+                        <a:cs typeface="Arial" charset="0"/>
+                      </a:endParaRPr>
+                    </a:p>
+                  </a:txBody>
+                  <a:tcPr marL="36000" marR="36000" marT="36000" marB="36000"/>
+                </a:tc>
+                <a:tc>
+                  <a:txBody>
+                    <a:bodyPr/>
+                    <a:lstStyle/>
+                    <a:p>
+                      <a:endParaRPr lang="es-ES_tradnl" sz="1100" dirty="0">
+                        <a:latin typeface="Arial" charset="0"/>
+                        <a:ea typeface="Arial" charset="0"/>
+                        <a:cs typeface="Arial" charset="0"/>
+                      </a:endParaRPr>
+                    </a:p>
+                  </a:txBody>
+                  <a:tcPr marL="36000" marR="36000" marT="36000" marB="36000"/>
+                </a:tc>
+                <a:tc>
+                  <a:txBody>
+                    <a:bodyPr/>
+                    <a:lstStyle/>
+                    <a:p>
+                      <a:endParaRPr lang="es-ES_tradnl" sz="1100" dirty="0">
+                        <a:latin typeface="Arial" charset="0"/>
+                        <a:ea typeface="Arial" charset="0"/>
+                        <a:cs typeface="Arial" charset="0"/>
+                      </a:endParaRPr>
+                    </a:p>
+                  </a:txBody>
+                  <a:tcPr marL="36000" marR="36000" marT="36000" marB="36000"/>
+                </a:tc>
+                <a:tc>
+                  <a:txBody>
+                    <a:bodyPr/>
+                    <a:lstStyle/>
+                    <a:p>
+                      <a:endParaRPr lang="es-ES_tradnl" sz="1100" dirty="0">
+                        <a:latin typeface="Arial" charset="0"/>
+                        <a:ea typeface="Arial" charset="0"/>
+                        <a:cs typeface="Arial" charset="0"/>
+                      </a:endParaRPr>
+                    </a:p>
+                  </a:txBody>
+                  <a:tcPr marL="36000" marR="36000" marT="36000" marB="36000"/>
+                </a:tc>
+                <a:tc>
+                  <a:txBody>
+                    <a:bodyPr/>
+                    <a:lstStyle/>
+                    <a:p>
+                      <a:endParaRPr lang="es-ES_tradnl" sz="1100" dirty="0">
+                        <a:latin typeface="Arial" charset="0"/>
+                        <a:ea typeface="Arial" charset="0"/>
+                        <a:cs typeface="Arial" charset="0"/>
+                      </a:endParaRPr>
+                    </a:p>
+                  </a:txBody>
+                  <a:tcPr marL="36000" marR="36000" marT="36000" marB="36000"/>
+                </a:tc>
+                <a:tc>
+                  <a:txBody>
+                    <a:bodyPr/>
+                    <a:lstStyle/>
+                    <a:p>
+                      <a:endParaRPr lang="es-ES_tradnl" sz="1100" dirty="0">
+                        <a:latin typeface="Arial" charset="0"/>
+                        <a:ea typeface="Arial" charset="0"/>
+                        <a:cs typeface="Arial" charset="0"/>
+                      </a:endParaRPr>
+                    </a:p>
+                  </a:txBody>
+                  <a:tcPr marL="36000" marR="36000" marT="36000" marB="36000"/>
+                </a:tc>
+                <a:tc>
+                  <a:txBody>
+                    <a:bodyPr/>
+                    <a:lstStyle/>
+                    <a:p>
+                      <a:endParaRPr lang="es-ES_tradnl" sz="1100" dirty="0">
+                        <a:latin typeface="Arial" charset="0"/>
+                        <a:ea typeface="Arial" charset="0"/>
+                        <a:cs typeface="Arial" charset="0"/>
+                      </a:endParaRPr>
+                    </a:p>
+                  </a:txBody>
+                  <a:tcPr marL="36000" marR="36000" marT="36000" marB="36000"/>
+                </a:tc>
+                <a:tc>
+                  <a:txBody>
+                    <a:bodyPr/>
+                    <a:lstStyle/>
+                    <a:p>
+                      <a:endParaRPr lang="es-ES_tradnl" sz="1100" dirty="0">
+                        <a:latin typeface="Arial" charset="0"/>
+                        <a:ea typeface="Arial" charset="0"/>
+                        <a:cs typeface="Arial" charset="0"/>
+                      </a:endParaRPr>
+                    </a:p>
+                  </a:txBody>
+                  <a:tcPr marL="36000" marR="36000" marT="36000" marB="36000"/>
+                </a:tc>
+                <a:tc>
+                  <a:txBody>
+                    <a:bodyPr/>
+                    <a:lstStyle/>
+                    <a:p>
+                      <a:endParaRPr lang="es-ES_tradnl" sz="1100" dirty="0">
+                        <a:latin typeface="Arial" charset="0"/>
+                        <a:ea typeface="Arial" charset="0"/>
+                        <a:cs typeface="Arial" charset="0"/>
+                      </a:endParaRPr>
+                    </a:p>
+                  </a:txBody>
+                  <a:tcPr marL="36000" marR="36000" marT="36000" marB="36000"/>
+                </a:tc>
+                <a:tc>
+                  <a:txBody>
+                    <a:bodyPr/>
+                    <a:lstStyle/>
+                    <a:p>
+                      <a:endParaRPr lang="es-ES_tradnl" sz="1100" dirty="0">
+                        <a:latin typeface="Arial" charset="0"/>
+                        <a:ea typeface="Arial" charset="0"/>
+                        <a:cs typeface="Arial" charset="0"/>
+                      </a:endParaRPr>
+                    </a:p>
+                  </a:txBody>
+                  <a:tcPr marL="36000" marR="36000" marT="36000" marB="36000"/>
+                </a:tc>
+                <a:tc>
+                  <a:txBody>
+                    <a:bodyPr/>
+                    <a:lstStyle/>
+                    <a:p>
+                      <a:endParaRPr lang="es-ES_tradnl" sz="1100" dirty="0">
+                        <a:latin typeface="Arial" charset="0"/>
+                        <a:ea typeface="Arial" charset="0"/>
+                        <a:cs typeface="Arial" charset="0"/>
+                      </a:endParaRPr>
+                    </a:p>
+                  </a:txBody>
+                  <a:tcPr marL="36000" marR="36000" marT="36000" marB="36000"/>
+                </a:tc>
+                <a:tc>
+                  <a:txBody>
+                    <a:bodyPr/>
+                    <a:lstStyle/>
+                    <a:p>
+                      <a:endParaRPr lang="es-ES_tradnl" sz="1100" dirty="0">
+                        <a:latin typeface="Arial" charset="0"/>
+                        <a:ea typeface="Arial" charset="0"/>
+                        <a:cs typeface="Arial" charset="0"/>
+                      </a:endParaRPr>
+                    </a:p>
+                  </a:txBody>
+                  <a:tcPr marL="36000" marR="36000" marT="36000" marB="36000"/>
+                </a:tc>
+                <a:tc>
+                  <a:txBody>
+                    <a:bodyPr/>
+                    <a:lstStyle/>
+                    <a:p>
+                      <a:endParaRPr lang="es-ES_tradnl" sz="1100" dirty="0">
+                        <a:latin typeface="Arial" charset="0"/>
+                        <a:ea typeface="Arial" charset="0"/>
+                        <a:cs typeface="Arial" charset="0"/>
+                      </a:endParaRPr>
+                    </a:p>
+                  </a:txBody>
+                  <a:tcPr marL="36000" marR="36000" marT="36000" marB="36000"/>
+                </a:tc>
+                <a:tc>
+                  <a:txBody>
+                    <a:bodyPr/>
+                    <a:lstStyle/>
+                    <a:p>
+                      <a:endParaRPr lang="es-ES_tradnl" sz="1100" dirty="0">
+                        <a:latin typeface="Arial" charset="0"/>
+                        <a:ea typeface="Arial" charset="0"/>
+                        <a:cs typeface="Arial" charset="0"/>
+                      </a:endParaRPr>
+                    </a:p>
+                  </a:txBody>
+                  <a:tcPr marL="36000" marR="36000" marT="36000" marB="36000"/>
+                </a:tc>
+              </a:tr>
+              <a:tr h="297514">
+                <a:tc>
+                  <a:txBody>
+                    <a:bodyPr/>
+                    <a:lstStyle/>
+                    <a:p>
+                      <a:endParaRPr lang="es-ES_tradnl" sz="1100" dirty="0">
+                        <a:latin typeface="Arial" charset="0"/>
+                        <a:ea typeface="Arial" charset="0"/>
+                        <a:cs typeface="Arial" charset="0"/>
+                      </a:endParaRPr>
+                    </a:p>
+                  </a:txBody>
+                  <a:tcPr marL="36000" marR="36000" marT="36000" marB="36000"/>
+                </a:tc>
+                <a:tc>
+                  <a:txBody>
+                    <a:bodyPr/>
+                    <a:lstStyle/>
+                    <a:p>
+                      <a:endParaRPr lang="es-ES_tradnl" sz="1100" dirty="0">
+                        <a:latin typeface="Arial" charset="0"/>
+                        <a:ea typeface="Arial" charset="0"/>
+                        <a:cs typeface="Arial" charset="0"/>
+                      </a:endParaRPr>
+                    </a:p>
+                  </a:txBody>
+                  <a:tcPr marL="36000" marR="36000" marT="36000" marB="36000"/>
+                </a:tc>
+                <a:tc>
+                  <a:txBody>
+                    <a:bodyPr/>
+                    <a:lstStyle/>
+                    <a:p>
+                      <a:endParaRPr lang="es-ES_tradnl" sz="1100">
+                        <a:latin typeface="Arial" charset="0"/>
+                        <a:ea typeface="Arial" charset="0"/>
+                        <a:cs typeface="Arial" charset="0"/>
+                      </a:endParaRPr>
+                    </a:p>
+                  </a:txBody>
+                  <a:tcPr marL="36000" marR="36000" marT="36000" marB="36000"/>
+                </a:tc>
+                <a:tc>
+                  <a:txBody>
+                    <a:bodyPr/>
+                    <a:lstStyle/>
+                    <a:p>
+                      <a:endParaRPr lang="es-ES_tradnl" sz="1100" dirty="0">
+                        <a:latin typeface="Arial" charset="0"/>
+                        <a:ea typeface="Arial" charset="0"/>
+                        <a:cs typeface="Arial" charset="0"/>
+                      </a:endParaRPr>
+                    </a:p>
+                  </a:txBody>
+                  <a:tcPr marL="36000" marR="36000" marT="36000" marB="36000"/>
+                </a:tc>
+                <a:tc>
+                  <a:txBody>
+                    <a:bodyPr/>
+                    <a:lstStyle/>
+                    <a:p>
+                      <a:endParaRPr lang="es-ES_tradnl" sz="1100" dirty="0">
+                        <a:latin typeface="Arial" charset="0"/>
+                        <a:ea typeface="Arial" charset="0"/>
+                        <a:cs typeface="Arial" charset="0"/>
+                      </a:endParaRPr>
+                    </a:p>
+                  </a:txBody>
+                  <a:tcPr marL="36000" marR="36000" marT="36000" marB="36000"/>
+                </a:tc>
+                <a:tc>
+                  <a:txBody>
+                    <a:bodyPr/>
+                    <a:lstStyle/>
+                    <a:p>
+                      <a:endParaRPr lang="es-ES_tradnl" sz="1100" dirty="0">
+                        <a:latin typeface="Arial" charset="0"/>
+                        <a:ea typeface="Arial" charset="0"/>
+                        <a:cs typeface="Arial" charset="0"/>
+                      </a:endParaRPr>
+                    </a:p>
+                  </a:txBody>
+                  <a:tcPr marL="36000" marR="36000" marT="36000" marB="36000"/>
+                </a:tc>
+                <a:tc>
+                  <a:txBody>
+                    <a:bodyPr/>
+                    <a:lstStyle/>
+                    <a:p>
+                      <a:endParaRPr lang="es-ES_tradnl" sz="1100" dirty="0">
+                        <a:latin typeface="Arial" charset="0"/>
+                        <a:ea typeface="Arial" charset="0"/>
+                        <a:cs typeface="Arial" charset="0"/>
+                      </a:endParaRPr>
+                    </a:p>
+                  </a:txBody>
+                  <a:tcPr marL="36000" marR="36000" marT="36000" marB="36000"/>
+                </a:tc>
+                <a:tc>
+                  <a:txBody>
+                    <a:bodyPr/>
+                    <a:lstStyle/>
+                    <a:p>
+                      <a:endParaRPr lang="es-ES_tradnl" sz="1100" dirty="0">
+                        <a:latin typeface="Arial" charset="0"/>
+                        <a:ea typeface="Arial" charset="0"/>
+                        <a:cs typeface="Arial" charset="0"/>
+                      </a:endParaRPr>
+                    </a:p>
+                  </a:txBody>
+                  <a:tcPr marL="36000" marR="36000" marT="36000" marB="36000"/>
+                </a:tc>
+                <a:tc>
+                  <a:txBody>
+                    <a:bodyPr/>
+                    <a:lstStyle/>
+                    <a:p>
+                      <a:endParaRPr lang="es-ES_tradnl" sz="1100" dirty="0">
+                        <a:latin typeface="Arial" charset="0"/>
+                        <a:ea typeface="Arial" charset="0"/>
+                        <a:cs typeface="Arial" charset="0"/>
+                      </a:endParaRPr>
+                    </a:p>
+                  </a:txBody>
+                  <a:tcPr marL="36000" marR="36000" marT="36000" marB="36000"/>
+                </a:tc>
+                <a:tc>
+                  <a:txBody>
+                    <a:bodyPr/>
+                    <a:lstStyle/>
+                    <a:p>
+                      <a:endParaRPr lang="es-ES_tradnl" sz="1100" dirty="0">
+                        <a:latin typeface="Arial" charset="0"/>
+                        <a:ea typeface="Arial" charset="0"/>
+                        <a:cs typeface="Arial" charset="0"/>
+                      </a:endParaRPr>
+                    </a:p>
+                  </a:txBody>
+                  <a:tcPr marL="36000" marR="36000" marT="36000" marB="36000"/>
+                </a:tc>
+                <a:tc>
+                  <a:txBody>
+                    <a:bodyPr/>
+                    <a:lstStyle/>
+                    <a:p>
+                      <a:endParaRPr lang="es-ES_tradnl" sz="1100" dirty="0">
+                        <a:latin typeface="Arial" charset="0"/>
+                        <a:ea typeface="Arial" charset="0"/>
+                        <a:cs typeface="Arial" charset="0"/>
+                      </a:endParaRPr>
+                    </a:p>
+                  </a:txBody>
+                  <a:tcPr marL="36000" marR="36000" marT="36000" marB="36000"/>
+                </a:tc>
+                <a:tc>
+                  <a:txBody>
+                    <a:bodyPr/>
+                    <a:lstStyle/>
+                    <a:p>
+                      <a:endParaRPr lang="es-ES_tradnl" sz="1100" dirty="0">
+                        <a:latin typeface="Arial" charset="0"/>
+                        <a:ea typeface="Arial" charset="0"/>
+                        <a:cs typeface="Arial" charset="0"/>
+                      </a:endParaRPr>
+                    </a:p>
+                  </a:txBody>
+                  <a:tcPr marL="36000" marR="36000" marT="36000" marB="36000"/>
+                </a:tc>
+                <a:tc>
+                  <a:txBody>
+                    <a:bodyPr/>
+                    <a:lstStyle/>
+                    <a:p>
+                      <a:endParaRPr lang="es-ES_tradnl" sz="1100" dirty="0">
+                        <a:latin typeface="Arial" charset="0"/>
+                        <a:ea typeface="Arial" charset="0"/>
+                        <a:cs typeface="Arial" charset="0"/>
+                      </a:endParaRPr>
+                    </a:p>
+                  </a:txBody>
+                  <a:tcPr marL="36000" marR="36000" marT="36000" marB="36000"/>
+                </a:tc>
+                <a:tc>
+                  <a:txBody>
+                    <a:bodyPr/>
+                    <a:lstStyle/>
+                    <a:p>
+                      <a:endParaRPr lang="es-ES_tradnl" sz="1100" dirty="0">
+                        <a:latin typeface="Arial" charset="0"/>
+                        <a:ea typeface="Arial" charset="0"/>
+                        <a:cs typeface="Arial" charset="0"/>
+                      </a:endParaRPr>
+                    </a:p>
+                  </a:txBody>
+                  <a:tcPr marL="36000" marR="36000" marT="36000" marB="36000"/>
+                </a:tc>
+                <a:tc>
+                  <a:txBody>
+                    <a:bodyPr/>
+                    <a:lstStyle/>
+                    <a:p>
+                      <a:endParaRPr lang="es-ES_tradnl" sz="1100" dirty="0">
+                        <a:latin typeface="Arial" charset="0"/>
+                        <a:ea typeface="Arial" charset="0"/>
+                        <a:cs typeface="Arial" charset="0"/>
+                      </a:endParaRPr>
+                    </a:p>
+                  </a:txBody>
+                  <a:tcPr marL="36000" marR="36000" marT="36000" marB="36000"/>
+                </a:tc>
+                <a:tc>
+                  <a:txBody>
+                    <a:bodyPr/>
+                    <a:lstStyle/>
+                    <a:p>
+                      <a:endParaRPr lang="es-ES_tradnl" sz="1100" dirty="0">
+                        <a:latin typeface="Arial" charset="0"/>
+                        <a:ea typeface="Arial" charset="0"/>
+                        <a:cs typeface="Arial" charset="0"/>
+                      </a:endParaRPr>
+                    </a:p>
+                  </a:txBody>
+                  <a:tcPr marL="36000" marR="36000" marT="36000" marB="36000"/>
+                </a:tc>
+              </a:tr>
+              <a:tr h="297514">
+                <a:tc>
+                  <a:txBody>
+                    <a:bodyPr/>
+                    <a:lstStyle/>
+                    <a:p>
+                      <a:endParaRPr lang="es-ES_tradnl" sz="1100" dirty="0">
+                        <a:latin typeface="Arial" charset="0"/>
+                        <a:ea typeface="Arial" charset="0"/>
+                        <a:cs typeface="Arial" charset="0"/>
+                      </a:endParaRPr>
+                    </a:p>
+                  </a:txBody>
+                  <a:tcPr marL="36000" marR="36000" marT="36000" marB="36000"/>
+                </a:tc>
+                <a:tc>
+                  <a:txBody>
+                    <a:bodyPr/>
+                    <a:lstStyle/>
+                    <a:p>
+                      <a:endParaRPr lang="es-ES_tradnl" sz="1100" dirty="0">
+                        <a:latin typeface="Arial" charset="0"/>
+                        <a:ea typeface="Arial" charset="0"/>
+                        <a:cs typeface="Arial" charset="0"/>
+                      </a:endParaRPr>
+                    </a:p>
+                  </a:txBody>
+                  <a:tcPr marL="36000" marR="36000" marT="36000" marB="36000"/>
+                </a:tc>
+                <a:tc>
+                  <a:txBody>
+                    <a:bodyPr/>
+                    <a:lstStyle/>
+                    <a:p>
+                      <a:endParaRPr lang="es-ES_tradnl" sz="1100">
+                        <a:latin typeface="Arial" charset="0"/>
+                        <a:ea typeface="Arial" charset="0"/>
+                        <a:cs typeface="Arial" charset="0"/>
+                      </a:endParaRPr>
+                    </a:p>
+                  </a:txBody>
+                  <a:tcPr marL="36000" marR="36000" marT="36000" marB="36000"/>
+                </a:tc>
+                <a:tc>
+                  <a:txBody>
+                    <a:bodyPr/>
+                    <a:lstStyle/>
+                    <a:p>
+                      <a:endParaRPr lang="es-ES_tradnl" sz="1100" dirty="0">
+                        <a:latin typeface="Arial" charset="0"/>
+                        <a:ea typeface="Arial" charset="0"/>
+                        <a:cs typeface="Arial" charset="0"/>
+                      </a:endParaRPr>
+                    </a:p>
+                  </a:txBody>
+                  <a:tcPr marL="36000" marR="36000" marT="36000" marB="36000"/>
+                </a:tc>
+                <a:tc>
+                  <a:txBody>
+                    <a:bodyPr/>
+                    <a:lstStyle/>
+                    <a:p>
+                      <a:endParaRPr lang="es-ES_tradnl" sz="1100" dirty="0">
+                        <a:latin typeface="Arial" charset="0"/>
+                        <a:ea typeface="Arial" charset="0"/>
+                        <a:cs typeface="Arial" charset="0"/>
+                      </a:endParaRPr>
+                    </a:p>
+                  </a:txBody>
+                  <a:tcPr marL="36000" marR="36000" marT="36000" marB="36000"/>
+                </a:tc>
+                <a:tc>
+                  <a:txBody>
+                    <a:bodyPr/>
+                    <a:lstStyle/>
+                    <a:p>
+                      <a:endParaRPr lang="es-ES_tradnl" sz="1100" dirty="0">
+                        <a:latin typeface="Arial" charset="0"/>
+                        <a:ea typeface="Arial" charset="0"/>
+                        <a:cs typeface="Arial" charset="0"/>
+                      </a:endParaRPr>
+                    </a:p>
+                  </a:txBody>
+                  <a:tcPr marL="36000" marR="36000" marT="36000" marB="36000"/>
+                </a:tc>
+                <a:tc>
+                  <a:txBody>
+                    <a:bodyPr/>
+                    <a:lstStyle/>
+                    <a:p>
+                      <a:endParaRPr lang="es-ES_tradnl" sz="1100" dirty="0">
+                        <a:latin typeface="Arial" charset="0"/>
+                        <a:ea typeface="Arial" charset="0"/>
+                        <a:cs typeface="Arial" charset="0"/>
+                      </a:endParaRPr>
+                    </a:p>
+                  </a:txBody>
+                  <a:tcPr marL="36000" marR="36000" marT="36000" marB="36000"/>
+                </a:tc>
+                <a:tc>
+                  <a:txBody>
+                    <a:bodyPr/>
+                    <a:lstStyle/>
+                    <a:p>
+                      <a:endParaRPr lang="es-ES_tradnl" sz="1100" dirty="0">
+                        <a:latin typeface="Arial" charset="0"/>
+                        <a:ea typeface="Arial" charset="0"/>
+                        <a:cs typeface="Arial" charset="0"/>
+                      </a:endParaRPr>
+                    </a:p>
+                  </a:txBody>
+                  <a:tcPr marL="36000" marR="36000" marT="36000" marB="36000"/>
+                </a:tc>
+                <a:tc>
+                  <a:txBody>
+                    <a:bodyPr/>
+                    <a:lstStyle/>
+                    <a:p>
+                      <a:endParaRPr lang="es-ES_tradnl" sz="1100" dirty="0">
+                        <a:latin typeface="Arial" charset="0"/>
+                        <a:ea typeface="Arial" charset="0"/>
+                        <a:cs typeface="Arial" charset="0"/>
+                      </a:endParaRPr>
+                    </a:p>
+                  </a:txBody>
+                  <a:tcPr marL="36000" marR="36000" marT="36000" marB="36000"/>
+                </a:tc>
+                <a:tc>
+                  <a:txBody>
+                    <a:bodyPr/>
+                    <a:lstStyle/>
+                    <a:p>
+                      <a:endParaRPr lang="es-ES_tradnl" sz="1100" dirty="0">
+                        <a:latin typeface="Arial" charset="0"/>
+                        <a:ea typeface="Arial" charset="0"/>
+                        <a:cs typeface="Arial" charset="0"/>
+                      </a:endParaRPr>
+                    </a:p>
+                  </a:txBody>
+                  <a:tcPr marL="36000" marR="36000" marT="36000" marB="36000"/>
+                </a:tc>
+                <a:tc>
+                  <a:txBody>
+                    <a:bodyPr/>
+                    <a:lstStyle/>
+                    <a:p>
+                      <a:endParaRPr lang="es-ES_tradnl" sz="1100" dirty="0">
+                        <a:latin typeface="Arial" charset="0"/>
+                        <a:ea typeface="Arial" charset="0"/>
+                        <a:cs typeface="Arial" charset="0"/>
+                      </a:endParaRPr>
+                    </a:p>
+                  </a:txBody>
+                  <a:tcPr marL="36000" marR="36000" marT="36000" marB="36000"/>
+                </a:tc>
+                <a:tc>
+                  <a:txBody>
+                    <a:bodyPr/>
+                    <a:lstStyle/>
+                    <a:p>
+                      <a:endParaRPr lang="es-ES_tradnl" sz="1100" dirty="0">
+                        <a:latin typeface="Arial" charset="0"/>
+                        <a:ea typeface="Arial" charset="0"/>
+                        <a:cs typeface="Arial" charset="0"/>
+                      </a:endParaRPr>
+                    </a:p>
+                  </a:txBody>
+                  <a:tcPr marL="36000" marR="36000" marT="36000" marB="36000"/>
+                </a:tc>
+                <a:tc>
+                  <a:txBody>
+                    <a:bodyPr/>
+                    <a:lstStyle/>
+                    <a:p>
+                      <a:endParaRPr lang="es-ES_tradnl" sz="1100" dirty="0">
+                        <a:latin typeface="Arial" charset="0"/>
+                        <a:ea typeface="Arial" charset="0"/>
+                        <a:cs typeface="Arial" charset="0"/>
+                      </a:endParaRPr>
+                    </a:p>
+                  </a:txBody>
+                  <a:tcPr marL="36000" marR="36000" marT="36000" marB="36000"/>
+                </a:tc>
+                <a:tc>
+                  <a:txBody>
+                    <a:bodyPr/>
+                    <a:lstStyle/>
+                    <a:p>
+                      <a:endParaRPr lang="es-ES_tradnl" sz="1100" dirty="0">
+                        <a:latin typeface="Arial" charset="0"/>
+                        <a:ea typeface="Arial" charset="0"/>
+                        <a:cs typeface="Arial" charset="0"/>
+                      </a:endParaRPr>
+                    </a:p>
+                  </a:txBody>
+                  <a:tcPr marL="36000" marR="36000" marT="36000" marB="36000"/>
+                </a:tc>
+                <a:tc>
+                  <a:txBody>
+                    <a:bodyPr/>
+                    <a:lstStyle/>
+                    <a:p>
+                      <a:endParaRPr lang="es-ES_tradnl" sz="1100" dirty="0">
+                        <a:latin typeface="Arial" charset="0"/>
+                        <a:ea typeface="Arial" charset="0"/>
+                        <a:cs typeface="Arial" charset="0"/>
+                      </a:endParaRPr>
+                    </a:p>
+                  </a:txBody>
+                  <a:tcPr marL="36000" marR="36000" marT="36000" marB="36000"/>
+                </a:tc>
+                <a:tc>
+                  <a:txBody>
+                    <a:bodyPr/>
+                    <a:lstStyle/>
+                    <a:p>
+                      <a:endParaRPr lang="es-ES_tradnl" sz="1100" dirty="0">
+                        <a:latin typeface="Arial" charset="0"/>
+                        <a:ea typeface="Arial" charset="0"/>
+                        <a:cs typeface="Arial" charset="0"/>
+                      </a:endParaRPr>
+                    </a:p>
+                  </a:txBody>
+                  <a:tcPr marL="36000" marR="36000" marT="36000" marB="36000"/>
+                </a:tc>
+              </a:tr>
+            </a:tbl>
+          </a:graphicData>
+        </a:graphic>
+      </p:graphicFrame>
       <p:sp>
         <p:nvSpPr>
-          <p:cNvPr id="18" name="CuadroTexto 17"/>
+          <p:cNvPr id="4" name="Rectángulo 3"/>
+          <p:cNvSpPr/>
+          <p:nvPr/>
+        </p:nvSpPr>
+        <p:spPr>
+          <a:xfrm>
+            <a:off x="241738" y="1345323"/>
+            <a:ext cx="11729545" cy="1042221"/>
+          </a:xfrm>
+          <a:prstGeom prst="rect">
+            <a:avLst/>
+          </a:prstGeom>
+          <a:noFill/>
+          <a:ln w="19050">
+            <a:solidFill>
+              <a:schemeClr val="accent6">
+                <a:lumMod val="50000"/>
+              </a:schemeClr>
+            </a:solidFill>
+          </a:ln>
+        </p:spPr>
+        <p:style>
+          <a:lnRef idx="2">
+            <a:schemeClr val="accent1">
+              <a:shade val="50000"/>
+            </a:schemeClr>
+          </a:lnRef>
+          <a:fillRef idx="1">
+            <a:schemeClr val="accent1"/>
+          </a:fillRef>
+          <a:effectRef idx="0">
+            <a:schemeClr val="accent1"/>
+          </a:effectRef>
+          <a:fontRef idx="minor">
+            <a:schemeClr val="lt1"/>
+          </a:fontRef>
+        </p:style>
+        <p:txBody>
+          <a:bodyPr rtlCol="0" anchor="ctr"/>
+          <a:lstStyle/>
+          <a:p>
+            <a:pPr algn="ctr"/>
+            <a:endParaRPr lang="es-ES_tradnl"/>
+          </a:p>
+        </p:txBody>
+      </p:sp>
+      <p:sp>
+        <p:nvSpPr>
+          <p:cNvPr id="5" name="Rectángulo 4"/>
+          <p:cNvSpPr/>
+          <p:nvPr/>
+        </p:nvSpPr>
+        <p:spPr>
+          <a:xfrm>
+            <a:off x="241738" y="2472157"/>
+            <a:ext cx="11729545" cy="3641034"/>
+          </a:xfrm>
+          <a:prstGeom prst="rect">
+            <a:avLst/>
+          </a:prstGeom>
+          <a:noFill/>
+          <a:ln w="19050">
+            <a:solidFill>
+              <a:schemeClr val="accent6">
+                <a:lumMod val="50000"/>
+              </a:schemeClr>
+            </a:solidFill>
+          </a:ln>
+        </p:spPr>
+        <p:style>
+          <a:lnRef idx="2">
+            <a:schemeClr val="accent1">
+              <a:shade val="50000"/>
+            </a:schemeClr>
+          </a:lnRef>
+          <a:fillRef idx="1">
+            <a:schemeClr val="accent1"/>
+          </a:fillRef>
+          <a:effectRef idx="0">
+            <a:schemeClr val="accent1"/>
+          </a:effectRef>
+          <a:fontRef idx="minor">
+            <a:schemeClr val="lt1"/>
+          </a:fontRef>
+        </p:style>
+        <p:txBody>
+          <a:bodyPr rtlCol="0" anchor="ctr"/>
+          <a:lstStyle/>
+          <a:p>
+            <a:pPr algn="ctr"/>
+            <a:endParaRPr lang="es-ES_tradnl"/>
+          </a:p>
+        </p:txBody>
+      </p:sp>
+      <p:sp>
+        <p:nvSpPr>
+          <p:cNvPr id="6" name="CuadroTexto 5"/>
           <p:cNvSpPr txBox="1"/>
           <p:nvPr/>
         </p:nvSpPr>
         <p:spPr>
           <a:xfrm>
-            <a:off x="7015655" y="1357528"/>
-            <a:ext cx="3841531" cy="261610"/>
+            <a:off x="430925" y="978792"/>
+            <a:ext cx="1397875" cy="261610"/>
           </a:xfrm>
           <a:prstGeom prst="rect">
             <a:avLst/>
@@ -6875,7 +7159,7 @@
           <a:lstStyle/>
           <a:p>
             <a:r>
-              <a:rPr lang="es-ES" sz="1100" b="1" dirty="0">
+              <a:rPr lang="es-ES" sz="1100" dirty="0" smtClean="0">
                 <a:solidFill>
                   <a:schemeClr val="tx1">
                     <a:lumMod val="75000"/>
@@ -6886,7 +7170,150 @@
                 <a:ea typeface="Arial" charset="0"/>
                 <a:cs typeface="Arial" charset="0"/>
               </a:rPr>
-              <a:t>x</a:t>
+              <a:t>Fecha de reporte:</a:t>
+            </a:r>
+            <a:endParaRPr lang="es-ES_tradnl" sz="1100" dirty="0">
+              <a:solidFill>
+                <a:schemeClr val="tx1">
+                  <a:lumMod val="75000"/>
+                  <a:lumOff val="25000"/>
+                </a:schemeClr>
+              </a:solidFill>
+              <a:latin typeface="Arial" charset="0"/>
+              <a:ea typeface="Arial" charset="0"/>
+              <a:cs typeface="Arial" charset="0"/>
+            </a:endParaRPr>
+          </a:p>
+        </p:txBody>
+      </p:sp>
+      <p:sp>
+        <p:nvSpPr>
+          <p:cNvPr id="8" name="CuadroTexto 7"/>
+          <p:cNvSpPr txBox="1"/>
+          <p:nvPr/>
+        </p:nvSpPr>
+        <p:spPr>
+          <a:xfrm>
+            <a:off x="4871545" y="972212"/>
+            <a:ext cx="3394841" cy="323165"/>
+          </a:xfrm>
+          <a:prstGeom prst="rect">
+            <a:avLst/>
+          </a:prstGeom>
+          <a:noFill/>
+        </p:spPr>
+        <p:txBody>
+          <a:bodyPr wrap="square" rtlCol="0">
+            <a:spAutoFit/>
+          </a:bodyPr>
+          <a:lstStyle/>
+          <a:p>
+            <a:pPr algn="ctr"/>
+            <a:r>
+              <a:rPr lang="es-ES_tradnl" sz="1500" b="1" i="1" dirty="0" smtClean="0">
+                <a:solidFill>
+                  <a:schemeClr val="tx1">
+                    <a:lumMod val="75000"/>
+                    <a:lumOff val="25000"/>
+                  </a:schemeClr>
+                </a:solidFill>
+                <a:latin typeface="Arial" charset="0"/>
+                <a:ea typeface="Arial" charset="0"/>
+                <a:cs typeface="Arial" charset="0"/>
+              </a:rPr>
+              <a:t>Ficha T</a:t>
+            </a:r>
+            <a:r>
+              <a:rPr lang="es-ES" sz="1500" b="1" i="1" dirty="0" err="1" smtClean="0">
+                <a:solidFill>
+                  <a:schemeClr val="tx1">
+                    <a:lumMod val="75000"/>
+                    <a:lumOff val="25000"/>
+                  </a:schemeClr>
+                </a:solidFill>
+                <a:latin typeface="Arial" charset="0"/>
+                <a:ea typeface="Arial" charset="0"/>
+                <a:cs typeface="Arial" charset="0"/>
+              </a:rPr>
+              <a:t>écnica</a:t>
+            </a:r>
+            <a:endParaRPr lang="es-ES_tradnl" sz="1500" b="1" i="1" dirty="0">
+              <a:solidFill>
+                <a:schemeClr val="tx1">
+                  <a:lumMod val="75000"/>
+                  <a:lumOff val="25000"/>
+                </a:schemeClr>
+              </a:solidFill>
+              <a:latin typeface="Arial" charset="0"/>
+              <a:ea typeface="Arial" charset="0"/>
+              <a:cs typeface="Arial" charset="0"/>
+            </a:endParaRPr>
+          </a:p>
+        </p:txBody>
+      </p:sp>
+      <p:sp>
+        <p:nvSpPr>
+          <p:cNvPr id="9" name="CuadroTexto 8"/>
+          <p:cNvSpPr txBox="1"/>
+          <p:nvPr/>
+        </p:nvSpPr>
+        <p:spPr>
+          <a:xfrm>
+            <a:off x="1566049" y="993425"/>
+            <a:ext cx="1397875" cy="261610"/>
+          </a:xfrm>
+          <a:prstGeom prst="rect">
+            <a:avLst/>
+          </a:prstGeom>
+          <a:noFill/>
+        </p:spPr>
+        <p:txBody>
+          <a:bodyPr wrap="square" rtlCol="0">
+            <a:spAutoFit/>
+          </a:bodyPr>
+          <a:lstStyle/>
+          <a:p>
+            <a:r>
+              <a:rPr lang="es-ES" sz="1100" b="1" dirty="0" smtClean="0">
+                <a:solidFill>
+                  <a:schemeClr val="tx1">
+                    <a:lumMod val="75000"/>
+                    <a:lumOff val="25000"/>
+                  </a:schemeClr>
+                </a:solidFill>
+                <a:latin typeface="Arial" charset="0"/>
+                <a:ea typeface="Arial" charset="0"/>
+                <a:cs typeface="Arial" charset="0"/>
+              </a:rPr>
+              <a:t>11</a:t>
+            </a:r>
+            <a:r>
+              <a:rPr lang="es-ES" sz="1100" b="1" dirty="0" smtClean="0">
+                <a:solidFill>
+                  <a:schemeClr val="tx1">
+                    <a:lumMod val="75000"/>
+                    <a:lumOff val="25000"/>
+                  </a:schemeClr>
+                </a:solidFill>
+                <a:latin typeface="Arial" charset="0"/>
+                <a:ea typeface="Arial" charset="0"/>
+                <a:cs typeface="Arial" charset="0"/>
+              </a:rPr>
+              <a:t> </a:t>
+            </a:r>
+            <a:r>
+              <a:rPr lang="es-ES" sz="1100" b="1" dirty="0" smtClean="0">
+                <a:solidFill>
+                  <a:schemeClr val="tx1">
+                    <a:lumMod val="75000"/>
+                    <a:lumOff val="25000"/>
+                  </a:schemeClr>
+                </a:solidFill>
+                <a:latin typeface="Arial" charset="0"/>
+                <a:ea typeface="Arial" charset="0"/>
+                <a:cs typeface="Arial" charset="0"/>
+              </a:rPr>
+              <a:t>– Mayo- 2016</a:t>
             </a:r>
             <a:endParaRPr lang="es-ES_tradnl" sz="1100" b="1" dirty="0">
               <a:solidFill>
@@ -6904,14 +7331,14 @@
       </p:sp>
       <p:sp>
         <p:nvSpPr>
-          <p:cNvPr id="19" name="CuadroTexto 18"/>
+          <p:cNvPr id="10" name="CuadroTexto 9"/>
           <p:cNvSpPr txBox="1"/>
           <p:nvPr/>
         </p:nvSpPr>
         <p:spPr>
           <a:xfrm>
-            <a:off x="7015654" y="1604823"/>
-            <a:ext cx="3841531" cy="261610"/>
+            <a:off x="220725" y="1317916"/>
+            <a:ext cx="1492468" cy="292388"/>
           </a:xfrm>
           <a:prstGeom prst="rect">
             <a:avLst/>
@@ -6924,8 +7351,9 @@
           </a:bodyPr>
           <a:lstStyle/>
           <a:p>
-            <a:r>
-              <a:rPr lang="es-ES" sz="1100" b="1" dirty="0">
+            <a:pPr algn="ctr"/>
+            <a:r>
+              <a:rPr lang="es-ES" sz="1300" b="1" i="1" smtClean="0">
                 <a:solidFill>
                   <a:schemeClr val="tx1">
                     <a:lumMod val="75000"/>
@@ -6936,59 +7364,9 @@
                 <a:ea typeface="Arial" charset="0"/>
                 <a:cs typeface="Arial" charset="0"/>
               </a:rPr>
-              <a:t>x</a:t>
-            </a:r>
-            <a:endParaRPr lang="es-ES_tradnl" sz="1100" b="1" dirty="0">
-              <a:solidFill>
-                <a:schemeClr val="tx1">
-                  <a:lumMod val="75000"/>
-                  <a:lumOff val="25000"/>
-                </a:schemeClr>
-              </a:solidFill>
-              <a:latin typeface="Arial" charset="0"/>
-              <a:ea typeface="Arial" charset="0"/>
-              <a:cs typeface="Arial" charset="0"/>
-            </a:endParaRPr>
-          </a:p>
-        </p:txBody>
-      </p:sp>
-      <p:sp>
-        <p:nvSpPr>
-          <p:cNvPr id="20" name="CuadroTexto 19"/>
-          <p:cNvSpPr txBox="1"/>
-          <p:nvPr/>
-        </p:nvSpPr>
-        <p:spPr>
-          <a:xfrm>
-            <a:off x="7015654" y="1865378"/>
-            <a:ext cx="3841531" cy="261610"/>
-          </a:xfrm>
-          <a:prstGeom prst="rect">
-            <a:avLst/>
-          </a:prstGeom>
-          <a:noFill/>
-        </p:spPr>
-        <p:txBody>
-          <a:bodyPr wrap="square" rtlCol="0">
-            <a:spAutoFit/>
-          </a:bodyPr>
-          <a:lstStyle/>
-          <a:p>
-            <a:r>
-              <a:rPr lang="es-ES_tradnl" sz="1100" b="1" dirty="0" smtClean="0">
-                <a:solidFill>
-                  <a:schemeClr val="tx1">
-                    <a:lumMod val="75000"/>
-                    <a:lumOff val="25000"/>
-                  </a:schemeClr>
-                </a:solidFill>
-                <a:latin typeface="Arial" charset="0"/>
-                <a:ea typeface="Arial" charset="0"/>
-                <a:cs typeface="Arial" charset="0"/>
-              </a:rPr>
-              <a:t>x</a:t>
-            </a:r>
-            <a:endParaRPr lang="es-ES_tradnl" sz="1100" b="1" dirty="0">
+              <a:t>Datos Generales</a:t>
+            </a:r>
+            <a:endParaRPr lang="es-ES_tradnl" sz="1300" b="1" i="1" dirty="0">
               <a:solidFill>
                 <a:schemeClr val="tx1">
                   <a:lumMod val="75000"/>

--- a/djangoISSSTE/static/ppt/Ficha_Tecnica_Avance.pptx
+++ b/djangoISSSTE/static/ppt/Ficha_Tecnica_Avance.pptx
@@ -107,7 +107,7 @@
   </p:defaultTextStyle>
   <p:extLst>
     <p:ext uri="{EFAFB233-063F-42B5-8137-9DF3F51BA10A}">
-      <p15:sldGuideLst xmlns:p15="http://schemas.microsoft.com/office/powerpoint/2012/main"/>
+      <p15:sldGuideLst xmlns:p15="http://schemas.microsoft.com/office/powerpoint/2012/main" xmlns=""/>
     </p:ext>
   </p:extLst>
 </p:presentation>
@@ -580,7 +580,7 @@
           <a:p>
             <a:fld id="{02329761-4139-EC4D-8014-1F5D651A2AAB}" type="datetimeFigureOut">
               <a:rPr lang="es-ES_tradnl" smtClean="0"/>
-              <a:t>10/05/2016</a:t>
+              <a:t>16/05/16</a:t>
             </a:fld>
             <a:endParaRPr lang="es-ES_tradnl"/>
           </a:p>
@@ -630,7 +630,7 @@
           <a:p>
             <a:fld id="{C5340882-AF97-6B4E-908F-056A5ABD283A}" type="slidenum">
               <a:rPr lang="es-ES_tradnl" smtClean="0"/>
-              <a:t>‹Nº›</a:t>
+              <a:t>‹Nr.›</a:t>
             </a:fld>
             <a:endParaRPr lang="es-ES_tradnl"/>
           </a:p>
@@ -776,7 +776,7 @@
           <a:p>
             <a:fld id="{02329761-4139-EC4D-8014-1F5D651A2AAB}" type="datetimeFigureOut">
               <a:rPr lang="es-ES_tradnl" smtClean="0"/>
-              <a:t>10/05/2016</a:t>
+              <a:t>16/05/16</a:t>
             </a:fld>
             <a:endParaRPr lang="es-ES_tradnl"/>
           </a:p>
@@ -826,7 +826,7 @@
           <a:p>
             <a:fld id="{C5340882-AF97-6B4E-908F-056A5ABD283A}" type="slidenum">
               <a:rPr lang="es-ES_tradnl" smtClean="0"/>
-              <a:t>‹Nº›</a:t>
+              <a:t>‹Nr.›</a:t>
             </a:fld>
             <a:endParaRPr lang="es-ES_tradnl"/>
           </a:p>
@@ -1340,7 +1340,7 @@
           <a:p>
             <a:fld id="{02329761-4139-EC4D-8014-1F5D651A2AAB}" type="datetimeFigureOut">
               <a:rPr lang="es-ES_tradnl" smtClean="0"/>
-              <a:t>10/05/2016</a:t>
+              <a:t>16/05/16</a:t>
             </a:fld>
             <a:endParaRPr lang="es-ES_tradnl"/>
           </a:p>
@@ -1390,7 +1390,7 @@
           <a:p>
             <a:fld id="{C5340882-AF97-6B4E-908F-056A5ABD283A}" type="slidenum">
               <a:rPr lang="es-ES_tradnl" smtClean="0"/>
-              <a:t>‹Nº›</a:t>
+              <a:t>‹Nr.›</a:t>
             </a:fld>
             <a:endParaRPr lang="es-ES_tradnl"/>
           </a:p>
@@ -1588,7 +1588,7 @@
           <a:p>
             <a:fld id="{02329761-4139-EC4D-8014-1F5D651A2AAB}" type="datetimeFigureOut">
               <a:rPr lang="es-ES_tradnl" smtClean="0"/>
-              <a:t>10/05/2016</a:t>
+              <a:t>16/05/16</a:t>
             </a:fld>
             <a:endParaRPr lang="es-ES_tradnl"/>
           </a:p>
@@ -1638,7 +1638,7 @@
           <a:p>
             <a:fld id="{C5340882-AF97-6B4E-908F-056A5ABD283A}" type="slidenum">
               <a:rPr lang="es-ES_tradnl" smtClean="0"/>
-              <a:t>‹Nº›</a:t>
+              <a:t>‹Nr.›</a:t>
             </a:fld>
             <a:endParaRPr lang="es-ES_tradnl"/>
           </a:p>
@@ -1971,7 +1971,7 @@
           <a:p>
             <a:fld id="{02329761-4139-EC4D-8014-1F5D651A2AAB}" type="datetimeFigureOut">
               <a:rPr lang="es-ES_tradnl" smtClean="0"/>
-              <a:t>10/05/2016</a:t>
+              <a:t>16/05/16</a:t>
             </a:fld>
             <a:endParaRPr lang="es-ES_tradnl"/>
           </a:p>
@@ -2021,7 +2021,7 @@
           <a:p>
             <a:fld id="{C5340882-AF97-6B4E-908F-056A5ABD283A}" type="slidenum">
               <a:rPr lang="es-ES_tradnl" smtClean="0"/>
-              <a:t>‹Nº›</a:t>
+              <a:t>‹Nr.›</a:t>
             </a:fld>
             <a:endParaRPr lang="es-ES_tradnl"/>
           </a:p>
@@ -2105,7 +2105,7 @@
           <a:p>
             <a:fld id="{02329761-4139-EC4D-8014-1F5D651A2AAB}" type="datetimeFigureOut">
               <a:rPr lang="es-ES_tradnl" smtClean="0"/>
-              <a:t>10/05/2016</a:t>
+              <a:t>16/05/16</a:t>
             </a:fld>
             <a:endParaRPr lang="es-ES_tradnl"/>
           </a:p>
@@ -2155,7 +2155,7 @@
           <a:p>
             <a:fld id="{C5340882-AF97-6B4E-908F-056A5ABD283A}" type="slidenum">
               <a:rPr lang="es-ES_tradnl" smtClean="0"/>
-              <a:t>‹Nº›</a:t>
+              <a:t>‹Nr.›</a:t>
             </a:fld>
             <a:endParaRPr lang="es-ES_tradnl"/>
           </a:p>
@@ -2216,7 +2216,7 @@
           <a:p>
             <a:fld id="{02329761-4139-EC4D-8014-1F5D651A2AAB}" type="datetimeFigureOut">
               <a:rPr lang="es-ES_tradnl" smtClean="0"/>
-              <a:t>10/05/2016</a:t>
+              <a:t>16/05/16</a:t>
             </a:fld>
             <a:endParaRPr lang="es-ES_tradnl"/>
           </a:p>
@@ -2266,7 +2266,7 @@
           <a:p>
             <a:fld id="{C5340882-AF97-6B4E-908F-056A5ABD283A}" type="slidenum">
               <a:rPr lang="es-ES_tradnl" smtClean="0"/>
-              <a:t>‹Nº›</a:t>
+              <a:t>‹Nr.›</a:t>
             </a:fld>
             <a:endParaRPr lang="es-ES_tradnl"/>
           </a:p>
@@ -2509,7 +2509,7 @@
           <a:p>
             <a:fld id="{02329761-4139-EC4D-8014-1F5D651A2AAB}" type="datetimeFigureOut">
               <a:rPr lang="es-ES_tradnl" smtClean="0"/>
-              <a:t>10/05/2016</a:t>
+              <a:t>16/05/16</a:t>
             </a:fld>
             <a:endParaRPr lang="es-ES_tradnl"/>
           </a:p>
@@ -2559,7 +2559,7 @@
           <a:p>
             <a:fld id="{C5340882-AF97-6B4E-908F-056A5ABD283A}" type="slidenum">
               <a:rPr lang="es-ES_tradnl" smtClean="0"/>
-              <a:t>‹Nº›</a:t>
+              <a:t>‹Nr.›</a:t>
             </a:fld>
             <a:endParaRPr lang="es-ES_tradnl"/>
           </a:p>
@@ -2778,7 +2778,7 @@
           <a:p>
             <a:fld id="{02329761-4139-EC4D-8014-1F5D651A2AAB}" type="datetimeFigureOut">
               <a:rPr lang="es-ES_tradnl" smtClean="0"/>
-              <a:t>10/05/2016</a:t>
+              <a:t>16/05/16</a:t>
             </a:fld>
             <a:endParaRPr lang="es-ES_tradnl"/>
           </a:p>
@@ -2828,7 +2828,7 @@
           <a:p>
             <a:fld id="{C5340882-AF97-6B4E-908F-056A5ABD283A}" type="slidenum">
               <a:rPr lang="es-ES_tradnl" smtClean="0"/>
-              <a:t>‹Nº›</a:t>
+              <a:t>‹Nr.›</a:t>
             </a:fld>
             <a:endParaRPr lang="es-ES_tradnl"/>
           </a:p>
@@ -3211,14 +3211,14 @@
           </a:ln>
           <a:effectLst/>
           <a:extLst>
-            <a:ext uri="{909E8E84-426E-40DD-AFC4-6F175D3DCCD1}">
+            <a:ext uri="{909E8E84-426E-40dd-AFC4-6F175D3DCCD1}">
               <a14:hiddenFill xmlns:a14="http://schemas.microsoft.com/office/drawing/2010/main">
                 <a:solidFill>
                   <a:schemeClr val="accent1"/>
                 </a:solidFill>
               </a14:hiddenFill>
             </a:ext>
-            <a:ext uri="{91240B29-F687-4F45-9708-019B960494DF}">
+            <a:ext uri="{91240B29-F687-4f45-9708-019B960494DF}">
               <a14:hiddenLine xmlns:a14="http://schemas.microsoft.com/office/drawing/2010/main" w="9525">
                 <a:solidFill>
                   <a:schemeClr val="tx1"/>
@@ -3228,7 +3228,7 @@
                 <a:tailEnd/>
               </a14:hiddenLine>
             </a:ext>
-            <a:ext uri="{AF507438-7753-43E0-B8FC-AC1667EBCBE1}">
+            <a:ext uri="{AF507438-7753-43e0-B8FC-AC1667EBCBE1}">
               <a14:hiddenEffects xmlns:a14="http://schemas.microsoft.com/office/drawing/2010/main">
                 <a:effectLst>
                   <a:outerShdw blurRad="63500" dist="38099" dir="2700000" algn="ctr" rotWithShape="0">
@@ -5474,7 +5474,7 @@
                     <a:bodyPr/>
                     <a:lstStyle/>
                     <a:p>
-                      <a:endParaRPr lang="es-ES_tradnl" sz="1100">
+                      <a:endParaRPr lang="es-ES_tradnl" sz="1100" dirty="0">
                         <a:latin typeface="Arial" charset="0"/>
                         <a:ea typeface="Arial" charset="0"/>
                         <a:cs typeface="Arial" charset="0"/>
@@ -5700,7 +5700,7 @@
                     <a:bodyPr/>
                     <a:lstStyle/>
                     <a:p>
-                      <a:endParaRPr lang="es-ES_tradnl" sz="1100">
+                      <a:endParaRPr lang="es-ES_tradnl" sz="1100" dirty="0">
                         <a:latin typeface="Arial" charset="0"/>
                         <a:ea typeface="Arial" charset="0"/>
                         <a:cs typeface="Arial" charset="0"/>
@@ -5926,7 +5926,7 @@
                     <a:bodyPr/>
                     <a:lstStyle/>
                     <a:p>
-                      <a:endParaRPr lang="es-ES_tradnl" sz="1100">
+                      <a:endParaRPr lang="es-ES_tradnl" sz="1100" dirty="0">
                         <a:latin typeface="Arial" charset="0"/>
                         <a:ea typeface="Arial" charset="0"/>
                         <a:cs typeface="Arial" charset="0"/>
@@ -7138,56 +7138,6 @@
       </p:sp>
       <p:sp>
         <p:nvSpPr>
-          <p:cNvPr id="6" name="CuadroTexto 5"/>
-          <p:cNvSpPr txBox="1"/>
-          <p:nvPr/>
-        </p:nvSpPr>
-        <p:spPr>
-          <a:xfrm>
-            <a:off x="430925" y="978792"/>
-            <a:ext cx="1397875" cy="261610"/>
-          </a:xfrm>
-          <a:prstGeom prst="rect">
-            <a:avLst/>
-          </a:prstGeom>
-          <a:noFill/>
-        </p:spPr>
-        <p:txBody>
-          <a:bodyPr wrap="square" rtlCol="0">
-            <a:spAutoFit/>
-          </a:bodyPr>
-          <a:lstStyle/>
-          <a:p>
-            <a:r>
-              <a:rPr lang="es-ES" sz="1100" dirty="0" smtClean="0">
-                <a:solidFill>
-                  <a:schemeClr val="tx1">
-                    <a:lumMod val="75000"/>
-                    <a:lumOff val="25000"/>
-                  </a:schemeClr>
-                </a:solidFill>
-                <a:latin typeface="Arial" charset="0"/>
-                <a:ea typeface="Arial" charset="0"/>
-                <a:cs typeface="Arial" charset="0"/>
-              </a:rPr>
-              <a:t>Fecha de reporte:</a:t>
-            </a:r>
-            <a:endParaRPr lang="es-ES_tradnl" sz="1100" dirty="0">
-              <a:solidFill>
-                <a:schemeClr val="tx1">
-                  <a:lumMod val="75000"/>
-                  <a:lumOff val="25000"/>
-                </a:schemeClr>
-              </a:solidFill>
-              <a:latin typeface="Arial" charset="0"/>
-              <a:ea typeface="Arial" charset="0"/>
-              <a:cs typeface="Arial" charset="0"/>
-            </a:endParaRPr>
-          </a:p>
-        </p:txBody>
-      </p:sp>
-      <p:sp>
-        <p:nvSpPr>
           <p:cNvPr id="8" name="CuadroTexto 7"/>
           <p:cNvSpPr txBox="1"/>
           <p:nvPr/>
@@ -7238,84 +7188,6 @@
               <a:t>écnica</a:t>
             </a:r>
             <a:endParaRPr lang="es-ES_tradnl" sz="1500" b="1" i="1" dirty="0">
-              <a:solidFill>
-                <a:schemeClr val="tx1">
-                  <a:lumMod val="75000"/>
-                  <a:lumOff val="25000"/>
-                </a:schemeClr>
-              </a:solidFill>
-              <a:latin typeface="Arial" charset="0"/>
-              <a:ea typeface="Arial" charset="0"/>
-              <a:cs typeface="Arial" charset="0"/>
-            </a:endParaRPr>
-          </a:p>
-        </p:txBody>
-      </p:sp>
-      <p:sp>
-        <p:nvSpPr>
-          <p:cNvPr id="9" name="CuadroTexto 8"/>
-          <p:cNvSpPr txBox="1"/>
-          <p:nvPr/>
-        </p:nvSpPr>
-        <p:spPr>
-          <a:xfrm>
-            <a:off x="1566049" y="993425"/>
-            <a:ext cx="1397875" cy="261610"/>
-          </a:xfrm>
-          <a:prstGeom prst="rect">
-            <a:avLst/>
-          </a:prstGeom>
-          <a:noFill/>
-        </p:spPr>
-        <p:txBody>
-          <a:bodyPr wrap="square" rtlCol="0">
-            <a:spAutoFit/>
-          </a:bodyPr>
-          <a:lstStyle/>
-          <a:p>
-            <a:r>
-              <a:rPr lang="es-ES" sz="1100" b="1" dirty="0" smtClean="0">
-                <a:solidFill>
-                  <a:schemeClr val="tx1">
-                    <a:lumMod val="75000"/>
-                    <a:lumOff val="25000"/>
-                  </a:schemeClr>
-                </a:solidFill>
-                <a:latin typeface="Arial" charset="0"/>
-                <a:ea typeface="Arial" charset="0"/>
-                <a:cs typeface="Arial" charset="0"/>
-              </a:rPr>
-              <a:t>11</a:t>
-            </a:r>
-            <a:r>
-              <a:rPr lang="es-ES" sz="1100" b="1" dirty="0" smtClean="0">
-                <a:solidFill>
-                  <a:schemeClr val="tx1">
-                    <a:lumMod val="75000"/>
-                    <a:lumOff val="25000"/>
-                  </a:schemeClr>
-                </a:solidFill>
-                <a:latin typeface="Arial" charset="0"/>
-                <a:ea typeface="Arial" charset="0"/>
-                <a:cs typeface="Arial" charset="0"/>
-              </a:rPr>
-              <a:t> </a:t>
-            </a:r>
-            <a:r>
-              <a:rPr lang="es-ES" sz="1100" b="1" dirty="0" smtClean="0">
-                <a:solidFill>
-                  <a:schemeClr val="tx1">
-                    <a:lumMod val="75000"/>
-                    <a:lumOff val="25000"/>
-                  </a:schemeClr>
-                </a:solidFill>
-                <a:latin typeface="Arial" charset="0"/>
-                <a:ea typeface="Arial" charset="0"/>
-                <a:cs typeface="Arial" charset="0"/>
-              </a:rPr>
-              <a:t>– Mayo- 2016</a:t>
-            </a:r>
-            <a:endParaRPr lang="es-ES_tradnl" sz="1100" b="1" dirty="0">
               <a:solidFill>
                 <a:schemeClr val="tx1">
                   <a:lumMod val="75000"/>
@@ -7480,22 +7352,3731 @@
           </a:p>
         </p:txBody>
       </p:sp>
+      <p:graphicFrame>
+        <p:nvGraphicFramePr>
+          <p:cNvPr id="4" name="Tabla 3"/>
+          <p:cNvGraphicFramePr>
+            <a:graphicFrameLocks noGrp="1"/>
+          </p:cNvGraphicFramePr>
+          <p:nvPr>
+            <p:extLst>
+              <p:ext uri="{D42A27DB-BD31-4B8C-83A1-F6EECF244321}">
+                <p14:modId xmlns:p14="http://schemas.microsoft.com/office/powerpoint/2010/main" val="1938970399"/>
+              </p:ext>
+            </p:extLst>
+          </p:nvPr>
+        </p:nvGraphicFramePr>
+        <p:xfrm>
+          <a:off x="245250" y="1610304"/>
+          <a:ext cx="6113516" cy="777240"/>
+        </p:xfrm>
+        <a:graphic>
+          <a:graphicData uri="http://schemas.openxmlformats.org/drawingml/2006/table">
+            <a:tbl>
+              <a:tblPr firstRow="1" bandRow="1">
+                <a:tableStyleId>{5C22544A-7EE6-4342-B048-85BDC9FD1C3A}</a:tableStyleId>
+              </a:tblPr>
+              <a:tblGrid>
+                <a:gridCol w="1394371"/>
+                <a:gridCol w="4719145"/>
+              </a:tblGrid>
+              <a:tr h="229006">
+                <a:tc>
+                  <a:txBody>
+                    <a:bodyPr/>
+                    <a:lstStyle/>
+                    <a:p>
+                      <a:r>
+                        <a:rPr lang="es-ES_tradnl" sz="1100" b="0" dirty="0" smtClean="0">
+                          <a:solidFill>
+                            <a:schemeClr val="tx1">
+                              <a:lumMod val="75000"/>
+                              <a:lumOff val="25000"/>
+                            </a:schemeClr>
+                          </a:solidFill>
+                          <a:latin typeface="Arial" charset="0"/>
+                          <a:ea typeface="Arial" charset="0"/>
+                          <a:cs typeface="Arial" charset="0"/>
+                        </a:rPr>
+                        <a:t>Carencia:</a:t>
+                      </a:r>
+                      <a:endParaRPr lang="es-ES_tradnl" sz="1100" b="0" dirty="0">
+                        <a:solidFill>
+                          <a:schemeClr val="tx1">
+                            <a:lumMod val="75000"/>
+                            <a:lumOff val="25000"/>
+                          </a:schemeClr>
+                        </a:solidFill>
+                        <a:latin typeface="Arial" charset="0"/>
+                        <a:ea typeface="Arial" charset="0"/>
+                        <a:cs typeface="Arial" charset="0"/>
+                      </a:endParaRPr>
+                    </a:p>
+                  </a:txBody>
+                  <a:tcPr>
+                    <a:lnL w="12700" cmpd="sng">
+                      <a:noFill/>
+                    </a:lnL>
+                    <a:lnR w="12700" cmpd="sng">
+                      <a:noFill/>
+                    </a:lnR>
+                    <a:lnT w="12700" cmpd="sng">
+                      <a:noFill/>
+                    </a:lnT>
+                    <a:lnB w="38100" cmpd="sng">
+                      <a:noFill/>
+                    </a:lnB>
+                    <a:lnTlToBr w="12700" cmpd="sng">
+                      <a:noFill/>
+                      <a:prstDash val="solid"/>
+                    </a:lnTlToBr>
+                    <a:lnBlToTr w="12700" cmpd="sng">
+                      <a:noFill/>
+                      <a:prstDash val="solid"/>
+                    </a:lnBlToTr>
+                    <a:noFill/>
+                  </a:tcPr>
+                </a:tc>
+                <a:tc>
+                  <a:txBody>
+                    <a:bodyPr/>
+                    <a:lstStyle/>
+                    <a:p>
+                      <a:endParaRPr lang="es-ES_tradnl" sz="1100" b="0" dirty="0">
+                        <a:solidFill>
+                          <a:schemeClr val="tx1">
+                            <a:lumMod val="75000"/>
+                            <a:lumOff val="25000"/>
+                          </a:schemeClr>
+                        </a:solidFill>
+                        <a:latin typeface="Arial" charset="0"/>
+                        <a:ea typeface="Arial" charset="0"/>
+                        <a:cs typeface="Arial" charset="0"/>
+                      </a:endParaRPr>
+                    </a:p>
+                  </a:txBody>
+                  <a:tcPr>
+                    <a:lnL w="12700" cmpd="sng">
+                      <a:noFill/>
+                    </a:lnL>
+                    <a:lnR w="12700" cmpd="sng">
+                      <a:noFill/>
+                    </a:lnR>
+                    <a:lnT w="12700" cmpd="sng">
+                      <a:noFill/>
+                    </a:lnT>
+                    <a:lnB w="38100" cmpd="sng">
+                      <a:noFill/>
+                    </a:lnB>
+                    <a:lnTlToBr w="12700" cmpd="sng">
+                      <a:noFill/>
+                      <a:prstDash val="solid"/>
+                    </a:lnTlToBr>
+                    <a:lnBlToTr w="12700" cmpd="sng">
+                      <a:noFill/>
+                      <a:prstDash val="solid"/>
+                    </a:lnBlToTr>
+                    <a:noFill/>
+                  </a:tcPr>
+                </a:tc>
+              </a:tr>
+              <a:tr h="184942">
+                <a:tc>
+                  <a:txBody>
+                    <a:bodyPr/>
+                    <a:lstStyle/>
+                    <a:p>
+                      <a:r>
+                        <a:rPr lang="es-ES_tradnl" sz="1100" b="0" dirty="0" smtClean="0">
+                          <a:solidFill>
+                            <a:schemeClr val="tx1">
+                              <a:lumMod val="75000"/>
+                              <a:lumOff val="25000"/>
+                            </a:schemeClr>
+                          </a:solidFill>
+                          <a:latin typeface="Arial" charset="0"/>
+                          <a:ea typeface="Arial" charset="0"/>
+                          <a:cs typeface="Arial" charset="0"/>
+                        </a:rPr>
+                        <a:t>Sub</a:t>
+                      </a:r>
+                      <a:r>
+                        <a:rPr lang="es-ES_tradnl" sz="1100" b="0" baseline="0" dirty="0" smtClean="0">
+                          <a:solidFill>
+                            <a:schemeClr val="tx1">
+                              <a:lumMod val="75000"/>
+                              <a:lumOff val="25000"/>
+                            </a:schemeClr>
+                          </a:solidFill>
+                          <a:latin typeface="Arial" charset="0"/>
+                          <a:ea typeface="Arial" charset="0"/>
+                          <a:cs typeface="Arial" charset="0"/>
+                        </a:rPr>
+                        <a:t> Carencia:</a:t>
+                      </a:r>
+                      <a:endParaRPr lang="es-ES_tradnl" sz="1100" b="0" dirty="0">
+                        <a:solidFill>
+                          <a:schemeClr val="tx1">
+                            <a:lumMod val="75000"/>
+                            <a:lumOff val="25000"/>
+                          </a:schemeClr>
+                        </a:solidFill>
+                        <a:latin typeface="Arial" charset="0"/>
+                        <a:ea typeface="Arial" charset="0"/>
+                        <a:cs typeface="Arial" charset="0"/>
+                      </a:endParaRPr>
+                    </a:p>
+                  </a:txBody>
+                  <a:tcPr>
+                    <a:lnL w="12700" cmpd="sng">
+                      <a:noFill/>
+                    </a:lnL>
+                    <a:lnR w="12700" cmpd="sng">
+                      <a:noFill/>
+                    </a:lnR>
+                    <a:lnT w="38100" cmpd="sng">
+                      <a:noFill/>
+                    </a:lnT>
+                    <a:lnB w="12700" cmpd="sng">
+                      <a:noFill/>
+                    </a:lnB>
+                    <a:lnTlToBr w="12700" cmpd="sng">
+                      <a:noFill/>
+                      <a:prstDash val="solid"/>
+                    </a:lnTlToBr>
+                    <a:lnBlToTr w="12700" cmpd="sng">
+                      <a:noFill/>
+                      <a:prstDash val="solid"/>
+                    </a:lnBlToTr>
+                    <a:noFill/>
+                  </a:tcPr>
+                </a:tc>
+                <a:tc>
+                  <a:txBody>
+                    <a:bodyPr/>
+                    <a:lstStyle/>
+                    <a:p>
+                      <a:endParaRPr lang="es-ES_tradnl" sz="1100" b="0" dirty="0">
+                        <a:solidFill>
+                          <a:schemeClr val="tx1">
+                            <a:lumMod val="75000"/>
+                            <a:lumOff val="25000"/>
+                          </a:schemeClr>
+                        </a:solidFill>
+                        <a:latin typeface="Arial" charset="0"/>
+                        <a:ea typeface="Arial" charset="0"/>
+                        <a:cs typeface="Arial" charset="0"/>
+                      </a:endParaRPr>
+                    </a:p>
+                  </a:txBody>
+                  <a:tcPr>
+                    <a:lnL w="12700" cmpd="sng">
+                      <a:noFill/>
+                    </a:lnL>
+                    <a:lnR w="12700" cmpd="sng">
+                      <a:noFill/>
+                    </a:lnR>
+                    <a:lnT w="38100" cmpd="sng">
+                      <a:noFill/>
+                    </a:lnT>
+                    <a:lnB w="12700" cmpd="sng">
+                      <a:noFill/>
+                    </a:lnB>
+                    <a:lnTlToBr w="12700" cmpd="sng">
+                      <a:noFill/>
+                      <a:prstDash val="solid"/>
+                    </a:lnTlToBr>
+                    <a:lnBlToTr w="12700" cmpd="sng">
+                      <a:noFill/>
+                      <a:prstDash val="solid"/>
+                    </a:lnBlToTr>
+                    <a:noFill/>
+                  </a:tcPr>
+                </a:tc>
+              </a:tr>
+              <a:tr h="184942">
+                <a:tc>
+                  <a:txBody>
+                    <a:bodyPr/>
+                    <a:lstStyle/>
+                    <a:p>
+                      <a:r>
+                        <a:rPr lang="es-ES_tradnl" sz="1100" b="0" dirty="0" err="1" smtClean="0">
+                          <a:solidFill>
+                            <a:schemeClr val="tx1">
+                              <a:lumMod val="75000"/>
+                              <a:lumOff val="25000"/>
+                            </a:schemeClr>
+                          </a:solidFill>
+                          <a:latin typeface="Arial" charset="0"/>
+                          <a:ea typeface="Arial" charset="0"/>
+                          <a:cs typeface="Arial" charset="0"/>
+                        </a:rPr>
+                        <a:t>Acci</a:t>
+                      </a:r>
+                      <a:r>
+                        <a:rPr lang="es-ES" sz="1100" b="0" dirty="0" err="1" smtClean="0">
+                          <a:solidFill>
+                            <a:schemeClr val="tx1">
+                              <a:lumMod val="75000"/>
+                              <a:lumOff val="25000"/>
+                            </a:schemeClr>
+                          </a:solidFill>
+                          <a:latin typeface="Arial" charset="0"/>
+                          <a:ea typeface="Arial" charset="0"/>
+                          <a:cs typeface="Arial" charset="0"/>
+                        </a:rPr>
+                        <a:t>ón</a:t>
+                      </a:r>
+                      <a:r>
+                        <a:rPr lang="es-ES" sz="1100" b="0" dirty="0" smtClean="0">
+                          <a:solidFill>
+                            <a:schemeClr val="tx1">
+                              <a:lumMod val="75000"/>
+                              <a:lumOff val="25000"/>
+                            </a:schemeClr>
+                          </a:solidFill>
+                          <a:latin typeface="Arial" charset="0"/>
+                          <a:ea typeface="Arial" charset="0"/>
+                          <a:cs typeface="Arial" charset="0"/>
+                        </a:rPr>
+                        <a:t> Estratégica: </a:t>
+                      </a:r>
+                      <a:endParaRPr lang="es-ES_tradnl" sz="1100" b="0" dirty="0">
+                        <a:solidFill>
+                          <a:schemeClr val="tx1">
+                            <a:lumMod val="75000"/>
+                            <a:lumOff val="25000"/>
+                          </a:schemeClr>
+                        </a:solidFill>
+                        <a:latin typeface="Arial" charset="0"/>
+                        <a:ea typeface="Arial" charset="0"/>
+                        <a:cs typeface="Arial" charset="0"/>
+                      </a:endParaRPr>
+                    </a:p>
+                  </a:txBody>
+                  <a:tcPr>
+                    <a:lnL w="12700" cmpd="sng">
+                      <a:noFill/>
+                    </a:lnL>
+                    <a:lnR w="12700" cmpd="sng">
+                      <a:noFill/>
+                    </a:lnR>
+                    <a:lnT w="12700" cmpd="sng">
+                      <a:noFill/>
+                    </a:lnT>
+                    <a:lnB w="12700" cmpd="sng">
+                      <a:noFill/>
+                    </a:lnB>
+                    <a:lnTlToBr w="12700" cmpd="sng">
+                      <a:noFill/>
+                      <a:prstDash val="solid"/>
+                    </a:lnTlToBr>
+                    <a:lnBlToTr w="12700" cmpd="sng">
+                      <a:noFill/>
+                      <a:prstDash val="solid"/>
+                    </a:lnBlToTr>
+                    <a:noFill/>
+                  </a:tcPr>
+                </a:tc>
+                <a:tc>
+                  <a:txBody>
+                    <a:bodyPr/>
+                    <a:lstStyle/>
+                    <a:p>
+                      <a:endParaRPr lang="es-ES_tradnl" sz="1100" b="0" dirty="0">
+                        <a:solidFill>
+                          <a:schemeClr val="tx1">
+                            <a:lumMod val="75000"/>
+                            <a:lumOff val="25000"/>
+                          </a:schemeClr>
+                        </a:solidFill>
+                        <a:latin typeface="Arial" charset="0"/>
+                        <a:ea typeface="Arial" charset="0"/>
+                        <a:cs typeface="Arial" charset="0"/>
+                      </a:endParaRPr>
+                    </a:p>
+                  </a:txBody>
+                  <a:tcPr>
+                    <a:lnL w="12700" cmpd="sng">
+                      <a:noFill/>
+                    </a:lnL>
+                    <a:lnR w="12700" cmpd="sng">
+                      <a:noFill/>
+                    </a:lnR>
+                    <a:lnT w="12700" cmpd="sng">
+                      <a:noFill/>
+                    </a:lnT>
+                    <a:lnB w="12700" cmpd="sng">
+                      <a:noFill/>
+                    </a:lnB>
+                    <a:lnTlToBr w="12700" cmpd="sng">
+                      <a:noFill/>
+                      <a:prstDash val="solid"/>
+                    </a:lnTlToBr>
+                    <a:lnBlToTr w="12700" cmpd="sng">
+                      <a:noFill/>
+                      <a:prstDash val="solid"/>
+                    </a:lnBlToTr>
+                    <a:noFill/>
+                  </a:tcPr>
+                </a:tc>
+              </a:tr>
+            </a:tbl>
+          </a:graphicData>
+        </a:graphic>
+      </p:graphicFrame>
+      <p:graphicFrame>
+        <p:nvGraphicFramePr>
+          <p:cNvPr id="5" name="Tabla 4"/>
+          <p:cNvGraphicFramePr>
+            <a:graphicFrameLocks noGrp="1"/>
+          </p:cNvGraphicFramePr>
+          <p:nvPr>
+            <p:extLst>
+              <p:ext uri="{D42A27DB-BD31-4B8C-83A1-F6EECF244321}">
+                <p14:modId xmlns:p14="http://schemas.microsoft.com/office/powerpoint/2010/main" val="2386140174"/>
+              </p:ext>
+            </p:extLst>
+          </p:nvPr>
+        </p:nvGraphicFramePr>
+        <p:xfrm>
+          <a:off x="5686097" y="1357528"/>
+          <a:ext cx="6159062" cy="1036320"/>
+        </p:xfrm>
+        <a:graphic>
+          <a:graphicData uri="http://schemas.openxmlformats.org/drawingml/2006/table">
+            <a:tbl>
+              <a:tblPr firstRow="1" bandRow="1">
+                <a:tableStyleId>{5C22544A-7EE6-4342-B048-85BDC9FD1C3A}</a:tableStyleId>
+              </a:tblPr>
+              <a:tblGrid>
+                <a:gridCol w="1678597"/>
+                <a:gridCol w="4480465"/>
+              </a:tblGrid>
+              <a:tr h="229006">
+                <a:tc>
+                  <a:txBody>
+                    <a:bodyPr/>
+                    <a:lstStyle/>
+                    <a:p>
+                      <a:r>
+                        <a:rPr lang="es-ES_tradnl" sz="1100" b="0" dirty="0" smtClean="0">
+                          <a:solidFill>
+                            <a:schemeClr val="tx1">
+                              <a:lumMod val="75000"/>
+                              <a:lumOff val="25000"/>
+                            </a:schemeClr>
+                          </a:solidFill>
+                          <a:latin typeface="Arial" charset="0"/>
+                          <a:ea typeface="Arial" charset="0"/>
+                          <a:cs typeface="Arial" charset="0"/>
+                        </a:rPr>
+                        <a:t>Unidad de medida:</a:t>
+                      </a:r>
+                      <a:endParaRPr lang="es-ES_tradnl" sz="1100" b="0" dirty="0">
+                        <a:solidFill>
+                          <a:schemeClr val="tx1">
+                            <a:lumMod val="75000"/>
+                            <a:lumOff val="25000"/>
+                          </a:schemeClr>
+                        </a:solidFill>
+                        <a:latin typeface="Arial" charset="0"/>
+                        <a:ea typeface="Arial" charset="0"/>
+                        <a:cs typeface="Arial" charset="0"/>
+                      </a:endParaRPr>
+                    </a:p>
+                  </a:txBody>
+                  <a:tcPr>
+                    <a:lnL w="12700" cmpd="sng">
+                      <a:noFill/>
+                    </a:lnL>
+                    <a:lnR w="12700" cmpd="sng">
+                      <a:noFill/>
+                    </a:lnR>
+                    <a:lnT w="12700" cmpd="sng">
+                      <a:noFill/>
+                    </a:lnT>
+                    <a:lnB w="38100" cmpd="sng">
+                      <a:noFill/>
+                    </a:lnB>
+                    <a:lnTlToBr w="12700" cmpd="sng">
+                      <a:noFill/>
+                      <a:prstDash val="solid"/>
+                    </a:lnTlToBr>
+                    <a:lnBlToTr w="12700" cmpd="sng">
+                      <a:noFill/>
+                      <a:prstDash val="solid"/>
+                    </a:lnBlToTr>
+                    <a:noFill/>
+                  </a:tcPr>
+                </a:tc>
+                <a:tc>
+                  <a:txBody>
+                    <a:bodyPr/>
+                    <a:lstStyle/>
+                    <a:p>
+                      <a:endParaRPr lang="es-ES_tradnl" sz="1100" b="0" dirty="0">
+                        <a:solidFill>
+                          <a:schemeClr val="tx1">
+                            <a:lumMod val="75000"/>
+                            <a:lumOff val="25000"/>
+                          </a:schemeClr>
+                        </a:solidFill>
+                        <a:latin typeface="Arial" charset="0"/>
+                        <a:ea typeface="Arial" charset="0"/>
+                        <a:cs typeface="Arial" charset="0"/>
+                      </a:endParaRPr>
+                    </a:p>
+                  </a:txBody>
+                  <a:tcPr>
+                    <a:lnL w="12700" cmpd="sng">
+                      <a:noFill/>
+                    </a:lnL>
+                    <a:lnR w="12700" cmpd="sng">
+                      <a:noFill/>
+                    </a:lnR>
+                    <a:lnT w="12700" cmpd="sng">
+                      <a:noFill/>
+                    </a:lnT>
+                    <a:lnB w="38100" cmpd="sng">
+                      <a:noFill/>
+                    </a:lnB>
+                    <a:lnTlToBr w="12700" cmpd="sng">
+                      <a:noFill/>
+                      <a:prstDash val="solid"/>
+                    </a:lnTlToBr>
+                    <a:lnBlToTr w="12700" cmpd="sng">
+                      <a:noFill/>
+                      <a:prstDash val="solid"/>
+                    </a:lnBlToTr>
+                    <a:noFill/>
+                  </a:tcPr>
+                </a:tc>
+              </a:tr>
+              <a:tr h="184942">
+                <a:tc>
+                  <a:txBody>
+                    <a:bodyPr/>
+                    <a:lstStyle/>
+                    <a:p>
+                      <a:r>
+                        <a:rPr lang="es-ES_tradnl" sz="1100" b="0" dirty="0" smtClean="0">
+                          <a:solidFill>
+                            <a:schemeClr val="tx1">
+                              <a:lumMod val="75000"/>
+                              <a:lumOff val="25000"/>
+                            </a:schemeClr>
+                          </a:solidFill>
+                          <a:latin typeface="Arial" charset="0"/>
+                          <a:ea typeface="Arial" charset="0"/>
+                          <a:cs typeface="Arial" charset="0"/>
+                        </a:rPr>
+                        <a:t>Responsable:</a:t>
+                      </a:r>
+                      <a:endParaRPr lang="es-ES_tradnl" sz="1100" b="0" dirty="0">
+                        <a:solidFill>
+                          <a:schemeClr val="tx1">
+                            <a:lumMod val="75000"/>
+                            <a:lumOff val="25000"/>
+                          </a:schemeClr>
+                        </a:solidFill>
+                        <a:latin typeface="Arial" charset="0"/>
+                        <a:ea typeface="Arial" charset="0"/>
+                        <a:cs typeface="Arial" charset="0"/>
+                      </a:endParaRPr>
+                    </a:p>
+                  </a:txBody>
+                  <a:tcPr>
+                    <a:lnL w="12700" cmpd="sng">
+                      <a:noFill/>
+                    </a:lnL>
+                    <a:lnR w="12700" cmpd="sng">
+                      <a:noFill/>
+                    </a:lnR>
+                    <a:lnT w="38100" cmpd="sng">
+                      <a:noFill/>
+                    </a:lnT>
+                    <a:lnB w="12700" cmpd="sng">
+                      <a:noFill/>
+                    </a:lnB>
+                    <a:lnTlToBr w="12700" cmpd="sng">
+                      <a:noFill/>
+                      <a:prstDash val="solid"/>
+                    </a:lnTlToBr>
+                    <a:lnBlToTr w="12700" cmpd="sng">
+                      <a:noFill/>
+                      <a:prstDash val="solid"/>
+                    </a:lnBlToTr>
+                    <a:noFill/>
+                  </a:tcPr>
+                </a:tc>
+                <a:tc>
+                  <a:txBody>
+                    <a:bodyPr/>
+                    <a:lstStyle/>
+                    <a:p>
+                      <a:endParaRPr lang="es-ES_tradnl" sz="1100" b="0" dirty="0">
+                        <a:solidFill>
+                          <a:schemeClr val="tx1">
+                            <a:lumMod val="75000"/>
+                            <a:lumOff val="25000"/>
+                          </a:schemeClr>
+                        </a:solidFill>
+                        <a:latin typeface="Arial" charset="0"/>
+                        <a:ea typeface="Arial" charset="0"/>
+                        <a:cs typeface="Arial" charset="0"/>
+                      </a:endParaRPr>
+                    </a:p>
+                  </a:txBody>
+                  <a:tcPr>
+                    <a:lnL w="12700" cmpd="sng">
+                      <a:noFill/>
+                    </a:lnL>
+                    <a:lnR w="12700" cmpd="sng">
+                      <a:noFill/>
+                    </a:lnR>
+                    <a:lnT w="38100" cmpd="sng">
+                      <a:noFill/>
+                    </a:lnT>
+                    <a:lnB w="12700" cmpd="sng">
+                      <a:noFill/>
+                    </a:lnB>
+                    <a:lnTlToBr w="12700" cmpd="sng">
+                      <a:noFill/>
+                      <a:prstDash val="solid"/>
+                    </a:lnTlToBr>
+                    <a:lnBlToTr w="12700" cmpd="sng">
+                      <a:noFill/>
+                      <a:prstDash val="solid"/>
+                    </a:lnBlToTr>
+                    <a:noFill/>
+                  </a:tcPr>
+                </a:tc>
+              </a:tr>
+              <a:tr h="184942">
+                <a:tc>
+                  <a:txBody>
+                    <a:bodyPr/>
+                    <a:lstStyle/>
+                    <a:p>
+                      <a:r>
+                        <a:rPr lang="es-ES_tradnl" sz="1100" b="0" dirty="0" smtClean="0">
+                          <a:solidFill>
+                            <a:schemeClr val="tx1">
+                              <a:lumMod val="75000"/>
+                              <a:lumOff val="25000"/>
+                            </a:schemeClr>
+                          </a:solidFill>
+                          <a:latin typeface="Arial" charset="0"/>
+                          <a:ea typeface="Arial" charset="0"/>
+                          <a:cs typeface="Arial" charset="0"/>
+                        </a:rPr>
+                        <a:t>Año</a:t>
+                      </a:r>
+                      <a:r>
+                        <a:rPr lang="es-ES" sz="1100" b="0" dirty="0" smtClean="0">
+                          <a:solidFill>
+                            <a:schemeClr val="tx1">
+                              <a:lumMod val="75000"/>
+                              <a:lumOff val="25000"/>
+                            </a:schemeClr>
+                          </a:solidFill>
+                          <a:latin typeface="Arial" charset="0"/>
+                          <a:ea typeface="Arial" charset="0"/>
+                          <a:cs typeface="Arial" charset="0"/>
+                        </a:rPr>
+                        <a:t>:</a:t>
+                      </a:r>
+                      <a:endParaRPr lang="es-ES_tradnl" sz="1100" b="0" dirty="0">
+                        <a:solidFill>
+                          <a:schemeClr val="tx1">
+                            <a:lumMod val="75000"/>
+                            <a:lumOff val="25000"/>
+                          </a:schemeClr>
+                        </a:solidFill>
+                        <a:latin typeface="Arial" charset="0"/>
+                        <a:ea typeface="Arial" charset="0"/>
+                        <a:cs typeface="Arial" charset="0"/>
+                      </a:endParaRPr>
+                    </a:p>
+                  </a:txBody>
+                  <a:tcPr>
+                    <a:lnL w="12700" cmpd="sng">
+                      <a:noFill/>
+                    </a:lnL>
+                    <a:lnR w="12700" cmpd="sng">
+                      <a:noFill/>
+                    </a:lnR>
+                    <a:lnT w="12700" cmpd="sng">
+                      <a:noFill/>
+                    </a:lnT>
+                    <a:lnB w="12700" cmpd="sng">
+                      <a:noFill/>
+                    </a:lnB>
+                    <a:lnTlToBr w="12700" cmpd="sng">
+                      <a:noFill/>
+                      <a:prstDash val="solid"/>
+                    </a:lnTlToBr>
+                    <a:lnBlToTr w="12700" cmpd="sng">
+                      <a:noFill/>
+                      <a:prstDash val="solid"/>
+                    </a:lnBlToTr>
+                    <a:noFill/>
+                  </a:tcPr>
+                </a:tc>
+                <a:tc>
+                  <a:txBody>
+                    <a:bodyPr/>
+                    <a:lstStyle/>
+                    <a:p>
+                      <a:endParaRPr lang="es-ES_tradnl" sz="1100" b="0" dirty="0">
+                        <a:solidFill>
+                          <a:schemeClr val="tx1">
+                            <a:lumMod val="75000"/>
+                            <a:lumOff val="25000"/>
+                          </a:schemeClr>
+                        </a:solidFill>
+                        <a:latin typeface="Arial" charset="0"/>
+                        <a:ea typeface="Arial" charset="0"/>
+                        <a:cs typeface="Arial" charset="0"/>
+                      </a:endParaRPr>
+                    </a:p>
+                  </a:txBody>
+                  <a:tcPr>
+                    <a:lnL w="12700" cmpd="sng">
+                      <a:noFill/>
+                    </a:lnL>
+                    <a:lnR w="12700" cmpd="sng">
+                      <a:noFill/>
+                    </a:lnR>
+                    <a:lnT w="12700" cmpd="sng">
+                      <a:noFill/>
+                    </a:lnT>
+                    <a:lnB w="12700" cmpd="sng">
+                      <a:noFill/>
+                    </a:lnB>
+                    <a:lnTlToBr w="12700" cmpd="sng">
+                      <a:noFill/>
+                      <a:prstDash val="solid"/>
+                    </a:lnTlToBr>
+                    <a:lnBlToTr w="12700" cmpd="sng">
+                      <a:noFill/>
+                      <a:prstDash val="solid"/>
+                    </a:lnBlToTr>
+                    <a:noFill/>
+                  </a:tcPr>
+                </a:tc>
+              </a:tr>
+              <a:tr h="184942">
+                <a:tc>
+                  <a:txBody>
+                    <a:bodyPr/>
+                    <a:lstStyle/>
+                    <a:p>
+                      <a:r>
+                        <a:rPr lang="es-ES" sz="1100" b="0" dirty="0" smtClean="0">
+                          <a:solidFill>
+                            <a:schemeClr val="tx1">
+                              <a:lumMod val="75000"/>
+                              <a:lumOff val="25000"/>
+                            </a:schemeClr>
+                          </a:solidFill>
+                          <a:latin typeface="Arial" charset="0"/>
+                          <a:ea typeface="Arial" charset="0"/>
+                          <a:cs typeface="Arial" charset="0"/>
+                        </a:rPr>
+                        <a:t>Observaciones:</a:t>
+                      </a:r>
+                      <a:endParaRPr lang="es-ES_tradnl" sz="1100" b="0" dirty="0">
+                        <a:solidFill>
+                          <a:schemeClr val="tx1">
+                            <a:lumMod val="75000"/>
+                            <a:lumOff val="25000"/>
+                          </a:schemeClr>
+                        </a:solidFill>
+                        <a:latin typeface="Arial" charset="0"/>
+                        <a:ea typeface="Arial" charset="0"/>
+                        <a:cs typeface="Arial" charset="0"/>
+                      </a:endParaRPr>
+                    </a:p>
+                  </a:txBody>
+                  <a:tcPr>
+                    <a:lnL w="12700" cmpd="sng">
+                      <a:noFill/>
+                    </a:lnL>
+                    <a:lnR w="12700" cmpd="sng">
+                      <a:noFill/>
+                    </a:lnR>
+                    <a:lnT w="12700" cmpd="sng">
+                      <a:noFill/>
+                    </a:lnT>
+                    <a:lnB w="12700" cmpd="sng">
+                      <a:noFill/>
+                    </a:lnB>
+                    <a:lnTlToBr w="12700" cmpd="sng">
+                      <a:noFill/>
+                      <a:prstDash val="solid"/>
+                    </a:lnTlToBr>
+                    <a:lnBlToTr w="12700" cmpd="sng">
+                      <a:noFill/>
+                      <a:prstDash val="solid"/>
+                    </a:lnBlToTr>
+                    <a:noFill/>
+                  </a:tcPr>
+                </a:tc>
+                <a:tc>
+                  <a:txBody>
+                    <a:bodyPr/>
+                    <a:lstStyle/>
+                    <a:p>
+                      <a:endParaRPr lang="es-ES_tradnl" sz="1100" b="0" dirty="0">
+                        <a:solidFill>
+                          <a:schemeClr val="tx1">
+                            <a:lumMod val="75000"/>
+                            <a:lumOff val="25000"/>
+                          </a:schemeClr>
+                        </a:solidFill>
+                        <a:latin typeface="Arial" charset="0"/>
+                        <a:ea typeface="Arial" charset="0"/>
+                        <a:cs typeface="Arial" charset="0"/>
+                      </a:endParaRPr>
+                    </a:p>
+                  </a:txBody>
+                  <a:tcPr>
+                    <a:lnL w="12700" cmpd="sng">
+                      <a:noFill/>
+                    </a:lnL>
+                    <a:lnR w="12700" cmpd="sng">
+                      <a:noFill/>
+                    </a:lnR>
+                    <a:lnT w="12700" cmpd="sng">
+                      <a:noFill/>
+                    </a:lnT>
+                    <a:lnB w="12700" cmpd="sng">
+                      <a:noFill/>
+                    </a:lnB>
+                    <a:lnTlToBr w="12700" cmpd="sng">
+                      <a:noFill/>
+                      <a:prstDash val="solid"/>
+                    </a:lnTlToBr>
+                    <a:lnBlToTr w="12700" cmpd="sng">
+                      <a:noFill/>
+                      <a:prstDash val="solid"/>
+                    </a:lnBlToTr>
+                    <a:noFill/>
+                  </a:tcPr>
+                </a:tc>
+              </a:tr>
+            </a:tbl>
+          </a:graphicData>
+        </a:graphic>
+      </p:graphicFrame>
+      <p:graphicFrame>
+        <p:nvGraphicFramePr>
+          <p:cNvPr id="6" name="Tabla 5"/>
+          <p:cNvGraphicFramePr>
+            <a:graphicFrameLocks noGrp="1"/>
+          </p:cNvGraphicFramePr>
+          <p:nvPr>
+            <p:extLst>
+              <p:ext uri="{D42A27DB-BD31-4B8C-83A1-F6EECF244321}">
+                <p14:modId xmlns:p14="http://schemas.microsoft.com/office/powerpoint/2010/main" val="3708784987"/>
+              </p:ext>
+            </p:extLst>
+          </p:nvPr>
+        </p:nvGraphicFramePr>
+        <p:xfrm>
+          <a:off x="325815" y="2706200"/>
+          <a:ext cx="11519342" cy="3223807"/>
+        </p:xfrm>
+        <a:graphic>
+          <a:graphicData uri="http://schemas.openxmlformats.org/drawingml/2006/table">
+            <a:tbl>
+              <a:tblPr firstRow="1" bandRow="1">
+                <a:tableStyleId>{F5AB1C69-6EDB-4FF4-983F-18BD219EF322}</a:tableStyleId>
+              </a:tblPr>
+              <a:tblGrid>
+                <a:gridCol w="493992"/>
+                <a:gridCol w="1313793"/>
+                <a:gridCol w="624114"/>
+                <a:gridCol w="580572"/>
+                <a:gridCol w="609600"/>
+                <a:gridCol w="537028"/>
+                <a:gridCol w="537029"/>
+                <a:gridCol w="551543"/>
+                <a:gridCol w="580571"/>
+                <a:gridCol w="609600"/>
+                <a:gridCol w="740229"/>
+                <a:gridCol w="653143"/>
+                <a:gridCol w="711200"/>
+                <a:gridCol w="740228"/>
+                <a:gridCol w="1074057"/>
+                <a:gridCol w="1162643"/>
+              </a:tblGrid>
+              <a:tr h="267917">
+                <a:tc gridSpan="14">
+                  <a:txBody>
+                    <a:bodyPr/>
+                    <a:lstStyle/>
+                    <a:p>
+                      <a:pPr algn="ctr"/>
+                      <a:r>
+                        <a:rPr lang="es-ES_tradnl" sz="1100" b="1" dirty="0" smtClean="0">
+                          <a:latin typeface="Arial" charset="0"/>
+                          <a:ea typeface="Arial" charset="0"/>
+                          <a:cs typeface="Arial" charset="0"/>
+                        </a:rPr>
+                        <a:t>Avances Mensuales</a:t>
+                      </a:r>
+                      <a:endParaRPr lang="es-ES_tradnl" sz="1100" b="1" dirty="0">
+                        <a:latin typeface="Arial" charset="0"/>
+                        <a:ea typeface="Arial" charset="0"/>
+                        <a:cs typeface="Arial" charset="0"/>
+                      </a:endParaRPr>
+                    </a:p>
+                  </a:txBody>
+                  <a:tcPr/>
+                </a:tc>
+                <a:tc hMerge="1">
+                  <a:txBody>
+                    <a:bodyPr/>
+                    <a:lstStyle/>
+                    <a:p>
+                      <a:endParaRPr lang="es-ES_tradnl"/>
+                    </a:p>
+                  </a:txBody>
+                  <a:tcPr/>
+                </a:tc>
+                <a:tc hMerge="1">
+                  <a:txBody>
+                    <a:bodyPr/>
+                    <a:lstStyle/>
+                    <a:p>
+                      <a:endParaRPr lang="es-ES_tradnl"/>
+                    </a:p>
+                  </a:txBody>
+                  <a:tcPr/>
+                </a:tc>
+                <a:tc hMerge="1">
+                  <a:txBody>
+                    <a:bodyPr/>
+                    <a:lstStyle/>
+                    <a:p>
+                      <a:endParaRPr lang="es-ES_tradnl"/>
+                    </a:p>
+                  </a:txBody>
+                  <a:tcPr/>
+                </a:tc>
+                <a:tc hMerge="1">
+                  <a:txBody>
+                    <a:bodyPr/>
+                    <a:lstStyle/>
+                    <a:p>
+                      <a:endParaRPr lang="es-ES_tradnl"/>
+                    </a:p>
+                  </a:txBody>
+                  <a:tcPr/>
+                </a:tc>
+                <a:tc hMerge="1">
+                  <a:txBody>
+                    <a:bodyPr/>
+                    <a:lstStyle/>
+                    <a:p>
+                      <a:endParaRPr lang="es-ES_tradnl"/>
+                    </a:p>
+                  </a:txBody>
+                  <a:tcPr/>
+                </a:tc>
+                <a:tc hMerge="1">
+                  <a:txBody>
+                    <a:bodyPr/>
+                    <a:lstStyle/>
+                    <a:p>
+                      <a:endParaRPr lang="es-ES_tradnl"/>
+                    </a:p>
+                  </a:txBody>
+                  <a:tcPr/>
+                </a:tc>
+                <a:tc hMerge="1">
+                  <a:txBody>
+                    <a:bodyPr/>
+                    <a:lstStyle/>
+                    <a:p>
+                      <a:endParaRPr lang="es-ES_tradnl"/>
+                    </a:p>
+                  </a:txBody>
+                  <a:tcPr/>
+                </a:tc>
+                <a:tc hMerge="1">
+                  <a:txBody>
+                    <a:bodyPr/>
+                    <a:lstStyle/>
+                    <a:p>
+                      <a:endParaRPr lang="es-ES_tradnl"/>
+                    </a:p>
+                  </a:txBody>
+                  <a:tcPr/>
+                </a:tc>
+                <a:tc hMerge="1">
+                  <a:txBody>
+                    <a:bodyPr/>
+                    <a:lstStyle/>
+                    <a:p>
+                      <a:endParaRPr lang="es-ES_tradnl"/>
+                    </a:p>
+                  </a:txBody>
+                  <a:tcPr/>
+                </a:tc>
+                <a:tc hMerge="1">
+                  <a:txBody>
+                    <a:bodyPr/>
+                    <a:lstStyle/>
+                    <a:p>
+                      <a:endParaRPr lang="es-ES_tradnl"/>
+                    </a:p>
+                  </a:txBody>
+                  <a:tcPr/>
+                </a:tc>
+                <a:tc hMerge="1">
+                  <a:txBody>
+                    <a:bodyPr/>
+                    <a:lstStyle/>
+                    <a:p>
+                      <a:endParaRPr lang="es-ES_tradnl"/>
+                    </a:p>
+                  </a:txBody>
+                  <a:tcPr/>
+                </a:tc>
+                <a:tc hMerge="1">
+                  <a:txBody>
+                    <a:bodyPr/>
+                    <a:lstStyle/>
+                    <a:p>
+                      <a:endParaRPr lang="es-ES_tradnl"/>
+                    </a:p>
+                  </a:txBody>
+                  <a:tcPr/>
+                </a:tc>
+                <a:tc hMerge="1">
+                  <a:txBody>
+                    <a:bodyPr/>
+                    <a:lstStyle/>
+                    <a:p>
+                      <a:endParaRPr lang="es-ES_tradnl"/>
+                    </a:p>
+                  </a:txBody>
+                  <a:tcPr/>
+                </a:tc>
+                <a:tc rowSpan="2">
+                  <a:txBody>
+                    <a:bodyPr/>
+                    <a:lstStyle/>
+                    <a:p>
+                      <a:pPr algn="ctr"/>
+                      <a:r>
+                        <a:rPr lang="es-ES_tradnl" sz="1100" dirty="0" smtClean="0">
+                          <a:latin typeface="Arial" charset="0"/>
+                          <a:ea typeface="Arial" charset="0"/>
+                          <a:cs typeface="Arial" charset="0"/>
+                        </a:rPr>
+                        <a:t>Avance Acumulado</a:t>
+                      </a:r>
+                      <a:endParaRPr lang="es-ES_tradnl" sz="1100" dirty="0">
+                        <a:latin typeface="Arial" charset="0"/>
+                        <a:ea typeface="Arial" charset="0"/>
+                        <a:cs typeface="Arial" charset="0"/>
+                      </a:endParaRPr>
+                    </a:p>
+                  </a:txBody>
+                  <a:tcPr/>
+                </a:tc>
+                <a:tc rowSpan="2">
+                  <a:txBody>
+                    <a:bodyPr/>
+                    <a:lstStyle/>
+                    <a:p>
+                      <a:pPr algn="ctr"/>
+                      <a:r>
+                        <a:rPr lang="es-ES_tradnl" sz="1100" dirty="0" err="1" smtClean="0">
+                          <a:latin typeface="Arial" charset="0"/>
+                          <a:ea typeface="Arial" charset="0"/>
+                          <a:cs typeface="Arial" charset="0"/>
+                        </a:rPr>
+                        <a:t>Inversi</a:t>
+                      </a:r>
+                      <a:r>
+                        <a:rPr lang="es-ES" sz="1100" dirty="0" err="1" smtClean="0">
+                          <a:latin typeface="Arial" charset="0"/>
+                          <a:ea typeface="Arial" charset="0"/>
+                          <a:cs typeface="Arial" charset="0"/>
+                        </a:rPr>
+                        <a:t>ón</a:t>
+                      </a:r>
+                      <a:r>
+                        <a:rPr lang="es-ES" sz="1100" dirty="0" smtClean="0">
+                          <a:latin typeface="Arial" charset="0"/>
+                          <a:ea typeface="Arial" charset="0"/>
+                          <a:cs typeface="Arial" charset="0"/>
+                        </a:rPr>
+                        <a:t> aproximada acumulada</a:t>
+                      </a:r>
+                      <a:endParaRPr lang="es-ES_tradnl" sz="1100" dirty="0">
+                        <a:latin typeface="Arial" charset="0"/>
+                        <a:ea typeface="Arial" charset="0"/>
+                        <a:cs typeface="Arial" charset="0"/>
+                      </a:endParaRPr>
+                    </a:p>
+                  </a:txBody>
+                  <a:tcPr/>
+                </a:tc>
+              </a:tr>
+              <a:tr h="261464">
+                <a:tc>
+                  <a:txBody>
+                    <a:bodyPr/>
+                    <a:lstStyle/>
+                    <a:p>
+                      <a:pPr algn="ctr"/>
+                      <a:r>
+                        <a:rPr lang="es-ES_tradnl" sz="1100" b="1" dirty="0" smtClean="0">
+                          <a:latin typeface="Arial" charset="0"/>
+                          <a:ea typeface="Arial" charset="0"/>
+                          <a:cs typeface="Arial" charset="0"/>
+                        </a:rPr>
+                        <a:t>No.</a:t>
+                      </a:r>
+                      <a:endParaRPr lang="es-ES_tradnl" sz="1100" b="1" dirty="0">
+                        <a:latin typeface="Arial" charset="0"/>
+                        <a:ea typeface="Arial" charset="0"/>
+                        <a:cs typeface="Arial" charset="0"/>
+                      </a:endParaRPr>
+                    </a:p>
+                  </a:txBody>
+                  <a:tcPr/>
+                </a:tc>
+                <a:tc>
+                  <a:txBody>
+                    <a:bodyPr/>
+                    <a:lstStyle/>
+                    <a:p>
+                      <a:pPr algn="ctr"/>
+                      <a:r>
+                        <a:rPr lang="es-ES_tradnl" sz="1100" b="1" dirty="0" smtClean="0">
+                          <a:latin typeface="Arial" charset="0"/>
+                          <a:ea typeface="Arial" charset="0"/>
+                          <a:cs typeface="Arial" charset="0"/>
+                        </a:rPr>
+                        <a:t>Municipio</a:t>
+                      </a:r>
+                      <a:endParaRPr lang="es-ES_tradnl" sz="1100" b="1" dirty="0">
+                        <a:latin typeface="Arial" charset="0"/>
+                        <a:ea typeface="Arial" charset="0"/>
+                        <a:cs typeface="Arial" charset="0"/>
+                      </a:endParaRPr>
+                    </a:p>
+                  </a:txBody>
+                  <a:tcPr/>
+                </a:tc>
+                <a:tc>
+                  <a:txBody>
+                    <a:bodyPr/>
+                    <a:lstStyle/>
+                    <a:p>
+                      <a:pPr algn="ctr"/>
+                      <a:r>
+                        <a:rPr lang="es-ES_tradnl" sz="1100" b="1" dirty="0" smtClean="0">
+                          <a:latin typeface="Arial" charset="0"/>
+                          <a:ea typeface="Arial" charset="0"/>
+                          <a:cs typeface="Arial" charset="0"/>
+                        </a:rPr>
+                        <a:t>ENE</a:t>
+                      </a:r>
+                      <a:endParaRPr lang="es-ES_tradnl" sz="1100" b="1" dirty="0">
+                        <a:latin typeface="Arial" charset="0"/>
+                        <a:ea typeface="Arial" charset="0"/>
+                        <a:cs typeface="Arial" charset="0"/>
+                      </a:endParaRPr>
+                    </a:p>
+                  </a:txBody>
+                  <a:tcPr/>
+                </a:tc>
+                <a:tc>
+                  <a:txBody>
+                    <a:bodyPr/>
+                    <a:lstStyle/>
+                    <a:p>
+                      <a:pPr algn="ctr"/>
+                      <a:r>
+                        <a:rPr lang="es-ES_tradnl" sz="1100" b="1" dirty="0" smtClean="0">
+                          <a:latin typeface="Arial" charset="0"/>
+                          <a:ea typeface="Arial" charset="0"/>
+                          <a:cs typeface="Arial" charset="0"/>
+                        </a:rPr>
+                        <a:t>FEB</a:t>
+                      </a:r>
+                      <a:endParaRPr lang="es-ES_tradnl" sz="1100" b="1" dirty="0">
+                        <a:latin typeface="Arial" charset="0"/>
+                        <a:ea typeface="Arial" charset="0"/>
+                        <a:cs typeface="Arial" charset="0"/>
+                      </a:endParaRPr>
+                    </a:p>
+                  </a:txBody>
+                  <a:tcPr/>
+                </a:tc>
+                <a:tc>
+                  <a:txBody>
+                    <a:bodyPr/>
+                    <a:lstStyle/>
+                    <a:p>
+                      <a:pPr algn="ctr"/>
+                      <a:r>
+                        <a:rPr lang="es-ES_tradnl" sz="1100" b="1" dirty="0" smtClean="0">
+                          <a:latin typeface="Arial" charset="0"/>
+                          <a:ea typeface="Arial" charset="0"/>
+                          <a:cs typeface="Arial" charset="0"/>
+                        </a:rPr>
+                        <a:t>MAR</a:t>
+                      </a:r>
+                      <a:endParaRPr lang="es-ES_tradnl" sz="1100" b="1" dirty="0">
+                        <a:latin typeface="Arial" charset="0"/>
+                        <a:ea typeface="Arial" charset="0"/>
+                        <a:cs typeface="Arial" charset="0"/>
+                      </a:endParaRPr>
+                    </a:p>
+                  </a:txBody>
+                  <a:tcPr/>
+                </a:tc>
+                <a:tc>
+                  <a:txBody>
+                    <a:bodyPr/>
+                    <a:lstStyle/>
+                    <a:p>
+                      <a:pPr algn="ctr"/>
+                      <a:r>
+                        <a:rPr lang="es-ES_tradnl" sz="1100" b="1" dirty="0" smtClean="0">
+                          <a:latin typeface="Arial" charset="0"/>
+                          <a:ea typeface="Arial" charset="0"/>
+                          <a:cs typeface="Arial" charset="0"/>
+                        </a:rPr>
+                        <a:t>ABR</a:t>
+                      </a:r>
+                      <a:endParaRPr lang="es-ES_tradnl" sz="1100" b="1" dirty="0">
+                        <a:latin typeface="Arial" charset="0"/>
+                        <a:ea typeface="Arial" charset="0"/>
+                        <a:cs typeface="Arial" charset="0"/>
+                      </a:endParaRPr>
+                    </a:p>
+                  </a:txBody>
+                  <a:tcPr/>
+                </a:tc>
+                <a:tc>
+                  <a:txBody>
+                    <a:bodyPr/>
+                    <a:lstStyle/>
+                    <a:p>
+                      <a:pPr algn="ctr"/>
+                      <a:r>
+                        <a:rPr lang="es-ES_tradnl" sz="1100" b="1" dirty="0" smtClean="0">
+                          <a:latin typeface="Arial" charset="0"/>
+                          <a:ea typeface="Arial" charset="0"/>
+                          <a:cs typeface="Arial" charset="0"/>
+                        </a:rPr>
+                        <a:t>MAY</a:t>
+                      </a:r>
+                      <a:endParaRPr lang="es-ES_tradnl" sz="1100" b="1" dirty="0">
+                        <a:latin typeface="Arial" charset="0"/>
+                        <a:ea typeface="Arial" charset="0"/>
+                        <a:cs typeface="Arial" charset="0"/>
+                      </a:endParaRPr>
+                    </a:p>
+                  </a:txBody>
+                  <a:tcPr/>
+                </a:tc>
+                <a:tc>
+                  <a:txBody>
+                    <a:bodyPr/>
+                    <a:lstStyle/>
+                    <a:p>
+                      <a:pPr algn="ctr"/>
+                      <a:r>
+                        <a:rPr lang="es-ES_tradnl" sz="1100" b="1" dirty="0" smtClean="0">
+                          <a:latin typeface="Arial" charset="0"/>
+                          <a:ea typeface="Arial" charset="0"/>
+                          <a:cs typeface="Arial" charset="0"/>
+                        </a:rPr>
+                        <a:t>JUN</a:t>
+                      </a:r>
+                      <a:endParaRPr lang="es-ES_tradnl" sz="1100" b="1" dirty="0">
+                        <a:latin typeface="Arial" charset="0"/>
+                        <a:ea typeface="Arial" charset="0"/>
+                        <a:cs typeface="Arial" charset="0"/>
+                      </a:endParaRPr>
+                    </a:p>
+                  </a:txBody>
+                  <a:tcPr/>
+                </a:tc>
+                <a:tc>
+                  <a:txBody>
+                    <a:bodyPr/>
+                    <a:lstStyle/>
+                    <a:p>
+                      <a:pPr algn="ctr"/>
+                      <a:r>
+                        <a:rPr lang="es-ES_tradnl" sz="1100" b="1" dirty="0" smtClean="0">
+                          <a:latin typeface="Arial" charset="0"/>
+                          <a:ea typeface="Arial" charset="0"/>
+                          <a:cs typeface="Arial" charset="0"/>
+                        </a:rPr>
+                        <a:t>JUL</a:t>
+                      </a:r>
+                      <a:endParaRPr lang="es-ES_tradnl" sz="1100" b="1" dirty="0">
+                        <a:latin typeface="Arial" charset="0"/>
+                        <a:ea typeface="Arial" charset="0"/>
+                        <a:cs typeface="Arial" charset="0"/>
+                      </a:endParaRPr>
+                    </a:p>
+                  </a:txBody>
+                  <a:tcPr/>
+                </a:tc>
+                <a:tc>
+                  <a:txBody>
+                    <a:bodyPr/>
+                    <a:lstStyle/>
+                    <a:p>
+                      <a:pPr algn="ctr"/>
+                      <a:r>
+                        <a:rPr lang="es-ES_tradnl" sz="1100" b="1" dirty="0" smtClean="0">
+                          <a:latin typeface="Arial" charset="0"/>
+                          <a:ea typeface="Arial" charset="0"/>
+                          <a:cs typeface="Arial" charset="0"/>
+                        </a:rPr>
+                        <a:t>AGO</a:t>
+                      </a:r>
+                      <a:endParaRPr lang="es-ES_tradnl" sz="1100" b="1" dirty="0">
+                        <a:latin typeface="Arial" charset="0"/>
+                        <a:ea typeface="Arial" charset="0"/>
+                        <a:cs typeface="Arial" charset="0"/>
+                      </a:endParaRPr>
+                    </a:p>
+                  </a:txBody>
+                  <a:tcPr/>
+                </a:tc>
+                <a:tc>
+                  <a:txBody>
+                    <a:bodyPr/>
+                    <a:lstStyle/>
+                    <a:p>
+                      <a:pPr algn="ctr"/>
+                      <a:r>
+                        <a:rPr lang="es-ES_tradnl" sz="1100" b="1" dirty="0" smtClean="0">
+                          <a:latin typeface="Arial" charset="0"/>
+                          <a:ea typeface="Arial" charset="0"/>
+                          <a:cs typeface="Arial" charset="0"/>
+                        </a:rPr>
+                        <a:t>SEP</a:t>
+                      </a:r>
+                      <a:endParaRPr lang="es-ES_tradnl" sz="1100" b="1" dirty="0">
+                        <a:latin typeface="Arial" charset="0"/>
+                        <a:ea typeface="Arial" charset="0"/>
+                        <a:cs typeface="Arial" charset="0"/>
+                      </a:endParaRPr>
+                    </a:p>
+                  </a:txBody>
+                  <a:tcPr/>
+                </a:tc>
+                <a:tc>
+                  <a:txBody>
+                    <a:bodyPr/>
+                    <a:lstStyle/>
+                    <a:p>
+                      <a:pPr algn="ctr"/>
+                      <a:r>
+                        <a:rPr lang="es-ES_tradnl" sz="1100" b="1" dirty="0" smtClean="0">
+                          <a:latin typeface="Arial" charset="0"/>
+                          <a:ea typeface="Arial" charset="0"/>
+                          <a:cs typeface="Arial" charset="0"/>
+                        </a:rPr>
+                        <a:t>OCT</a:t>
+                      </a:r>
+                      <a:endParaRPr lang="es-ES_tradnl" sz="1100" b="1" dirty="0">
+                        <a:latin typeface="Arial" charset="0"/>
+                        <a:ea typeface="Arial" charset="0"/>
+                        <a:cs typeface="Arial" charset="0"/>
+                      </a:endParaRPr>
+                    </a:p>
+                  </a:txBody>
+                  <a:tcPr/>
+                </a:tc>
+                <a:tc>
+                  <a:txBody>
+                    <a:bodyPr/>
+                    <a:lstStyle/>
+                    <a:p>
+                      <a:pPr algn="ctr"/>
+                      <a:r>
+                        <a:rPr lang="es-ES_tradnl" sz="1100" b="1" dirty="0" smtClean="0">
+                          <a:latin typeface="Arial" charset="0"/>
+                          <a:ea typeface="Arial" charset="0"/>
+                          <a:cs typeface="Arial" charset="0"/>
+                        </a:rPr>
+                        <a:t>NOV</a:t>
+                      </a:r>
+                      <a:endParaRPr lang="es-ES_tradnl" sz="1100" b="1" dirty="0">
+                        <a:latin typeface="Arial" charset="0"/>
+                        <a:ea typeface="Arial" charset="0"/>
+                        <a:cs typeface="Arial" charset="0"/>
+                      </a:endParaRPr>
+                    </a:p>
+                  </a:txBody>
+                  <a:tcPr/>
+                </a:tc>
+                <a:tc>
+                  <a:txBody>
+                    <a:bodyPr/>
+                    <a:lstStyle/>
+                    <a:p>
+                      <a:pPr algn="ctr"/>
+                      <a:r>
+                        <a:rPr lang="es-ES_tradnl" sz="1100" b="1" dirty="0" smtClean="0">
+                          <a:latin typeface="Arial" charset="0"/>
+                          <a:ea typeface="Arial" charset="0"/>
+                          <a:cs typeface="Arial" charset="0"/>
+                        </a:rPr>
+                        <a:t>DIC</a:t>
+                      </a:r>
+                      <a:endParaRPr lang="es-ES_tradnl" sz="1100" b="1" dirty="0">
+                        <a:latin typeface="Arial" charset="0"/>
+                        <a:ea typeface="Arial" charset="0"/>
+                        <a:cs typeface="Arial" charset="0"/>
+                      </a:endParaRPr>
+                    </a:p>
+                  </a:txBody>
+                  <a:tcPr/>
+                </a:tc>
+                <a:tc vMerge="1">
+                  <a:txBody>
+                    <a:bodyPr/>
+                    <a:lstStyle/>
+                    <a:p>
+                      <a:endParaRPr lang="es-ES_tradnl"/>
+                    </a:p>
+                  </a:txBody>
+                  <a:tcPr/>
+                </a:tc>
+                <a:tc vMerge="1">
+                  <a:txBody>
+                    <a:bodyPr/>
+                    <a:lstStyle/>
+                    <a:p>
+                      <a:endParaRPr lang="es-ES_tradnl"/>
+                    </a:p>
+                  </a:txBody>
+                  <a:tcPr/>
+                </a:tc>
+              </a:tr>
+              <a:tr h="263633">
+                <a:tc>
+                  <a:txBody>
+                    <a:bodyPr/>
+                    <a:lstStyle/>
+                    <a:p>
+                      <a:endParaRPr lang="es-ES_tradnl" sz="1100" dirty="0">
+                        <a:latin typeface="Arial" charset="0"/>
+                        <a:ea typeface="Arial" charset="0"/>
+                        <a:cs typeface="Arial" charset="0"/>
+                      </a:endParaRPr>
+                    </a:p>
+                  </a:txBody>
+                  <a:tcPr marL="36000" marR="36000" marT="36000" marB="36000"/>
+                </a:tc>
+                <a:tc>
+                  <a:txBody>
+                    <a:bodyPr/>
+                    <a:lstStyle/>
+                    <a:p>
+                      <a:endParaRPr lang="es-ES_tradnl" sz="1100" dirty="0">
+                        <a:latin typeface="Arial" charset="0"/>
+                        <a:ea typeface="Arial" charset="0"/>
+                        <a:cs typeface="Arial" charset="0"/>
+                      </a:endParaRPr>
+                    </a:p>
+                  </a:txBody>
+                  <a:tcPr marL="36000" marR="36000" marT="36000" marB="36000"/>
+                </a:tc>
+                <a:tc>
+                  <a:txBody>
+                    <a:bodyPr/>
+                    <a:lstStyle/>
+                    <a:p>
+                      <a:endParaRPr lang="es-ES_tradnl" sz="1100" dirty="0">
+                        <a:latin typeface="Arial" charset="0"/>
+                        <a:ea typeface="Arial" charset="0"/>
+                        <a:cs typeface="Arial" charset="0"/>
+                      </a:endParaRPr>
+                    </a:p>
+                  </a:txBody>
+                  <a:tcPr marL="36000" marR="36000" marT="36000" marB="36000"/>
+                </a:tc>
+                <a:tc>
+                  <a:txBody>
+                    <a:bodyPr/>
+                    <a:lstStyle/>
+                    <a:p>
+                      <a:endParaRPr lang="es-ES_tradnl" sz="1100" dirty="0">
+                        <a:latin typeface="Arial" charset="0"/>
+                        <a:ea typeface="Arial" charset="0"/>
+                        <a:cs typeface="Arial" charset="0"/>
+                      </a:endParaRPr>
+                    </a:p>
+                  </a:txBody>
+                  <a:tcPr marL="36000" marR="36000" marT="36000" marB="36000"/>
+                </a:tc>
+                <a:tc>
+                  <a:txBody>
+                    <a:bodyPr/>
+                    <a:lstStyle/>
+                    <a:p>
+                      <a:endParaRPr lang="es-ES_tradnl" sz="1100" dirty="0">
+                        <a:latin typeface="Arial" charset="0"/>
+                        <a:ea typeface="Arial" charset="0"/>
+                        <a:cs typeface="Arial" charset="0"/>
+                      </a:endParaRPr>
+                    </a:p>
+                  </a:txBody>
+                  <a:tcPr marL="36000" marR="36000" marT="36000" marB="36000"/>
+                </a:tc>
+                <a:tc>
+                  <a:txBody>
+                    <a:bodyPr/>
+                    <a:lstStyle/>
+                    <a:p>
+                      <a:endParaRPr lang="es-ES_tradnl" sz="1100" dirty="0">
+                        <a:latin typeface="Arial" charset="0"/>
+                        <a:ea typeface="Arial" charset="0"/>
+                        <a:cs typeface="Arial" charset="0"/>
+                      </a:endParaRPr>
+                    </a:p>
+                  </a:txBody>
+                  <a:tcPr marL="36000" marR="36000" marT="36000" marB="36000"/>
+                </a:tc>
+                <a:tc>
+                  <a:txBody>
+                    <a:bodyPr/>
+                    <a:lstStyle/>
+                    <a:p>
+                      <a:endParaRPr lang="es-ES_tradnl" sz="1100">
+                        <a:latin typeface="Arial" charset="0"/>
+                        <a:ea typeface="Arial" charset="0"/>
+                        <a:cs typeface="Arial" charset="0"/>
+                      </a:endParaRPr>
+                    </a:p>
+                  </a:txBody>
+                  <a:tcPr marL="36000" marR="36000" marT="36000" marB="36000"/>
+                </a:tc>
+                <a:tc>
+                  <a:txBody>
+                    <a:bodyPr/>
+                    <a:lstStyle/>
+                    <a:p>
+                      <a:endParaRPr lang="es-ES_tradnl" sz="1100">
+                        <a:latin typeface="Arial" charset="0"/>
+                        <a:ea typeface="Arial" charset="0"/>
+                        <a:cs typeface="Arial" charset="0"/>
+                      </a:endParaRPr>
+                    </a:p>
+                  </a:txBody>
+                  <a:tcPr marL="36000" marR="36000" marT="36000" marB="36000"/>
+                </a:tc>
+                <a:tc>
+                  <a:txBody>
+                    <a:bodyPr/>
+                    <a:lstStyle/>
+                    <a:p>
+                      <a:endParaRPr lang="es-ES_tradnl" sz="1100">
+                        <a:latin typeface="Arial" charset="0"/>
+                        <a:ea typeface="Arial" charset="0"/>
+                        <a:cs typeface="Arial" charset="0"/>
+                      </a:endParaRPr>
+                    </a:p>
+                  </a:txBody>
+                  <a:tcPr marL="36000" marR="36000" marT="36000" marB="36000"/>
+                </a:tc>
+                <a:tc>
+                  <a:txBody>
+                    <a:bodyPr/>
+                    <a:lstStyle/>
+                    <a:p>
+                      <a:endParaRPr lang="es-ES_tradnl" sz="1100">
+                        <a:latin typeface="Arial" charset="0"/>
+                        <a:ea typeface="Arial" charset="0"/>
+                        <a:cs typeface="Arial" charset="0"/>
+                      </a:endParaRPr>
+                    </a:p>
+                  </a:txBody>
+                  <a:tcPr marL="36000" marR="36000" marT="36000" marB="36000"/>
+                </a:tc>
+                <a:tc>
+                  <a:txBody>
+                    <a:bodyPr/>
+                    <a:lstStyle/>
+                    <a:p>
+                      <a:endParaRPr lang="es-ES_tradnl" sz="1100">
+                        <a:latin typeface="Arial" charset="0"/>
+                        <a:ea typeface="Arial" charset="0"/>
+                        <a:cs typeface="Arial" charset="0"/>
+                      </a:endParaRPr>
+                    </a:p>
+                  </a:txBody>
+                  <a:tcPr marL="36000" marR="36000" marT="36000" marB="36000"/>
+                </a:tc>
+                <a:tc>
+                  <a:txBody>
+                    <a:bodyPr/>
+                    <a:lstStyle/>
+                    <a:p>
+                      <a:endParaRPr lang="es-ES_tradnl" sz="1100">
+                        <a:latin typeface="Arial" charset="0"/>
+                        <a:ea typeface="Arial" charset="0"/>
+                        <a:cs typeface="Arial" charset="0"/>
+                      </a:endParaRPr>
+                    </a:p>
+                  </a:txBody>
+                  <a:tcPr marL="36000" marR="36000" marT="36000" marB="36000"/>
+                </a:tc>
+                <a:tc>
+                  <a:txBody>
+                    <a:bodyPr/>
+                    <a:lstStyle/>
+                    <a:p>
+                      <a:endParaRPr lang="es-ES_tradnl" sz="1100">
+                        <a:latin typeface="Arial" charset="0"/>
+                        <a:ea typeface="Arial" charset="0"/>
+                        <a:cs typeface="Arial" charset="0"/>
+                      </a:endParaRPr>
+                    </a:p>
+                  </a:txBody>
+                  <a:tcPr marL="36000" marR="36000" marT="36000" marB="36000"/>
+                </a:tc>
+                <a:tc>
+                  <a:txBody>
+                    <a:bodyPr/>
+                    <a:lstStyle/>
+                    <a:p>
+                      <a:endParaRPr lang="es-ES_tradnl" sz="1100" dirty="0">
+                        <a:latin typeface="Arial" charset="0"/>
+                        <a:ea typeface="Arial" charset="0"/>
+                        <a:cs typeface="Arial" charset="0"/>
+                      </a:endParaRPr>
+                    </a:p>
+                  </a:txBody>
+                  <a:tcPr marL="36000" marR="36000" marT="36000" marB="36000"/>
+                </a:tc>
+                <a:tc>
+                  <a:txBody>
+                    <a:bodyPr/>
+                    <a:lstStyle/>
+                    <a:p>
+                      <a:endParaRPr lang="es-ES_tradnl" sz="1100" dirty="0">
+                        <a:latin typeface="Arial" charset="0"/>
+                        <a:ea typeface="Arial" charset="0"/>
+                        <a:cs typeface="Arial" charset="0"/>
+                      </a:endParaRPr>
+                    </a:p>
+                  </a:txBody>
+                  <a:tcPr marL="36000" marR="36000" marT="36000" marB="36000"/>
+                </a:tc>
+                <a:tc>
+                  <a:txBody>
+                    <a:bodyPr/>
+                    <a:lstStyle/>
+                    <a:p>
+                      <a:pPr marL="0" algn="l" defTabSz="914400" rtl="0" eaLnBrk="1" latinLnBrk="0" hangingPunct="1"/>
+                      <a:endParaRPr lang="es-ES_tradnl" sz="1100" kern="1200" dirty="0">
+                        <a:solidFill>
+                          <a:schemeClr val="dk1"/>
+                        </a:solidFill>
+                        <a:latin typeface="Arial" charset="0"/>
+                        <a:ea typeface="Arial" charset="0"/>
+                        <a:cs typeface="Arial" charset="0"/>
+                      </a:endParaRPr>
+                    </a:p>
+                  </a:txBody>
+                  <a:tcPr marL="36000" marR="36000" marT="36000" marB="36000"/>
+                </a:tc>
+              </a:tr>
+              <a:tr h="299746">
+                <a:tc>
+                  <a:txBody>
+                    <a:bodyPr/>
+                    <a:lstStyle/>
+                    <a:p>
+                      <a:endParaRPr lang="es-ES_tradnl" sz="1100" dirty="0">
+                        <a:latin typeface="Arial" charset="0"/>
+                        <a:ea typeface="Arial" charset="0"/>
+                        <a:cs typeface="Arial" charset="0"/>
+                      </a:endParaRPr>
+                    </a:p>
+                  </a:txBody>
+                  <a:tcPr marL="36000" marR="36000" marT="36000" marB="36000"/>
+                </a:tc>
+                <a:tc>
+                  <a:txBody>
+                    <a:bodyPr/>
+                    <a:lstStyle/>
+                    <a:p>
+                      <a:endParaRPr lang="es-ES_tradnl" sz="1100" dirty="0">
+                        <a:latin typeface="Arial" charset="0"/>
+                        <a:ea typeface="Arial" charset="0"/>
+                        <a:cs typeface="Arial" charset="0"/>
+                      </a:endParaRPr>
+                    </a:p>
+                  </a:txBody>
+                  <a:tcPr marL="36000" marR="36000" marT="36000" marB="36000"/>
+                </a:tc>
+                <a:tc>
+                  <a:txBody>
+                    <a:bodyPr/>
+                    <a:lstStyle/>
+                    <a:p>
+                      <a:endParaRPr lang="es-ES_tradnl" sz="1100" dirty="0">
+                        <a:latin typeface="Arial" charset="0"/>
+                        <a:ea typeface="Arial" charset="0"/>
+                        <a:cs typeface="Arial" charset="0"/>
+                      </a:endParaRPr>
+                    </a:p>
+                  </a:txBody>
+                  <a:tcPr marL="36000" marR="36000" marT="36000" marB="36000"/>
+                </a:tc>
+                <a:tc>
+                  <a:txBody>
+                    <a:bodyPr/>
+                    <a:lstStyle/>
+                    <a:p>
+                      <a:endParaRPr lang="es-ES_tradnl" sz="1100">
+                        <a:latin typeface="Arial" charset="0"/>
+                        <a:ea typeface="Arial" charset="0"/>
+                        <a:cs typeface="Arial" charset="0"/>
+                      </a:endParaRPr>
+                    </a:p>
+                  </a:txBody>
+                  <a:tcPr marL="36000" marR="36000" marT="36000" marB="36000"/>
+                </a:tc>
+                <a:tc>
+                  <a:txBody>
+                    <a:bodyPr/>
+                    <a:lstStyle/>
+                    <a:p>
+                      <a:endParaRPr lang="es-ES_tradnl" sz="1100">
+                        <a:latin typeface="Arial" charset="0"/>
+                        <a:ea typeface="Arial" charset="0"/>
+                        <a:cs typeface="Arial" charset="0"/>
+                      </a:endParaRPr>
+                    </a:p>
+                  </a:txBody>
+                  <a:tcPr marL="36000" marR="36000" marT="36000" marB="36000"/>
+                </a:tc>
+                <a:tc>
+                  <a:txBody>
+                    <a:bodyPr/>
+                    <a:lstStyle/>
+                    <a:p>
+                      <a:endParaRPr lang="es-ES_tradnl" sz="1100" dirty="0">
+                        <a:latin typeface="Arial" charset="0"/>
+                        <a:ea typeface="Arial" charset="0"/>
+                        <a:cs typeface="Arial" charset="0"/>
+                      </a:endParaRPr>
+                    </a:p>
+                  </a:txBody>
+                  <a:tcPr marL="36000" marR="36000" marT="36000" marB="36000"/>
+                </a:tc>
+                <a:tc>
+                  <a:txBody>
+                    <a:bodyPr/>
+                    <a:lstStyle/>
+                    <a:p>
+                      <a:endParaRPr lang="es-ES_tradnl" sz="1100">
+                        <a:latin typeface="Arial" charset="0"/>
+                        <a:ea typeface="Arial" charset="0"/>
+                        <a:cs typeface="Arial" charset="0"/>
+                      </a:endParaRPr>
+                    </a:p>
+                  </a:txBody>
+                  <a:tcPr marL="36000" marR="36000" marT="36000" marB="36000"/>
+                </a:tc>
+                <a:tc>
+                  <a:txBody>
+                    <a:bodyPr/>
+                    <a:lstStyle/>
+                    <a:p>
+                      <a:endParaRPr lang="es-ES_tradnl" sz="1100">
+                        <a:latin typeface="Arial" charset="0"/>
+                        <a:ea typeface="Arial" charset="0"/>
+                        <a:cs typeface="Arial" charset="0"/>
+                      </a:endParaRPr>
+                    </a:p>
+                  </a:txBody>
+                  <a:tcPr marL="36000" marR="36000" marT="36000" marB="36000"/>
+                </a:tc>
+                <a:tc>
+                  <a:txBody>
+                    <a:bodyPr/>
+                    <a:lstStyle/>
+                    <a:p>
+                      <a:endParaRPr lang="es-ES_tradnl" sz="1100">
+                        <a:latin typeface="Arial" charset="0"/>
+                        <a:ea typeface="Arial" charset="0"/>
+                        <a:cs typeface="Arial" charset="0"/>
+                      </a:endParaRPr>
+                    </a:p>
+                  </a:txBody>
+                  <a:tcPr marL="36000" marR="36000" marT="36000" marB="36000"/>
+                </a:tc>
+                <a:tc>
+                  <a:txBody>
+                    <a:bodyPr/>
+                    <a:lstStyle/>
+                    <a:p>
+                      <a:endParaRPr lang="es-ES_tradnl" sz="1100">
+                        <a:latin typeface="Arial" charset="0"/>
+                        <a:ea typeface="Arial" charset="0"/>
+                        <a:cs typeface="Arial" charset="0"/>
+                      </a:endParaRPr>
+                    </a:p>
+                  </a:txBody>
+                  <a:tcPr marL="36000" marR="36000" marT="36000" marB="36000"/>
+                </a:tc>
+                <a:tc>
+                  <a:txBody>
+                    <a:bodyPr/>
+                    <a:lstStyle/>
+                    <a:p>
+                      <a:endParaRPr lang="es-ES_tradnl" sz="1100">
+                        <a:latin typeface="Arial" charset="0"/>
+                        <a:ea typeface="Arial" charset="0"/>
+                        <a:cs typeface="Arial" charset="0"/>
+                      </a:endParaRPr>
+                    </a:p>
+                  </a:txBody>
+                  <a:tcPr marL="36000" marR="36000" marT="36000" marB="36000"/>
+                </a:tc>
+                <a:tc>
+                  <a:txBody>
+                    <a:bodyPr/>
+                    <a:lstStyle/>
+                    <a:p>
+                      <a:endParaRPr lang="es-ES_tradnl" sz="1100">
+                        <a:latin typeface="Arial" charset="0"/>
+                        <a:ea typeface="Arial" charset="0"/>
+                        <a:cs typeface="Arial" charset="0"/>
+                      </a:endParaRPr>
+                    </a:p>
+                  </a:txBody>
+                  <a:tcPr marL="36000" marR="36000" marT="36000" marB="36000"/>
+                </a:tc>
+                <a:tc>
+                  <a:txBody>
+                    <a:bodyPr/>
+                    <a:lstStyle/>
+                    <a:p>
+                      <a:endParaRPr lang="es-ES_tradnl" sz="1100">
+                        <a:latin typeface="Arial" charset="0"/>
+                        <a:ea typeface="Arial" charset="0"/>
+                        <a:cs typeface="Arial" charset="0"/>
+                      </a:endParaRPr>
+                    </a:p>
+                  </a:txBody>
+                  <a:tcPr marL="36000" marR="36000" marT="36000" marB="36000"/>
+                </a:tc>
+                <a:tc>
+                  <a:txBody>
+                    <a:bodyPr/>
+                    <a:lstStyle/>
+                    <a:p>
+                      <a:endParaRPr lang="es-ES_tradnl" sz="1100" dirty="0">
+                        <a:latin typeface="Arial" charset="0"/>
+                        <a:ea typeface="Arial" charset="0"/>
+                        <a:cs typeface="Arial" charset="0"/>
+                      </a:endParaRPr>
+                    </a:p>
+                  </a:txBody>
+                  <a:tcPr marL="36000" marR="36000" marT="36000" marB="36000"/>
+                </a:tc>
+                <a:tc>
+                  <a:txBody>
+                    <a:bodyPr/>
+                    <a:lstStyle/>
+                    <a:p>
+                      <a:endParaRPr lang="es-ES_tradnl" sz="1100">
+                        <a:latin typeface="Arial" charset="0"/>
+                        <a:ea typeface="Arial" charset="0"/>
+                        <a:cs typeface="Arial" charset="0"/>
+                      </a:endParaRPr>
+                    </a:p>
+                  </a:txBody>
+                  <a:tcPr marL="36000" marR="36000" marT="36000" marB="36000"/>
+                </a:tc>
+                <a:tc>
+                  <a:txBody>
+                    <a:bodyPr/>
+                    <a:lstStyle/>
+                    <a:p>
+                      <a:endParaRPr lang="es-ES_tradnl" sz="1100">
+                        <a:latin typeface="Arial" charset="0"/>
+                        <a:ea typeface="Arial" charset="0"/>
+                        <a:cs typeface="Arial" charset="0"/>
+                      </a:endParaRPr>
+                    </a:p>
+                  </a:txBody>
+                  <a:tcPr marL="36000" marR="36000" marT="36000" marB="36000"/>
+                </a:tc>
+              </a:tr>
+              <a:tr h="279918">
+                <a:tc>
+                  <a:txBody>
+                    <a:bodyPr/>
+                    <a:lstStyle/>
+                    <a:p>
+                      <a:endParaRPr lang="es-ES_tradnl" sz="1100" dirty="0">
+                        <a:latin typeface="Arial" charset="0"/>
+                        <a:ea typeface="Arial" charset="0"/>
+                        <a:cs typeface="Arial" charset="0"/>
+                      </a:endParaRPr>
+                    </a:p>
+                  </a:txBody>
+                  <a:tcPr marL="36000" marR="36000" marT="36000" marB="36000"/>
+                </a:tc>
+                <a:tc>
+                  <a:txBody>
+                    <a:bodyPr/>
+                    <a:lstStyle/>
+                    <a:p>
+                      <a:endParaRPr lang="es-ES_tradnl" sz="1100">
+                        <a:latin typeface="Arial" charset="0"/>
+                        <a:ea typeface="Arial" charset="0"/>
+                        <a:cs typeface="Arial" charset="0"/>
+                      </a:endParaRPr>
+                    </a:p>
+                  </a:txBody>
+                  <a:tcPr marL="36000" marR="36000" marT="36000" marB="36000"/>
+                </a:tc>
+                <a:tc>
+                  <a:txBody>
+                    <a:bodyPr/>
+                    <a:lstStyle/>
+                    <a:p>
+                      <a:endParaRPr lang="es-ES_tradnl" sz="1100">
+                        <a:latin typeface="Arial" charset="0"/>
+                        <a:ea typeface="Arial" charset="0"/>
+                        <a:cs typeface="Arial" charset="0"/>
+                      </a:endParaRPr>
+                    </a:p>
+                  </a:txBody>
+                  <a:tcPr marL="36000" marR="36000" marT="36000" marB="36000"/>
+                </a:tc>
+                <a:tc>
+                  <a:txBody>
+                    <a:bodyPr/>
+                    <a:lstStyle/>
+                    <a:p>
+                      <a:endParaRPr lang="es-ES_tradnl" sz="1100" dirty="0">
+                        <a:latin typeface="Arial" charset="0"/>
+                        <a:ea typeface="Arial" charset="0"/>
+                        <a:cs typeface="Arial" charset="0"/>
+                      </a:endParaRPr>
+                    </a:p>
+                  </a:txBody>
+                  <a:tcPr marL="36000" marR="36000" marT="36000" marB="36000"/>
+                </a:tc>
+                <a:tc>
+                  <a:txBody>
+                    <a:bodyPr/>
+                    <a:lstStyle/>
+                    <a:p>
+                      <a:endParaRPr lang="es-ES_tradnl" sz="1100">
+                        <a:latin typeface="Arial" charset="0"/>
+                        <a:ea typeface="Arial" charset="0"/>
+                        <a:cs typeface="Arial" charset="0"/>
+                      </a:endParaRPr>
+                    </a:p>
+                  </a:txBody>
+                  <a:tcPr marL="36000" marR="36000" marT="36000" marB="36000"/>
+                </a:tc>
+                <a:tc>
+                  <a:txBody>
+                    <a:bodyPr/>
+                    <a:lstStyle/>
+                    <a:p>
+                      <a:endParaRPr lang="es-ES_tradnl" sz="1100">
+                        <a:latin typeface="Arial" charset="0"/>
+                        <a:ea typeface="Arial" charset="0"/>
+                        <a:cs typeface="Arial" charset="0"/>
+                      </a:endParaRPr>
+                    </a:p>
+                  </a:txBody>
+                  <a:tcPr marL="36000" marR="36000" marT="36000" marB="36000"/>
+                </a:tc>
+                <a:tc>
+                  <a:txBody>
+                    <a:bodyPr/>
+                    <a:lstStyle/>
+                    <a:p>
+                      <a:endParaRPr lang="es-ES_tradnl" sz="1100" dirty="0">
+                        <a:latin typeface="Arial" charset="0"/>
+                        <a:ea typeface="Arial" charset="0"/>
+                        <a:cs typeface="Arial" charset="0"/>
+                      </a:endParaRPr>
+                    </a:p>
+                  </a:txBody>
+                  <a:tcPr marL="36000" marR="36000" marT="36000" marB="36000"/>
+                </a:tc>
+                <a:tc>
+                  <a:txBody>
+                    <a:bodyPr/>
+                    <a:lstStyle/>
+                    <a:p>
+                      <a:endParaRPr lang="es-ES_tradnl" sz="1100">
+                        <a:latin typeface="Arial" charset="0"/>
+                        <a:ea typeface="Arial" charset="0"/>
+                        <a:cs typeface="Arial" charset="0"/>
+                      </a:endParaRPr>
+                    </a:p>
+                  </a:txBody>
+                  <a:tcPr marL="36000" marR="36000" marT="36000" marB="36000"/>
+                </a:tc>
+                <a:tc>
+                  <a:txBody>
+                    <a:bodyPr/>
+                    <a:lstStyle/>
+                    <a:p>
+                      <a:endParaRPr lang="es-ES_tradnl" sz="1100" dirty="0">
+                        <a:latin typeface="Arial" charset="0"/>
+                        <a:ea typeface="Arial" charset="0"/>
+                        <a:cs typeface="Arial" charset="0"/>
+                      </a:endParaRPr>
+                    </a:p>
+                  </a:txBody>
+                  <a:tcPr marL="36000" marR="36000" marT="36000" marB="36000"/>
+                </a:tc>
+                <a:tc>
+                  <a:txBody>
+                    <a:bodyPr/>
+                    <a:lstStyle/>
+                    <a:p>
+                      <a:endParaRPr lang="es-ES_tradnl" sz="1100">
+                        <a:latin typeface="Arial" charset="0"/>
+                        <a:ea typeface="Arial" charset="0"/>
+                        <a:cs typeface="Arial" charset="0"/>
+                      </a:endParaRPr>
+                    </a:p>
+                  </a:txBody>
+                  <a:tcPr marL="36000" marR="36000" marT="36000" marB="36000"/>
+                </a:tc>
+                <a:tc>
+                  <a:txBody>
+                    <a:bodyPr/>
+                    <a:lstStyle/>
+                    <a:p>
+                      <a:endParaRPr lang="es-ES_tradnl" sz="1100">
+                        <a:latin typeface="Arial" charset="0"/>
+                        <a:ea typeface="Arial" charset="0"/>
+                        <a:cs typeface="Arial" charset="0"/>
+                      </a:endParaRPr>
+                    </a:p>
+                  </a:txBody>
+                  <a:tcPr marL="36000" marR="36000" marT="36000" marB="36000"/>
+                </a:tc>
+                <a:tc>
+                  <a:txBody>
+                    <a:bodyPr/>
+                    <a:lstStyle/>
+                    <a:p>
+                      <a:endParaRPr lang="es-ES_tradnl" sz="1100">
+                        <a:latin typeface="Arial" charset="0"/>
+                        <a:ea typeface="Arial" charset="0"/>
+                        <a:cs typeface="Arial" charset="0"/>
+                      </a:endParaRPr>
+                    </a:p>
+                  </a:txBody>
+                  <a:tcPr marL="36000" marR="36000" marT="36000" marB="36000"/>
+                </a:tc>
+                <a:tc>
+                  <a:txBody>
+                    <a:bodyPr/>
+                    <a:lstStyle/>
+                    <a:p>
+                      <a:endParaRPr lang="es-ES_tradnl" sz="1100">
+                        <a:latin typeface="Arial" charset="0"/>
+                        <a:ea typeface="Arial" charset="0"/>
+                        <a:cs typeface="Arial" charset="0"/>
+                      </a:endParaRPr>
+                    </a:p>
+                  </a:txBody>
+                  <a:tcPr marL="36000" marR="36000" marT="36000" marB="36000"/>
+                </a:tc>
+                <a:tc>
+                  <a:txBody>
+                    <a:bodyPr/>
+                    <a:lstStyle/>
+                    <a:p>
+                      <a:endParaRPr lang="es-ES_tradnl" sz="1100" dirty="0">
+                        <a:latin typeface="Arial" charset="0"/>
+                        <a:ea typeface="Arial" charset="0"/>
+                        <a:cs typeface="Arial" charset="0"/>
+                      </a:endParaRPr>
+                    </a:p>
+                  </a:txBody>
+                  <a:tcPr marL="36000" marR="36000" marT="36000" marB="36000"/>
+                </a:tc>
+                <a:tc>
+                  <a:txBody>
+                    <a:bodyPr/>
+                    <a:lstStyle/>
+                    <a:p>
+                      <a:endParaRPr lang="es-ES_tradnl" sz="1100" dirty="0">
+                        <a:latin typeface="Arial" charset="0"/>
+                        <a:ea typeface="Arial" charset="0"/>
+                        <a:cs typeface="Arial" charset="0"/>
+                      </a:endParaRPr>
+                    </a:p>
+                  </a:txBody>
+                  <a:tcPr marL="36000" marR="36000" marT="36000" marB="36000"/>
+                </a:tc>
+                <a:tc>
+                  <a:txBody>
+                    <a:bodyPr/>
+                    <a:lstStyle/>
+                    <a:p>
+                      <a:endParaRPr lang="es-ES_tradnl" sz="1100">
+                        <a:latin typeface="Arial" charset="0"/>
+                        <a:ea typeface="Arial" charset="0"/>
+                        <a:cs typeface="Arial" charset="0"/>
+                      </a:endParaRPr>
+                    </a:p>
+                  </a:txBody>
+                  <a:tcPr marL="36000" marR="36000" marT="36000" marB="36000"/>
+                </a:tc>
+              </a:tr>
+              <a:tr h="317241">
+                <a:tc>
+                  <a:txBody>
+                    <a:bodyPr/>
+                    <a:lstStyle/>
+                    <a:p>
+                      <a:endParaRPr lang="es-ES_tradnl" sz="1100" dirty="0">
+                        <a:latin typeface="Arial" charset="0"/>
+                        <a:ea typeface="Arial" charset="0"/>
+                        <a:cs typeface="Arial" charset="0"/>
+                      </a:endParaRPr>
+                    </a:p>
+                  </a:txBody>
+                  <a:tcPr marL="36000" marR="36000" marT="36000" marB="36000"/>
+                </a:tc>
+                <a:tc>
+                  <a:txBody>
+                    <a:bodyPr/>
+                    <a:lstStyle/>
+                    <a:p>
+                      <a:endParaRPr lang="es-ES_tradnl" sz="1100">
+                        <a:latin typeface="Arial" charset="0"/>
+                        <a:ea typeface="Arial" charset="0"/>
+                        <a:cs typeface="Arial" charset="0"/>
+                      </a:endParaRPr>
+                    </a:p>
+                  </a:txBody>
+                  <a:tcPr marL="36000" marR="36000" marT="36000" marB="36000"/>
+                </a:tc>
+                <a:tc>
+                  <a:txBody>
+                    <a:bodyPr/>
+                    <a:lstStyle/>
+                    <a:p>
+                      <a:endParaRPr lang="es-ES_tradnl" sz="1100">
+                        <a:latin typeface="Arial" charset="0"/>
+                        <a:ea typeface="Arial" charset="0"/>
+                        <a:cs typeface="Arial" charset="0"/>
+                      </a:endParaRPr>
+                    </a:p>
+                  </a:txBody>
+                  <a:tcPr marL="36000" marR="36000" marT="36000" marB="36000"/>
+                </a:tc>
+                <a:tc>
+                  <a:txBody>
+                    <a:bodyPr/>
+                    <a:lstStyle/>
+                    <a:p>
+                      <a:endParaRPr lang="es-ES_tradnl" sz="1100" dirty="0">
+                        <a:latin typeface="Arial" charset="0"/>
+                        <a:ea typeface="Arial" charset="0"/>
+                        <a:cs typeface="Arial" charset="0"/>
+                      </a:endParaRPr>
+                    </a:p>
+                  </a:txBody>
+                  <a:tcPr marL="36000" marR="36000" marT="36000" marB="36000"/>
+                </a:tc>
+                <a:tc>
+                  <a:txBody>
+                    <a:bodyPr/>
+                    <a:lstStyle/>
+                    <a:p>
+                      <a:endParaRPr lang="es-ES_tradnl" sz="1100" dirty="0">
+                        <a:latin typeface="Arial" charset="0"/>
+                        <a:ea typeface="Arial" charset="0"/>
+                        <a:cs typeface="Arial" charset="0"/>
+                      </a:endParaRPr>
+                    </a:p>
+                  </a:txBody>
+                  <a:tcPr marL="36000" marR="36000" marT="36000" marB="36000"/>
+                </a:tc>
+                <a:tc>
+                  <a:txBody>
+                    <a:bodyPr/>
+                    <a:lstStyle/>
+                    <a:p>
+                      <a:endParaRPr lang="es-ES_tradnl" sz="1100">
+                        <a:latin typeface="Arial" charset="0"/>
+                        <a:ea typeface="Arial" charset="0"/>
+                        <a:cs typeface="Arial" charset="0"/>
+                      </a:endParaRPr>
+                    </a:p>
+                  </a:txBody>
+                  <a:tcPr marL="36000" marR="36000" marT="36000" marB="36000"/>
+                </a:tc>
+                <a:tc>
+                  <a:txBody>
+                    <a:bodyPr/>
+                    <a:lstStyle/>
+                    <a:p>
+                      <a:endParaRPr lang="es-ES_tradnl" sz="1100">
+                        <a:latin typeface="Arial" charset="0"/>
+                        <a:ea typeface="Arial" charset="0"/>
+                        <a:cs typeface="Arial" charset="0"/>
+                      </a:endParaRPr>
+                    </a:p>
+                  </a:txBody>
+                  <a:tcPr marL="36000" marR="36000" marT="36000" marB="36000"/>
+                </a:tc>
+                <a:tc>
+                  <a:txBody>
+                    <a:bodyPr/>
+                    <a:lstStyle/>
+                    <a:p>
+                      <a:endParaRPr lang="es-ES_tradnl" sz="1100" dirty="0">
+                        <a:latin typeface="Arial" charset="0"/>
+                        <a:ea typeface="Arial" charset="0"/>
+                        <a:cs typeface="Arial" charset="0"/>
+                      </a:endParaRPr>
+                    </a:p>
+                  </a:txBody>
+                  <a:tcPr marL="36000" marR="36000" marT="36000" marB="36000"/>
+                </a:tc>
+                <a:tc>
+                  <a:txBody>
+                    <a:bodyPr/>
+                    <a:lstStyle/>
+                    <a:p>
+                      <a:endParaRPr lang="es-ES_tradnl" sz="1100">
+                        <a:latin typeface="Arial" charset="0"/>
+                        <a:ea typeface="Arial" charset="0"/>
+                        <a:cs typeface="Arial" charset="0"/>
+                      </a:endParaRPr>
+                    </a:p>
+                  </a:txBody>
+                  <a:tcPr marL="36000" marR="36000" marT="36000" marB="36000"/>
+                </a:tc>
+                <a:tc>
+                  <a:txBody>
+                    <a:bodyPr/>
+                    <a:lstStyle/>
+                    <a:p>
+                      <a:endParaRPr lang="es-ES_tradnl" sz="1100">
+                        <a:latin typeface="Arial" charset="0"/>
+                        <a:ea typeface="Arial" charset="0"/>
+                        <a:cs typeface="Arial" charset="0"/>
+                      </a:endParaRPr>
+                    </a:p>
+                  </a:txBody>
+                  <a:tcPr marL="36000" marR="36000" marT="36000" marB="36000"/>
+                </a:tc>
+                <a:tc>
+                  <a:txBody>
+                    <a:bodyPr/>
+                    <a:lstStyle/>
+                    <a:p>
+                      <a:endParaRPr lang="es-ES_tradnl" sz="1100">
+                        <a:latin typeface="Arial" charset="0"/>
+                        <a:ea typeface="Arial" charset="0"/>
+                        <a:cs typeface="Arial" charset="0"/>
+                      </a:endParaRPr>
+                    </a:p>
+                  </a:txBody>
+                  <a:tcPr marL="36000" marR="36000" marT="36000" marB="36000"/>
+                </a:tc>
+                <a:tc>
+                  <a:txBody>
+                    <a:bodyPr/>
+                    <a:lstStyle/>
+                    <a:p>
+                      <a:endParaRPr lang="es-ES_tradnl" sz="1100">
+                        <a:latin typeface="Arial" charset="0"/>
+                        <a:ea typeface="Arial" charset="0"/>
+                        <a:cs typeface="Arial" charset="0"/>
+                      </a:endParaRPr>
+                    </a:p>
+                  </a:txBody>
+                  <a:tcPr marL="36000" marR="36000" marT="36000" marB="36000"/>
+                </a:tc>
+                <a:tc>
+                  <a:txBody>
+                    <a:bodyPr/>
+                    <a:lstStyle/>
+                    <a:p>
+                      <a:endParaRPr lang="es-ES_tradnl" sz="1100">
+                        <a:latin typeface="Arial" charset="0"/>
+                        <a:ea typeface="Arial" charset="0"/>
+                        <a:cs typeface="Arial" charset="0"/>
+                      </a:endParaRPr>
+                    </a:p>
+                  </a:txBody>
+                  <a:tcPr marL="36000" marR="36000" marT="36000" marB="36000"/>
+                </a:tc>
+                <a:tc>
+                  <a:txBody>
+                    <a:bodyPr/>
+                    <a:lstStyle/>
+                    <a:p>
+                      <a:endParaRPr lang="es-ES_tradnl" sz="1100" dirty="0">
+                        <a:latin typeface="Arial" charset="0"/>
+                        <a:ea typeface="Arial" charset="0"/>
+                        <a:cs typeface="Arial" charset="0"/>
+                      </a:endParaRPr>
+                    </a:p>
+                  </a:txBody>
+                  <a:tcPr marL="36000" marR="36000" marT="36000" marB="36000"/>
+                </a:tc>
+                <a:tc>
+                  <a:txBody>
+                    <a:bodyPr/>
+                    <a:lstStyle/>
+                    <a:p>
+                      <a:endParaRPr lang="es-ES_tradnl" sz="1100">
+                        <a:latin typeface="Arial" charset="0"/>
+                        <a:ea typeface="Arial" charset="0"/>
+                        <a:cs typeface="Arial" charset="0"/>
+                      </a:endParaRPr>
+                    </a:p>
+                  </a:txBody>
+                  <a:tcPr marL="36000" marR="36000" marT="36000" marB="36000"/>
+                </a:tc>
+                <a:tc>
+                  <a:txBody>
+                    <a:bodyPr/>
+                    <a:lstStyle/>
+                    <a:p>
+                      <a:endParaRPr lang="es-ES_tradnl" sz="1100">
+                        <a:latin typeface="Arial" charset="0"/>
+                        <a:ea typeface="Arial" charset="0"/>
+                        <a:cs typeface="Arial" charset="0"/>
+                      </a:endParaRPr>
+                    </a:p>
+                  </a:txBody>
+                  <a:tcPr marL="36000" marR="36000" marT="36000" marB="36000"/>
+                </a:tc>
+              </a:tr>
+              <a:tr h="278853">
+                <a:tc>
+                  <a:txBody>
+                    <a:bodyPr/>
+                    <a:lstStyle/>
+                    <a:p>
+                      <a:endParaRPr lang="es-ES_tradnl" sz="1100" dirty="0">
+                        <a:latin typeface="Arial" charset="0"/>
+                        <a:ea typeface="Arial" charset="0"/>
+                        <a:cs typeface="Arial" charset="0"/>
+                      </a:endParaRPr>
+                    </a:p>
+                  </a:txBody>
+                  <a:tcPr marL="36000" marR="36000" marT="36000" marB="36000"/>
+                </a:tc>
+                <a:tc>
+                  <a:txBody>
+                    <a:bodyPr/>
+                    <a:lstStyle/>
+                    <a:p>
+                      <a:endParaRPr lang="es-ES_tradnl" sz="1100">
+                        <a:latin typeface="Arial" charset="0"/>
+                        <a:ea typeface="Arial" charset="0"/>
+                        <a:cs typeface="Arial" charset="0"/>
+                      </a:endParaRPr>
+                    </a:p>
+                  </a:txBody>
+                  <a:tcPr marL="36000" marR="36000" marT="36000" marB="36000"/>
+                </a:tc>
+                <a:tc>
+                  <a:txBody>
+                    <a:bodyPr/>
+                    <a:lstStyle/>
+                    <a:p>
+                      <a:endParaRPr lang="es-ES_tradnl" sz="1100">
+                        <a:latin typeface="Arial" charset="0"/>
+                        <a:ea typeface="Arial" charset="0"/>
+                        <a:cs typeface="Arial" charset="0"/>
+                      </a:endParaRPr>
+                    </a:p>
+                  </a:txBody>
+                  <a:tcPr marL="36000" marR="36000" marT="36000" marB="36000"/>
+                </a:tc>
+                <a:tc>
+                  <a:txBody>
+                    <a:bodyPr/>
+                    <a:lstStyle/>
+                    <a:p>
+                      <a:endParaRPr lang="es-ES_tradnl" sz="1100">
+                        <a:latin typeface="Arial" charset="0"/>
+                        <a:ea typeface="Arial" charset="0"/>
+                        <a:cs typeface="Arial" charset="0"/>
+                      </a:endParaRPr>
+                    </a:p>
+                  </a:txBody>
+                  <a:tcPr marL="36000" marR="36000" marT="36000" marB="36000"/>
+                </a:tc>
+                <a:tc>
+                  <a:txBody>
+                    <a:bodyPr/>
+                    <a:lstStyle/>
+                    <a:p>
+                      <a:endParaRPr lang="es-ES_tradnl" sz="1100">
+                        <a:latin typeface="Arial" charset="0"/>
+                        <a:ea typeface="Arial" charset="0"/>
+                        <a:cs typeface="Arial" charset="0"/>
+                      </a:endParaRPr>
+                    </a:p>
+                  </a:txBody>
+                  <a:tcPr marL="36000" marR="36000" marT="36000" marB="36000"/>
+                </a:tc>
+                <a:tc>
+                  <a:txBody>
+                    <a:bodyPr/>
+                    <a:lstStyle/>
+                    <a:p>
+                      <a:endParaRPr lang="es-ES_tradnl" sz="1100" dirty="0">
+                        <a:latin typeface="Arial" charset="0"/>
+                        <a:ea typeface="Arial" charset="0"/>
+                        <a:cs typeface="Arial" charset="0"/>
+                      </a:endParaRPr>
+                    </a:p>
+                  </a:txBody>
+                  <a:tcPr marL="36000" marR="36000" marT="36000" marB="36000"/>
+                </a:tc>
+                <a:tc>
+                  <a:txBody>
+                    <a:bodyPr/>
+                    <a:lstStyle/>
+                    <a:p>
+                      <a:endParaRPr lang="es-ES_tradnl" sz="1100" dirty="0">
+                        <a:latin typeface="Arial" charset="0"/>
+                        <a:ea typeface="Arial" charset="0"/>
+                        <a:cs typeface="Arial" charset="0"/>
+                      </a:endParaRPr>
+                    </a:p>
+                  </a:txBody>
+                  <a:tcPr marL="36000" marR="36000" marT="36000" marB="36000"/>
+                </a:tc>
+                <a:tc>
+                  <a:txBody>
+                    <a:bodyPr/>
+                    <a:lstStyle/>
+                    <a:p>
+                      <a:endParaRPr lang="es-ES_tradnl" sz="1100">
+                        <a:latin typeface="Arial" charset="0"/>
+                        <a:ea typeface="Arial" charset="0"/>
+                        <a:cs typeface="Arial" charset="0"/>
+                      </a:endParaRPr>
+                    </a:p>
+                  </a:txBody>
+                  <a:tcPr marL="36000" marR="36000" marT="36000" marB="36000"/>
+                </a:tc>
+                <a:tc>
+                  <a:txBody>
+                    <a:bodyPr/>
+                    <a:lstStyle/>
+                    <a:p>
+                      <a:endParaRPr lang="es-ES_tradnl" sz="1100" dirty="0">
+                        <a:latin typeface="Arial" charset="0"/>
+                        <a:ea typeface="Arial" charset="0"/>
+                        <a:cs typeface="Arial" charset="0"/>
+                      </a:endParaRPr>
+                    </a:p>
+                  </a:txBody>
+                  <a:tcPr marL="36000" marR="36000" marT="36000" marB="36000"/>
+                </a:tc>
+                <a:tc>
+                  <a:txBody>
+                    <a:bodyPr/>
+                    <a:lstStyle/>
+                    <a:p>
+                      <a:endParaRPr lang="es-ES_tradnl" sz="1100">
+                        <a:latin typeface="Arial" charset="0"/>
+                        <a:ea typeface="Arial" charset="0"/>
+                        <a:cs typeface="Arial" charset="0"/>
+                      </a:endParaRPr>
+                    </a:p>
+                  </a:txBody>
+                  <a:tcPr marL="36000" marR="36000" marT="36000" marB="36000"/>
+                </a:tc>
+                <a:tc>
+                  <a:txBody>
+                    <a:bodyPr/>
+                    <a:lstStyle/>
+                    <a:p>
+                      <a:endParaRPr lang="es-ES_tradnl" sz="1100">
+                        <a:latin typeface="Arial" charset="0"/>
+                        <a:ea typeface="Arial" charset="0"/>
+                        <a:cs typeface="Arial" charset="0"/>
+                      </a:endParaRPr>
+                    </a:p>
+                  </a:txBody>
+                  <a:tcPr marL="36000" marR="36000" marT="36000" marB="36000"/>
+                </a:tc>
+                <a:tc>
+                  <a:txBody>
+                    <a:bodyPr/>
+                    <a:lstStyle/>
+                    <a:p>
+                      <a:endParaRPr lang="es-ES_tradnl" sz="1100" dirty="0">
+                        <a:latin typeface="Arial" charset="0"/>
+                        <a:ea typeface="Arial" charset="0"/>
+                        <a:cs typeface="Arial" charset="0"/>
+                      </a:endParaRPr>
+                    </a:p>
+                  </a:txBody>
+                  <a:tcPr marL="36000" marR="36000" marT="36000" marB="36000"/>
+                </a:tc>
+                <a:tc>
+                  <a:txBody>
+                    <a:bodyPr/>
+                    <a:lstStyle/>
+                    <a:p>
+                      <a:endParaRPr lang="es-ES_tradnl" sz="1100" dirty="0">
+                        <a:latin typeface="Arial" charset="0"/>
+                        <a:ea typeface="Arial" charset="0"/>
+                        <a:cs typeface="Arial" charset="0"/>
+                      </a:endParaRPr>
+                    </a:p>
+                  </a:txBody>
+                  <a:tcPr marL="36000" marR="36000" marT="36000" marB="36000"/>
+                </a:tc>
+                <a:tc>
+                  <a:txBody>
+                    <a:bodyPr/>
+                    <a:lstStyle/>
+                    <a:p>
+                      <a:endParaRPr lang="es-ES_tradnl" sz="1100" dirty="0">
+                        <a:latin typeface="Arial" charset="0"/>
+                        <a:ea typeface="Arial" charset="0"/>
+                        <a:cs typeface="Arial" charset="0"/>
+                      </a:endParaRPr>
+                    </a:p>
+                  </a:txBody>
+                  <a:tcPr marL="36000" marR="36000" marT="36000" marB="36000"/>
+                </a:tc>
+                <a:tc>
+                  <a:txBody>
+                    <a:bodyPr/>
+                    <a:lstStyle/>
+                    <a:p>
+                      <a:endParaRPr lang="es-ES_tradnl" sz="1100" dirty="0">
+                        <a:latin typeface="Arial" charset="0"/>
+                        <a:ea typeface="Arial" charset="0"/>
+                        <a:cs typeface="Arial" charset="0"/>
+                      </a:endParaRPr>
+                    </a:p>
+                  </a:txBody>
+                  <a:tcPr marL="36000" marR="36000" marT="36000" marB="36000"/>
+                </a:tc>
+                <a:tc>
+                  <a:txBody>
+                    <a:bodyPr/>
+                    <a:lstStyle/>
+                    <a:p>
+                      <a:endParaRPr lang="es-ES_tradnl" sz="1100">
+                        <a:latin typeface="Arial" charset="0"/>
+                        <a:ea typeface="Arial" charset="0"/>
+                        <a:cs typeface="Arial" charset="0"/>
+                      </a:endParaRPr>
+                    </a:p>
+                  </a:txBody>
+                  <a:tcPr marL="36000" marR="36000" marT="36000" marB="36000"/>
+                </a:tc>
+              </a:tr>
+              <a:tr h="297514">
+                <a:tc>
+                  <a:txBody>
+                    <a:bodyPr/>
+                    <a:lstStyle/>
+                    <a:p>
+                      <a:endParaRPr lang="es-ES_tradnl" sz="1100" dirty="0">
+                        <a:latin typeface="Arial" charset="0"/>
+                        <a:ea typeface="Arial" charset="0"/>
+                        <a:cs typeface="Arial" charset="0"/>
+                      </a:endParaRPr>
+                    </a:p>
+                  </a:txBody>
+                  <a:tcPr marL="36000" marR="36000" marT="36000" marB="36000"/>
+                </a:tc>
+                <a:tc>
+                  <a:txBody>
+                    <a:bodyPr/>
+                    <a:lstStyle/>
+                    <a:p>
+                      <a:endParaRPr lang="es-ES_tradnl" sz="1100" dirty="0">
+                        <a:latin typeface="Arial" charset="0"/>
+                        <a:ea typeface="Arial" charset="0"/>
+                        <a:cs typeface="Arial" charset="0"/>
+                      </a:endParaRPr>
+                    </a:p>
+                  </a:txBody>
+                  <a:tcPr marL="36000" marR="36000" marT="36000" marB="36000"/>
+                </a:tc>
+                <a:tc>
+                  <a:txBody>
+                    <a:bodyPr/>
+                    <a:lstStyle/>
+                    <a:p>
+                      <a:endParaRPr lang="es-ES_tradnl" sz="1100">
+                        <a:latin typeface="Arial" charset="0"/>
+                        <a:ea typeface="Arial" charset="0"/>
+                        <a:cs typeface="Arial" charset="0"/>
+                      </a:endParaRPr>
+                    </a:p>
+                  </a:txBody>
+                  <a:tcPr marL="36000" marR="36000" marT="36000" marB="36000"/>
+                </a:tc>
+                <a:tc>
+                  <a:txBody>
+                    <a:bodyPr/>
+                    <a:lstStyle/>
+                    <a:p>
+                      <a:endParaRPr lang="es-ES_tradnl" sz="1100" dirty="0">
+                        <a:latin typeface="Arial" charset="0"/>
+                        <a:ea typeface="Arial" charset="0"/>
+                        <a:cs typeface="Arial" charset="0"/>
+                      </a:endParaRPr>
+                    </a:p>
+                  </a:txBody>
+                  <a:tcPr marL="36000" marR="36000" marT="36000" marB="36000"/>
+                </a:tc>
+                <a:tc>
+                  <a:txBody>
+                    <a:bodyPr/>
+                    <a:lstStyle/>
+                    <a:p>
+                      <a:endParaRPr lang="es-ES_tradnl" sz="1100" dirty="0">
+                        <a:latin typeface="Arial" charset="0"/>
+                        <a:ea typeface="Arial" charset="0"/>
+                        <a:cs typeface="Arial" charset="0"/>
+                      </a:endParaRPr>
+                    </a:p>
+                  </a:txBody>
+                  <a:tcPr marL="36000" marR="36000" marT="36000" marB="36000"/>
+                </a:tc>
+                <a:tc>
+                  <a:txBody>
+                    <a:bodyPr/>
+                    <a:lstStyle/>
+                    <a:p>
+                      <a:endParaRPr lang="es-ES_tradnl" sz="1100" dirty="0">
+                        <a:latin typeface="Arial" charset="0"/>
+                        <a:ea typeface="Arial" charset="0"/>
+                        <a:cs typeface="Arial" charset="0"/>
+                      </a:endParaRPr>
+                    </a:p>
+                  </a:txBody>
+                  <a:tcPr marL="36000" marR="36000" marT="36000" marB="36000"/>
+                </a:tc>
+                <a:tc>
+                  <a:txBody>
+                    <a:bodyPr/>
+                    <a:lstStyle/>
+                    <a:p>
+                      <a:endParaRPr lang="es-ES_tradnl" sz="1100" dirty="0">
+                        <a:latin typeface="Arial" charset="0"/>
+                        <a:ea typeface="Arial" charset="0"/>
+                        <a:cs typeface="Arial" charset="0"/>
+                      </a:endParaRPr>
+                    </a:p>
+                  </a:txBody>
+                  <a:tcPr marL="36000" marR="36000" marT="36000" marB="36000"/>
+                </a:tc>
+                <a:tc>
+                  <a:txBody>
+                    <a:bodyPr/>
+                    <a:lstStyle/>
+                    <a:p>
+                      <a:endParaRPr lang="es-ES_tradnl" sz="1100" dirty="0">
+                        <a:latin typeface="Arial" charset="0"/>
+                        <a:ea typeface="Arial" charset="0"/>
+                        <a:cs typeface="Arial" charset="0"/>
+                      </a:endParaRPr>
+                    </a:p>
+                  </a:txBody>
+                  <a:tcPr marL="36000" marR="36000" marT="36000" marB="36000"/>
+                </a:tc>
+                <a:tc>
+                  <a:txBody>
+                    <a:bodyPr/>
+                    <a:lstStyle/>
+                    <a:p>
+                      <a:endParaRPr lang="es-ES_tradnl" sz="1100" dirty="0">
+                        <a:latin typeface="Arial" charset="0"/>
+                        <a:ea typeface="Arial" charset="0"/>
+                        <a:cs typeface="Arial" charset="0"/>
+                      </a:endParaRPr>
+                    </a:p>
+                  </a:txBody>
+                  <a:tcPr marL="36000" marR="36000" marT="36000" marB="36000"/>
+                </a:tc>
+                <a:tc>
+                  <a:txBody>
+                    <a:bodyPr/>
+                    <a:lstStyle/>
+                    <a:p>
+                      <a:endParaRPr lang="es-ES_tradnl" sz="1100" dirty="0">
+                        <a:latin typeface="Arial" charset="0"/>
+                        <a:ea typeface="Arial" charset="0"/>
+                        <a:cs typeface="Arial" charset="0"/>
+                      </a:endParaRPr>
+                    </a:p>
+                  </a:txBody>
+                  <a:tcPr marL="36000" marR="36000" marT="36000" marB="36000"/>
+                </a:tc>
+                <a:tc>
+                  <a:txBody>
+                    <a:bodyPr/>
+                    <a:lstStyle/>
+                    <a:p>
+                      <a:endParaRPr lang="es-ES_tradnl" sz="1100" dirty="0">
+                        <a:latin typeface="Arial" charset="0"/>
+                        <a:ea typeface="Arial" charset="0"/>
+                        <a:cs typeface="Arial" charset="0"/>
+                      </a:endParaRPr>
+                    </a:p>
+                  </a:txBody>
+                  <a:tcPr marL="36000" marR="36000" marT="36000" marB="36000"/>
+                </a:tc>
+                <a:tc>
+                  <a:txBody>
+                    <a:bodyPr/>
+                    <a:lstStyle/>
+                    <a:p>
+                      <a:endParaRPr lang="es-ES_tradnl" sz="1100" dirty="0">
+                        <a:latin typeface="Arial" charset="0"/>
+                        <a:ea typeface="Arial" charset="0"/>
+                        <a:cs typeface="Arial" charset="0"/>
+                      </a:endParaRPr>
+                    </a:p>
+                  </a:txBody>
+                  <a:tcPr marL="36000" marR="36000" marT="36000" marB="36000"/>
+                </a:tc>
+                <a:tc>
+                  <a:txBody>
+                    <a:bodyPr/>
+                    <a:lstStyle/>
+                    <a:p>
+                      <a:endParaRPr lang="es-ES_tradnl" sz="1100" dirty="0">
+                        <a:latin typeface="Arial" charset="0"/>
+                        <a:ea typeface="Arial" charset="0"/>
+                        <a:cs typeface="Arial" charset="0"/>
+                      </a:endParaRPr>
+                    </a:p>
+                  </a:txBody>
+                  <a:tcPr marL="36000" marR="36000" marT="36000" marB="36000"/>
+                </a:tc>
+                <a:tc>
+                  <a:txBody>
+                    <a:bodyPr/>
+                    <a:lstStyle/>
+                    <a:p>
+                      <a:endParaRPr lang="es-ES_tradnl" sz="1100" dirty="0">
+                        <a:latin typeface="Arial" charset="0"/>
+                        <a:ea typeface="Arial" charset="0"/>
+                        <a:cs typeface="Arial" charset="0"/>
+                      </a:endParaRPr>
+                    </a:p>
+                  </a:txBody>
+                  <a:tcPr marL="36000" marR="36000" marT="36000" marB="36000"/>
+                </a:tc>
+                <a:tc>
+                  <a:txBody>
+                    <a:bodyPr/>
+                    <a:lstStyle/>
+                    <a:p>
+                      <a:endParaRPr lang="es-ES_tradnl" sz="1100" dirty="0">
+                        <a:latin typeface="Arial" charset="0"/>
+                        <a:ea typeface="Arial" charset="0"/>
+                        <a:cs typeface="Arial" charset="0"/>
+                      </a:endParaRPr>
+                    </a:p>
+                  </a:txBody>
+                  <a:tcPr marL="36000" marR="36000" marT="36000" marB="36000"/>
+                </a:tc>
+                <a:tc>
+                  <a:txBody>
+                    <a:bodyPr/>
+                    <a:lstStyle/>
+                    <a:p>
+                      <a:endParaRPr lang="es-ES_tradnl" sz="1100" dirty="0">
+                        <a:latin typeface="Arial" charset="0"/>
+                        <a:ea typeface="Arial" charset="0"/>
+                        <a:cs typeface="Arial" charset="0"/>
+                      </a:endParaRPr>
+                    </a:p>
+                  </a:txBody>
+                  <a:tcPr marL="36000" marR="36000" marT="36000" marB="36000"/>
+                </a:tc>
+              </a:tr>
+              <a:tr h="297514">
+                <a:tc>
+                  <a:txBody>
+                    <a:bodyPr/>
+                    <a:lstStyle/>
+                    <a:p>
+                      <a:endParaRPr lang="es-ES_tradnl" sz="1100" dirty="0">
+                        <a:latin typeface="Arial" charset="0"/>
+                        <a:ea typeface="Arial" charset="0"/>
+                        <a:cs typeface="Arial" charset="0"/>
+                      </a:endParaRPr>
+                    </a:p>
+                  </a:txBody>
+                  <a:tcPr marL="36000" marR="36000" marT="36000" marB="36000"/>
+                </a:tc>
+                <a:tc>
+                  <a:txBody>
+                    <a:bodyPr/>
+                    <a:lstStyle/>
+                    <a:p>
+                      <a:endParaRPr lang="es-ES_tradnl" sz="1100" dirty="0">
+                        <a:latin typeface="Arial" charset="0"/>
+                        <a:ea typeface="Arial" charset="0"/>
+                        <a:cs typeface="Arial" charset="0"/>
+                      </a:endParaRPr>
+                    </a:p>
+                  </a:txBody>
+                  <a:tcPr marL="36000" marR="36000" marT="36000" marB="36000"/>
+                </a:tc>
+                <a:tc>
+                  <a:txBody>
+                    <a:bodyPr/>
+                    <a:lstStyle/>
+                    <a:p>
+                      <a:endParaRPr lang="es-ES_tradnl" sz="1100">
+                        <a:latin typeface="Arial" charset="0"/>
+                        <a:ea typeface="Arial" charset="0"/>
+                        <a:cs typeface="Arial" charset="0"/>
+                      </a:endParaRPr>
+                    </a:p>
+                  </a:txBody>
+                  <a:tcPr marL="36000" marR="36000" marT="36000" marB="36000"/>
+                </a:tc>
+                <a:tc>
+                  <a:txBody>
+                    <a:bodyPr/>
+                    <a:lstStyle/>
+                    <a:p>
+                      <a:endParaRPr lang="es-ES_tradnl" sz="1100" dirty="0">
+                        <a:latin typeface="Arial" charset="0"/>
+                        <a:ea typeface="Arial" charset="0"/>
+                        <a:cs typeface="Arial" charset="0"/>
+                      </a:endParaRPr>
+                    </a:p>
+                  </a:txBody>
+                  <a:tcPr marL="36000" marR="36000" marT="36000" marB="36000"/>
+                </a:tc>
+                <a:tc>
+                  <a:txBody>
+                    <a:bodyPr/>
+                    <a:lstStyle/>
+                    <a:p>
+                      <a:endParaRPr lang="es-ES_tradnl" sz="1100" dirty="0">
+                        <a:latin typeface="Arial" charset="0"/>
+                        <a:ea typeface="Arial" charset="0"/>
+                        <a:cs typeface="Arial" charset="0"/>
+                      </a:endParaRPr>
+                    </a:p>
+                  </a:txBody>
+                  <a:tcPr marL="36000" marR="36000" marT="36000" marB="36000"/>
+                </a:tc>
+                <a:tc>
+                  <a:txBody>
+                    <a:bodyPr/>
+                    <a:lstStyle/>
+                    <a:p>
+                      <a:endParaRPr lang="es-ES_tradnl" sz="1100" dirty="0">
+                        <a:latin typeface="Arial" charset="0"/>
+                        <a:ea typeface="Arial" charset="0"/>
+                        <a:cs typeface="Arial" charset="0"/>
+                      </a:endParaRPr>
+                    </a:p>
+                  </a:txBody>
+                  <a:tcPr marL="36000" marR="36000" marT="36000" marB="36000"/>
+                </a:tc>
+                <a:tc>
+                  <a:txBody>
+                    <a:bodyPr/>
+                    <a:lstStyle/>
+                    <a:p>
+                      <a:endParaRPr lang="es-ES_tradnl" sz="1100" dirty="0">
+                        <a:latin typeface="Arial" charset="0"/>
+                        <a:ea typeface="Arial" charset="0"/>
+                        <a:cs typeface="Arial" charset="0"/>
+                      </a:endParaRPr>
+                    </a:p>
+                  </a:txBody>
+                  <a:tcPr marL="36000" marR="36000" marT="36000" marB="36000"/>
+                </a:tc>
+                <a:tc>
+                  <a:txBody>
+                    <a:bodyPr/>
+                    <a:lstStyle/>
+                    <a:p>
+                      <a:endParaRPr lang="es-ES_tradnl" sz="1100" dirty="0">
+                        <a:latin typeface="Arial" charset="0"/>
+                        <a:ea typeface="Arial" charset="0"/>
+                        <a:cs typeface="Arial" charset="0"/>
+                      </a:endParaRPr>
+                    </a:p>
+                  </a:txBody>
+                  <a:tcPr marL="36000" marR="36000" marT="36000" marB="36000"/>
+                </a:tc>
+                <a:tc>
+                  <a:txBody>
+                    <a:bodyPr/>
+                    <a:lstStyle/>
+                    <a:p>
+                      <a:endParaRPr lang="es-ES_tradnl" sz="1100" dirty="0">
+                        <a:latin typeface="Arial" charset="0"/>
+                        <a:ea typeface="Arial" charset="0"/>
+                        <a:cs typeface="Arial" charset="0"/>
+                      </a:endParaRPr>
+                    </a:p>
+                  </a:txBody>
+                  <a:tcPr marL="36000" marR="36000" marT="36000" marB="36000"/>
+                </a:tc>
+                <a:tc>
+                  <a:txBody>
+                    <a:bodyPr/>
+                    <a:lstStyle/>
+                    <a:p>
+                      <a:endParaRPr lang="es-ES_tradnl" sz="1100" dirty="0">
+                        <a:latin typeface="Arial" charset="0"/>
+                        <a:ea typeface="Arial" charset="0"/>
+                        <a:cs typeface="Arial" charset="0"/>
+                      </a:endParaRPr>
+                    </a:p>
+                  </a:txBody>
+                  <a:tcPr marL="36000" marR="36000" marT="36000" marB="36000"/>
+                </a:tc>
+                <a:tc>
+                  <a:txBody>
+                    <a:bodyPr/>
+                    <a:lstStyle/>
+                    <a:p>
+                      <a:endParaRPr lang="es-ES_tradnl" sz="1100" dirty="0">
+                        <a:latin typeface="Arial" charset="0"/>
+                        <a:ea typeface="Arial" charset="0"/>
+                        <a:cs typeface="Arial" charset="0"/>
+                      </a:endParaRPr>
+                    </a:p>
+                  </a:txBody>
+                  <a:tcPr marL="36000" marR="36000" marT="36000" marB="36000"/>
+                </a:tc>
+                <a:tc>
+                  <a:txBody>
+                    <a:bodyPr/>
+                    <a:lstStyle/>
+                    <a:p>
+                      <a:endParaRPr lang="es-ES_tradnl" sz="1100" dirty="0">
+                        <a:latin typeface="Arial" charset="0"/>
+                        <a:ea typeface="Arial" charset="0"/>
+                        <a:cs typeface="Arial" charset="0"/>
+                      </a:endParaRPr>
+                    </a:p>
+                  </a:txBody>
+                  <a:tcPr marL="36000" marR="36000" marT="36000" marB="36000"/>
+                </a:tc>
+                <a:tc>
+                  <a:txBody>
+                    <a:bodyPr/>
+                    <a:lstStyle/>
+                    <a:p>
+                      <a:endParaRPr lang="es-ES_tradnl" sz="1100" dirty="0">
+                        <a:latin typeface="Arial" charset="0"/>
+                        <a:ea typeface="Arial" charset="0"/>
+                        <a:cs typeface="Arial" charset="0"/>
+                      </a:endParaRPr>
+                    </a:p>
+                  </a:txBody>
+                  <a:tcPr marL="36000" marR="36000" marT="36000" marB="36000"/>
+                </a:tc>
+                <a:tc>
+                  <a:txBody>
+                    <a:bodyPr/>
+                    <a:lstStyle/>
+                    <a:p>
+                      <a:endParaRPr lang="es-ES_tradnl" sz="1100" dirty="0">
+                        <a:latin typeface="Arial" charset="0"/>
+                        <a:ea typeface="Arial" charset="0"/>
+                        <a:cs typeface="Arial" charset="0"/>
+                      </a:endParaRPr>
+                    </a:p>
+                  </a:txBody>
+                  <a:tcPr marL="36000" marR="36000" marT="36000" marB="36000"/>
+                </a:tc>
+                <a:tc>
+                  <a:txBody>
+                    <a:bodyPr/>
+                    <a:lstStyle/>
+                    <a:p>
+                      <a:endParaRPr lang="es-ES_tradnl" sz="1100" dirty="0">
+                        <a:latin typeface="Arial" charset="0"/>
+                        <a:ea typeface="Arial" charset="0"/>
+                        <a:cs typeface="Arial" charset="0"/>
+                      </a:endParaRPr>
+                    </a:p>
+                  </a:txBody>
+                  <a:tcPr marL="36000" marR="36000" marT="36000" marB="36000"/>
+                </a:tc>
+                <a:tc>
+                  <a:txBody>
+                    <a:bodyPr/>
+                    <a:lstStyle/>
+                    <a:p>
+                      <a:endParaRPr lang="es-ES_tradnl" sz="1100" dirty="0">
+                        <a:latin typeface="Arial" charset="0"/>
+                        <a:ea typeface="Arial" charset="0"/>
+                        <a:cs typeface="Arial" charset="0"/>
+                      </a:endParaRPr>
+                    </a:p>
+                  </a:txBody>
+                  <a:tcPr marL="36000" marR="36000" marT="36000" marB="36000"/>
+                </a:tc>
+              </a:tr>
+              <a:tr h="297514">
+                <a:tc>
+                  <a:txBody>
+                    <a:bodyPr/>
+                    <a:lstStyle/>
+                    <a:p>
+                      <a:endParaRPr lang="es-ES_tradnl" sz="1100" dirty="0">
+                        <a:latin typeface="Arial" charset="0"/>
+                        <a:ea typeface="Arial" charset="0"/>
+                        <a:cs typeface="Arial" charset="0"/>
+                      </a:endParaRPr>
+                    </a:p>
+                  </a:txBody>
+                  <a:tcPr marL="36000" marR="36000" marT="36000" marB="36000"/>
+                </a:tc>
+                <a:tc>
+                  <a:txBody>
+                    <a:bodyPr/>
+                    <a:lstStyle/>
+                    <a:p>
+                      <a:endParaRPr lang="es-ES_tradnl" sz="1100" dirty="0">
+                        <a:latin typeface="Arial" charset="0"/>
+                        <a:ea typeface="Arial" charset="0"/>
+                        <a:cs typeface="Arial" charset="0"/>
+                      </a:endParaRPr>
+                    </a:p>
+                  </a:txBody>
+                  <a:tcPr marL="36000" marR="36000" marT="36000" marB="36000"/>
+                </a:tc>
+                <a:tc>
+                  <a:txBody>
+                    <a:bodyPr/>
+                    <a:lstStyle/>
+                    <a:p>
+                      <a:endParaRPr lang="es-ES_tradnl" sz="1100">
+                        <a:latin typeface="Arial" charset="0"/>
+                        <a:ea typeface="Arial" charset="0"/>
+                        <a:cs typeface="Arial" charset="0"/>
+                      </a:endParaRPr>
+                    </a:p>
+                  </a:txBody>
+                  <a:tcPr marL="36000" marR="36000" marT="36000" marB="36000"/>
+                </a:tc>
+                <a:tc>
+                  <a:txBody>
+                    <a:bodyPr/>
+                    <a:lstStyle/>
+                    <a:p>
+                      <a:endParaRPr lang="es-ES_tradnl" sz="1100" dirty="0">
+                        <a:latin typeface="Arial" charset="0"/>
+                        <a:ea typeface="Arial" charset="0"/>
+                        <a:cs typeface="Arial" charset="0"/>
+                      </a:endParaRPr>
+                    </a:p>
+                  </a:txBody>
+                  <a:tcPr marL="36000" marR="36000" marT="36000" marB="36000"/>
+                </a:tc>
+                <a:tc>
+                  <a:txBody>
+                    <a:bodyPr/>
+                    <a:lstStyle/>
+                    <a:p>
+                      <a:endParaRPr lang="es-ES_tradnl" sz="1100" dirty="0">
+                        <a:latin typeface="Arial" charset="0"/>
+                        <a:ea typeface="Arial" charset="0"/>
+                        <a:cs typeface="Arial" charset="0"/>
+                      </a:endParaRPr>
+                    </a:p>
+                  </a:txBody>
+                  <a:tcPr marL="36000" marR="36000" marT="36000" marB="36000"/>
+                </a:tc>
+                <a:tc>
+                  <a:txBody>
+                    <a:bodyPr/>
+                    <a:lstStyle/>
+                    <a:p>
+                      <a:endParaRPr lang="es-ES_tradnl" sz="1100" dirty="0">
+                        <a:latin typeface="Arial" charset="0"/>
+                        <a:ea typeface="Arial" charset="0"/>
+                        <a:cs typeface="Arial" charset="0"/>
+                      </a:endParaRPr>
+                    </a:p>
+                  </a:txBody>
+                  <a:tcPr marL="36000" marR="36000" marT="36000" marB="36000"/>
+                </a:tc>
+                <a:tc>
+                  <a:txBody>
+                    <a:bodyPr/>
+                    <a:lstStyle/>
+                    <a:p>
+                      <a:endParaRPr lang="es-ES_tradnl" sz="1100" dirty="0">
+                        <a:latin typeface="Arial" charset="0"/>
+                        <a:ea typeface="Arial" charset="0"/>
+                        <a:cs typeface="Arial" charset="0"/>
+                      </a:endParaRPr>
+                    </a:p>
+                  </a:txBody>
+                  <a:tcPr marL="36000" marR="36000" marT="36000" marB="36000"/>
+                </a:tc>
+                <a:tc>
+                  <a:txBody>
+                    <a:bodyPr/>
+                    <a:lstStyle/>
+                    <a:p>
+                      <a:endParaRPr lang="es-ES_tradnl" sz="1100" dirty="0">
+                        <a:latin typeface="Arial" charset="0"/>
+                        <a:ea typeface="Arial" charset="0"/>
+                        <a:cs typeface="Arial" charset="0"/>
+                      </a:endParaRPr>
+                    </a:p>
+                  </a:txBody>
+                  <a:tcPr marL="36000" marR="36000" marT="36000" marB="36000"/>
+                </a:tc>
+                <a:tc>
+                  <a:txBody>
+                    <a:bodyPr/>
+                    <a:lstStyle/>
+                    <a:p>
+                      <a:endParaRPr lang="es-ES_tradnl" sz="1100" dirty="0">
+                        <a:latin typeface="Arial" charset="0"/>
+                        <a:ea typeface="Arial" charset="0"/>
+                        <a:cs typeface="Arial" charset="0"/>
+                      </a:endParaRPr>
+                    </a:p>
+                  </a:txBody>
+                  <a:tcPr marL="36000" marR="36000" marT="36000" marB="36000"/>
+                </a:tc>
+                <a:tc>
+                  <a:txBody>
+                    <a:bodyPr/>
+                    <a:lstStyle/>
+                    <a:p>
+                      <a:endParaRPr lang="es-ES_tradnl" sz="1100" dirty="0">
+                        <a:latin typeface="Arial" charset="0"/>
+                        <a:ea typeface="Arial" charset="0"/>
+                        <a:cs typeface="Arial" charset="0"/>
+                      </a:endParaRPr>
+                    </a:p>
+                  </a:txBody>
+                  <a:tcPr marL="36000" marR="36000" marT="36000" marB="36000"/>
+                </a:tc>
+                <a:tc>
+                  <a:txBody>
+                    <a:bodyPr/>
+                    <a:lstStyle/>
+                    <a:p>
+                      <a:endParaRPr lang="es-ES_tradnl" sz="1100" dirty="0">
+                        <a:latin typeface="Arial" charset="0"/>
+                        <a:ea typeface="Arial" charset="0"/>
+                        <a:cs typeface="Arial" charset="0"/>
+                      </a:endParaRPr>
+                    </a:p>
+                  </a:txBody>
+                  <a:tcPr marL="36000" marR="36000" marT="36000" marB="36000"/>
+                </a:tc>
+                <a:tc>
+                  <a:txBody>
+                    <a:bodyPr/>
+                    <a:lstStyle/>
+                    <a:p>
+                      <a:endParaRPr lang="es-ES_tradnl" sz="1100" dirty="0">
+                        <a:latin typeface="Arial" charset="0"/>
+                        <a:ea typeface="Arial" charset="0"/>
+                        <a:cs typeface="Arial" charset="0"/>
+                      </a:endParaRPr>
+                    </a:p>
+                  </a:txBody>
+                  <a:tcPr marL="36000" marR="36000" marT="36000" marB="36000"/>
+                </a:tc>
+                <a:tc>
+                  <a:txBody>
+                    <a:bodyPr/>
+                    <a:lstStyle/>
+                    <a:p>
+                      <a:endParaRPr lang="es-ES_tradnl" sz="1100" dirty="0">
+                        <a:latin typeface="Arial" charset="0"/>
+                        <a:ea typeface="Arial" charset="0"/>
+                        <a:cs typeface="Arial" charset="0"/>
+                      </a:endParaRPr>
+                    </a:p>
+                  </a:txBody>
+                  <a:tcPr marL="36000" marR="36000" marT="36000" marB="36000"/>
+                </a:tc>
+                <a:tc>
+                  <a:txBody>
+                    <a:bodyPr/>
+                    <a:lstStyle/>
+                    <a:p>
+                      <a:endParaRPr lang="es-ES_tradnl" sz="1100" dirty="0">
+                        <a:latin typeface="Arial" charset="0"/>
+                        <a:ea typeface="Arial" charset="0"/>
+                        <a:cs typeface="Arial" charset="0"/>
+                      </a:endParaRPr>
+                    </a:p>
+                  </a:txBody>
+                  <a:tcPr marL="36000" marR="36000" marT="36000" marB="36000"/>
+                </a:tc>
+                <a:tc>
+                  <a:txBody>
+                    <a:bodyPr/>
+                    <a:lstStyle/>
+                    <a:p>
+                      <a:endParaRPr lang="es-ES_tradnl" sz="1100" dirty="0">
+                        <a:latin typeface="Arial" charset="0"/>
+                        <a:ea typeface="Arial" charset="0"/>
+                        <a:cs typeface="Arial" charset="0"/>
+                      </a:endParaRPr>
+                    </a:p>
+                  </a:txBody>
+                  <a:tcPr marL="36000" marR="36000" marT="36000" marB="36000"/>
+                </a:tc>
+                <a:tc>
+                  <a:txBody>
+                    <a:bodyPr/>
+                    <a:lstStyle/>
+                    <a:p>
+                      <a:endParaRPr lang="es-ES_tradnl" sz="1100" dirty="0">
+                        <a:latin typeface="Arial" charset="0"/>
+                        <a:ea typeface="Arial" charset="0"/>
+                        <a:cs typeface="Arial" charset="0"/>
+                      </a:endParaRPr>
+                    </a:p>
+                  </a:txBody>
+                  <a:tcPr marL="36000" marR="36000" marT="36000" marB="36000"/>
+                </a:tc>
+              </a:tr>
+              <a:tr h="297514">
+                <a:tc>
+                  <a:txBody>
+                    <a:bodyPr/>
+                    <a:lstStyle/>
+                    <a:p>
+                      <a:endParaRPr lang="es-ES_tradnl" sz="1100" dirty="0">
+                        <a:latin typeface="Arial" charset="0"/>
+                        <a:ea typeface="Arial" charset="0"/>
+                        <a:cs typeface="Arial" charset="0"/>
+                      </a:endParaRPr>
+                    </a:p>
+                  </a:txBody>
+                  <a:tcPr marL="36000" marR="36000" marT="36000" marB="36000"/>
+                </a:tc>
+                <a:tc>
+                  <a:txBody>
+                    <a:bodyPr/>
+                    <a:lstStyle/>
+                    <a:p>
+                      <a:endParaRPr lang="es-ES_tradnl" sz="1100" dirty="0">
+                        <a:latin typeface="Arial" charset="0"/>
+                        <a:ea typeface="Arial" charset="0"/>
+                        <a:cs typeface="Arial" charset="0"/>
+                      </a:endParaRPr>
+                    </a:p>
+                  </a:txBody>
+                  <a:tcPr marL="36000" marR="36000" marT="36000" marB="36000"/>
+                </a:tc>
+                <a:tc>
+                  <a:txBody>
+                    <a:bodyPr/>
+                    <a:lstStyle/>
+                    <a:p>
+                      <a:endParaRPr lang="es-ES_tradnl" sz="1100">
+                        <a:latin typeface="Arial" charset="0"/>
+                        <a:ea typeface="Arial" charset="0"/>
+                        <a:cs typeface="Arial" charset="0"/>
+                      </a:endParaRPr>
+                    </a:p>
+                  </a:txBody>
+                  <a:tcPr marL="36000" marR="36000" marT="36000" marB="36000"/>
+                </a:tc>
+                <a:tc>
+                  <a:txBody>
+                    <a:bodyPr/>
+                    <a:lstStyle/>
+                    <a:p>
+                      <a:endParaRPr lang="es-ES_tradnl" sz="1100" dirty="0">
+                        <a:latin typeface="Arial" charset="0"/>
+                        <a:ea typeface="Arial" charset="0"/>
+                        <a:cs typeface="Arial" charset="0"/>
+                      </a:endParaRPr>
+                    </a:p>
+                  </a:txBody>
+                  <a:tcPr marL="36000" marR="36000" marT="36000" marB="36000"/>
+                </a:tc>
+                <a:tc>
+                  <a:txBody>
+                    <a:bodyPr/>
+                    <a:lstStyle/>
+                    <a:p>
+                      <a:endParaRPr lang="es-ES_tradnl" sz="1100" dirty="0">
+                        <a:latin typeface="Arial" charset="0"/>
+                        <a:ea typeface="Arial" charset="0"/>
+                        <a:cs typeface="Arial" charset="0"/>
+                      </a:endParaRPr>
+                    </a:p>
+                  </a:txBody>
+                  <a:tcPr marL="36000" marR="36000" marT="36000" marB="36000"/>
+                </a:tc>
+                <a:tc>
+                  <a:txBody>
+                    <a:bodyPr/>
+                    <a:lstStyle/>
+                    <a:p>
+                      <a:endParaRPr lang="es-ES_tradnl" sz="1100" dirty="0">
+                        <a:latin typeface="Arial" charset="0"/>
+                        <a:ea typeface="Arial" charset="0"/>
+                        <a:cs typeface="Arial" charset="0"/>
+                      </a:endParaRPr>
+                    </a:p>
+                  </a:txBody>
+                  <a:tcPr marL="36000" marR="36000" marT="36000" marB="36000"/>
+                </a:tc>
+                <a:tc>
+                  <a:txBody>
+                    <a:bodyPr/>
+                    <a:lstStyle/>
+                    <a:p>
+                      <a:endParaRPr lang="es-ES_tradnl" sz="1100" dirty="0">
+                        <a:latin typeface="Arial" charset="0"/>
+                        <a:ea typeface="Arial" charset="0"/>
+                        <a:cs typeface="Arial" charset="0"/>
+                      </a:endParaRPr>
+                    </a:p>
+                  </a:txBody>
+                  <a:tcPr marL="36000" marR="36000" marT="36000" marB="36000"/>
+                </a:tc>
+                <a:tc>
+                  <a:txBody>
+                    <a:bodyPr/>
+                    <a:lstStyle/>
+                    <a:p>
+                      <a:endParaRPr lang="es-ES_tradnl" sz="1100" dirty="0">
+                        <a:latin typeface="Arial" charset="0"/>
+                        <a:ea typeface="Arial" charset="0"/>
+                        <a:cs typeface="Arial" charset="0"/>
+                      </a:endParaRPr>
+                    </a:p>
+                  </a:txBody>
+                  <a:tcPr marL="36000" marR="36000" marT="36000" marB="36000"/>
+                </a:tc>
+                <a:tc>
+                  <a:txBody>
+                    <a:bodyPr/>
+                    <a:lstStyle/>
+                    <a:p>
+                      <a:endParaRPr lang="es-ES_tradnl" sz="1100" dirty="0">
+                        <a:latin typeface="Arial" charset="0"/>
+                        <a:ea typeface="Arial" charset="0"/>
+                        <a:cs typeface="Arial" charset="0"/>
+                      </a:endParaRPr>
+                    </a:p>
+                  </a:txBody>
+                  <a:tcPr marL="36000" marR="36000" marT="36000" marB="36000"/>
+                </a:tc>
+                <a:tc>
+                  <a:txBody>
+                    <a:bodyPr/>
+                    <a:lstStyle/>
+                    <a:p>
+                      <a:endParaRPr lang="es-ES_tradnl" sz="1100" dirty="0">
+                        <a:latin typeface="Arial" charset="0"/>
+                        <a:ea typeface="Arial" charset="0"/>
+                        <a:cs typeface="Arial" charset="0"/>
+                      </a:endParaRPr>
+                    </a:p>
+                  </a:txBody>
+                  <a:tcPr marL="36000" marR="36000" marT="36000" marB="36000"/>
+                </a:tc>
+                <a:tc>
+                  <a:txBody>
+                    <a:bodyPr/>
+                    <a:lstStyle/>
+                    <a:p>
+                      <a:endParaRPr lang="es-ES_tradnl" sz="1100" dirty="0">
+                        <a:latin typeface="Arial" charset="0"/>
+                        <a:ea typeface="Arial" charset="0"/>
+                        <a:cs typeface="Arial" charset="0"/>
+                      </a:endParaRPr>
+                    </a:p>
+                  </a:txBody>
+                  <a:tcPr marL="36000" marR="36000" marT="36000" marB="36000"/>
+                </a:tc>
+                <a:tc>
+                  <a:txBody>
+                    <a:bodyPr/>
+                    <a:lstStyle/>
+                    <a:p>
+                      <a:endParaRPr lang="es-ES_tradnl" sz="1100" dirty="0">
+                        <a:latin typeface="Arial" charset="0"/>
+                        <a:ea typeface="Arial" charset="0"/>
+                        <a:cs typeface="Arial" charset="0"/>
+                      </a:endParaRPr>
+                    </a:p>
+                  </a:txBody>
+                  <a:tcPr marL="36000" marR="36000" marT="36000" marB="36000"/>
+                </a:tc>
+                <a:tc>
+                  <a:txBody>
+                    <a:bodyPr/>
+                    <a:lstStyle/>
+                    <a:p>
+                      <a:endParaRPr lang="es-ES_tradnl" sz="1100" dirty="0">
+                        <a:latin typeface="Arial" charset="0"/>
+                        <a:ea typeface="Arial" charset="0"/>
+                        <a:cs typeface="Arial" charset="0"/>
+                      </a:endParaRPr>
+                    </a:p>
+                  </a:txBody>
+                  <a:tcPr marL="36000" marR="36000" marT="36000" marB="36000"/>
+                </a:tc>
+                <a:tc>
+                  <a:txBody>
+                    <a:bodyPr/>
+                    <a:lstStyle/>
+                    <a:p>
+                      <a:endParaRPr lang="es-ES_tradnl" sz="1100" dirty="0">
+                        <a:latin typeface="Arial" charset="0"/>
+                        <a:ea typeface="Arial" charset="0"/>
+                        <a:cs typeface="Arial" charset="0"/>
+                      </a:endParaRPr>
+                    </a:p>
+                  </a:txBody>
+                  <a:tcPr marL="36000" marR="36000" marT="36000" marB="36000"/>
+                </a:tc>
+                <a:tc>
+                  <a:txBody>
+                    <a:bodyPr/>
+                    <a:lstStyle/>
+                    <a:p>
+                      <a:endParaRPr lang="es-ES_tradnl" sz="1100" dirty="0">
+                        <a:latin typeface="Arial" charset="0"/>
+                        <a:ea typeface="Arial" charset="0"/>
+                        <a:cs typeface="Arial" charset="0"/>
+                      </a:endParaRPr>
+                    </a:p>
+                  </a:txBody>
+                  <a:tcPr marL="36000" marR="36000" marT="36000" marB="36000"/>
+                </a:tc>
+                <a:tc>
+                  <a:txBody>
+                    <a:bodyPr/>
+                    <a:lstStyle/>
+                    <a:p>
+                      <a:endParaRPr lang="es-ES_tradnl" sz="1100" dirty="0">
+                        <a:latin typeface="Arial" charset="0"/>
+                        <a:ea typeface="Arial" charset="0"/>
+                        <a:cs typeface="Arial" charset="0"/>
+                      </a:endParaRPr>
+                    </a:p>
+                  </a:txBody>
+                  <a:tcPr marL="36000" marR="36000" marT="36000" marB="36000"/>
+                </a:tc>
+              </a:tr>
+            </a:tbl>
+          </a:graphicData>
+        </a:graphic>
+      </p:graphicFrame>
       <p:sp>
         <p:nvSpPr>
-          <p:cNvPr id="3" name="Marcador de contenido 2"/>
-          <p:cNvSpPr>
-            <a:spLocks noGrp="1"/>
-          </p:cNvSpPr>
-          <p:nvPr>
-            <p:ph idx="1"/>
-          </p:nvPr>
+          <p:cNvPr id="7" name="Rectángulo 6"/>
+          <p:cNvSpPr/>
+          <p:nvPr/>
         </p:nvSpPr>
-        <p:spPr/>
+        <p:spPr>
+          <a:xfrm>
+            <a:off x="241738" y="1345323"/>
+            <a:ext cx="11729545" cy="1042221"/>
+          </a:xfrm>
+          <a:prstGeom prst="rect">
+            <a:avLst/>
+          </a:prstGeom>
+          <a:noFill/>
+          <a:ln w="19050">
+            <a:solidFill>
+              <a:schemeClr val="accent6">
+                <a:lumMod val="50000"/>
+              </a:schemeClr>
+            </a:solidFill>
+          </a:ln>
+        </p:spPr>
+        <p:style>
+          <a:lnRef idx="2">
+            <a:schemeClr val="accent1">
+              <a:shade val="50000"/>
+            </a:schemeClr>
+          </a:lnRef>
+          <a:fillRef idx="1">
+            <a:schemeClr val="accent1"/>
+          </a:fillRef>
+          <a:effectRef idx="0">
+            <a:schemeClr val="accent1"/>
+          </a:effectRef>
+          <a:fontRef idx="minor">
+            <a:schemeClr val="lt1"/>
+          </a:fontRef>
+        </p:style>
         <p:txBody>
-          <a:bodyPr/>
+          <a:bodyPr rtlCol="0" anchor="ctr"/>
           <a:lstStyle/>
           <a:p>
-            <a:endParaRPr lang="es-ES_tradnl" dirty="0"/>
+            <a:pPr algn="ctr"/>
+            <a:endParaRPr lang="es-ES_tradnl"/>
+          </a:p>
+        </p:txBody>
+      </p:sp>
+      <p:sp>
+        <p:nvSpPr>
+          <p:cNvPr id="8" name="Rectángulo 7"/>
+          <p:cNvSpPr/>
+          <p:nvPr/>
+        </p:nvSpPr>
+        <p:spPr>
+          <a:xfrm>
+            <a:off x="241738" y="2472157"/>
+            <a:ext cx="11729545" cy="3641034"/>
+          </a:xfrm>
+          <a:prstGeom prst="rect">
+            <a:avLst/>
+          </a:prstGeom>
+          <a:noFill/>
+          <a:ln w="19050">
+            <a:solidFill>
+              <a:schemeClr val="accent6">
+                <a:lumMod val="50000"/>
+              </a:schemeClr>
+            </a:solidFill>
+          </a:ln>
+        </p:spPr>
+        <p:style>
+          <a:lnRef idx="2">
+            <a:schemeClr val="accent1">
+              <a:shade val="50000"/>
+            </a:schemeClr>
+          </a:lnRef>
+          <a:fillRef idx="1">
+            <a:schemeClr val="accent1"/>
+          </a:fillRef>
+          <a:effectRef idx="0">
+            <a:schemeClr val="accent1"/>
+          </a:effectRef>
+          <a:fontRef idx="minor">
+            <a:schemeClr val="lt1"/>
+          </a:fontRef>
+        </p:style>
+        <p:txBody>
+          <a:bodyPr rtlCol="0" anchor="ctr"/>
+          <a:lstStyle/>
+          <a:p>
+            <a:pPr algn="ctr"/>
+            <a:endParaRPr lang="es-ES_tradnl"/>
+          </a:p>
+        </p:txBody>
+      </p:sp>
+      <p:sp>
+        <p:nvSpPr>
+          <p:cNvPr id="10" name="CuadroTexto 9"/>
+          <p:cNvSpPr txBox="1"/>
+          <p:nvPr/>
+        </p:nvSpPr>
+        <p:spPr>
+          <a:xfrm>
+            <a:off x="4871545" y="972212"/>
+            <a:ext cx="3394841" cy="323165"/>
+          </a:xfrm>
+          <a:prstGeom prst="rect">
+            <a:avLst/>
+          </a:prstGeom>
+          <a:noFill/>
+        </p:spPr>
+        <p:txBody>
+          <a:bodyPr wrap="square" rtlCol="0">
+            <a:spAutoFit/>
+          </a:bodyPr>
+          <a:lstStyle/>
+          <a:p>
+            <a:pPr algn="ctr"/>
+            <a:r>
+              <a:rPr lang="es-ES_tradnl" sz="1500" b="1" i="1" dirty="0" smtClean="0">
+                <a:solidFill>
+                  <a:schemeClr val="tx1">
+                    <a:lumMod val="75000"/>
+                    <a:lumOff val="25000"/>
+                  </a:schemeClr>
+                </a:solidFill>
+                <a:latin typeface="Arial" charset="0"/>
+                <a:ea typeface="Arial" charset="0"/>
+                <a:cs typeface="Arial" charset="0"/>
+              </a:rPr>
+              <a:t>Ficha T</a:t>
+            </a:r>
+            <a:r>
+              <a:rPr lang="es-ES" sz="1500" b="1" i="1" dirty="0" err="1" smtClean="0">
+                <a:solidFill>
+                  <a:schemeClr val="tx1">
+                    <a:lumMod val="75000"/>
+                    <a:lumOff val="25000"/>
+                  </a:schemeClr>
+                </a:solidFill>
+                <a:latin typeface="Arial" charset="0"/>
+                <a:ea typeface="Arial" charset="0"/>
+                <a:cs typeface="Arial" charset="0"/>
+              </a:rPr>
+              <a:t>écnica</a:t>
+            </a:r>
+            <a:endParaRPr lang="es-ES_tradnl" sz="1500" b="1" i="1" dirty="0">
+              <a:solidFill>
+                <a:schemeClr val="tx1">
+                  <a:lumMod val="75000"/>
+                  <a:lumOff val="25000"/>
+                </a:schemeClr>
+              </a:solidFill>
+              <a:latin typeface="Arial" charset="0"/>
+              <a:ea typeface="Arial" charset="0"/>
+              <a:cs typeface="Arial" charset="0"/>
+            </a:endParaRPr>
+          </a:p>
+        </p:txBody>
+      </p:sp>
+      <p:sp>
+        <p:nvSpPr>
+          <p:cNvPr id="12" name="CuadroTexto 11"/>
+          <p:cNvSpPr txBox="1"/>
+          <p:nvPr/>
+        </p:nvSpPr>
+        <p:spPr>
+          <a:xfrm>
+            <a:off x="220725" y="1317916"/>
+            <a:ext cx="1492468" cy="292388"/>
+          </a:xfrm>
+          <a:prstGeom prst="rect">
+            <a:avLst/>
+          </a:prstGeom>
+          <a:noFill/>
+        </p:spPr>
+        <p:txBody>
+          <a:bodyPr wrap="square" rtlCol="0">
+            <a:spAutoFit/>
+          </a:bodyPr>
+          <a:lstStyle/>
+          <a:p>
+            <a:pPr algn="ctr"/>
+            <a:r>
+              <a:rPr lang="es-ES" sz="1300" b="1" i="1" smtClean="0">
+                <a:solidFill>
+                  <a:schemeClr val="tx1">
+                    <a:lumMod val="75000"/>
+                    <a:lumOff val="25000"/>
+                  </a:schemeClr>
+                </a:solidFill>
+                <a:latin typeface="Arial" charset="0"/>
+                <a:ea typeface="Arial" charset="0"/>
+                <a:cs typeface="Arial" charset="0"/>
+              </a:rPr>
+              <a:t>Datos Generales</a:t>
+            </a:r>
+            <a:endParaRPr lang="es-ES_tradnl" sz="1300" b="1" i="1" dirty="0">
+              <a:solidFill>
+                <a:schemeClr val="tx1">
+                  <a:lumMod val="75000"/>
+                  <a:lumOff val="25000"/>
+                </a:schemeClr>
+              </a:solidFill>
+              <a:latin typeface="Arial" charset="0"/>
+              <a:ea typeface="Arial" charset="0"/>
+              <a:cs typeface="Arial" charset="0"/>
+            </a:endParaRPr>
+          </a:p>
+        </p:txBody>
+      </p:sp>
+      <p:sp>
+        <p:nvSpPr>
+          <p:cNvPr id="13" name="CuadroTexto 12"/>
+          <p:cNvSpPr txBox="1"/>
+          <p:nvPr/>
+        </p:nvSpPr>
+        <p:spPr>
+          <a:xfrm>
+            <a:off x="220725" y="2450071"/>
+            <a:ext cx="935420" cy="292388"/>
+          </a:xfrm>
+          <a:prstGeom prst="rect">
+            <a:avLst/>
+          </a:prstGeom>
+          <a:noFill/>
+        </p:spPr>
+        <p:txBody>
+          <a:bodyPr wrap="square" rtlCol="0">
+            <a:spAutoFit/>
+          </a:bodyPr>
+          <a:lstStyle/>
+          <a:p>
+            <a:pPr algn="ctr"/>
+            <a:r>
+              <a:rPr lang="es-ES" sz="1300" b="1" i="1" dirty="0" smtClean="0">
+                <a:solidFill>
+                  <a:schemeClr val="tx1">
+                    <a:lumMod val="75000"/>
+                    <a:lumOff val="25000"/>
+                  </a:schemeClr>
+                </a:solidFill>
+                <a:latin typeface="Arial" charset="0"/>
+                <a:ea typeface="Arial" charset="0"/>
+                <a:cs typeface="Arial" charset="0"/>
+              </a:rPr>
+              <a:t>Avances</a:t>
+            </a:r>
+            <a:endParaRPr lang="es-ES_tradnl" sz="1300" b="1" i="1" dirty="0">
+              <a:solidFill>
+                <a:schemeClr val="tx1">
+                  <a:lumMod val="75000"/>
+                  <a:lumOff val="25000"/>
+                </a:schemeClr>
+              </a:solidFill>
+              <a:latin typeface="Arial" charset="0"/>
+              <a:ea typeface="Arial" charset="0"/>
+              <a:cs typeface="Arial" charset="0"/>
+            </a:endParaRPr>
           </a:p>
         </p:txBody>
       </p:sp>
@@ -7555,7 +11136,7 @@
     </a:clrScheme>
     <a:fontScheme name="Office">
       <a:majorFont>
-        <a:latin typeface="Calibri Light" panose="020F0302020204030204"/>
+        <a:latin typeface="Calibri Light"/>
         <a:ea typeface=""/>
         <a:cs typeface=""/>
         <a:font script="Jpan" typeface="Yu Gothic Light"/>
@@ -7590,7 +11171,7 @@
         <a:font script="Geor" typeface="Sylfaen"/>
       </a:majorFont>
       <a:minorFont>
-        <a:latin typeface="Calibri" panose="020F0502020204030204"/>
+        <a:latin typeface="Calibri"/>
         <a:ea typeface=""/>
         <a:cs typeface=""/>
         <a:font script="Jpan" typeface="Yu Gothic"/>
@@ -7767,7 +11348,7 @@
   <a:extraClrSchemeLst/>
   <a:extLst>
     <a:ext uri="{05A4C25C-085E-4340-85A3-A5531E510DB2}">
-      <thm15:themeFamily xmlns:thm15="http://schemas.microsoft.com/office/thememl/2012/main" name="Office Theme" id="{62F939B6-93AF-4DB8-9C6B-D6C7DFDC589F}" vid="{4A3C46E8-61CC-4603-A589-7422A47A8E4A}"/>
+      <thm15:themeFamily xmlns:thm15="http://schemas.microsoft.com/office/thememl/2012/main" xmlns="" name="Office Theme" id="{62F939B6-93AF-4DB8-9C6B-D6C7DFDC589F}" vid="{4A3C46E8-61CC-4603-A589-7422A47A8E4A}"/>
     </a:ext>
   </a:extLst>
 </a:theme>

--- a/djangoISSSTE/static/ppt/Ficha_Tecnica_Avance.pptx
+++ b/djangoISSSTE/static/ppt/Ficha_Tecnica_Avance.pptx
@@ -107,7 +107,7 @@
   </p:defaultTextStyle>
   <p:extLst>
     <p:ext uri="{EFAFB233-063F-42B5-8137-9DF3F51BA10A}">
-      <p15:sldGuideLst xmlns:p15="http://schemas.microsoft.com/office/powerpoint/2012/main" xmlns=""/>
+      <p15:sldGuideLst xmlns:p15="http://schemas.microsoft.com/office/powerpoint/2012/main"/>
     </p:ext>
   </p:extLst>
 </p:presentation>
@@ -580,7 +580,7 @@
           <a:p>
             <a:fld id="{02329761-4139-EC4D-8014-1F5D651A2AAB}" type="datetimeFigureOut">
               <a:rPr lang="es-ES_tradnl" smtClean="0"/>
-              <a:t>16/05/16</a:t>
+              <a:t>16/05/2016</a:t>
             </a:fld>
             <a:endParaRPr lang="es-ES_tradnl"/>
           </a:p>
@@ -630,7 +630,7 @@
           <a:p>
             <a:fld id="{C5340882-AF97-6B4E-908F-056A5ABD283A}" type="slidenum">
               <a:rPr lang="es-ES_tradnl" smtClean="0"/>
-              <a:t>‹Nr.›</a:t>
+              <a:t>‹Nº›</a:t>
             </a:fld>
             <a:endParaRPr lang="es-ES_tradnl"/>
           </a:p>
@@ -776,7 +776,7 @@
           <a:p>
             <a:fld id="{02329761-4139-EC4D-8014-1F5D651A2AAB}" type="datetimeFigureOut">
               <a:rPr lang="es-ES_tradnl" smtClean="0"/>
-              <a:t>16/05/16</a:t>
+              <a:t>16/05/2016</a:t>
             </a:fld>
             <a:endParaRPr lang="es-ES_tradnl"/>
           </a:p>
@@ -826,7 +826,7 @@
           <a:p>
             <a:fld id="{C5340882-AF97-6B4E-908F-056A5ABD283A}" type="slidenum">
               <a:rPr lang="es-ES_tradnl" smtClean="0"/>
-              <a:t>‹Nr.›</a:t>
+              <a:t>‹Nº›</a:t>
             </a:fld>
             <a:endParaRPr lang="es-ES_tradnl"/>
           </a:p>
@@ -1340,7 +1340,7 @@
           <a:p>
             <a:fld id="{02329761-4139-EC4D-8014-1F5D651A2AAB}" type="datetimeFigureOut">
               <a:rPr lang="es-ES_tradnl" smtClean="0"/>
-              <a:t>16/05/16</a:t>
+              <a:t>16/05/2016</a:t>
             </a:fld>
             <a:endParaRPr lang="es-ES_tradnl"/>
           </a:p>
@@ -1390,7 +1390,7 @@
           <a:p>
             <a:fld id="{C5340882-AF97-6B4E-908F-056A5ABD283A}" type="slidenum">
               <a:rPr lang="es-ES_tradnl" smtClean="0"/>
-              <a:t>‹Nr.›</a:t>
+              <a:t>‹Nº›</a:t>
             </a:fld>
             <a:endParaRPr lang="es-ES_tradnl"/>
           </a:p>
@@ -1588,7 +1588,7 @@
           <a:p>
             <a:fld id="{02329761-4139-EC4D-8014-1F5D651A2AAB}" type="datetimeFigureOut">
               <a:rPr lang="es-ES_tradnl" smtClean="0"/>
-              <a:t>16/05/16</a:t>
+              <a:t>16/05/2016</a:t>
             </a:fld>
             <a:endParaRPr lang="es-ES_tradnl"/>
           </a:p>
@@ -1638,7 +1638,7 @@
           <a:p>
             <a:fld id="{C5340882-AF97-6B4E-908F-056A5ABD283A}" type="slidenum">
               <a:rPr lang="es-ES_tradnl" smtClean="0"/>
-              <a:t>‹Nr.›</a:t>
+              <a:t>‹Nº›</a:t>
             </a:fld>
             <a:endParaRPr lang="es-ES_tradnl"/>
           </a:p>
@@ -1971,7 +1971,7 @@
           <a:p>
             <a:fld id="{02329761-4139-EC4D-8014-1F5D651A2AAB}" type="datetimeFigureOut">
               <a:rPr lang="es-ES_tradnl" smtClean="0"/>
-              <a:t>16/05/16</a:t>
+              <a:t>16/05/2016</a:t>
             </a:fld>
             <a:endParaRPr lang="es-ES_tradnl"/>
           </a:p>
@@ -2021,7 +2021,7 @@
           <a:p>
             <a:fld id="{C5340882-AF97-6B4E-908F-056A5ABD283A}" type="slidenum">
               <a:rPr lang="es-ES_tradnl" smtClean="0"/>
-              <a:t>‹Nr.›</a:t>
+              <a:t>‹Nº›</a:t>
             </a:fld>
             <a:endParaRPr lang="es-ES_tradnl"/>
           </a:p>
@@ -2105,7 +2105,7 @@
           <a:p>
             <a:fld id="{02329761-4139-EC4D-8014-1F5D651A2AAB}" type="datetimeFigureOut">
               <a:rPr lang="es-ES_tradnl" smtClean="0"/>
-              <a:t>16/05/16</a:t>
+              <a:t>16/05/2016</a:t>
             </a:fld>
             <a:endParaRPr lang="es-ES_tradnl"/>
           </a:p>
@@ -2155,7 +2155,7 @@
           <a:p>
             <a:fld id="{C5340882-AF97-6B4E-908F-056A5ABD283A}" type="slidenum">
               <a:rPr lang="es-ES_tradnl" smtClean="0"/>
-              <a:t>‹Nr.›</a:t>
+              <a:t>‹Nº›</a:t>
             </a:fld>
             <a:endParaRPr lang="es-ES_tradnl"/>
           </a:p>
@@ -2216,7 +2216,7 @@
           <a:p>
             <a:fld id="{02329761-4139-EC4D-8014-1F5D651A2AAB}" type="datetimeFigureOut">
               <a:rPr lang="es-ES_tradnl" smtClean="0"/>
-              <a:t>16/05/16</a:t>
+              <a:t>16/05/2016</a:t>
             </a:fld>
             <a:endParaRPr lang="es-ES_tradnl"/>
           </a:p>
@@ -2266,7 +2266,7 @@
           <a:p>
             <a:fld id="{C5340882-AF97-6B4E-908F-056A5ABD283A}" type="slidenum">
               <a:rPr lang="es-ES_tradnl" smtClean="0"/>
-              <a:t>‹Nr.›</a:t>
+              <a:t>‹Nº›</a:t>
             </a:fld>
             <a:endParaRPr lang="es-ES_tradnl"/>
           </a:p>
@@ -2509,7 +2509,7 @@
           <a:p>
             <a:fld id="{02329761-4139-EC4D-8014-1F5D651A2AAB}" type="datetimeFigureOut">
               <a:rPr lang="es-ES_tradnl" smtClean="0"/>
-              <a:t>16/05/16</a:t>
+              <a:t>16/05/2016</a:t>
             </a:fld>
             <a:endParaRPr lang="es-ES_tradnl"/>
           </a:p>
@@ -2559,7 +2559,7 @@
           <a:p>
             <a:fld id="{C5340882-AF97-6B4E-908F-056A5ABD283A}" type="slidenum">
               <a:rPr lang="es-ES_tradnl" smtClean="0"/>
-              <a:t>‹Nr.›</a:t>
+              <a:t>‹Nº›</a:t>
             </a:fld>
             <a:endParaRPr lang="es-ES_tradnl"/>
           </a:p>
@@ -2778,7 +2778,7 @@
           <a:p>
             <a:fld id="{02329761-4139-EC4D-8014-1F5D651A2AAB}" type="datetimeFigureOut">
               <a:rPr lang="es-ES_tradnl" smtClean="0"/>
-              <a:t>16/05/16</a:t>
+              <a:t>16/05/2016</a:t>
             </a:fld>
             <a:endParaRPr lang="es-ES_tradnl"/>
           </a:p>
@@ -2828,7 +2828,7 @@
           <a:p>
             <a:fld id="{C5340882-AF97-6B4E-908F-056A5ABD283A}" type="slidenum">
               <a:rPr lang="es-ES_tradnl" smtClean="0"/>
-              <a:t>‹Nr.›</a:t>
+              <a:t>‹Nº›</a:t>
             </a:fld>
             <a:endParaRPr lang="es-ES_tradnl"/>
           </a:p>
@@ -3211,14 +3211,14 @@
           </a:ln>
           <a:effectLst/>
           <a:extLst>
-            <a:ext uri="{909E8E84-426E-40dd-AFC4-6F175D3DCCD1}">
+            <a:ext uri="{909E8E84-426E-40DD-AFC4-6F175D3DCCD1}">
               <a14:hiddenFill xmlns:a14="http://schemas.microsoft.com/office/drawing/2010/main">
                 <a:solidFill>
                   <a:schemeClr val="accent1"/>
                 </a:solidFill>
               </a14:hiddenFill>
             </a:ext>
-            <a:ext uri="{91240B29-F687-4f45-9708-019B960494DF}">
+            <a:ext uri="{91240B29-F687-4F45-9708-019B960494DF}">
               <a14:hiddenLine xmlns:a14="http://schemas.microsoft.com/office/drawing/2010/main" w="9525">
                 <a:solidFill>
                   <a:schemeClr val="tx1"/>
@@ -3228,7 +3228,7 @@
                 <a:tailEnd/>
               </a14:hiddenLine>
             </a:ext>
-            <a:ext uri="{AF507438-7753-43e0-B8FC-AC1667EBCBE1}">
+            <a:ext uri="{AF507438-7753-43E0-B8FC-AC1667EBCBE1}">
               <a14:hiddenEffects xmlns:a14="http://schemas.microsoft.com/office/drawing/2010/main">
                 <a:effectLst>
                   <a:outerShdw blurRad="63500" dist="38099" dir="2700000" algn="ctr" rotWithShape="0">
@@ -5474,7 +5474,7 @@
                     <a:bodyPr/>
                     <a:lstStyle/>
                     <a:p>
-                      <a:endParaRPr lang="es-ES_tradnl" sz="1100" dirty="0">
+                      <a:endParaRPr lang="es-ES_tradnl" sz="1100">
                         <a:latin typeface="Arial" charset="0"/>
                         <a:ea typeface="Arial" charset="0"/>
                         <a:cs typeface="Arial" charset="0"/>
@@ -5700,7 +5700,7 @@
                     <a:bodyPr/>
                     <a:lstStyle/>
                     <a:p>
-                      <a:endParaRPr lang="es-ES_tradnl" sz="1100" dirty="0">
+                      <a:endParaRPr lang="es-ES_tradnl" sz="1100">
                         <a:latin typeface="Arial" charset="0"/>
                         <a:ea typeface="Arial" charset="0"/>
                         <a:cs typeface="Arial" charset="0"/>
@@ -5926,7 +5926,7 @@
                     <a:bodyPr/>
                     <a:lstStyle/>
                     <a:p>
-                      <a:endParaRPr lang="es-ES_tradnl" sz="1100" dirty="0">
+                      <a:endParaRPr lang="es-ES_tradnl" sz="1100">
                         <a:latin typeface="Arial" charset="0"/>
                         <a:ea typeface="Arial" charset="0"/>
                         <a:cs typeface="Arial" charset="0"/>
@@ -7144,7 +7144,7 @@
         </p:nvSpPr>
         <p:spPr>
           <a:xfrm>
-            <a:off x="4871545" y="972212"/>
+            <a:off x="4273233" y="937545"/>
             <a:ext cx="3394841" cy="323165"/>
           </a:xfrm>
           <a:prstGeom prst="rect">
@@ -7333,35 +7333,16 @@
           <a:chExt cx="0" cy="0"/>
         </a:xfrm>
       </p:grpSpPr>
-      <p:sp>
-        <p:nvSpPr>
-          <p:cNvPr id="2" name="Título 1"/>
-          <p:cNvSpPr>
-            <a:spLocks noGrp="1"/>
-          </p:cNvSpPr>
-          <p:nvPr>
-            <p:ph type="title"/>
-          </p:nvPr>
-        </p:nvSpPr>
-        <p:spPr/>
-        <p:txBody>
-          <a:bodyPr/>
-          <a:lstStyle/>
-          <a:p>
-            <a:endParaRPr lang="es-ES_tradnl"/>
-          </a:p>
-        </p:txBody>
-      </p:sp>
       <p:graphicFrame>
         <p:nvGraphicFramePr>
-          <p:cNvPr id="4" name="Tabla 3"/>
+          <p:cNvPr id="12" name="Tabla 11"/>
           <p:cNvGraphicFramePr>
             <a:graphicFrameLocks noGrp="1"/>
           </p:cNvGraphicFramePr>
           <p:nvPr>
             <p:extLst>
               <p:ext uri="{D42A27DB-BD31-4B8C-83A1-F6EECF244321}">
-                <p14:modId xmlns:p14="http://schemas.microsoft.com/office/powerpoint/2010/main" val="1938970399"/>
+                <p14:modId xmlns:p14="http://schemas.microsoft.com/office/powerpoint/2010/main" val="2912944808"/>
               </p:ext>
             </p:extLst>
           </p:nvPr>
@@ -7728,14 +7709,14 @@
       </p:graphicFrame>
       <p:graphicFrame>
         <p:nvGraphicFramePr>
-          <p:cNvPr id="5" name="Tabla 4"/>
+          <p:cNvPr id="13" name="Tabla 12"/>
           <p:cNvGraphicFramePr>
             <a:graphicFrameLocks noGrp="1"/>
           </p:cNvGraphicFramePr>
           <p:nvPr>
             <p:extLst>
               <p:ext uri="{D42A27DB-BD31-4B8C-83A1-F6EECF244321}">
-                <p14:modId xmlns:p14="http://schemas.microsoft.com/office/powerpoint/2010/main" val="2386140174"/>
+                <p14:modId xmlns:p14="http://schemas.microsoft.com/office/powerpoint/2010/main" val="3336395170"/>
               </p:ext>
             </p:extLst>
           </p:nvPr>
@@ -8174,14 +8155,14 @@
       </p:graphicFrame>
       <p:graphicFrame>
         <p:nvGraphicFramePr>
-          <p:cNvPr id="6" name="Tabla 5"/>
+          <p:cNvPr id="14" name="Tabla 13"/>
           <p:cNvGraphicFramePr>
             <a:graphicFrameLocks noGrp="1"/>
           </p:cNvGraphicFramePr>
           <p:nvPr>
             <p:extLst>
               <p:ext uri="{D42A27DB-BD31-4B8C-83A1-F6EECF244321}">
-                <p14:modId xmlns:p14="http://schemas.microsoft.com/office/powerpoint/2010/main" val="3708784987"/>
+                <p14:modId xmlns:p14="http://schemas.microsoft.com/office/powerpoint/2010/main" val="214822595"/>
               </p:ext>
             </p:extLst>
           </p:nvPr>
@@ -10819,7 +10800,26 @@
       </p:graphicFrame>
       <p:sp>
         <p:nvSpPr>
-          <p:cNvPr id="7" name="Rectángulo 6"/>
+          <p:cNvPr id="2" name="Título 1"/>
+          <p:cNvSpPr>
+            <a:spLocks noGrp="1"/>
+          </p:cNvSpPr>
+          <p:nvPr>
+            <p:ph type="title"/>
+          </p:nvPr>
+        </p:nvSpPr>
+        <p:spPr/>
+        <p:txBody>
+          <a:bodyPr/>
+          <a:lstStyle/>
+          <a:p>
+            <a:endParaRPr lang="es-ES_tradnl"/>
+          </a:p>
+        </p:txBody>
+      </p:sp>
+      <p:sp>
+        <p:nvSpPr>
+          <p:cNvPr id="15" name="Rectángulo 14"/>
           <p:cNvSpPr/>
           <p:nvPr/>
         </p:nvSpPr>
@@ -10867,7 +10867,7 @@
       </p:sp>
       <p:sp>
         <p:nvSpPr>
-          <p:cNvPr id="8" name="Rectángulo 7"/>
+          <p:cNvPr id="16" name="Rectángulo 15"/>
           <p:cNvSpPr/>
           <p:nvPr/>
         </p:nvSpPr>
@@ -10915,13 +10915,13 @@
       </p:sp>
       <p:sp>
         <p:nvSpPr>
-          <p:cNvPr id="10" name="CuadroTexto 9"/>
+          <p:cNvPr id="17" name="CuadroTexto 16"/>
           <p:cNvSpPr txBox="1"/>
           <p:nvPr/>
         </p:nvSpPr>
         <p:spPr>
           <a:xfrm>
-            <a:off x="4871545" y="972212"/>
+            <a:off x="4273233" y="937545"/>
             <a:ext cx="3394841" cy="323165"/>
           </a:xfrm>
           <a:prstGeom prst="rect">
@@ -10980,7 +10980,7 @@
       </p:sp>
       <p:sp>
         <p:nvSpPr>
-          <p:cNvPr id="12" name="CuadroTexto 11"/>
+          <p:cNvPr id="18" name="CuadroTexto 17"/>
           <p:cNvSpPr txBox="1"/>
           <p:nvPr/>
         </p:nvSpPr>
@@ -11031,7 +11031,7 @@
       </p:sp>
       <p:sp>
         <p:nvSpPr>
-          <p:cNvPr id="13" name="CuadroTexto 12"/>
+          <p:cNvPr id="19" name="CuadroTexto 18"/>
           <p:cNvSpPr txBox="1"/>
           <p:nvPr/>
         </p:nvSpPr>
@@ -11136,7 +11136,7 @@
     </a:clrScheme>
     <a:fontScheme name="Office">
       <a:majorFont>
-        <a:latin typeface="Calibri Light"/>
+        <a:latin typeface="Calibri Light" panose="020F0302020204030204"/>
         <a:ea typeface=""/>
         <a:cs typeface=""/>
         <a:font script="Jpan" typeface="Yu Gothic Light"/>
@@ -11171,7 +11171,7 @@
         <a:font script="Geor" typeface="Sylfaen"/>
       </a:majorFont>
       <a:minorFont>
-        <a:latin typeface="Calibri"/>
+        <a:latin typeface="Calibri" panose="020F0502020204030204"/>
         <a:ea typeface=""/>
         <a:cs typeface=""/>
         <a:font script="Jpan" typeface="Yu Gothic"/>
@@ -11348,7 +11348,7 @@
   <a:extraClrSchemeLst/>
   <a:extLst>
     <a:ext uri="{05A4C25C-085E-4340-85A3-A5531E510DB2}">
-      <thm15:themeFamily xmlns:thm15="http://schemas.microsoft.com/office/thememl/2012/main" xmlns="" name="Office Theme" id="{62F939B6-93AF-4DB8-9C6B-D6C7DFDC589F}" vid="{4A3C46E8-61CC-4603-A589-7422A47A8E4A}"/>
+      <thm15:themeFamily xmlns:thm15="http://schemas.microsoft.com/office/thememl/2012/main" name="Office Theme" id="{62F939B6-93AF-4DB8-9C6B-D6C7DFDC589F}" vid="{4A3C46E8-61CC-4603-A589-7422A47A8E4A}"/>
     </a:ext>
   </a:extLst>
 </a:theme>

--- a/djangoISSSTE/static/ppt/Ficha_Tecnica_Avance.pptx
+++ b/djangoISSSTE/static/ppt/Ficha_Tecnica_Avance.pptx
@@ -107,7 +107,7 @@
   </p:defaultTextStyle>
   <p:extLst>
     <p:ext uri="{EFAFB233-063F-42B5-8137-9DF3F51BA10A}">
-      <p15:sldGuideLst xmlns:p15="http://schemas.microsoft.com/office/powerpoint/2012/main"/>
+      <p15:sldGuideLst xmlns="" xmlns:p15="http://schemas.microsoft.com/office/powerpoint/2012/main"/>
     </p:ext>
   </p:extLst>
 </p:presentation>
@@ -580,7 +580,7 @@
           <a:p>
             <a:fld id="{02329761-4139-EC4D-8014-1F5D651A2AAB}" type="datetimeFigureOut">
               <a:rPr lang="es-ES_tradnl" smtClean="0"/>
-              <a:t>17/05/2016</a:t>
+              <a:t>23/05/16</a:t>
             </a:fld>
             <a:endParaRPr lang="es-ES_tradnl"/>
           </a:p>
@@ -630,7 +630,7 @@
           <a:p>
             <a:fld id="{C5340882-AF97-6B4E-908F-056A5ABD283A}" type="slidenum">
               <a:rPr lang="es-ES_tradnl" smtClean="0"/>
-              <a:t>‹Nº›</a:t>
+              <a:t>‹Nr.›</a:t>
             </a:fld>
             <a:endParaRPr lang="es-ES_tradnl"/>
           </a:p>
@@ -776,7 +776,7 @@
           <a:p>
             <a:fld id="{02329761-4139-EC4D-8014-1F5D651A2AAB}" type="datetimeFigureOut">
               <a:rPr lang="es-ES_tradnl" smtClean="0"/>
-              <a:t>17/05/2016</a:t>
+              <a:t>23/05/16</a:t>
             </a:fld>
             <a:endParaRPr lang="es-ES_tradnl"/>
           </a:p>
@@ -826,7 +826,7 @@
           <a:p>
             <a:fld id="{C5340882-AF97-6B4E-908F-056A5ABD283A}" type="slidenum">
               <a:rPr lang="es-ES_tradnl" smtClean="0"/>
-              <a:t>‹Nº›</a:t>
+              <a:t>‹Nr.›</a:t>
             </a:fld>
             <a:endParaRPr lang="es-ES_tradnl"/>
           </a:p>
@@ -1340,7 +1340,7 @@
           <a:p>
             <a:fld id="{02329761-4139-EC4D-8014-1F5D651A2AAB}" type="datetimeFigureOut">
               <a:rPr lang="es-ES_tradnl" smtClean="0"/>
-              <a:t>17/05/2016</a:t>
+              <a:t>23/05/16</a:t>
             </a:fld>
             <a:endParaRPr lang="es-ES_tradnl"/>
           </a:p>
@@ -1390,7 +1390,7 @@
           <a:p>
             <a:fld id="{C5340882-AF97-6B4E-908F-056A5ABD283A}" type="slidenum">
               <a:rPr lang="es-ES_tradnl" smtClean="0"/>
-              <a:t>‹Nº›</a:t>
+              <a:t>‹Nr.›</a:t>
             </a:fld>
             <a:endParaRPr lang="es-ES_tradnl"/>
           </a:p>
@@ -1588,7 +1588,7 @@
           <a:p>
             <a:fld id="{02329761-4139-EC4D-8014-1F5D651A2AAB}" type="datetimeFigureOut">
               <a:rPr lang="es-ES_tradnl" smtClean="0"/>
-              <a:t>17/05/2016</a:t>
+              <a:t>23/05/16</a:t>
             </a:fld>
             <a:endParaRPr lang="es-ES_tradnl"/>
           </a:p>
@@ -1638,7 +1638,7 @@
           <a:p>
             <a:fld id="{C5340882-AF97-6B4E-908F-056A5ABD283A}" type="slidenum">
               <a:rPr lang="es-ES_tradnl" smtClean="0"/>
-              <a:t>‹Nº›</a:t>
+              <a:t>‹Nr.›</a:t>
             </a:fld>
             <a:endParaRPr lang="es-ES_tradnl"/>
           </a:p>
@@ -1971,7 +1971,7 @@
           <a:p>
             <a:fld id="{02329761-4139-EC4D-8014-1F5D651A2AAB}" type="datetimeFigureOut">
               <a:rPr lang="es-ES_tradnl" smtClean="0"/>
-              <a:t>17/05/2016</a:t>
+              <a:t>23/05/16</a:t>
             </a:fld>
             <a:endParaRPr lang="es-ES_tradnl"/>
           </a:p>
@@ -2021,7 +2021,7 @@
           <a:p>
             <a:fld id="{C5340882-AF97-6B4E-908F-056A5ABD283A}" type="slidenum">
               <a:rPr lang="es-ES_tradnl" smtClean="0"/>
-              <a:t>‹Nº›</a:t>
+              <a:t>‹Nr.›</a:t>
             </a:fld>
             <a:endParaRPr lang="es-ES_tradnl"/>
           </a:p>
@@ -2105,7 +2105,7 @@
           <a:p>
             <a:fld id="{02329761-4139-EC4D-8014-1F5D651A2AAB}" type="datetimeFigureOut">
               <a:rPr lang="es-ES_tradnl" smtClean="0"/>
-              <a:t>17/05/2016</a:t>
+              <a:t>23/05/16</a:t>
             </a:fld>
             <a:endParaRPr lang="es-ES_tradnl"/>
           </a:p>
@@ -2155,7 +2155,7 @@
           <a:p>
             <a:fld id="{C5340882-AF97-6B4E-908F-056A5ABD283A}" type="slidenum">
               <a:rPr lang="es-ES_tradnl" smtClean="0"/>
-              <a:t>‹Nº›</a:t>
+              <a:t>‹Nr.›</a:t>
             </a:fld>
             <a:endParaRPr lang="es-ES_tradnl"/>
           </a:p>
@@ -2216,7 +2216,7 @@
           <a:p>
             <a:fld id="{02329761-4139-EC4D-8014-1F5D651A2AAB}" type="datetimeFigureOut">
               <a:rPr lang="es-ES_tradnl" smtClean="0"/>
-              <a:t>17/05/2016</a:t>
+              <a:t>23/05/16</a:t>
             </a:fld>
             <a:endParaRPr lang="es-ES_tradnl"/>
           </a:p>
@@ -2266,7 +2266,7 @@
           <a:p>
             <a:fld id="{C5340882-AF97-6B4E-908F-056A5ABD283A}" type="slidenum">
               <a:rPr lang="es-ES_tradnl" smtClean="0"/>
-              <a:t>‹Nº›</a:t>
+              <a:t>‹Nr.›</a:t>
             </a:fld>
             <a:endParaRPr lang="es-ES_tradnl"/>
           </a:p>
@@ -2509,7 +2509,7 @@
           <a:p>
             <a:fld id="{02329761-4139-EC4D-8014-1F5D651A2AAB}" type="datetimeFigureOut">
               <a:rPr lang="es-ES_tradnl" smtClean="0"/>
-              <a:t>17/05/2016</a:t>
+              <a:t>23/05/16</a:t>
             </a:fld>
             <a:endParaRPr lang="es-ES_tradnl"/>
           </a:p>
@@ -2559,7 +2559,7 @@
           <a:p>
             <a:fld id="{C5340882-AF97-6B4E-908F-056A5ABD283A}" type="slidenum">
               <a:rPr lang="es-ES_tradnl" smtClean="0"/>
-              <a:t>‹Nº›</a:t>
+              <a:t>‹Nr.›</a:t>
             </a:fld>
             <a:endParaRPr lang="es-ES_tradnl"/>
           </a:p>
@@ -2778,7 +2778,7 @@
           <a:p>
             <a:fld id="{02329761-4139-EC4D-8014-1F5D651A2AAB}" type="datetimeFigureOut">
               <a:rPr lang="es-ES_tradnl" smtClean="0"/>
-              <a:t>17/05/2016</a:t>
+              <a:t>23/05/16</a:t>
             </a:fld>
             <a:endParaRPr lang="es-ES_tradnl"/>
           </a:p>
@@ -2828,7 +2828,7 @@
           <a:p>
             <a:fld id="{C5340882-AF97-6B4E-908F-056A5ABD283A}" type="slidenum">
               <a:rPr lang="es-ES_tradnl" smtClean="0"/>
-              <a:t>‹Nº›</a:t>
+              <a:t>‹Nr.›</a:t>
             </a:fld>
             <a:endParaRPr lang="es-ES_tradnl"/>
           </a:p>
@@ -2925,39 +2925,6 @@
           <a:xfrm>
             <a:off x="0" y="722614"/>
             <a:ext cx="12192000" cy="217170"/>
-          </a:xfrm>
-          <a:prstGeom prst="rect">
-            <a:avLst/>
-          </a:prstGeom>
-          <a:noFill/>
-          <a:ln>
-            <a:noFill/>
-          </a:ln>
-        </p:spPr>
-      </p:pic>
-      <p:pic>
-        <p:nvPicPr>
-          <p:cNvPr id="7" name="Imagen 6" descr="/Users/jess/Dropbox/ISSSTE/propuestas de header/header_003.fw.png"/>
-          <p:cNvPicPr/>
-          <p:nvPr userDrawn="1"/>
-        </p:nvPicPr>
-        <p:blipFill>
-          <a:blip r:embed="rId15" cstate="print">
-            <a:extLst>
-              <a:ext uri="{28A0092B-C50C-407E-A947-70E740481C1C}">
-                <a14:useLocalDpi xmlns:a14="http://schemas.microsoft.com/office/drawing/2010/main" val="0"/>
-              </a:ext>
-            </a:extLst>
-          </a:blip>
-          <a:srcRect/>
-          <a:stretch>
-            <a:fillRect/>
-          </a:stretch>
-        </p:blipFill>
-        <p:spPr bwMode="auto">
-          <a:xfrm>
-            <a:off x="0" y="-53573"/>
-            <a:ext cx="12192000" cy="813970"/>
           </a:xfrm>
           <a:prstGeom prst="rect">
             <a:avLst/>
@@ -3163,7 +3130,7 @@
           <p:nvPr userDrawn="1"/>
         </p:nvPicPr>
         <p:blipFill>
-          <a:blip r:embed="rId16">
+          <a:blip r:embed="rId15">
             <a:extLst>
               <a:ext uri="{28A0092B-C50C-407E-A947-70E740481C1C}">
                 <a14:useLocalDpi xmlns:a14="http://schemas.microsoft.com/office/drawing/2010/main" val="0"/>
@@ -3177,7 +3144,7 @@
         </p:blipFill>
         <p:spPr bwMode="auto">
           <a:xfrm>
-            <a:off x="257490" y="28201"/>
+            <a:off x="257490" y="60859"/>
             <a:ext cx="1069975" cy="405130"/>
           </a:xfrm>
           <a:prstGeom prst="rect">
@@ -3211,14 +3178,14 @@
           </a:ln>
           <a:effectLst/>
           <a:extLst>
-            <a:ext uri="{909E8E84-426E-40DD-AFC4-6F175D3DCCD1}">
+            <a:ext uri="{909E8E84-426E-40dd-AFC4-6F175D3DCCD1}">
               <a14:hiddenFill xmlns:a14="http://schemas.microsoft.com/office/drawing/2010/main">
                 <a:solidFill>
                   <a:schemeClr val="accent1"/>
                 </a:solidFill>
               </a14:hiddenFill>
             </a:ext>
-            <a:ext uri="{91240B29-F687-4F45-9708-019B960494DF}">
+            <a:ext uri="{91240B29-F687-4f45-9708-019B960494DF}">
               <a14:hiddenLine xmlns:a14="http://schemas.microsoft.com/office/drawing/2010/main" w="9525">
                 <a:solidFill>
                   <a:schemeClr val="tx1"/>
@@ -3228,7 +3195,7 @@
                 <a:tailEnd/>
               </a14:hiddenLine>
             </a:ext>
-            <a:ext uri="{AF507438-7753-43E0-B8FC-AC1667EBCBE1}">
+            <a:ext uri="{AF507438-7753-43e0-B8FC-AC1667EBCBE1}">
               <a14:hiddenEffects xmlns:a14="http://schemas.microsoft.com/office/drawing/2010/main">
                 <a:effectLst>
                   <a:outerShdw blurRad="63500" dist="38099" dir="2700000" algn="ctr" rotWithShape="0">
@@ -3254,6 +3221,47 @@
           </a:p>
         </p:txBody>
       </p:sp>
+      <p:pic>
+        <p:nvPicPr>
+          <p:cNvPr id="1026" name="Picture 2" descr="C:\Users\Pam\Dropbox\ISSSTE_share\Imagenes\001_gradienteMenu.fw.png"/>
+          <p:cNvPicPr>
+            <a:picLocks noChangeAspect="1" noChangeArrowheads="1"/>
+          </p:cNvPicPr>
+          <p:nvPr userDrawn="1"/>
+        </p:nvPicPr>
+        <p:blipFill>
+          <a:blip r:embed="rId16">
+            <a:extLst>
+              <a:ext uri="{28A0092B-C50C-407E-A947-70E740481C1C}">
+                <a14:useLocalDpi xmlns:a14="http://schemas.microsoft.com/office/drawing/2010/main" val="0"/>
+              </a:ext>
+            </a:extLst>
+          </a:blip>
+          <a:srcRect/>
+          <a:stretch>
+            <a:fillRect/>
+          </a:stretch>
+        </p:blipFill>
+        <p:spPr bwMode="auto">
+          <a:xfrm>
+            <a:off x="0" y="532114"/>
+            <a:ext cx="12192000" cy="381000"/>
+          </a:xfrm>
+          <a:prstGeom prst="rect">
+            <a:avLst/>
+          </a:prstGeom>
+          <a:noFill/>
+          <a:extLst>
+            <a:ext uri="{909E8E84-426E-40dd-AFC4-6F175D3DCCD1}">
+              <a14:hiddenFill xmlns:a14="http://schemas.microsoft.com/office/drawing/2010/main">
+                <a:solidFill>
+                  <a:srgbClr val="FFFFFF"/>
+                </a:solidFill>
+              </a14:hiddenFill>
+            </a:ext>
+          </a:extLst>
+        </p:spPr>
+      </p:pic>
     </p:spTree>
     <p:extLst>
       <p:ext uri="{BB962C8B-B14F-4D97-AF65-F5344CB8AC3E}">
@@ -3584,7 +3592,7 @@
           <p:nvPr>
             <p:extLst>
               <p:ext uri="{D42A27DB-BD31-4B8C-83A1-F6EECF244321}">
-                <p14:modId xmlns:p14="http://schemas.microsoft.com/office/powerpoint/2010/main" val="270214831"/>
+                <p14:modId xmlns:p14="http://schemas.microsoft.com/office/powerpoint/2010/main" val="2550833179"/>
               </p:ext>
             </p:extLst>
           </p:nvPr>
@@ -3958,7 +3966,7 @@
           <p:nvPr>
             <p:extLst>
               <p:ext uri="{D42A27DB-BD31-4B8C-83A1-F6EECF244321}">
-                <p14:modId xmlns:p14="http://schemas.microsoft.com/office/powerpoint/2010/main" val="3789075481"/>
+                <p14:modId xmlns:p14="http://schemas.microsoft.com/office/powerpoint/2010/main" val="3157161627"/>
               </p:ext>
             </p:extLst>
           </p:nvPr>
@@ -4309,21 +4317,7 @@
                           <a:ea typeface="Arial" charset="0"/>
                           <a:cs typeface="Arial" charset="0"/>
                         </a:rPr>
-                        <a:t>Observaciones</a:t>
-                      </a:r>
-                      <a:r>
-                        <a:rPr lang="es-ES" sz="1100" b="0" dirty="0" smtClean="0">
-                          <a:solidFill>
-                            <a:schemeClr val="tx1">
-                              <a:lumMod val="75000"/>
-                              <a:lumOff val="25000"/>
-                            </a:schemeClr>
-                          </a:solidFill>
-                          <a:latin typeface="Arial" charset="0"/>
-                          <a:ea typeface="Arial" charset="0"/>
-                          <a:cs typeface="Arial" charset="0"/>
-                        </a:rPr>
-                        <a:t>:</a:t>
+                        <a:t>Observaciones:</a:t>
                       </a:r>
                       <a:endParaRPr lang="es-ES_tradnl" sz="1100" b="0" dirty="0">
                         <a:solidFill>
@@ -4418,7 +4412,7 @@
           <p:nvPr>
             <p:extLst>
               <p:ext uri="{D42A27DB-BD31-4B8C-83A1-F6EECF244321}">
-                <p14:modId xmlns:p14="http://schemas.microsoft.com/office/powerpoint/2010/main" val="505106438"/>
+                <p14:modId xmlns:p14="http://schemas.microsoft.com/office/powerpoint/2010/main" val="1588620688"/>
               </p:ext>
             </p:extLst>
           </p:nvPr>
@@ -8205,7 +8199,7 @@
     </p:spTree>
     <p:extLst>
       <p:ext uri="{BB962C8B-B14F-4D97-AF65-F5344CB8AC3E}">
-        <p14:creationId xmlns:p14="http://schemas.microsoft.com/office/powerpoint/2010/main" val="521320471"/>
+        <p14:creationId xmlns:p14="http://schemas.microsoft.com/office/powerpoint/2010/main" val="437768736"/>
       </p:ext>
     </p:extLst>
   </p:cSld>
@@ -8241,7 +8235,7 @@
           <p:nvPr>
             <p:extLst>
               <p:ext uri="{D42A27DB-BD31-4B8C-83A1-F6EECF244321}">
-                <p14:modId xmlns:p14="http://schemas.microsoft.com/office/powerpoint/2010/main" val="2265154793"/>
+                <p14:modId xmlns:p14="http://schemas.microsoft.com/office/powerpoint/2010/main" val="2688541911"/>
               </p:ext>
             </p:extLst>
           </p:nvPr>
@@ -8615,7 +8609,7 @@
           <p:nvPr>
             <p:extLst>
               <p:ext uri="{D42A27DB-BD31-4B8C-83A1-F6EECF244321}">
-                <p14:modId xmlns:p14="http://schemas.microsoft.com/office/powerpoint/2010/main" val="1741369671"/>
+                <p14:modId xmlns:p14="http://schemas.microsoft.com/office/powerpoint/2010/main" val="3064768067"/>
               </p:ext>
             </p:extLst>
           </p:nvPr>
@@ -9061,7 +9055,7 @@
           <p:nvPr>
             <p:extLst>
               <p:ext uri="{D42A27DB-BD31-4B8C-83A1-F6EECF244321}">
-                <p14:modId xmlns:p14="http://schemas.microsoft.com/office/powerpoint/2010/main" val="3310895408"/>
+                <p14:modId xmlns:p14="http://schemas.microsoft.com/office/powerpoint/2010/main" val="109208099"/>
               </p:ext>
             </p:extLst>
           </p:nvPr>
@@ -12867,7 +12861,7 @@
     </p:spTree>
     <p:extLst>
       <p:ext uri="{BB962C8B-B14F-4D97-AF65-F5344CB8AC3E}">
-        <p14:creationId xmlns:p14="http://schemas.microsoft.com/office/powerpoint/2010/main" val="2097948831"/>
+        <p14:creationId xmlns:p14="http://schemas.microsoft.com/office/powerpoint/2010/main" val="1148988192"/>
       </p:ext>
     </p:extLst>
   </p:cSld>
@@ -12920,7 +12914,7 @@
     </a:clrScheme>
     <a:fontScheme name="Office">
       <a:majorFont>
-        <a:latin typeface="Calibri Light" panose="020F0302020204030204"/>
+        <a:latin typeface="Calibri Light"/>
         <a:ea typeface=""/>
         <a:cs typeface=""/>
         <a:font script="Jpan" typeface="Yu Gothic Light"/>
@@ -12955,7 +12949,7 @@
         <a:font script="Geor" typeface="Sylfaen"/>
       </a:majorFont>
       <a:minorFont>
-        <a:latin typeface="Calibri" panose="020F0502020204030204"/>
+        <a:latin typeface="Calibri"/>
         <a:ea typeface=""/>
         <a:cs typeface=""/>
         <a:font script="Jpan" typeface="Yu Gothic"/>
@@ -13132,7 +13126,7 @@
   <a:extraClrSchemeLst/>
   <a:extLst>
     <a:ext uri="{05A4C25C-085E-4340-85A3-A5531E510DB2}">
-      <thm15:themeFamily xmlns:thm15="http://schemas.microsoft.com/office/thememl/2012/main" name="Office Theme" id="{62F939B6-93AF-4DB8-9C6B-D6C7DFDC589F}" vid="{4A3C46E8-61CC-4603-A589-7422A47A8E4A}"/>
+      <thm15:themeFamily xmlns="" xmlns:thm15="http://schemas.microsoft.com/office/thememl/2012/main" name="Office Theme" id="{62F939B6-93AF-4DB8-9C6B-D6C7DFDC589F}" vid="{4A3C46E8-61CC-4603-A589-7422A47A8E4A}"/>
     </a:ext>
   </a:extLst>
 </a:theme>

--- a/djangoISSSTE/static/ppt/Ficha_Tecnica_Avance.pptx
+++ b/djangoISSSTE/static/ppt/Ficha_Tecnica_Avance.pptx
@@ -107,7 +107,7 @@
   </p:defaultTextStyle>
   <p:extLst>
     <p:ext uri="{EFAFB233-063F-42B5-8137-9DF3F51BA10A}">
-      <p15:sldGuideLst xmlns="" xmlns:p15="http://schemas.microsoft.com/office/powerpoint/2012/main"/>
+      <p15:sldGuideLst xmlns:p15="http://schemas.microsoft.com/office/powerpoint/2012/main" xmlns=""/>
     </p:ext>
   </p:extLst>
 </p:presentation>
@@ -3966,7 +3966,7 @@
           <p:nvPr>
             <p:extLst>
               <p:ext uri="{D42A27DB-BD31-4B8C-83A1-F6EECF244321}">
-                <p14:modId xmlns:p14="http://schemas.microsoft.com/office/powerpoint/2010/main" val="3157161627"/>
+                <p14:modId xmlns:p14="http://schemas.microsoft.com/office/powerpoint/2010/main" val="698736616"/>
               </p:ext>
             </p:extLst>
           </p:nvPr>
@@ -3982,8 +3982,8 @@
                 <a:tableStyleId>{5C22544A-7EE6-4342-B048-85BDC9FD1C3A}</a:tableStyleId>
               </a:tblPr>
               <a:tblGrid>
-                <a:gridCol w="1678597"/>
-                <a:gridCol w="4480465"/>
+                <a:gridCol w="1418809"/>
+                <a:gridCol w="4740253"/>
               </a:tblGrid>
               <a:tr h="229006">
                 <a:tc>
@@ -8609,7 +8609,7 @@
           <p:nvPr>
             <p:extLst>
               <p:ext uri="{D42A27DB-BD31-4B8C-83A1-F6EECF244321}">
-                <p14:modId xmlns:p14="http://schemas.microsoft.com/office/powerpoint/2010/main" val="3064768067"/>
+                <p14:modId xmlns:p14="http://schemas.microsoft.com/office/powerpoint/2010/main" val="788746643"/>
               </p:ext>
             </p:extLst>
           </p:nvPr>
@@ -8625,8 +8625,8 @@
                 <a:tableStyleId>{5C22544A-7EE6-4342-B048-85BDC9FD1C3A}</a:tableStyleId>
               </a:tblPr>
               <a:tblGrid>
-                <a:gridCol w="1678597"/>
-                <a:gridCol w="4480465"/>
+                <a:gridCol w="1418809"/>
+                <a:gridCol w="4740253"/>
               </a:tblGrid>
               <a:tr h="229006">
                 <a:tc>
@@ -12717,7 +12717,7 @@
         </p:nvSpPr>
         <p:spPr>
           <a:xfrm>
-            <a:off x="10400765" y="676910"/>
+            <a:off x="10382359" y="695315"/>
             <a:ext cx="1969912" cy="307777"/>
           </a:xfrm>
           <a:prstGeom prst="rect">
@@ -13126,7 +13126,7 @@
   <a:extraClrSchemeLst/>
   <a:extLst>
     <a:ext uri="{05A4C25C-085E-4340-85A3-A5531E510DB2}">
-      <thm15:themeFamily xmlns="" xmlns:thm15="http://schemas.microsoft.com/office/thememl/2012/main" name="Office Theme" id="{62F939B6-93AF-4DB8-9C6B-D6C7DFDC589F}" vid="{4A3C46E8-61CC-4603-A589-7422A47A8E4A}"/>
+      <thm15:themeFamily xmlns:thm15="http://schemas.microsoft.com/office/thememl/2012/main" xmlns="" name="Office Theme" id="{62F939B6-93AF-4DB8-9C6B-D6C7DFDC589F}" vid="{4A3C46E8-61CC-4603-A589-7422A47A8E4A}"/>
     </a:ext>
   </a:extLst>
 </a:theme>
